--- a/Presentation.pptx
+++ b/Presentation.pptx
@@ -17,14 +17,13 @@
     <p:sldId id="260" r:id="rId11"/>
     <p:sldId id="273" r:id="rId12"/>
     <p:sldId id="261" r:id="rId13"/>
-    <p:sldId id="263" r:id="rId14"/>
-    <p:sldId id="264" r:id="rId15"/>
-    <p:sldId id="278" r:id="rId16"/>
-    <p:sldId id="265" r:id="rId17"/>
-    <p:sldId id="276" r:id="rId18"/>
-    <p:sldId id="277" r:id="rId19"/>
+    <p:sldId id="264" r:id="rId14"/>
+    <p:sldId id="286" r:id="rId15"/>
+    <p:sldId id="285" r:id="rId16"/>
+    <p:sldId id="278" r:id="rId17"/>
+    <p:sldId id="265" r:id="rId18"/>
+    <p:sldId id="276" r:id="rId19"/>
     <p:sldId id="267" r:id="rId20"/>
-    <p:sldId id="268" r:id="rId21"/>
   </p:sldIdLst>
   <p:sldSz cx="12192000" cy="6858000"/>
   <p:notesSz cx="6858000" cy="9144000"/>
@@ -270,7 +269,7 @@
           <a:p>
             <a:fld id="{48A87A34-81AB-432B-8DAE-1953F412C126}" type="datetimeFigureOut">
               <a:rPr lang="en-US" smtClean="0"/>
-              <a:t>3/22/2020</a:t>
+              <a:t>4/1/2020</a:t>
             </a:fld>
             <a:endParaRPr lang="en-US" dirty="0"/>
           </a:p>
@@ -481,7 +480,7 @@
           <a:p>
             <a:fld id="{48A87A34-81AB-432B-8DAE-1953F412C126}" type="datetimeFigureOut">
               <a:rPr lang="en-US" smtClean="0"/>
-              <a:t>3/22/2020</a:t>
+              <a:t>4/1/2020</a:t>
             </a:fld>
             <a:endParaRPr lang="en-US" dirty="0"/>
           </a:p>
@@ -696,7 +695,7 @@
           <a:p>
             <a:fld id="{48A87A34-81AB-432B-8DAE-1953F412C126}" type="datetimeFigureOut">
               <a:rPr lang="en-US" smtClean="0"/>
-              <a:t>3/22/2020</a:t>
+              <a:t>4/1/2020</a:t>
             </a:fld>
             <a:endParaRPr lang="en-US" dirty="0"/>
           </a:p>
@@ -897,7 +896,7 @@
           <a:p>
             <a:fld id="{48A87A34-81AB-432B-8DAE-1953F412C126}" type="datetimeFigureOut">
               <a:rPr lang="en-US" smtClean="0"/>
-              <a:t>3/22/2020</a:t>
+              <a:t>4/1/2020</a:t>
             </a:fld>
             <a:endParaRPr lang="en-US" dirty="0"/>
           </a:p>
@@ -1176,7 +1175,7 @@
           <a:p>
             <a:fld id="{48A87A34-81AB-432B-8DAE-1953F412C126}" type="datetimeFigureOut">
               <a:rPr lang="en-US" smtClean="0"/>
-              <a:t>3/22/2020</a:t>
+              <a:t>4/1/2020</a:t>
             </a:fld>
             <a:endParaRPr lang="en-US" dirty="0"/>
           </a:p>
@@ -1444,7 +1443,7 @@
           <a:p>
             <a:fld id="{48A87A34-81AB-432B-8DAE-1953F412C126}" type="datetimeFigureOut">
               <a:rPr lang="en-US" smtClean="0"/>
-              <a:t>3/22/2020</a:t>
+              <a:t>4/1/2020</a:t>
             </a:fld>
             <a:endParaRPr lang="en-US" dirty="0"/>
           </a:p>
@@ -1860,7 +1859,7 @@
           <a:p>
             <a:fld id="{48A87A34-81AB-432B-8DAE-1953F412C126}" type="datetimeFigureOut">
               <a:rPr lang="en-US" smtClean="0"/>
-              <a:t>3/22/2020</a:t>
+              <a:t>4/1/2020</a:t>
             </a:fld>
             <a:endParaRPr lang="en-US" dirty="0"/>
           </a:p>
@@ -2009,7 +2008,7 @@
           <a:p>
             <a:fld id="{48A87A34-81AB-432B-8DAE-1953F412C126}" type="datetimeFigureOut">
               <a:rPr lang="en-US" smtClean="0"/>
-              <a:t>3/22/2020</a:t>
+              <a:t>4/1/2020</a:t>
             </a:fld>
             <a:endParaRPr lang="en-US" dirty="0"/>
           </a:p>
@@ -2135,7 +2134,7 @@
           <a:p>
             <a:fld id="{48A87A34-81AB-432B-8DAE-1953F412C126}" type="datetimeFigureOut">
               <a:rPr lang="en-US" smtClean="0"/>
-              <a:t>3/22/2020</a:t>
+              <a:t>4/1/2020</a:t>
             </a:fld>
             <a:endParaRPr lang="en-US" dirty="0"/>
           </a:p>
@@ -2386,7 +2385,7 @@
           <a:p>
             <a:fld id="{48A87A34-81AB-432B-8DAE-1953F412C126}" type="datetimeFigureOut">
               <a:rPr lang="en-US" smtClean="0"/>
-              <a:t>3/22/2020</a:t>
+              <a:t>4/1/2020</a:t>
             </a:fld>
             <a:endParaRPr lang="en-US" dirty="0"/>
           </a:p>
@@ -2832,7 +2831,7 @@
             <a:fld id="{48A87A34-81AB-432B-8DAE-1953F412C126}" type="datetimeFigureOut">
               <a:rPr lang="en-US" smtClean="0"/>
               <a:pPr/>
-              <a:t>3/22/2020</a:t>
+              <a:t>4/1/2020</a:t>
             </a:fld>
             <a:endParaRPr lang="en-US" dirty="0"/>
           </a:p>
@@ -3160,7 +3159,7 @@
             <a:fld id="{48A87A34-81AB-432B-8DAE-1953F412C126}" type="datetimeFigureOut">
               <a:rPr lang="en-US" smtClean="0"/>
               <a:pPr/>
-              <a:t>3/22/2020</a:t>
+              <a:t>4/1/2020</a:t>
             </a:fld>
             <a:endParaRPr lang="en-US" dirty="0"/>
           </a:p>
@@ -3662,7 +3661,7 @@
         <p:spPr>
           <a:xfrm>
             <a:off x="1733551" y="2095499"/>
-            <a:ext cx="9431500" cy="1015663"/>
+            <a:ext cx="9431500" cy="923330"/>
           </a:xfrm>
           <a:prstGeom prst="rect">
             <a:avLst/>
@@ -3675,9 +3674,16 @@
           </a:bodyPr>
           <a:lstStyle/>
           <a:p>
-            <a:pPr algn="ctr"/>
-            <a:r>
-              <a:rPr lang="he-IL" sz="6000" b="1" cap="none" spc="0" dirty="0">
+            <a:pPr algn="ctr" defTabSz="914400" rtl="1">
+              <a:lnSpc>
+                <a:spcPct val="90000"/>
+              </a:lnSpc>
+              <a:spcBef>
+                <a:spcPct val="0"/>
+              </a:spcBef>
+            </a:pPr>
+            <a:r>
+              <a:rPr lang="he-IL" sz="6000" b="1" dirty="0">
                 <a:ln w="9525">
                   <a:solidFill>
                     <a:schemeClr val="bg1"/>
@@ -3685,7 +3691,9 @@
                   <a:prstDash val="solid"/>
                 </a:ln>
                 <a:solidFill>
-                  <a:schemeClr val="accent5"/>
+                  <a:schemeClr val="accent2">
+                    <a:lumMod val="75000"/>
+                  </a:schemeClr>
                 </a:solidFill>
                 <a:effectLst>
                   <a:outerShdw blurRad="12700" dist="38100" dir="2700000" algn="tl" rotWithShape="0">
@@ -3695,8 +3703,77 @@
                     </a:schemeClr>
                   </a:outerShdw>
                 </a:effectLst>
+                <a:latin typeface="+mj-lt"/>
+                <a:ea typeface="+mj-ea"/>
+                <a:cs typeface="+mj-cs"/>
               </a:rPr>
               <a:t>סיכום פרויקט בעיבוד נתונים</a:t>
+            </a:r>
+          </a:p>
+        </p:txBody>
+      </p:sp>
+      <p:sp>
+        <p:nvSpPr>
+          <p:cNvPr id="3" name="מלבן 3">
+            <a:extLst>
+              <a:ext uri="{FF2B5EF4-FFF2-40B4-BE49-F238E27FC236}">
+                <a16:creationId xmlns:a16="http://schemas.microsoft.com/office/drawing/2014/main" id="{15D6497B-2285-4AED-8C3C-C965165B8014}"/>
+              </a:ext>
+            </a:extLst>
+          </p:cNvPr>
+          <p:cNvSpPr/>
+          <p:nvPr/>
+        </p:nvSpPr>
+        <p:spPr>
+          <a:xfrm>
+            <a:off x="1666000" y="5543549"/>
+            <a:ext cx="9431500" cy="535531"/>
+          </a:xfrm>
+          <a:prstGeom prst="rect">
+            <a:avLst/>
+          </a:prstGeom>
+          <a:noFill/>
+        </p:spPr>
+        <p:txBody>
+          <a:bodyPr wrap="square" lIns="91440" tIns="45720" rIns="91440" bIns="45720">
+            <a:spAutoFit/>
+          </a:bodyPr>
+          <a:lstStyle/>
+          <a:p>
+            <a:pPr algn="ctr" defTabSz="914400" rtl="1">
+              <a:lnSpc>
+                <a:spcPct val="90000"/>
+              </a:lnSpc>
+              <a:spcBef>
+                <a:spcPct val="0"/>
+              </a:spcBef>
+            </a:pPr>
+            <a:r>
+              <a:rPr lang="he-IL" sz="3200" b="1" dirty="0">
+                <a:ln w="9525">
+                  <a:solidFill>
+                    <a:schemeClr val="bg1"/>
+                  </a:solidFill>
+                  <a:prstDash val="solid"/>
+                </a:ln>
+                <a:solidFill>
+                  <a:schemeClr val="accent2">
+                    <a:lumMod val="75000"/>
+                  </a:schemeClr>
+                </a:solidFill>
+                <a:effectLst>
+                  <a:outerShdw blurRad="12700" dist="38100" dir="2700000" algn="tl" rotWithShape="0">
+                    <a:schemeClr val="accent5">
+                      <a:lumMod val="60000"/>
+                      <a:lumOff val="40000"/>
+                    </a:schemeClr>
+                  </a:outerShdw>
+                </a:effectLst>
+                <a:latin typeface="+mj-lt"/>
+                <a:ea typeface="+mj-ea"/>
+                <a:cs typeface="+mj-cs"/>
+              </a:rPr>
+              <a:t>סמסטר חורף 2019-2020</a:t>
             </a:r>
           </a:p>
         </p:txBody>
@@ -3818,6 +3895,105 @@
                       </p:childTnLst>
                     </p:cTn>
                   </p:par>
+                  <p:par>
+                    <p:cTn id="10" fill="hold">
+                      <p:stCondLst>
+                        <p:cond delay="indefinite"/>
+                      </p:stCondLst>
+                      <p:childTnLst>
+                        <p:par>
+                          <p:cTn id="11" fill="hold">
+                            <p:stCondLst>
+                              <p:cond delay="0"/>
+                            </p:stCondLst>
+                            <p:childTnLst>
+                              <p:par>
+                                <p:cTn id="12" presetID="42" presetClass="entr" presetSubtype="0" fill="hold" grpId="0" nodeType="clickEffect">
+                                  <p:stCondLst>
+                                    <p:cond delay="0"/>
+                                  </p:stCondLst>
+                                  <p:childTnLst>
+                                    <p:set>
+                                      <p:cBhvr>
+                                        <p:cTn id="13" dur="1" fill="hold">
+                                          <p:stCondLst>
+                                            <p:cond delay="0"/>
+                                          </p:stCondLst>
+                                        </p:cTn>
+                                        <p:tgtEl>
+                                          <p:spTgt spid="3"/>
+                                        </p:tgtEl>
+                                        <p:attrNameLst>
+                                          <p:attrName>style.visibility</p:attrName>
+                                        </p:attrNameLst>
+                                      </p:cBhvr>
+                                      <p:to>
+                                        <p:strVal val="visible"/>
+                                      </p:to>
+                                    </p:set>
+                                    <p:animEffect transition="in" filter="fade">
+                                      <p:cBhvr>
+                                        <p:cTn id="14" dur="1000"/>
+                                        <p:tgtEl>
+                                          <p:spTgt spid="3"/>
+                                        </p:tgtEl>
+                                      </p:cBhvr>
+                                    </p:animEffect>
+                                    <p:anim calcmode="lin" valueType="num">
+                                      <p:cBhvr>
+                                        <p:cTn id="15" dur="1000" fill="hold"/>
+                                        <p:tgtEl>
+                                          <p:spTgt spid="3"/>
+                                        </p:tgtEl>
+                                        <p:attrNameLst>
+                                          <p:attrName>ppt_x</p:attrName>
+                                        </p:attrNameLst>
+                                      </p:cBhvr>
+                                      <p:tavLst>
+                                        <p:tav tm="0">
+                                          <p:val>
+                                            <p:strVal val="#ppt_x"/>
+                                          </p:val>
+                                        </p:tav>
+                                        <p:tav tm="100000">
+                                          <p:val>
+                                            <p:strVal val="#ppt_x"/>
+                                          </p:val>
+                                        </p:tav>
+                                      </p:tavLst>
+                                    </p:anim>
+                                    <p:anim calcmode="lin" valueType="num">
+                                      <p:cBhvr>
+                                        <p:cTn id="16" dur="1000" fill="hold"/>
+                                        <p:tgtEl>
+                                          <p:spTgt spid="3"/>
+                                        </p:tgtEl>
+                                        <p:attrNameLst>
+                                          <p:attrName>ppt_y</p:attrName>
+                                        </p:attrNameLst>
+                                      </p:cBhvr>
+                                      <p:tavLst>
+                                        <p:tav tm="0">
+                                          <p:val>
+                                            <p:strVal val="#ppt_y+.1"/>
+                                          </p:val>
+                                        </p:tav>
+                                        <p:tav tm="100000">
+                                          <p:val>
+                                            <p:strVal val="#ppt_y"/>
+                                          </p:val>
+                                        </p:tav>
+                                      </p:tavLst>
+                                    </p:anim>
+                                  </p:childTnLst>
+                                </p:cTn>
+                              </p:par>
+                            </p:childTnLst>
+                          </p:cTn>
+                        </p:par>
+                      </p:childTnLst>
+                    </p:cTn>
+                  </p:par>
                 </p:childTnLst>
               </p:cTn>
               <p:prevCondLst>
@@ -3841,6 +4017,7 @@
     </p:tnLst>
     <p:bldLst>
       <p:bldP spid="4" grpId="0"/>
+      <p:bldP spid="3" grpId="0"/>
     </p:bldLst>
   </p:timing>
 </p:sld>
@@ -3882,7 +4059,7 @@
         <p:spPr/>
         <p:txBody>
           <a:bodyPr>
-            <a:normAutofit fontScale="85000" lnSpcReduction="10000"/>
+            <a:noAutofit/>
           </a:bodyPr>
           <a:lstStyle/>
           <a:p>
@@ -3955,13 +4132,13 @@
             </a:r>
             <a:r>
               <a:rPr lang="he-IL" dirty="0"/>
-              <a:t>, לפיו תיוג הנקבע בשיטת הרוב קובע בהתאם לתוצאות פונקציות התיוג. </a:t>
-            </a:r>
-          </a:p>
-          <a:p>
-            <a:r>
-              <a:rPr lang="he-IL" dirty="0"/>
-              <a:t>נציין שבמודל זה יש חסרון שהוא הטיית הרוב. בתחילת התהליך הגדרנו מספר רב של פונקציות תיוג וראינו כי הן מגדילות את מספר ה</a:t>
+              <a:t>, לפיו תיוג נקבע בשיטת הרוב קובע בהתאם לתוצאות פונקציות התיוג. </a:t>
+            </a:r>
+          </a:p>
+          <a:p>
+            <a:r>
+              <a:rPr lang="he-IL" dirty="0"/>
+              <a:t>נציין שבמודל זה יש חסרון שהוא הטיית הרוב. בתחילת התהליך הגדרנו מספר רב של פונקציות תיוג, וראינו כי הן מגדילות את מספר ה </a:t>
             </a:r>
             <a:r>
               <a:rPr lang="en-US" dirty="0"/>
@@ -3973,35 +4150,7 @@
             </a:r>
           </a:p>
           <a:p>
-            <a:pPr marL="0" indent="0">
-              <a:buNone/>
-            </a:pPr>
             <a:endParaRPr lang="he-IL" dirty="0"/>
-          </a:p>
-          <a:p>
-            <a:pPr marL="0" indent="0">
-              <a:buNone/>
-            </a:pPr>
-            <a:r>
-              <a:rPr lang="he-IL" b="1" dirty="0"/>
-              <a:t>להרחיב על ה</a:t>
-            </a:r>
-            <a:r>
-              <a:rPr lang="en-US" b="1" dirty="0"/>
-              <a:t>test set </a:t>
-            </a:r>
-            <a:r>
-              <a:rPr lang="he-IL" b="1" dirty="0"/>
-              <a:t> בשלב ה</a:t>
-            </a:r>
-            <a:r>
-              <a:rPr lang="en-US" b="1" dirty="0"/>
-              <a:t>classifier</a:t>
-            </a:r>
-            <a:r>
-              <a:rPr lang="he-IL" b="1" dirty="0"/>
-              <a:t>!</a:t>
-            </a:r>
           </a:p>
           <a:p>
             <a:pPr marL="0" indent="0">
@@ -4025,8 +4174,8 @@
         </p:nvSpPr>
         <p:spPr>
           <a:xfrm>
-            <a:off x="4405595" y="633710"/>
-            <a:ext cx="3695243" cy="1015663"/>
+            <a:off x="4305407" y="633710"/>
+            <a:ext cx="3895618" cy="923330"/>
           </a:xfrm>
           <a:prstGeom prst="rect">
             <a:avLst/>
@@ -4039,9 +4188,16 @@
           </a:bodyPr>
           <a:lstStyle/>
           <a:p>
-            <a:pPr algn="ctr"/>
-            <a:r>
-              <a:rPr lang="he-IL" sz="6000" b="1" cap="none" spc="0" dirty="0">
+            <a:pPr algn="ctr" defTabSz="914400" rtl="1">
+              <a:lnSpc>
+                <a:spcPct val="90000"/>
+              </a:lnSpc>
+              <a:spcBef>
+                <a:spcPct val="0"/>
+              </a:spcBef>
+            </a:pPr>
+            <a:r>
+              <a:rPr lang="he-IL" sz="6000" b="1" dirty="0">
                 <a:ln w="9525">
                   <a:solidFill>
                     <a:schemeClr val="bg1"/>
@@ -4049,7 +4205,9 @@
                   <a:prstDash val="solid"/>
                 </a:ln>
                 <a:solidFill>
-                  <a:schemeClr val="accent5"/>
+                  <a:schemeClr val="accent2">
+                    <a:lumMod val="75000"/>
+                  </a:schemeClr>
                 </a:solidFill>
                 <a:effectLst>
                   <a:outerShdw blurRad="12700" dist="38100" dir="2700000" algn="tl" rotWithShape="0">
@@ -4059,8 +4217,11 @@
                     </a:schemeClr>
                   </a:outerShdw>
                 </a:effectLst>
+                <a:latin typeface="+mj-lt"/>
+                <a:ea typeface="+mj-ea"/>
+                <a:cs typeface="+mj-cs"/>
               </a:rPr>
-              <a:t>תיוג המידע</a:t>
+              <a:t>2 תיוג המידע</a:t>
             </a:r>
           </a:p>
         </p:txBody>
@@ -4113,10 +4274,80 @@
         </p:nvSpPr>
         <p:spPr/>
         <p:txBody>
-          <a:bodyPr/>
+          <a:bodyPr>
+            <a:normAutofit fontScale="90000"/>
+          </a:bodyPr>
           <a:lstStyle/>
           <a:p>
-            <a:endParaRPr lang="he-IL"/>
+            <a:pPr algn="ctr"/>
+            <a:r>
+              <a:rPr lang="he-IL" sz="6000" b="1" dirty="0">
+                <a:ln w="9525">
+                  <a:solidFill>
+                    <a:schemeClr val="bg1"/>
+                  </a:solidFill>
+                  <a:prstDash val="solid"/>
+                </a:ln>
+                <a:solidFill>
+                  <a:schemeClr val="accent2">
+                    <a:lumMod val="75000"/>
+                  </a:schemeClr>
+                </a:solidFill>
+                <a:effectLst>
+                  <a:outerShdw blurRad="12700" dist="38100" dir="2700000" algn="tl" rotWithShape="0">
+                    <a:schemeClr val="accent5">
+                      <a:lumMod val="60000"/>
+                      <a:lumOff val="40000"/>
+                    </a:schemeClr>
+                  </a:outerShdw>
+                </a:effectLst>
+              </a:rPr>
+              <a:t>2 תיוג המידע</a:t>
+            </a:r>
+            <a:br>
+              <a:rPr lang="he-IL" sz="6000" b="1" dirty="0">
+                <a:ln w="9525">
+                  <a:solidFill>
+                    <a:schemeClr val="bg1"/>
+                  </a:solidFill>
+                  <a:prstDash val="solid"/>
+                </a:ln>
+                <a:solidFill>
+                  <a:schemeClr val="accent2">
+                    <a:lumMod val="75000"/>
+                  </a:schemeClr>
+                </a:solidFill>
+                <a:effectLst>
+                  <a:outerShdw blurRad="12700" dist="38100" dir="2700000" algn="tl" rotWithShape="0">
+                    <a:schemeClr val="accent5">
+                      <a:lumMod val="60000"/>
+                      <a:lumOff val="40000"/>
+                    </a:schemeClr>
+                  </a:outerShdw>
+                </a:effectLst>
+              </a:rPr>
+            </a:br>
+            <a:endParaRPr lang="he-IL" sz="6000" b="1" dirty="0">
+              <a:ln w="9525">
+                <a:solidFill>
+                  <a:schemeClr val="bg1"/>
+                </a:solidFill>
+                <a:prstDash val="solid"/>
+              </a:ln>
+              <a:solidFill>
+                <a:schemeClr val="accent2">
+                  <a:lumMod val="75000"/>
+                </a:schemeClr>
+              </a:solidFill>
+              <a:effectLst>
+                <a:outerShdw blurRad="12700" dist="38100" dir="2700000" algn="tl" rotWithShape="0">
+                  <a:schemeClr val="accent5">
+                    <a:lumMod val="60000"/>
+                    <a:lumOff val="40000"/>
+                  </a:schemeClr>
+                </a:outerShdw>
+              </a:effectLst>
+            </a:endParaRPr>
           </a:p>
         </p:txBody>
       </p:sp>
@@ -4143,19 +4374,93 @@
           <a:p>
             <a:r>
               <a:rPr lang="he-IL" dirty="0"/>
-              <a:t>הסרת ה </a:t>
+              <a:t>עקב ריבוי תיוגים של אותו משפט באורכים שונים (בגלל החלוקה ל </a:t>
+            </a:r>
+            <a:r>
+              <a:rPr lang="en-US" dirty="0" err="1"/>
+              <a:t>ngram</a:t>
+            </a:r>
+            <a:r>
+              <a:rPr lang="he-IL" dirty="0"/>
+              <a:t>) - לכל </a:t>
+            </a:r>
+            <a:r>
+              <a:rPr lang="en-US" dirty="0" err="1"/>
+              <a:t>ngram</a:t>
+            </a:r>
+            <a:r>
+              <a:rPr lang="he-IL" dirty="0"/>
+              <a:t> מתוייג באורך </a:t>
             </a:r>
             <a:r>
               <a:rPr lang="en-US" dirty="0"/>
-              <a:t>K-gram</a:t>
-            </a:r>
-            <a:r>
-              <a:rPr lang="he-IL" dirty="0"/>
-              <a:t> הגדול ביותר</a:t>
-            </a:r>
-          </a:p>
-        </p:txBody>
-      </p:sp>
+              <a:t>k</a:t>
+            </a:r>
+            <a:r>
+              <a:rPr lang="he-IL" dirty="0"/>
+              <a:t> במשפט מסויים, הסרנו את ה </a:t>
+            </a:r>
+            <a:r>
+              <a:rPr lang="en-US" dirty="0" err="1"/>
+              <a:t>ngram’s</a:t>
+            </a:r>
+            <a:r>
+              <a:rPr lang="he-IL" dirty="0"/>
+              <a:t> המתוייגים מאותו משפט באורך קטן מ </a:t>
+            </a:r>
+            <a:r>
+              <a:rPr lang="en-US" dirty="0"/>
+              <a:t>k</a:t>
+            </a:r>
+            <a:r>
+              <a:rPr lang="he-IL" dirty="0"/>
+              <a:t>.</a:t>
+            </a:r>
+          </a:p>
+          <a:p>
+            <a:r>
+              <a:rPr lang="he-IL" dirty="0"/>
+              <a:t>דוגמה:</a:t>
+            </a:r>
+          </a:p>
+          <a:p>
+            <a:endParaRPr lang="he-IL" dirty="0"/>
+          </a:p>
+          <a:p>
+            <a:endParaRPr lang="he-IL" dirty="0"/>
+          </a:p>
+        </p:txBody>
+      </p:sp>
+      <p:pic>
+        <p:nvPicPr>
+          <p:cNvPr id="4" name="Picture 3">
+            <a:extLst>
+              <a:ext uri="{FF2B5EF4-FFF2-40B4-BE49-F238E27FC236}">
+                <a16:creationId xmlns:a16="http://schemas.microsoft.com/office/drawing/2014/main" id="{4B7B0427-CBA7-4AD4-89E4-DCAA207D3A8C}"/>
+              </a:ext>
+            </a:extLst>
+          </p:cNvPr>
+          <p:cNvPicPr>
+            <a:picLocks noChangeAspect="1"/>
+          </p:cNvPicPr>
+          <p:nvPr/>
+        </p:nvPicPr>
+        <p:blipFill>
+          <a:blip r:embed="rId2"/>
+          <a:stretch>
+            <a:fillRect/>
+          </a:stretch>
+        </p:blipFill>
+        <p:spPr>
+          <a:xfrm>
+            <a:off x="3090916" y="3055439"/>
+            <a:ext cx="6324600" cy="2072503"/>
+          </a:xfrm>
+          <a:prstGeom prst="rect">
+            <a:avLst/>
+          </a:prstGeom>
+        </p:spPr>
+      </p:pic>
     </p:spTree>
     <p:extLst>
       <p:ext uri="{BB962C8B-B14F-4D97-AF65-F5344CB8AC3E}">
@@ -4229,7 +4534,15 @@
             </a:r>
             <a:r>
               <a:rPr lang="he-IL" dirty="0"/>
-              <a:t>, הגדלנו את הדאטה סט המתויג באמצעות טרנספורמציות – הוספת שינויים ב</a:t>
+              <a:t>, הגדלנו את ה </a:t>
+            </a:r>
+            <a:r>
+              <a:rPr lang="en-US" dirty="0"/>
+              <a:t>data set</a:t>
+            </a:r>
+            <a:r>
+              <a:rPr lang="he-IL" dirty="0"/>
+              <a:t> המתויג באמצעות טרנספורמציות – הוספת שינויים ב</a:t>
             </a:r>
             <a:r>
               <a:rPr lang="en-US" dirty="0" err="1"/>
@@ -4277,7 +4590,7 @@
             </a:br>
             <a:r>
               <a:rPr lang="he-IL" dirty="0"/>
-              <a:t>כמספר הפרקים בתלמוד הבבלי.</a:t>
+              <a:t>עם פרקים מהתלמוד הבבלי.</a:t>
             </a:r>
           </a:p>
           <a:p>
@@ -4345,8 +4658,8 @@
         </p:nvSpPr>
         <p:spPr>
           <a:xfrm>
-            <a:off x="2666339" y="633710"/>
-            <a:ext cx="7173760" cy="1015663"/>
+            <a:off x="2861104" y="633710"/>
+            <a:ext cx="6784230" cy="923330"/>
           </a:xfrm>
           <a:prstGeom prst="rect">
             <a:avLst/>
@@ -4359,9 +4672,16 @@
           </a:bodyPr>
           <a:lstStyle/>
           <a:p>
-            <a:pPr algn="ctr"/>
-            <a:r>
-              <a:rPr lang="he-IL" sz="6000" b="1" cap="none" spc="0" dirty="0">
+            <a:pPr algn="ctr" defTabSz="914400" rtl="1">
+              <a:lnSpc>
+                <a:spcPct val="90000"/>
+              </a:lnSpc>
+              <a:spcBef>
+                <a:spcPct val="0"/>
+              </a:spcBef>
+            </a:pPr>
+            <a:r>
+              <a:rPr lang="he-IL" sz="6000" b="1" dirty="0">
                 <a:ln w="9525">
                   <a:solidFill>
                     <a:schemeClr val="bg1"/>
@@ -4369,7 +4689,9 @@
                   <a:prstDash val="solid"/>
                 </a:ln>
                 <a:solidFill>
-                  <a:schemeClr val="accent5"/>
+                  <a:schemeClr val="accent2">
+                    <a:lumMod val="75000"/>
+                  </a:schemeClr>
                 </a:solidFill>
                 <a:effectLst>
                   <a:outerShdw blurRad="12700" dist="38100" dir="2700000" algn="tl" rotWithShape="0">
@@ -4379,8 +4701,11 @@
                     </a:schemeClr>
                   </a:outerShdw>
                 </a:effectLst>
+                <a:latin typeface="+mj-lt"/>
+                <a:ea typeface="+mj-ea"/>
+                <a:cs typeface="+mj-cs"/>
               </a:rPr>
-              <a:t>הרחבת המידע המתויג</a:t>
+              <a:t>3 הרחבת המידע המתויג</a:t>
             </a:r>
           </a:p>
         </p:txBody>
@@ -4420,7 +4745,7 @@
           <p:cNvPr id="2" name="כותרת 1">
             <a:extLst>
               <a:ext uri="{FF2B5EF4-FFF2-40B4-BE49-F238E27FC236}">
-                <a16:creationId xmlns:a16="http://schemas.microsoft.com/office/drawing/2014/main" id="{A1E5B538-DB2F-401D-9B35-FC75A6F19F3B}"/>
+                <a16:creationId xmlns:a16="http://schemas.microsoft.com/office/drawing/2014/main" id="{6F81E24C-F723-4021-8D52-328AB3006466}"/>
               </a:ext>
             </a:extLst>
           </p:cNvPr>
@@ -4436,9 +4761,30 @@
           <a:bodyPr/>
           <a:lstStyle/>
           <a:p>
-            <a:r>
-              <a:rPr lang="he-IL" dirty="0"/>
-              <a:t>אימון המכונה</a:t>
+            <a:pPr algn="ctr"/>
+            <a:r>
+              <a:rPr lang="he-IL" sz="6000" b="1" cap="none" dirty="0">
+                <a:ln w="9525">
+                  <a:solidFill>
+                    <a:schemeClr val="bg1"/>
+                  </a:solidFill>
+                  <a:prstDash val="solid"/>
+                </a:ln>
+                <a:solidFill>
+                  <a:schemeClr val="accent2">
+                    <a:lumMod val="75000"/>
+                  </a:schemeClr>
+                </a:solidFill>
+                <a:effectLst>
+                  <a:outerShdw blurRad="12700" dist="38100" dir="2700000" algn="tl" rotWithShape="0">
+                    <a:schemeClr val="accent5">
+                      <a:lumMod val="60000"/>
+                      <a:lumOff val="40000"/>
+                    </a:schemeClr>
+                  </a:outerShdw>
+                </a:effectLst>
+              </a:rPr>
+              <a:t> 4 אימון מכונה</a:t>
             </a:r>
           </a:p>
         </p:txBody>
@@ -4448,7 +4794,7 @@
           <p:cNvPr id="3" name="מציין מיקום תוכן 2">
             <a:extLst>
               <a:ext uri="{FF2B5EF4-FFF2-40B4-BE49-F238E27FC236}">
-                <a16:creationId xmlns:a16="http://schemas.microsoft.com/office/drawing/2014/main" id="{AB1E6BCB-C063-4EED-8595-8A2BA8292548}"/>
+                <a16:creationId xmlns:a16="http://schemas.microsoft.com/office/drawing/2014/main" id="{10BCE516-F770-4E65-A901-472D568AF8AD}"/>
               </a:ext>
             </a:extLst>
           </p:cNvPr>
@@ -4461,17 +4807,120 @@
         </p:nvSpPr>
         <p:spPr/>
         <p:txBody>
-          <a:bodyPr/>
+          <a:bodyPr>
+            <a:normAutofit/>
+          </a:bodyPr>
           <a:lstStyle/>
           <a:p>
-            <a:endParaRPr lang="he-IL"/>
+            <a:pPr marL="0" indent="0">
+              <a:buNone/>
+            </a:pPr>
+            <a:r>
+              <a:rPr lang="he-IL" b="1" u="sng" dirty="0"/>
+              <a:t>אימון המסווג - תהליך</a:t>
+            </a:r>
+            <a:br>
+              <a:rPr lang="en-US" dirty="0"/>
+            </a:br>
+            <a:r>
+              <a:rPr lang="he-IL" dirty="0"/>
+              <a:t>לאחר שהשגנו את המידע המתויג, פיצלנו אותו לשני חלקים – </a:t>
+            </a:r>
+            <a:r>
+              <a:rPr lang="en-US" dirty="0"/>
+              <a:t>train set &amp; test set</a:t>
+            </a:r>
+            <a:r>
+              <a:rPr lang="he-IL" dirty="0"/>
+              <a:t>.</a:t>
+            </a:r>
+            <a:br>
+              <a:rPr lang="en-US" dirty="0"/>
+            </a:br>
+            <a:r>
+              <a:rPr lang="he-IL" dirty="0"/>
+              <a:t>החלוקה הייתה לפי 70-30.</a:t>
+            </a:r>
+          </a:p>
+          <a:p>
+            <a:r>
+              <a:rPr lang="he-IL" u="sng" dirty="0"/>
+              <a:t>ויקטרנו</a:t>
+            </a:r>
+            <a:r>
+              <a:rPr lang="he-IL" dirty="0"/>
+              <a:t> את הטקסט של ה</a:t>
+            </a:r>
+            <a:r>
+              <a:rPr lang="en-US" dirty="0"/>
+              <a:t>train set</a:t>
+            </a:r>
+            <a:r>
+              <a:rPr lang="he-IL" dirty="0"/>
+              <a:t> באמצעות </a:t>
+            </a:r>
+            <a:r>
+              <a:rPr lang="en-US" dirty="0"/>
+              <a:t>Count Vectorizer</a:t>
+            </a:r>
+            <a:r>
+              <a:rPr lang="he-IL" dirty="0"/>
+              <a:t>.</a:t>
+            </a:r>
+          </a:p>
+          <a:p>
+            <a:r>
+              <a:rPr lang="he-IL" dirty="0"/>
+              <a:t>בעזרת הטקסט המווקטר והתגיות שלו, </a:t>
+            </a:r>
+            <a:r>
+              <a:rPr lang="he-IL" u="sng" dirty="0"/>
+              <a:t>אימנו את המסווג </a:t>
+            </a:r>
+            <a:r>
+              <a:rPr lang="he-IL" dirty="0"/>
+              <a:t>בשימוש במודל מסוג </a:t>
+            </a:r>
+            <a:r>
+              <a:rPr lang="en-US" dirty="0"/>
+              <a:t>Logistic Regression</a:t>
+            </a:r>
+            <a:r>
+              <a:rPr lang="he-IL" dirty="0"/>
+              <a:t>.</a:t>
+            </a:r>
+          </a:p>
+          <a:p>
+            <a:r>
+              <a:rPr lang="he-IL" dirty="0"/>
+              <a:t>לאחר שהיה בידנו מסווג, </a:t>
+            </a:r>
+            <a:r>
+              <a:rPr lang="he-IL" u="sng" dirty="0"/>
+              <a:t>בדקנו את הדיוק</a:t>
+            </a:r>
+            <a:r>
+              <a:rPr lang="he-IL" dirty="0"/>
+              <a:t> שלו על ה</a:t>
+            </a:r>
+            <a:r>
+              <a:rPr lang="en-US" dirty="0"/>
+              <a:t>test set</a:t>
+            </a:r>
+            <a:r>
+              <a:rPr lang="he-IL" dirty="0"/>
+              <a:t>.</a:t>
+            </a:r>
+          </a:p>
+          <a:p>
+            <a:endParaRPr lang="he-IL" dirty="0"/>
           </a:p>
         </p:txBody>
       </p:sp>
     </p:spTree>
     <p:extLst>
       <p:ext uri="{BB962C8B-B14F-4D97-AF65-F5344CB8AC3E}">
-        <p14:creationId xmlns:p14="http://schemas.microsoft.com/office/powerpoint/2010/main" val="232497273"/>
+        <p14:creationId xmlns:p14="http://schemas.microsoft.com/office/powerpoint/2010/main" val="218693578"/>
       </p:ext>
     </p:extLst>
   </p:cSld>
@@ -4519,9 +4968,30 @@
           <a:bodyPr/>
           <a:lstStyle/>
           <a:p>
-            <a:r>
-              <a:rPr lang="he-IL" dirty="0"/>
-              <a:t>עוד על אימון המכונה</a:t>
+            <a:pPr algn="ctr"/>
+            <a:r>
+              <a:rPr lang="he-IL" sz="6000" b="1" cap="none" dirty="0">
+                <a:ln w="9525">
+                  <a:solidFill>
+                    <a:schemeClr val="bg1"/>
+                  </a:solidFill>
+                  <a:prstDash val="solid"/>
+                </a:ln>
+                <a:solidFill>
+                  <a:schemeClr val="accent2">
+                    <a:lumMod val="75000"/>
+                  </a:schemeClr>
+                </a:solidFill>
+                <a:effectLst>
+                  <a:outerShdw blurRad="12700" dist="38100" dir="2700000" algn="tl" rotWithShape="0">
+                    <a:schemeClr val="accent5">
+                      <a:lumMod val="60000"/>
+                      <a:lumOff val="40000"/>
+                    </a:schemeClr>
+                  </a:outerShdw>
+                </a:effectLst>
+              </a:rPr>
+              <a:t> 4 אימון מכונה</a:t>
             </a:r>
           </a:p>
         </p:txBody>
@@ -4547,14 +5017,72 @@
           <a:bodyPr/>
           <a:lstStyle/>
           <a:p>
-            <a:endParaRPr lang="he-IL"/>
+            <a:pPr marL="0" indent="0">
+              <a:buNone/>
+            </a:pPr>
+            <a:r>
+              <a:rPr lang="he-IL" b="1" u="sng" dirty="0"/>
+              <a:t>אימון המסווג - תוצאות</a:t>
+            </a:r>
+            <a:br>
+              <a:rPr lang="en-US" u="sng" dirty="0"/>
+            </a:br>
+            <a:r>
+              <a:rPr lang="he-IL" dirty="0"/>
+              <a:t>בדקנו איזה מסווג נתן את הדיוק הטוב ביותר, בשינוי הפרמטרים הבאים:</a:t>
+            </a:r>
+            <a:br>
+              <a:rPr lang="en-US" dirty="0"/>
+            </a:br>
+            <a:r>
+              <a:rPr lang="he-IL" dirty="0"/>
+              <a:t>-שימוש ב</a:t>
+            </a:r>
+            <a:r>
+              <a:rPr lang="en-US" dirty="0"/>
+              <a:t>Augmentation</a:t>
+            </a:r>
+            <a:r>
+              <a:rPr lang="he-IL" dirty="0"/>
+              <a:t> על הדאטה סט הנועד לאימון</a:t>
+            </a:r>
+            <a:br>
+              <a:rPr lang="en-US" dirty="0"/>
+            </a:br>
+            <a:r>
+              <a:rPr lang="he-IL" dirty="0"/>
+              <a:t>-גודל הדאטה סט הנועד לאימון</a:t>
+            </a:r>
+            <a:br>
+              <a:rPr lang="en-US" dirty="0"/>
+            </a:br>
+            <a:endParaRPr lang="he-IL" dirty="0"/>
+          </a:p>
+          <a:p>
+            <a:r>
+              <a:rPr lang="he-IL" u="sng" dirty="0"/>
+              <a:t>הגענו למסקנה</a:t>
+            </a:r>
+            <a:r>
+              <a:rPr lang="he-IL" dirty="0"/>
+              <a:t> </a:t>
+            </a:r>
+          </a:p>
+          <a:p>
+            <a:r>
+              <a:rPr lang="he-IL" dirty="0"/>
+              <a:t>יש מקום להמשיך ולבדוק אילו פרמטרים ביצירת המידע ייתנו את התוצאות הטובות ביותר.</a:t>
+            </a:r>
+          </a:p>
+          <a:p>
+            <a:endParaRPr lang="he-IL" dirty="0"/>
           </a:p>
         </p:txBody>
       </p:sp>
     </p:spTree>
     <p:extLst>
       <p:ext uri="{BB962C8B-B14F-4D97-AF65-F5344CB8AC3E}">
-        <p14:creationId xmlns:p14="http://schemas.microsoft.com/office/powerpoint/2010/main" val="218693578"/>
+        <p14:creationId xmlns:p14="http://schemas.microsoft.com/office/powerpoint/2010/main" val="3408961633"/>
       </p:ext>
     </p:extLst>
   </p:cSld>
@@ -4607,8 +5135,9 @@
             </a:pPr>
             <a:r>
               <a:rPr lang="he-IL" b="1" u="sng" dirty="0"/>
-              <a:t>מציאת תבניות לתיוג:</a:t>
-            </a:r>
+              <a:t>יצירת המסווג:</a:t>
+            </a:r>
+            <a:endParaRPr lang="he-IL" u="sng" dirty="0"/>
           </a:p>
           <a:p>
             <a:pPr marL="0" indent="0">
@@ -4616,70 +5145,29 @@
             </a:pPr>
             <a:r>
               <a:rPr lang="he-IL" dirty="0"/>
-              <a:t>כחלק מתהליך התיוג, </a:t>
+              <a:t>ביצירת המסווג היו הרבה שיקולים, כגון איך לווקטר את הטקסט בצורה אופטימלית, איזה מודל הכי נכון לבחור לבעיה שלנו, וכיצד להשתמש ב</a:t>
             </a:r>
             <a:r>
               <a:rPr lang="en-US" dirty="0"/>
-              <a:t>snorkel</a:t>
-            </a:r>
-            <a:r>
-              <a:rPr lang="he-IL" dirty="0"/>
-              <a:t> דורשת פונקציות תיוג (</a:t>
-            </a:r>
-            <a:r>
-              <a:rPr lang="en-US" dirty="0"/>
-              <a:t>Labeling Functions</a:t>
-            </a:r>
-            <a:r>
-              <a:rPr lang="he-IL" dirty="0"/>
-              <a:t>) אשר יופעלו באמצעות מודל מסויים על המידע.</a:t>
+              <a:t>API</a:t>
+            </a:r>
+            <a:r>
+              <a:rPr lang="he-IL" dirty="0"/>
+              <a:t> של המודל בצורה נכונה.</a:t>
             </a:r>
             <a:br>
               <a:rPr lang="en-US" dirty="0"/>
             </a:br>
             <a:r>
               <a:rPr lang="he-IL" dirty="0"/>
-              <a:t>פונקציות אלו הן בעצם זיהוי תבניות בטקסט אשר ניתן להסיק מהן מידע, בוודאות טובה ככל הניתן- במקרה שלנו, המטרה הייתה למצוא תבניות אשר מזהות רפרנס לתלמוד הבבלי, או שוללות אותו- ולתת המלצה לתיוג שלו (</a:t>
-            </a:r>
-            <a:r>
+              <a:t>גם כאן העברית עשתה לנו חיים קשים, כשספריות מסויימות של וויקטור טקסט לא פעלו כמו שצריך על הטקסטים שלנו.</a:t>
+            </a:r>
+            <a:br>
               <a:rPr lang="en-US" dirty="0"/>
-              <a:t>REFRENCE, NO-REFRENCE, ABSTAIN</a:t>
-            </a:r>
-            <a:r>
-              <a:rPr lang="he-IL" dirty="0"/>
-              <a:t>). מציאת תבניות אלו כללה הסקת תבניות ראשוניות בעזרת מידע מקצועי מתחום התלמוד, ושיפור תבניות אלו באמצעות מדדי </a:t>
-            </a:r>
-            <a:r>
-              <a:rPr lang="en-US" dirty="0"/>
-              <a:t>coverage</a:t>
-            </a:r>
-            <a:r>
-              <a:rPr lang="he-IL" dirty="0"/>
-              <a:t> ו</a:t>
-            </a:r>
-            <a:r>
-              <a:rPr lang="en-US" dirty="0"/>
-              <a:t>precision</a:t>
-            </a:r>
-            <a:r>
-              <a:rPr lang="he-IL" dirty="0"/>
-              <a:t> הנשענו על ה</a:t>
-            </a:r>
-            <a:r>
-              <a:rPr lang="en-US" dirty="0"/>
-              <a:t>dev-set</a:t>
-            </a:r>
-            <a:r>
-              <a:rPr lang="he-IL" dirty="0"/>
-              <a:t> המתויג שלנו וסופקו באמצעות </a:t>
-            </a:r>
-            <a:r>
-              <a:rPr lang="en-US" dirty="0"/>
-              <a:t>snorkel</a:t>
-            </a:r>
-            <a:r>
-              <a:rPr lang="he-IL" dirty="0"/>
-              <a:t>.</a:t>
+            </a:br>
+            <a:r>
+              <a:rPr lang="he-IL" dirty="0"/>
+              <a:t>עם ידע מעמיק יותר בלמידת מכונה ותמיכה נרחבת יותר בעברית, ניתן יהיה לשפר את המסווג ולהתאים אותו יותר לצרכינו. </a:t>
             </a:r>
             <a:endParaRPr lang="he-IL" u="sng" dirty="0"/>
           </a:p>
@@ -4748,7 +5236,7 @@
           <p:cNvPr id="5" name="מלבן 3">
             <a:extLst>
               <a:ext uri="{FF2B5EF4-FFF2-40B4-BE49-F238E27FC236}">
-                <a16:creationId xmlns:a16="http://schemas.microsoft.com/office/drawing/2014/main" id="{1BE2121B-82C2-406F-B7C1-857A9FC1A168}"/>
+                <a16:creationId xmlns:a16="http://schemas.microsoft.com/office/drawing/2014/main" id="{598F9A7F-2A99-4CA2-8CFC-DCFA45DD240D}"/>
               </a:ext>
             </a:extLst>
           </p:cNvPr>
@@ -4794,7 +5282,7 @@
           <a:p>
             <a:pPr algn="ctr"/>
             <a:r>
-              <a:rPr lang="he-IL" sz="6000" b="1" cap="none">
+              <a:rPr lang="he-IL" sz="6000" b="1" cap="none" dirty="0">
                 <a:ln w="9525">
                   <a:solidFill>
                     <a:schemeClr val="bg1"/>
@@ -4817,34 +5305,13 @@
               </a:rPr>
               <a:t>אתגרים</a:t>
             </a:r>
-            <a:endParaRPr lang="he-IL" sz="6000" b="1" cap="none" dirty="0">
-              <a:ln w="9525">
-                <a:solidFill>
-                  <a:schemeClr val="bg1"/>
-                </a:solidFill>
-                <a:prstDash val="solid"/>
-              </a:ln>
-              <a:solidFill>
-                <a:schemeClr val="accent2">
-                  <a:lumMod val="75000"/>
-                </a:schemeClr>
-              </a:solidFill>
-              <a:effectLst>
-                <a:outerShdw blurRad="12700" dist="38100" dir="2700000" algn="tl" rotWithShape="0">
-                  <a:schemeClr val="accent5">
-                    <a:lumMod val="60000"/>
-                    <a:lumOff val="40000"/>
-                  </a:schemeClr>
-                </a:outerShdw>
-              </a:effectLst>
-            </a:endParaRPr>
           </a:p>
         </p:txBody>
       </p:sp>
     </p:spTree>
     <p:extLst>
       <p:ext uri="{BB962C8B-B14F-4D97-AF65-F5344CB8AC3E}">
-        <p14:creationId xmlns:p14="http://schemas.microsoft.com/office/powerpoint/2010/main" val="76160026"/>
+        <p14:creationId xmlns:p14="http://schemas.microsoft.com/office/powerpoint/2010/main" val="830446346"/>
       </p:ext>
     </p:extLst>
   </p:cSld>
@@ -4906,15 +5373,46 @@
             </a:pPr>
             <a:r>
               <a:rPr lang="he-IL" dirty="0"/>
-              <a:t>בנוסף, כאשר ניגשנו למלאכת תיוג המידע, שאפנו למצוא כמה שיותר רפרנסים מן התלמוד ויצרנו פונקציות תיוג רבות, אולם ראינו שככל שעלה ה</a:t>
+              <a:t>כחלק מתהליך התיוג, </a:t>
             </a:r>
             <a:r>
               <a:rPr lang="en-US" dirty="0"/>
-              <a:t>recall</a:t>
-            </a:r>
-            <a:r>
-              <a:rPr lang="he-IL" dirty="0"/>
-              <a:t> כך ה</a:t>
+              <a:t>snorkel</a:t>
+            </a:r>
+            <a:r>
+              <a:rPr lang="he-IL" dirty="0"/>
+              <a:t> דורשת פונקציות תיוג (</a:t>
+            </a:r>
+            <a:r>
+              <a:rPr lang="en-US" dirty="0"/>
+              <a:t>Labeling Functions</a:t>
+            </a:r>
+            <a:r>
+              <a:rPr lang="he-IL" dirty="0"/>
+              <a:t>) אשר יופעלו באמצעות מודל מסויים על המידע.</a:t>
+            </a:r>
+            <a:br>
+              <a:rPr lang="en-US" dirty="0"/>
+            </a:br>
+            <a:r>
+              <a:rPr lang="he-IL" dirty="0"/>
+              <a:t>פונקציות אלו הן בעצם זיהוי תבניות בטקסט אשר ניתן להסיק מהן מידע, בוודאות טובה ככל הניתן- במקרה שלנו, המטרה הייתה למצוא תבניות אשר מזהות רפרנס לתלמוד הבבלי, או שוללות אותו- ולתת המלצה לתיוג שלו (</a:t>
+            </a:r>
+            <a:r>
+              <a:rPr lang="en-US" dirty="0"/>
+              <a:t>REFRENCE, NO-REFRENCE, ABSTAIN</a:t>
+            </a:r>
+            <a:r>
+              <a:rPr lang="he-IL" dirty="0"/>
+              <a:t>). מציאת תבניות אלו כללה הסקת תבניות ראשוניות בעזרת מידע מקצועי מתחום התלמוד, ושיפור תבניות אלו באמצעות מדדי </a:t>
+            </a:r>
+            <a:r>
+              <a:rPr lang="en-US" dirty="0"/>
+              <a:t>coverage</a:t>
+            </a:r>
+            <a:r>
+              <a:rPr lang="he-IL" dirty="0"/>
+              <a:t> ו</a:t>
             </a:r>
             <a:r>
               <a:rPr lang="en-US" dirty="0"/>
@@ -4922,56 +5420,25 @@
             </a:r>
             <a:r>
               <a:rPr lang="he-IL" dirty="0"/>
-              <a:t> פחת. בנוסף, לפונקציות מסוימות היה אחוז גבוה של </a:t>
+              <a:t> הנשענו על ה</a:t>
             </a:r>
             <a:r>
               <a:rPr lang="en-US" dirty="0"/>
-              <a:t>false positives</a:t>
-            </a:r>
-            <a:r>
-              <a:rPr lang="he-IL" dirty="0"/>
-              <a:t>, כך שהזיקו יותר משתרמו לזיהוי </a:t>
-            </a:r>
-            <a:r>
-              <a:rPr lang="he-IL" dirty="0" err="1"/>
-              <a:t>רפרנסים</a:t>
-            </a:r>
-            <a:r>
-              <a:rPr lang="he-IL" dirty="0"/>
-              <a:t>. לכן הסרנו אותן, ובכך בחרנו ב</a:t>
+              <a:t>dev-set</a:t>
+            </a:r>
+            <a:r>
+              <a:rPr lang="he-IL" dirty="0"/>
+              <a:t> המתויג שלנו וסופקו באמצעות </a:t>
             </a:r>
             <a:r>
               <a:rPr lang="en-US" dirty="0"/>
-              <a:t>precision</a:t>
-            </a:r>
-            <a:r>
-              <a:rPr lang="he-IL" dirty="0"/>
-              <a:t> גבוה במחיר של</a:t>
-            </a:r>
-            <a:r>
-              <a:rPr lang="en-US" dirty="0"/>
-              <a:t> recall</a:t>
-            </a:r>
-            <a:r>
-              <a:rPr lang="he-IL" dirty="0"/>
-              <a:t> נמוך</a:t>
-            </a:r>
-            <a:r>
-              <a:rPr lang="en-US" dirty="0"/>
-              <a:t> </a:t>
-            </a:r>
-            <a:r>
-              <a:rPr lang="he-IL" dirty="0"/>
-              <a:t>של רפרנסים. את ה</a:t>
-            </a:r>
-            <a:r>
-              <a:rPr lang="en-US" dirty="0"/>
-              <a:t>recall</a:t>
-            </a:r>
-            <a:r>
-              <a:rPr lang="he-IL" dirty="0"/>
-              <a:t> הגברנו לאחר מכן באמצעות הטמעת מידע (שימוש בפונקציות הטרנספורמציה).</a:t>
-            </a:r>
+              <a:t>snorkel</a:t>
+            </a:r>
+            <a:r>
+              <a:rPr lang="he-IL" dirty="0"/>
+              <a:t>.</a:t>
+            </a:r>
+            <a:endParaRPr lang="he-IL" u="sng" dirty="0"/>
           </a:p>
         </p:txBody>
       </p:sp>
@@ -4980,7 +5447,7 @@
           <p:cNvPr id="4" name="מלבן 3">
             <a:extLst>
               <a:ext uri="{FF2B5EF4-FFF2-40B4-BE49-F238E27FC236}">
-                <a16:creationId xmlns:a16="http://schemas.microsoft.com/office/drawing/2014/main" id="{14EB748D-230B-41C9-920F-8FB878A8B6FD}"/>
+                <a16:creationId xmlns:a16="http://schemas.microsoft.com/office/drawing/2014/main" id="{E4480DF1-DEB6-4974-9F65-F865DEE4067A}"/>
               </a:ext>
             </a:extLst>
           </p:cNvPr>
@@ -4990,6 +5457,62 @@
           <p:nvPr>
             <p:ph type="title"/>
           </p:nvPr>
+        </p:nvSpPr>
+        <p:spPr>
+          <a:xfrm>
+            <a:off x="1450975" y="804863"/>
+            <a:ext cx="9604375" cy="1049337"/>
+          </a:xfrm>
+          <a:prstGeom prst="rect">
+            <a:avLst/>
+          </a:prstGeom>
+          <a:noFill/>
+        </p:spPr>
+        <p:txBody>
+          <a:bodyPr wrap="none" lIns="91440" tIns="45720" rIns="91440" bIns="45720">
+            <a:spAutoFit/>
+          </a:bodyPr>
+          <a:lstStyle/>
+          <a:p>
+            <a:pPr algn="ctr"/>
+            <a:r>
+              <a:rPr lang="he-IL" sz="6000" b="1" cap="none" spc="0" dirty="0">
+                <a:ln w="9525">
+                  <a:solidFill>
+                    <a:schemeClr val="bg1"/>
+                  </a:solidFill>
+                  <a:prstDash val="solid"/>
+                </a:ln>
+                <a:solidFill>
+                  <a:schemeClr val="accent5"/>
+                </a:solidFill>
+                <a:effectLst>
+                  <a:outerShdw blurRad="12700" dist="38100" dir="2700000" algn="tl" rotWithShape="0">
+                    <a:schemeClr val="accent5">
+                      <a:lumMod val="60000"/>
+                      <a:lumOff val="40000"/>
+                    </a:schemeClr>
+                  </a:outerShdw>
+                </a:effectLst>
+              </a:rPr>
+              <a:t>אתגרים</a:t>
+            </a:r>
+          </a:p>
+        </p:txBody>
+      </p:sp>
+      <p:sp>
+        <p:nvSpPr>
+          <p:cNvPr id="5" name="מלבן 3">
+            <a:extLst>
+              <a:ext uri="{FF2B5EF4-FFF2-40B4-BE49-F238E27FC236}">
+                <a16:creationId xmlns:a16="http://schemas.microsoft.com/office/drawing/2014/main" id="{1BE2121B-82C2-406F-B7C1-857A9FC1A168}"/>
+              </a:ext>
+            </a:extLst>
+          </p:cNvPr>
+          <p:cNvSpPr txBox="1">
+            <a:spLocks/>
+          </p:cNvSpPr>
+          <p:nvPr/>
         </p:nvSpPr>
         <p:spPr>
           <a:xfrm>
@@ -5002,14 +5525,33 @@
           <a:noFill/>
         </p:spPr>
         <p:txBody>
-          <a:bodyPr wrap="none" lIns="91440" tIns="45720" rIns="91440" bIns="45720">
+          <a:bodyPr vert="horz" wrap="none" lIns="91440" tIns="45720" rIns="91440" bIns="45720" rtlCol="0" anchor="t">
             <a:spAutoFit/>
           </a:bodyPr>
-          <a:lstStyle/>
+          <a:lstStyle>
+            <a:lvl1pPr algn="l" defTabSz="914400" rtl="1" eaLnBrk="1" latinLnBrk="0" hangingPunct="1">
+              <a:lnSpc>
+                <a:spcPct val="90000"/>
+              </a:lnSpc>
+              <a:spcBef>
+                <a:spcPct val="0"/>
+              </a:spcBef>
+              <a:buNone/>
+              <a:defRPr sz="3200" b="0" i="0" kern="1200" cap="all">
+                <a:solidFill>
+                  <a:schemeClr val="tx1"/>
+                </a:solidFill>
+                <a:effectLst/>
+                <a:latin typeface="+mj-lt"/>
+                <a:ea typeface="+mj-ea"/>
+                <a:cs typeface="+mj-cs"/>
+              </a:defRPr>
+            </a:lvl1pPr>
+          </a:lstStyle>
           <a:p>
             <a:pPr algn="ctr"/>
             <a:r>
-              <a:rPr lang="he-IL" sz="6000" b="1" cap="none" spc="0" dirty="0">
+              <a:rPr lang="he-IL" sz="6000" b="1" cap="none" dirty="0">
                 <a:ln w="9525">
                   <a:solidFill>
                     <a:schemeClr val="bg1"/>
@@ -5038,7 +5580,7 @@
     </p:spTree>
     <p:extLst>
       <p:ext uri="{BB962C8B-B14F-4D97-AF65-F5344CB8AC3E}">
-        <p14:creationId xmlns:p14="http://schemas.microsoft.com/office/powerpoint/2010/main" val="2848379480"/>
+        <p14:creationId xmlns:p14="http://schemas.microsoft.com/office/powerpoint/2010/main" val="76160026"/>
       </p:ext>
     </p:extLst>
   </p:cSld>
@@ -5091,9 +5633,8 @@
             </a:pPr>
             <a:r>
               <a:rPr lang="he-IL" b="1" u="sng" dirty="0"/>
-              <a:t>העברית:</a:t>
-            </a:r>
-            <a:endParaRPr lang="he-IL" u="sng" dirty="0"/>
+              <a:t>מציאת תבניות לתיוג:</a:t>
+            </a:r>
           </a:p>
           <a:p>
             <a:pPr marL="0" indent="0">
@@ -5101,23 +5642,80 @@
             </a:pPr>
             <a:r>
               <a:rPr lang="he-IL" dirty="0"/>
-              <a:t>נתקלנו במספר קשיים עקב השימוש בשפה העברית בפרויקט זה.</a:t>
-            </a:r>
-            <a:br>
+              <a:t>בנוסף, כאשר ניגשנו למלאכת תיוג המידע, שאפנו למצוא כמה שיותר רפרנסים מן התלמוד ויצרנו פונקציות תיוג רבות, אולם ראינו שככל שעלה ה</a:t>
+            </a:r>
+            <a:r>
               <a:rPr lang="en-US" dirty="0"/>
-            </a:br>
-            <a:r>
-              <a:rPr lang="he-IL" dirty="0"/>
-              <a:t>ראשית, כמעט ואין ספריות בפייתון העוזרות לניתוח טקסט בעברית, ועקב כך נאלצנו לכתוב פונקציה משלנו לזיהוי סוף ותחילת משפטים בעברית (לצורך פרסור ראשוני של המידע).</a:t>
-            </a:r>
-            <a:br>
+              <a:t>recall</a:t>
+            </a:r>
+            <a:r>
+              <a:rPr lang="he-IL" dirty="0"/>
+              <a:t> כך ה</a:t>
+            </a:r>
+            <a:r>
               <a:rPr lang="en-US" dirty="0"/>
-            </a:br>
-            <a:r>
-              <a:rPr lang="he-IL" dirty="0"/>
-              <a:t>שנית, בחלק מפונקציות התיוג השתמשנו בביטויים רגולרים למציאת תבניות מסויימות בטקסט העברי, ולכן ביטויים אלו היו בשפה העברית, דבר אשר פייתון לא תומכת בו בצורה חלקה.</a:t>
-            </a:r>
-            <a:endParaRPr lang="he-IL" u="sng" dirty="0"/>
+              <a:t>precision</a:t>
+            </a:r>
+            <a:r>
+              <a:rPr lang="he-IL" dirty="0"/>
+              <a:t> פחת. בנוסף, לפונקציות מסוימות היה אחוז גבוה של </a:t>
+            </a:r>
+            <a:r>
+              <a:rPr lang="en-US" dirty="0"/>
+              <a:t>false positives</a:t>
+            </a:r>
+            <a:r>
+              <a:rPr lang="he-IL" dirty="0"/>
+              <a:t>, כך שהזיקו יותר משתרמו לזיהוי </a:t>
+            </a:r>
+            <a:r>
+              <a:rPr lang="he-IL" dirty="0" err="1"/>
+              <a:t>רפרנסים</a:t>
+            </a:r>
+            <a:r>
+              <a:rPr lang="he-IL" dirty="0"/>
+              <a:t>. לכן הסרנו אותן, ובכך בחרנו ב</a:t>
+            </a:r>
+            <a:r>
+              <a:rPr lang="en-US" dirty="0"/>
+              <a:t>precision</a:t>
+            </a:r>
+            <a:r>
+              <a:rPr lang="he-IL" dirty="0"/>
+              <a:t> גבוה במחיר של</a:t>
+            </a:r>
+            <a:r>
+              <a:rPr lang="en-US" dirty="0"/>
+              <a:t> </a:t>
+            </a:r>
+            <a:r>
+              <a:rPr lang="he-IL" dirty="0"/>
+              <a:t> </a:t>
+            </a:r>
+            <a:r>
+              <a:rPr lang="en-US" dirty="0"/>
+              <a:t>recall</a:t>
+            </a:r>
+            <a:r>
+              <a:rPr lang="he-IL" dirty="0"/>
+              <a:t> נמוך</a:t>
+            </a:r>
+            <a:r>
+              <a:rPr lang="en-US" dirty="0"/>
+              <a:t> </a:t>
+            </a:r>
+            <a:r>
+              <a:rPr lang="he-IL" dirty="0"/>
+              <a:t>של רפרנסים. את ה</a:t>
+            </a:r>
+            <a:r>
+              <a:rPr lang="en-US" dirty="0"/>
+              <a:t>recall</a:t>
+            </a:r>
+            <a:r>
+              <a:rPr lang="he-IL" dirty="0"/>
+              <a:t> הגברנו לאחר מכן באמצעות הטמעת מידע (שימוש בפונקציות הטרנספורמציה).</a:t>
+            </a:r>
           </a:p>
         </p:txBody>
       </p:sp>
@@ -5126,7 +5724,7 @@
           <p:cNvPr id="4" name="מלבן 3">
             <a:extLst>
               <a:ext uri="{FF2B5EF4-FFF2-40B4-BE49-F238E27FC236}">
-                <a16:creationId xmlns:a16="http://schemas.microsoft.com/office/drawing/2014/main" id="{E4480DF1-DEB6-4974-9F65-F865DEE4067A}"/>
+                <a16:creationId xmlns:a16="http://schemas.microsoft.com/office/drawing/2014/main" id="{14EB748D-230B-41C9-920F-8FB878A8B6FD}"/>
               </a:ext>
             </a:extLst>
           </p:cNvPr>
@@ -5136,62 +5734,6 @@
           <p:nvPr>
             <p:ph type="title"/>
           </p:nvPr>
-        </p:nvSpPr>
-        <p:spPr>
-          <a:xfrm>
-            <a:off x="1450975" y="804863"/>
-            <a:ext cx="9604375" cy="1049337"/>
-          </a:xfrm>
-          <a:prstGeom prst="rect">
-            <a:avLst/>
-          </a:prstGeom>
-          <a:noFill/>
-        </p:spPr>
-        <p:txBody>
-          <a:bodyPr wrap="none" lIns="91440" tIns="45720" rIns="91440" bIns="45720">
-            <a:spAutoFit/>
-          </a:bodyPr>
-          <a:lstStyle/>
-          <a:p>
-            <a:pPr algn="ctr"/>
-            <a:r>
-              <a:rPr lang="he-IL" sz="6000" b="1" cap="none" spc="0" dirty="0">
-                <a:ln w="9525">
-                  <a:solidFill>
-                    <a:schemeClr val="bg1"/>
-                  </a:solidFill>
-                  <a:prstDash val="solid"/>
-                </a:ln>
-                <a:solidFill>
-                  <a:schemeClr val="accent5"/>
-                </a:solidFill>
-                <a:effectLst>
-                  <a:outerShdw blurRad="12700" dist="38100" dir="2700000" algn="tl" rotWithShape="0">
-                    <a:schemeClr val="accent5">
-                      <a:lumMod val="60000"/>
-                      <a:lumOff val="40000"/>
-                    </a:schemeClr>
-                  </a:outerShdw>
-                </a:effectLst>
-              </a:rPr>
-              <a:t>אתגרים</a:t>
-            </a:r>
-          </a:p>
-        </p:txBody>
-      </p:sp>
-      <p:sp>
-        <p:nvSpPr>
-          <p:cNvPr id="5" name="מלבן 3">
-            <a:extLst>
-              <a:ext uri="{FF2B5EF4-FFF2-40B4-BE49-F238E27FC236}">
-                <a16:creationId xmlns:a16="http://schemas.microsoft.com/office/drawing/2014/main" id="{598F9A7F-2A99-4CA2-8CFC-DCFA45DD240D}"/>
-              </a:ext>
-            </a:extLst>
-          </p:cNvPr>
-          <p:cNvSpPr txBox="1">
-            <a:spLocks/>
-          </p:cNvSpPr>
-          <p:nvPr/>
         </p:nvSpPr>
         <p:spPr>
           <a:xfrm>
@@ -5204,33 +5746,14 @@
           <a:noFill/>
         </p:spPr>
         <p:txBody>
-          <a:bodyPr vert="horz" wrap="none" lIns="91440" tIns="45720" rIns="91440" bIns="45720" rtlCol="0" anchor="t">
+          <a:bodyPr wrap="none" lIns="91440" tIns="45720" rIns="91440" bIns="45720">
             <a:spAutoFit/>
           </a:bodyPr>
-          <a:lstStyle>
-            <a:lvl1pPr algn="l" defTabSz="914400" rtl="1" eaLnBrk="1" latinLnBrk="0" hangingPunct="1">
-              <a:lnSpc>
-                <a:spcPct val="90000"/>
-              </a:lnSpc>
-              <a:spcBef>
-                <a:spcPct val="0"/>
-              </a:spcBef>
-              <a:buNone/>
-              <a:defRPr sz="3200" b="0" i="0" kern="1200" cap="all">
-                <a:solidFill>
-                  <a:schemeClr val="tx1"/>
-                </a:solidFill>
-                <a:effectLst/>
-                <a:latin typeface="+mj-lt"/>
-                <a:ea typeface="+mj-ea"/>
-                <a:cs typeface="+mj-cs"/>
-              </a:defRPr>
-            </a:lvl1pPr>
-          </a:lstStyle>
+          <a:lstStyle/>
           <a:p>
             <a:pPr algn="ctr"/>
             <a:r>
-              <a:rPr lang="he-IL" sz="6000" b="1" cap="none">
+              <a:rPr lang="he-IL" sz="6000" b="1" cap="none" spc="0" dirty="0">
                 <a:ln w="9525">
                   <a:solidFill>
                     <a:schemeClr val="bg1"/>
@@ -5253,34 +5776,13 @@
               </a:rPr>
               <a:t>אתגרים</a:t>
             </a:r>
-            <a:endParaRPr lang="he-IL" sz="6000" b="1" cap="none" dirty="0">
-              <a:ln w="9525">
-                <a:solidFill>
-                  <a:schemeClr val="bg1"/>
-                </a:solidFill>
-                <a:prstDash val="solid"/>
-              </a:ln>
-              <a:solidFill>
-                <a:schemeClr val="accent2">
-                  <a:lumMod val="75000"/>
-                </a:schemeClr>
-              </a:solidFill>
-              <a:effectLst>
-                <a:outerShdw blurRad="12700" dist="38100" dir="2700000" algn="tl" rotWithShape="0">
-                  <a:schemeClr val="accent5">
-                    <a:lumMod val="60000"/>
-                    <a:lumOff val="40000"/>
-                  </a:schemeClr>
-                </a:outerShdw>
-              </a:effectLst>
-            </a:endParaRPr>
           </a:p>
         </p:txBody>
       </p:sp>
     </p:spTree>
     <p:extLst>
       <p:ext uri="{BB962C8B-B14F-4D97-AF65-F5344CB8AC3E}">
-        <p14:creationId xmlns:p14="http://schemas.microsoft.com/office/powerpoint/2010/main" val="2023241020"/>
+        <p14:creationId xmlns:p14="http://schemas.microsoft.com/office/powerpoint/2010/main" val="2848379480"/>
       </p:ext>
     </p:extLst>
   </p:cSld>
@@ -5333,7 +5835,7 @@
             </a:pPr>
             <a:r>
               <a:rPr lang="he-IL" b="1" u="sng" dirty="0"/>
-              <a:t>תבניות מרובות לא מוגדרות היטב:</a:t>
+              <a:t>השפה העברית:</a:t>
             </a:r>
             <a:endParaRPr lang="he-IL" u="sng" dirty="0"/>
           </a:p>
@@ -5343,8 +5845,23 @@
             </a:pPr>
             <a:r>
               <a:rPr lang="he-IL" dirty="0"/>
-              <a:t>תגדדג</a:t>
-            </a:r>
+              <a:t>נתקלנו במספר קשיים עקב השימוש בשפה העברית בפרויקט זה.</a:t>
+            </a:r>
+            <a:br>
+              <a:rPr lang="en-US" dirty="0"/>
+            </a:br>
+            <a:r>
+              <a:rPr lang="he-IL" dirty="0"/>
+              <a:t>ראשית, כמעט ואין ספריות בפייתון העוזרות לניתוח טקסט בעברית, ועקב כך נאלצנו לכתוב פונקציה משלנו לזיהוי סוף ותחילת משפטים בעברית (לצורך פרסור ראשוני של המידע).</a:t>
+            </a:r>
+            <a:br>
+              <a:rPr lang="en-US" dirty="0"/>
+            </a:br>
+            <a:r>
+              <a:rPr lang="he-IL" dirty="0"/>
+              <a:t>שנית, בחלק מפונקציות התיוג השתמשנו בביטויים רגולרים למציאת תבניות מסויימות בטקסט העברי, ולכן ביטויים אלו היו בשפה העברית, דבר אשר פייתון לא תומכת בו בצורה חלקה.</a:t>
+            </a:r>
+            <a:endParaRPr lang="he-IL" u="sng" dirty="0"/>
           </a:p>
         </p:txBody>
       </p:sp>
@@ -5411,7 +5928,7 @@
           <p:cNvPr id="5" name="מלבן 3">
             <a:extLst>
               <a:ext uri="{FF2B5EF4-FFF2-40B4-BE49-F238E27FC236}">
-                <a16:creationId xmlns:a16="http://schemas.microsoft.com/office/drawing/2014/main" id="{A70CA383-2FA0-4A6A-8AA1-DC5626146E7E}"/>
+                <a16:creationId xmlns:a16="http://schemas.microsoft.com/office/drawing/2014/main" id="{598F9A7F-2A99-4CA2-8CFC-DCFA45DD240D}"/>
               </a:ext>
             </a:extLst>
           </p:cNvPr>
@@ -5457,7 +5974,7 @@
           <a:p>
             <a:pPr algn="ctr"/>
             <a:r>
-              <a:rPr lang="he-IL" sz="6000" b="1" cap="none">
+              <a:rPr lang="he-IL" sz="6000" b="1" cap="none" dirty="0">
                 <a:ln w="9525">
                   <a:solidFill>
                     <a:schemeClr val="bg1"/>
@@ -5480,34 +5997,13 @@
               </a:rPr>
               <a:t>אתגרים</a:t>
             </a:r>
-            <a:endParaRPr lang="he-IL" sz="6000" b="1" cap="none" dirty="0">
-              <a:ln w="9525">
-                <a:solidFill>
-                  <a:schemeClr val="bg1"/>
-                </a:solidFill>
-                <a:prstDash val="solid"/>
-              </a:ln>
-              <a:solidFill>
-                <a:schemeClr val="accent2">
-                  <a:lumMod val="75000"/>
-                </a:schemeClr>
-              </a:solidFill>
-              <a:effectLst>
-                <a:outerShdw blurRad="12700" dist="38100" dir="2700000" algn="tl" rotWithShape="0">
-                  <a:schemeClr val="accent5">
-                    <a:lumMod val="60000"/>
-                    <a:lumOff val="40000"/>
-                  </a:schemeClr>
-                </a:outerShdw>
-              </a:effectLst>
-            </a:endParaRPr>
           </a:p>
         </p:txBody>
       </p:sp>
     </p:spTree>
     <p:extLst>
       <p:ext uri="{BB962C8B-B14F-4D97-AF65-F5344CB8AC3E}">
-        <p14:creationId xmlns:p14="http://schemas.microsoft.com/office/powerpoint/2010/main" val="1984362944"/>
+        <p14:creationId xmlns:p14="http://schemas.microsoft.com/office/powerpoint/2010/main" val="2023241020"/>
       </p:ext>
     </p:extLst>
   </p:cSld>
@@ -5555,7 +6051,31 @@
           <a:bodyPr/>
           <a:lstStyle/>
           <a:p>
-            <a:endParaRPr lang="he-IL"/>
+            <a:pPr algn="ctr"/>
+            <a:r>
+              <a:rPr lang="he-IL" sz="6000" b="1" cap="none" dirty="0">
+                <a:ln w="9525">
+                  <a:solidFill>
+                    <a:schemeClr val="bg1"/>
+                  </a:solidFill>
+                  <a:prstDash val="solid"/>
+                </a:ln>
+                <a:solidFill>
+                  <a:schemeClr val="accent2">
+                    <a:lumMod val="75000"/>
+                  </a:schemeClr>
+                </a:solidFill>
+                <a:effectLst>
+                  <a:outerShdw blurRad="12700" dist="38100" dir="2700000" algn="tl" rotWithShape="0">
+                    <a:schemeClr val="accent5">
+                      <a:lumMod val="60000"/>
+                      <a:lumOff val="40000"/>
+                    </a:schemeClr>
+                  </a:outerShdw>
+                </a:effectLst>
+              </a:rPr>
+              <a:t>תודות וביבליוגרפיה</a:t>
+            </a:r>
           </a:p>
         </p:txBody>
       </p:sp>
@@ -5577,10 +6097,67 @@
         </p:nvSpPr>
         <p:spPr/>
         <p:txBody>
-          <a:bodyPr/>
+          <a:bodyPr>
+            <a:normAutofit/>
+          </a:bodyPr>
           <a:lstStyle/>
           <a:p>
-            <a:endParaRPr lang="he-IL"/>
+            <a:r>
+              <a:rPr lang="he-IL" dirty="0"/>
+              <a:t>נרצה להודות למנחה שלנו ד"ר אורן משאלי, על העזרה, התמיכה והעידוד לאורך כל הסמסטר.</a:t>
+            </a:r>
+          </a:p>
+          <a:p>
+            <a:r>
+              <a:rPr lang="he-IL" dirty="0"/>
+              <a:t>מקורות:</a:t>
+            </a:r>
+          </a:p>
+          <a:p>
+            <a:pPr algn="l" rtl="0"/>
+            <a:r>
+              <a:rPr lang="en-US" dirty="0">
+                <a:hlinkClick r:id="rId2"/>
+              </a:rPr>
+              <a:t>https://en.wikipedia.org/wiki/Weak_supervision</a:t>
+            </a:r>
+            <a:endParaRPr lang="en-US" dirty="0"/>
+          </a:p>
+          <a:p>
+            <a:pPr algn="l" rtl="0"/>
+            <a:r>
+              <a:rPr lang="en-US" dirty="0">
+                <a:hlinkClick r:id="rId3"/>
+              </a:rPr>
+              <a:t>https://www.snorkel.org/</a:t>
+            </a:r>
+            <a:endParaRPr lang="en-US" dirty="0"/>
+          </a:p>
+          <a:p>
+            <a:pPr algn="l" rtl="0"/>
+            <a:r>
+              <a:rPr lang="en-US" dirty="0">
+                <a:hlinkClick r:id="rId4"/>
+              </a:rPr>
+              <a:t>https://scikit-learn.org/</a:t>
+            </a:r>
+            <a:endParaRPr lang="en-US" dirty="0"/>
+          </a:p>
+          <a:p>
+            <a:pPr algn="l" rtl="0"/>
+            <a:r>
+              <a:rPr lang="en-US" dirty="0">
+                <a:hlinkClick r:id="rId5"/>
+              </a:rPr>
+              <a:t>https://jakevdp.github.io/PythonDataScienceHandbook/</a:t>
+            </a:r>
+            <a:endParaRPr lang="en-US" dirty="0"/>
+          </a:p>
+          <a:p>
+            <a:pPr marL="0" indent="0" algn="l" rtl="0">
+              <a:buNone/>
+            </a:pPr>
+            <a:endParaRPr lang="he-IL" dirty="0"/>
           </a:p>
         </p:txBody>
       </p:sp>
@@ -5669,7 +6246,7 @@
         </p:spPr>
         <p:txBody>
           <a:bodyPr>
-            <a:normAutofit fontScale="92500" lnSpcReduction="10000"/>
+            <a:normAutofit/>
           </a:bodyPr>
           <a:lstStyle/>
           <a:p>
@@ -5739,15 +6316,6 @@
             <a:r>
               <a:rPr lang="he-IL" sz="2400" dirty="0"/>
               <a:t>.</a:t>
-            </a:r>
-          </a:p>
-          <a:p>
-            <a:pPr marL="0" indent="0">
-              <a:buNone/>
-            </a:pPr>
-            <a:r>
-              <a:rPr lang="he-IL" sz="2400" dirty="0"/>
-              <a:t>הפרויקט נעשה במהלך סמסטר חורף 19-20.</a:t>
             </a:r>
           </a:p>
           <a:p>
@@ -6473,121 +7041,6 @@
                       </p:childTnLst>
                     </p:cTn>
                   </p:par>
-                  <p:par>
-                    <p:cTn id="45" fill="hold">
-                      <p:stCondLst>
-                        <p:cond delay="indefinite"/>
-                      </p:stCondLst>
-                      <p:childTnLst>
-                        <p:par>
-                          <p:cTn id="46" fill="hold">
-                            <p:stCondLst>
-                              <p:cond delay="0"/>
-                            </p:stCondLst>
-                            <p:childTnLst>
-                              <p:par>
-                                <p:cTn id="47" presetID="42" presetClass="entr" presetSubtype="0" fill="hold" nodeType="clickEffect">
-                                  <p:stCondLst>
-                                    <p:cond delay="0"/>
-                                  </p:stCondLst>
-                                  <p:childTnLst>
-                                    <p:set>
-                                      <p:cBhvr>
-                                        <p:cTn id="48" dur="1" fill="hold">
-                                          <p:stCondLst>
-                                            <p:cond delay="0"/>
-                                          </p:stCondLst>
-                                        </p:cTn>
-                                        <p:tgtEl>
-                                          <p:spTgt spid="3">
-                                            <p:txEl>
-                                              <p:pRg st="6" end="6"/>
-                                            </p:txEl>
-                                          </p:spTgt>
-                                        </p:tgtEl>
-                                        <p:attrNameLst>
-                                          <p:attrName>style.visibility</p:attrName>
-                                        </p:attrNameLst>
-                                      </p:cBhvr>
-                                      <p:to>
-                                        <p:strVal val="visible"/>
-                                      </p:to>
-                                    </p:set>
-                                    <p:animEffect transition="in" filter="fade">
-                                      <p:cBhvr>
-                                        <p:cTn id="49" dur="1000"/>
-                                        <p:tgtEl>
-                                          <p:spTgt spid="3">
-                                            <p:txEl>
-                                              <p:pRg st="6" end="6"/>
-                                            </p:txEl>
-                                          </p:spTgt>
-                                        </p:tgtEl>
-                                      </p:cBhvr>
-                                    </p:animEffect>
-                                    <p:anim calcmode="lin" valueType="num">
-                                      <p:cBhvr>
-                                        <p:cTn id="50" dur="1000" fill="hold"/>
-                                        <p:tgtEl>
-                                          <p:spTgt spid="3">
-                                            <p:txEl>
-                                              <p:pRg st="6" end="6"/>
-                                            </p:txEl>
-                                          </p:spTgt>
-                                        </p:tgtEl>
-                                        <p:attrNameLst>
-                                          <p:attrName>ppt_x</p:attrName>
-                                        </p:attrNameLst>
-                                      </p:cBhvr>
-                                      <p:tavLst>
-                                        <p:tav tm="0">
-                                          <p:val>
-                                            <p:strVal val="#ppt_x"/>
-                                          </p:val>
-                                        </p:tav>
-                                        <p:tav tm="100000">
-                                          <p:val>
-                                            <p:strVal val="#ppt_x"/>
-                                          </p:val>
-                                        </p:tav>
-                                      </p:tavLst>
-                                    </p:anim>
-                                    <p:anim calcmode="lin" valueType="num">
-                                      <p:cBhvr>
-                                        <p:cTn id="51" dur="1000" fill="hold"/>
-                                        <p:tgtEl>
-                                          <p:spTgt spid="3">
-                                            <p:txEl>
-                                              <p:pRg st="6" end="6"/>
-                                            </p:txEl>
-                                          </p:spTgt>
-                                        </p:tgtEl>
-                                        <p:attrNameLst>
-                                          <p:attrName>ppt_y</p:attrName>
-                                        </p:attrNameLst>
-                                      </p:cBhvr>
-                                      <p:tavLst>
-                                        <p:tav tm="0">
-                                          <p:val>
-                                            <p:strVal val="#ppt_y+.1"/>
-                                          </p:val>
-                                        </p:tav>
-                                        <p:tav tm="100000">
-                                          <p:val>
-                                            <p:strVal val="#ppt_y"/>
-                                          </p:val>
-                                        </p:tav>
-                                      </p:tavLst>
-                                    </p:anim>
-                                  </p:childTnLst>
-                                </p:cTn>
-                              </p:par>
-                            </p:childTnLst>
-                          </p:cTn>
-                        </p:par>
-                      </p:childTnLst>
-                    </p:cTn>
-                  </p:par>
                 </p:childTnLst>
               </p:cTn>
               <p:prevCondLst>
@@ -6613,86 +7066,6 @@
 </p:sld>
 </file>
 
-<file path=ppt/slides/slide20.xml><?xml version="1.0" encoding="utf-8"?>
-<p:sld xmlns:a="http://schemas.openxmlformats.org/drawingml/2006/main" xmlns:r="http://schemas.openxmlformats.org/officeDocument/2006/relationships" xmlns:p="http://schemas.openxmlformats.org/presentationml/2006/main">
-  <p:cSld>
-    <p:spTree>
-      <p:nvGrpSpPr>
-        <p:cNvPr id="1" name=""/>
-        <p:cNvGrpSpPr/>
-        <p:nvPr/>
-      </p:nvGrpSpPr>
-      <p:grpSpPr>
-        <a:xfrm>
-          <a:off x="0" y="0"/>
-          <a:ext cx="0" cy="0"/>
-          <a:chOff x="0" y="0"/>
-          <a:chExt cx="0" cy="0"/>
-        </a:xfrm>
-      </p:grpSpPr>
-      <p:sp>
-        <p:nvSpPr>
-          <p:cNvPr id="2" name="כותרת 1">
-            <a:extLst>
-              <a:ext uri="{FF2B5EF4-FFF2-40B4-BE49-F238E27FC236}">
-                <a16:creationId xmlns:a16="http://schemas.microsoft.com/office/drawing/2014/main" id="{D173B33E-A57D-4A31-B67E-BBA6771D775F}"/>
-              </a:ext>
-            </a:extLst>
-          </p:cNvPr>
-          <p:cNvSpPr>
-            <a:spLocks noGrp="1"/>
-          </p:cNvSpPr>
-          <p:nvPr>
-            <p:ph type="title"/>
-          </p:nvPr>
-        </p:nvSpPr>
-        <p:spPr/>
-        <p:txBody>
-          <a:bodyPr/>
-          <a:lstStyle/>
-          <a:p>
-            <a:endParaRPr lang="he-IL"/>
-          </a:p>
-        </p:txBody>
-      </p:sp>
-      <p:sp>
-        <p:nvSpPr>
-          <p:cNvPr id="3" name="מציין מיקום תוכן 2">
-            <a:extLst>
-              <a:ext uri="{FF2B5EF4-FFF2-40B4-BE49-F238E27FC236}">
-                <a16:creationId xmlns:a16="http://schemas.microsoft.com/office/drawing/2014/main" id="{687944DE-6282-4EFE-8A72-B90F767FFDF5}"/>
-              </a:ext>
-            </a:extLst>
-          </p:cNvPr>
-          <p:cNvSpPr>
-            <a:spLocks noGrp="1"/>
-          </p:cNvSpPr>
-          <p:nvPr>
-            <p:ph idx="1"/>
-          </p:nvPr>
-        </p:nvSpPr>
-        <p:spPr/>
-        <p:txBody>
-          <a:bodyPr/>
-          <a:lstStyle/>
-          <a:p>
-            <a:endParaRPr lang="he-IL"/>
-          </a:p>
-        </p:txBody>
-      </p:sp>
-    </p:spTree>
-    <p:extLst>
-      <p:ext uri="{BB962C8B-B14F-4D97-AF65-F5344CB8AC3E}">
-        <p14:creationId xmlns:p14="http://schemas.microsoft.com/office/powerpoint/2010/main" val="818444655"/>
-      </p:ext>
-    </p:extLst>
-  </p:cSld>
-  <p:clrMapOvr>
-    <a:masterClrMapping/>
-  </p:clrMapOvr>
-</p:sld>
-</file>
-
 <file path=ppt/slides/slide3.xml><?xml version="1.0" encoding="utf-8"?>
 <p:sld xmlns:a="http://schemas.openxmlformats.org/drawingml/2006/main" xmlns:r="http://schemas.openxmlformats.org/officeDocument/2006/relationships" xmlns:p="http://schemas.openxmlformats.org/presentationml/2006/main">
   <p:cSld>
@@ -6766,7 +7139,7 @@
             </a:br>
             <a:r>
               <a:rPr lang="he-IL" dirty="0"/>
-              <a:t>מקבלים קלט [טקסט המכיל רפרנסים לתלמוד הבבלי], וכפלט נחלץ רפרנסים אלו בצורה מדוייקת ככל הניתן</a:t>
+              <a:t>מקבלים קלט [טקסט המכיל רפרנסים לתלמוד הבבלי], וכפלט נחלץ רפרנסים אלו בצורה מדוייקת ככל הניתן. בנוסף הטקסט המתוייג ייכנס כקלט למסווג לאימון המכונה. </a:t>
             </a:r>
             <a:endParaRPr lang="he-IL" sz="2400" b="1" u="sng" dirty="0"/>
           </a:p>
@@ -6789,8 +7162,8 @@
         </p:nvSpPr>
         <p:spPr>
           <a:xfrm>
-            <a:off x="3963175" y="633710"/>
-            <a:ext cx="4580101" cy="1015663"/>
+            <a:off x="4283775" y="633710"/>
+            <a:ext cx="3938899" cy="923330"/>
           </a:xfrm>
           <a:prstGeom prst="rect">
             <a:avLst/>
@@ -6803,7 +7176,14 @@
           </a:bodyPr>
           <a:lstStyle/>
           <a:p>
-            <a:pPr algn="ctr"/>
+            <a:pPr algn="ctr" defTabSz="914400" rtl="1">
+              <a:lnSpc>
+                <a:spcPct val="90000"/>
+              </a:lnSpc>
+              <a:spcBef>
+                <a:spcPct val="0"/>
+              </a:spcBef>
+            </a:pPr>
             <a:r>
               <a:rPr lang="he-IL" sz="6000" b="1" dirty="0">
                 <a:ln w="9525">
@@ -6813,7 +7193,9 @@
                   <a:prstDash val="solid"/>
                 </a:ln>
                 <a:solidFill>
-                  <a:srgbClr val="C09200"/>
+                  <a:schemeClr val="accent2">
+                    <a:lumMod val="75000"/>
+                  </a:schemeClr>
                 </a:solidFill>
                 <a:effectLst>
                   <a:outerShdw blurRad="12700" dist="38100" dir="2700000" algn="tl" rotWithShape="0">
@@ -6823,52 +7205,11 @@
                     </a:schemeClr>
                   </a:outerShdw>
                 </a:effectLst>
+                <a:latin typeface="+mj-lt"/>
+                <a:ea typeface="+mj-ea"/>
+                <a:cs typeface="+mj-cs"/>
               </a:rPr>
-              <a:t>הגדרת</a:t>
-            </a:r>
-            <a:r>
-              <a:rPr lang="he-IL" sz="6000" b="1" cap="none" spc="0" dirty="0">
-                <a:ln w="9525">
-                  <a:solidFill>
-                    <a:schemeClr val="bg1"/>
-                  </a:solidFill>
-                  <a:prstDash val="solid"/>
-                </a:ln>
-                <a:solidFill>
-                  <a:srgbClr val="FFC000"/>
-                </a:solidFill>
-                <a:effectLst>
-                  <a:outerShdw blurRad="12700" dist="38100" dir="2700000" algn="tl" rotWithShape="0">
-                    <a:schemeClr val="accent5">
-                      <a:lumMod val="60000"/>
-                      <a:lumOff val="40000"/>
-                    </a:schemeClr>
-                  </a:outerShdw>
-                </a:effectLst>
-              </a:rPr>
-              <a:t> </a:t>
-            </a:r>
-            <a:r>
-              <a:rPr lang="he-IL" sz="6000" b="1" cap="none" spc="0" dirty="0">
-                <a:ln w="9525">
-                  <a:solidFill>
-                    <a:schemeClr val="bg1"/>
-                  </a:solidFill>
-                  <a:prstDash val="solid"/>
-                </a:ln>
-                <a:solidFill>
-                  <a:srgbClr val="C09200"/>
-                </a:solidFill>
-                <a:effectLst>
-                  <a:outerShdw blurRad="12700" dist="38100" dir="2700000" algn="tl" rotWithShape="0">
-                    <a:schemeClr val="accent5">
-                      <a:lumMod val="60000"/>
-                      <a:lumOff val="40000"/>
-                    </a:schemeClr>
-                  </a:outerShdw>
-                </a:effectLst>
-              </a:rPr>
-              <a:t>הבעיה</a:t>
+              <a:t>הגדרת הבעיה</a:t>
             </a:r>
           </a:p>
         </p:txBody>
@@ -7008,8 +7349,8 @@
         </p:nvSpPr>
         <p:spPr>
           <a:xfrm>
-            <a:off x="3927900" y="633710"/>
-            <a:ext cx="4650632" cy="1015663"/>
+            <a:off x="4161938" y="633710"/>
+            <a:ext cx="4182555" cy="923330"/>
           </a:xfrm>
           <a:prstGeom prst="rect">
             <a:avLst/>
@@ -7022,9 +7363,16 @@
           </a:bodyPr>
           <a:lstStyle/>
           <a:p>
-            <a:pPr algn="ctr"/>
-            <a:r>
-              <a:rPr lang="he-IL" sz="6000" b="1" cap="none" spc="0" dirty="0">
+            <a:pPr algn="ctr" defTabSz="914400" rtl="1">
+              <a:lnSpc>
+                <a:spcPct val="90000"/>
+              </a:lnSpc>
+              <a:spcBef>
+                <a:spcPct val="0"/>
+              </a:spcBef>
+            </a:pPr>
+            <a:r>
+              <a:rPr lang="he-IL" sz="6000" b="1" dirty="0">
                 <a:ln w="9525">
                   <a:solidFill>
                     <a:schemeClr val="bg1"/>
@@ -7032,7 +7380,9 @@
                   <a:prstDash val="solid"/>
                 </a:ln>
                 <a:solidFill>
-                  <a:schemeClr val="accent5"/>
+                  <a:schemeClr val="accent2">
+                    <a:lumMod val="75000"/>
+                  </a:schemeClr>
                 </a:solidFill>
                 <a:effectLst>
                   <a:outerShdw blurRad="12700" dist="38100" dir="2700000" algn="tl" rotWithShape="0">
@@ -7042,6 +7392,9 @@
                     </a:schemeClr>
                   </a:outerShdw>
                 </a:effectLst>
+                <a:latin typeface="+mj-lt"/>
+                <a:ea typeface="+mj-ea"/>
+                <a:cs typeface="+mj-cs"/>
               </a:rPr>
               <a:t>שלבי הפרויקט</a:t>
             </a:r>
@@ -7157,7 +7510,15 @@
           <a:p>
             <a:r>
               <a:rPr lang="he-IL" sz="2200" dirty="0"/>
-              <a:t>תחילה חילצנו את הדאטה סט מקבצי </a:t>
+              <a:t>תחילה חילצנו את ה </a:t>
+            </a:r>
+            <a:r>
+              <a:rPr lang="en-US" sz="2200" dirty="0"/>
+              <a:t>data set</a:t>
+            </a:r>
+            <a:r>
+              <a:rPr lang="he-IL" sz="2200" dirty="0"/>
+              <a:t> מקבצי </a:t>
             </a:r>
             <a:r>
               <a:rPr lang="en-US" sz="2200" dirty="0"/>
@@ -7231,8 +7592,8 @@
         </p:nvSpPr>
         <p:spPr>
           <a:xfrm>
-            <a:off x="2461160" y="633710"/>
-            <a:ext cx="7584128" cy="1015663"/>
+            <a:off x="2469175" y="633710"/>
+            <a:ext cx="7568097" cy="923330"/>
           </a:xfrm>
           <a:prstGeom prst="rect">
             <a:avLst/>
@@ -7245,9 +7606,16 @@
           </a:bodyPr>
           <a:lstStyle/>
           <a:p>
-            <a:pPr algn="ctr"/>
-            <a:r>
-              <a:rPr lang="he-IL" sz="6000" b="1" cap="none" spc="0" dirty="0">
+            <a:pPr algn="ctr" defTabSz="914400" rtl="1">
+              <a:lnSpc>
+                <a:spcPct val="90000"/>
+              </a:lnSpc>
+              <a:spcBef>
+                <a:spcPct val="0"/>
+              </a:spcBef>
+            </a:pPr>
+            <a:r>
+              <a:rPr lang="he-IL" sz="6000" b="1" dirty="0">
                 <a:ln w="9525">
                   <a:solidFill>
                     <a:schemeClr val="bg1"/>
@@ -7255,7 +7623,9 @@
                   <a:prstDash val="solid"/>
                 </a:ln>
                 <a:solidFill>
-                  <a:schemeClr val="accent5"/>
+                  <a:schemeClr val="accent2">
+                    <a:lumMod val="75000"/>
+                  </a:schemeClr>
                 </a:solidFill>
                 <a:effectLst>
                   <a:outerShdw blurRad="12700" dist="38100" dir="2700000" algn="tl" rotWithShape="0">
@@ -7265,8 +7635,11 @@
                     </a:schemeClr>
                   </a:outerShdw>
                 </a:effectLst>
+                <a:latin typeface="+mj-lt"/>
+                <a:ea typeface="+mj-ea"/>
+                <a:cs typeface="+mj-cs"/>
               </a:rPr>
-              <a:t>עיבוד ראשוני של המידע</a:t>
+              <a:t>1 עיבוד ראשוני של המידע</a:t>
             </a:r>
           </a:p>
         </p:txBody>
@@ -7320,7 +7693,7 @@
         <p:spPr/>
         <p:txBody>
           <a:bodyPr>
-            <a:normAutofit fontScale="92500" lnSpcReduction="20000"/>
+            <a:normAutofit fontScale="85000" lnSpcReduction="20000"/>
           </a:bodyPr>
           <a:lstStyle/>
           <a:p>
@@ -7396,7 +7769,13 @@
             </a:r>
             <a:r>
               <a:rPr lang="he-IL" sz="2400" dirty="0"/>
-              <a:t>, לאחר ניסוי וטעיה הבנו שזה הגודל האידיאלי לצרכינו.</a:t>
+              <a:t>. </a:t>
+            </a:r>
+          </a:p>
+          <a:p>
+            <a:r>
+              <a:rPr lang="he-IL" sz="2400" dirty="0"/>
+              <a:t>לאחר ניסוי וטעיה הבנו שזה הגודל האידיאלי לצרכינו.</a:t>
             </a:r>
           </a:p>
         </p:txBody>
@@ -7415,8 +7794,8 @@
         </p:nvSpPr>
         <p:spPr>
           <a:xfrm>
-            <a:off x="2461160" y="633710"/>
-            <a:ext cx="7584128" cy="1015663"/>
+            <a:off x="2469175" y="633710"/>
+            <a:ext cx="7568097" cy="923330"/>
           </a:xfrm>
           <a:prstGeom prst="rect">
             <a:avLst/>
@@ -7429,9 +7808,16 @@
           </a:bodyPr>
           <a:lstStyle/>
           <a:p>
-            <a:pPr algn="ctr"/>
-            <a:r>
-              <a:rPr lang="he-IL" sz="6000" b="1" cap="none" spc="0" dirty="0">
+            <a:pPr algn="ctr" defTabSz="914400" rtl="1">
+              <a:lnSpc>
+                <a:spcPct val="90000"/>
+              </a:lnSpc>
+              <a:spcBef>
+                <a:spcPct val="0"/>
+              </a:spcBef>
+            </a:pPr>
+            <a:r>
+              <a:rPr lang="he-IL" sz="6000" b="1" dirty="0">
                 <a:ln w="9525">
                   <a:solidFill>
                     <a:schemeClr val="bg1"/>
@@ -7439,7 +7825,9 @@
                   <a:prstDash val="solid"/>
                 </a:ln>
                 <a:solidFill>
-                  <a:schemeClr val="accent5"/>
+                  <a:schemeClr val="accent2">
+                    <a:lumMod val="75000"/>
+                  </a:schemeClr>
                 </a:solidFill>
                 <a:effectLst>
                   <a:outerShdw blurRad="12700" dist="38100" dir="2700000" algn="tl" rotWithShape="0">
@@ -7449,8 +7837,11 @@
                     </a:schemeClr>
                   </a:outerShdw>
                 </a:effectLst>
+                <a:latin typeface="+mj-lt"/>
+                <a:ea typeface="+mj-ea"/>
+                <a:cs typeface="+mj-cs"/>
               </a:rPr>
-              <a:t>עיבוד ראשוני של המידע</a:t>
+              <a:t>1 עיבוד ראשוני של המידע</a:t>
             </a:r>
           </a:p>
         </p:txBody>
@@ -7545,7 +7936,7 @@
           <a:p>
             <a:r>
               <a:rPr lang="he-IL" dirty="0"/>
-              <a:t>עיקר הפרויקט היה הגדרת פונקציות תיוג בהתאם לתבניות שהגדרנו לאחר בחינה מעמיקה של הטקסט והבנה של מה יוגדר כרפרנס מהתלמוד הבבלי. </a:t>
+              <a:t>עיקר הפרויקט היה הגדרת פונקציות תיוג בהתאם לתבניות שהגדרנו, לאחר בחינה מעמיקה של הטקסט והבנה של מה יוגדר כרפרנס מהתלמוד הבבלי. </a:t>
             </a:r>
           </a:p>
           <a:p>
@@ -7557,11 +7948,11 @@
           <a:p>
             <a:r>
               <a:rPr lang="he-IL" b="1" dirty="0"/>
-              <a:t>מסקנות להמשך</a:t>
-            </a:r>
-            <a:r>
-              <a:rPr lang="he-IL" dirty="0"/>
-              <a:t>: ייתכן שבהרצה על טקסט יותר גדול, יתגלה כי פונקציות נוספות יש אחוז כיסוי נמוך גם כן, ואז ייתכן ונסירן.</a:t>
+              <a:t>מסקנה שהסקנו במהלך ההרצות</a:t>
+            </a:r>
+            <a:r>
+              <a:rPr lang="he-IL" dirty="0"/>
+              <a:t>: התגלו 2 פונקציות עם אחוז כיסוי אפסי, ולכן הסרנו אותן כדי שלא יגדילו את זמן הריצה.</a:t>
             </a:r>
           </a:p>
         </p:txBody>
@@ -7580,8 +7971,8 @@
         </p:nvSpPr>
         <p:spPr>
           <a:xfrm>
-            <a:off x="4405597" y="633710"/>
-            <a:ext cx="3695243" cy="1015663"/>
+            <a:off x="4148190" y="452735"/>
+            <a:ext cx="3895618" cy="923330"/>
           </a:xfrm>
           <a:prstGeom prst="rect">
             <a:avLst/>
@@ -7594,9 +7985,16 @@
           </a:bodyPr>
           <a:lstStyle/>
           <a:p>
-            <a:pPr algn="ctr"/>
-            <a:r>
-              <a:rPr lang="he-IL" sz="6000" b="1" cap="none" spc="0" dirty="0">
+            <a:pPr algn="ctr" defTabSz="914400" rtl="1">
+              <a:lnSpc>
+                <a:spcPct val="90000"/>
+              </a:lnSpc>
+              <a:spcBef>
+                <a:spcPct val="0"/>
+              </a:spcBef>
+            </a:pPr>
+            <a:r>
+              <a:rPr lang="he-IL" sz="6000" b="1" dirty="0">
                 <a:ln w="9525">
                   <a:solidFill>
                     <a:schemeClr val="bg1"/>
@@ -7604,7 +8002,9 @@
                   <a:prstDash val="solid"/>
                 </a:ln>
                 <a:solidFill>
-                  <a:schemeClr val="accent5"/>
+                  <a:schemeClr val="accent2">
+                    <a:lumMod val="75000"/>
+                  </a:schemeClr>
                 </a:solidFill>
                 <a:effectLst>
                   <a:outerShdw blurRad="12700" dist="38100" dir="2700000" algn="tl" rotWithShape="0">
@@ -7614,8 +8014,11 @@
                     </a:schemeClr>
                   </a:outerShdw>
                 </a:effectLst>
+                <a:latin typeface="+mj-lt"/>
+                <a:ea typeface="+mj-ea"/>
+                <a:cs typeface="+mj-cs"/>
               </a:rPr>
-              <a:t>תיוג המידע</a:t>
+              <a:t>2 תיוג המידע</a:t>
             </a:r>
           </a:p>
         </p:txBody>
@@ -7704,7 +8107,7 @@
             </a:br>
             <a:r>
               <a:rPr lang="he-IL" dirty="0"/>
-              <a:t>"דף" בתוך "()" , עם אדישות</a:t>
+              <a:t>"דף" בתוך "()" , עם אפשרות</a:t>
             </a:r>
             <a:br>
               <a:rPr lang="en-US" dirty="0"/>
@@ -7737,8 +8140,8 @@
         </p:nvSpPr>
         <p:spPr>
           <a:xfrm>
-            <a:off x="4405597" y="633710"/>
-            <a:ext cx="3695243" cy="1015663"/>
+            <a:off x="4231242" y="606316"/>
+            <a:ext cx="3895618" cy="923330"/>
           </a:xfrm>
           <a:prstGeom prst="rect">
             <a:avLst/>
@@ -7751,9 +8154,16 @@
           </a:bodyPr>
           <a:lstStyle/>
           <a:p>
-            <a:pPr algn="ctr"/>
-            <a:r>
-              <a:rPr lang="he-IL" sz="6000" b="1" cap="none" spc="0" dirty="0">
+            <a:pPr algn="ctr" defTabSz="914400" rtl="1">
+              <a:lnSpc>
+                <a:spcPct val="90000"/>
+              </a:lnSpc>
+              <a:spcBef>
+                <a:spcPct val="0"/>
+              </a:spcBef>
+            </a:pPr>
+            <a:r>
+              <a:rPr lang="he-IL" sz="6000" b="1" dirty="0">
                 <a:ln w="9525">
                   <a:solidFill>
                     <a:schemeClr val="bg1"/>
@@ -7761,7 +8171,9 @@
                   <a:prstDash val="solid"/>
                 </a:ln>
                 <a:solidFill>
-                  <a:schemeClr val="accent5"/>
+                  <a:schemeClr val="accent2">
+                    <a:lumMod val="75000"/>
+                  </a:schemeClr>
                 </a:solidFill>
                 <a:effectLst>
                   <a:outerShdw blurRad="12700" dist="38100" dir="2700000" algn="tl" rotWithShape="0">
@@ -7771,8 +8183,11 @@
                     </a:schemeClr>
                   </a:outerShdw>
                 </a:effectLst>
+                <a:latin typeface="+mj-lt"/>
+                <a:ea typeface="+mj-ea"/>
+                <a:cs typeface="+mj-cs"/>
               </a:rPr>
-              <a:t>תיוג המידע</a:t>
+              <a:t>2 תיוג המידע</a:t>
             </a:r>
           </a:p>
         </p:txBody>
@@ -7967,16 +8382,6 @@
             </a:br>
             <a:endParaRPr lang="he-IL" dirty="0"/>
           </a:p>
-          <a:p>
-            <a:r>
-              <a:rPr lang="he-IL" b="1" dirty="0"/>
-              <a:t>מסקנות להמשך</a:t>
-            </a:r>
-            <a:r>
-              <a:rPr lang="he-IL" dirty="0"/>
-              <a:t>: ייתכן שבהרצה על טקסט יותר גדול, יתגלה כי פונקציות נוספות יש אחוז כיסוי נמוך גם כן, ואז ייתכן ונסירן.</a:t>
-            </a:r>
-          </a:p>
         </p:txBody>
       </p:sp>
       <p:sp>
@@ -7993,8 +8398,8 @@
         </p:nvSpPr>
         <p:spPr>
           <a:xfrm>
-            <a:off x="4405597" y="633710"/>
-            <a:ext cx="3695243" cy="1015663"/>
+            <a:off x="4305409" y="633710"/>
+            <a:ext cx="3895618" cy="923330"/>
           </a:xfrm>
           <a:prstGeom prst="rect">
             <a:avLst/>
@@ -8007,9 +8412,16 @@
           </a:bodyPr>
           <a:lstStyle/>
           <a:p>
-            <a:pPr algn="ctr"/>
-            <a:r>
-              <a:rPr lang="he-IL" sz="6000" b="1" cap="none" spc="0" dirty="0">
+            <a:pPr algn="ctr" defTabSz="914400" rtl="1">
+              <a:lnSpc>
+                <a:spcPct val="90000"/>
+              </a:lnSpc>
+              <a:spcBef>
+                <a:spcPct val="0"/>
+              </a:spcBef>
+            </a:pPr>
+            <a:r>
+              <a:rPr lang="he-IL" sz="6000" b="1" dirty="0">
                 <a:ln w="9525">
                   <a:solidFill>
                     <a:schemeClr val="bg1"/>
@@ -8017,7 +8429,9 @@
                   <a:prstDash val="solid"/>
                 </a:ln>
                 <a:solidFill>
-                  <a:schemeClr val="accent5"/>
+                  <a:schemeClr val="accent2">
+                    <a:lumMod val="75000"/>
+                  </a:schemeClr>
                 </a:solidFill>
                 <a:effectLst>
                   <a:outerShdw blurRad="12700" dist="38100" dir="2700000" algn="tl" rotWithShape="0">
@@ -8027,8 +8441,11 @@
                     </a:schemeClr>
                   </a:outerShdw>
                 </a:effectLst>
+                <a:latin typeface="+mj-lt"/>
+                <a:ea typeface="+mj-ea"/>
+                <a:cs typeface="+mj-cs"/>
               </a:rPr>
-              <a:t>תיוג המידע</a:t>
+              <a:t>2 תיוג המידע</a:t>
             </a:r>
           </a:p>
         </p:txBody>

--- a/Presentation.pptx
+++ b/Presentation.pptx
@@ -269,7 +269,7 @@
           <a:p>
             <a:fld id="{48A87A34-81AB-432B-8DAE-1953F412C126}" type="datetimeFigureOut">
               <a:rPr lang="en-US" smtClean="0"/>
-              <a:t>4/1/2020</a:t>
+              <a:t>4/5/2020</a:t>
             </a:fld>
             <a:endParaRPr lang="en-US" dirty="0"/>
           </a:p>
@@ -480,7 +480,7 @@
           <a:p>
             <a:fld id="{48A87A34-81AB-432B-8DAE-1953F412C126}" type="datetimeFigureOut">
               <a:rPr lang="en-US" smtClean="0"/>
-              <a:t>4/1/2020</a:t>
+              <a:t>4/5/2020</a:t>
             </a:fld>
             <a:endParaRPr lang="en-US" dirty="0"/>
           </a:p>
@@ -695,7 +695,7 @@
           <a:p>
             <a:fld id="{48A87A34-81AB-432B-8DAE-1953F412C126}" type="datetimeFigureOut">
               <a:rPr lang="en-US" smtClean="0"/>
-              <a:t>4/1/2020</a:t>
+              <a:t>4/5/2020</a:t>
             </a:fld>
             <a:endParaRPr lang="en-US" dirty="0"/>
           </a:p>
@@ -896,7 +896,7 @@
           <a:p>
             <a:fld id="{48A87A34-81AB-432B-8DAE-1953F412C126}" type="datetimeFigureOut">
               <a:rPr lang="en-US" smtClean="0"/>
-              <a:t>4/1/2020</a:t>
+              <a:t>4/5/2020</a:t>
             </a:fld>
             <a:endParaRPr lang="en-US" dirty="0"/>
           </a:p>
@@ -1175,7 +1175,7 @@
           <a:p>
             <a:fld id="{48A87A34-81AB-432B-8DAE-1953F412C126}" type="datetimeFigureOut">
               <a:rPr lang="en-US" smtClean="0"/>
-              <a:t>4/1/2020</a:t>
+              <a:t>4/5/2020</a:t>
             </a:fld>
             <a:endParaRPr lang="en-US" dirty="0"/>
           </a:p>
@@ -1443,7 +1443,7 @@
           <a:p>
             <a:fld id="{48A87A34-81AB-432B-8DAE-1953F412C126}" type="datetimeFigureOut">
               <a:rPr lang="en-US" smtClean="0"/>
-              <a:t>4/1/2020</a:t>
+              <a:t>4/5/2020</a:t>
             </a:fld>
             <a:endParaRPr lang="en-US" dirty="0"/>
           </a:p>
@@ -1859,7 +1859,7 @@
           <a:p>
             <a:fld id="{48A87A34-81AB-432B-8DAE-1953F412C126}" type="datetimeFigureOut">
               <a:rPr lang="en-US" smtClean="0"/>
-              <a:t>4/1/2020</a:t>
+              <a:t>4/5/2020</a:t>
             </a:fld>
             <a:endParaRPr lang="en-US" dirty="0"/>
           </a:p>
@@ -2008,7 +2008,7 @@
           <a:p>
             <a:fld id="{48A87A34-81AB-432B-8DAE-1953F412C126}" type="datetimeFigureOut">
               <a:rPr lang="en-US" smtClean="0"/>
-              <a:t>4/1/2020</a:t>
+              <a:t>4/5/2020</a:t>
             </a:fld>
             <a:endParaRPr lang="en-US" dirty="0"/>
           </a:p>
@@ -2134,7 +2134,7 @@
           <a:p>
             <a:fld id="{48A87A34-81AB-432B-8DAE-1953F412C126}" type="datetimeFigureOut">
               <a:rPr lang="en-US" smtClean="0"/>
-              <a:t>4/1/2020</a:t>
+              <a:t>4/5/2020</a:t>
             </a:fld>
             <a:endParaRPr lang="en-US" dirty="0"/>
           </a:p>
@@ -2385,7 +2385,7 @@
           <a:p>
             <a:fld id="{48A87A34-81AB-432B-8DAE-1953F412C126}" type="datetimeFigureOut">
               <a:rPr lang="en-US" smtClean="0"/>
-              <a:t>4/1/2020</a:t>
+              <a:t>4/5/2020</a:t>
             </a:fld>
             <a:endParaRPr lang="en-US" dirty="0"/>
           </a:p>
@@ -2831,7 +2831,7 @@
             <a:fld id="{48A87A34-81AB-432B-8DAE-1953F412C126}" type="datetimeFigureOut">
               <a:rPr lang="en-US" smtClean="0"/>
               <a:pPr/>
-              <a:t>4/1/2020</a:t>
+              <a:t>4/5/2020</a:t>
             </a:fld>
             <a:endParaRPr lang="en-US" dirty="0"/>
           </a:p>
@@ -3159,7 +3159,7 @@
             <a:fld id="{48A87A34-81AB-432B-8DAE-1953F412C126}" type="datetimeFigureOut">
               <a:rPr lang="en-US" smtClean="0"/>
               <a:pPr/>
-              <a:t>4/1/2020</a:t>
+              <a:t>4/5/2020</a:t>
             </a:fld>
             <a:endParaRPr lang="en-US" dirty="0"/>
           </a:p>
@@ -5014,7 +5014,9 @@
         </p:nvSpPr>
         <p:spPr/>
         <p:txBody>
-          <a:bodyPr/>
+          <a:bodyPr>
+            <a:normAutofit/>
+          </a:bodyPr>
           <a:lstStyle/>
           <a:p>
             <a:pPr marL="0" indent="0">
@@ -5065,7 +5067,35 @@
             </a:r>
             <a:r>
               <a:rPr lang="he-IL" dirty="0"/>
-              <a:t> </a:t>
+              <a:t> כי גם שימוש </a:t>
+            </a:r>
+            <a:r>
+              <a:rPr lang="he-IL" dirty="0" err="1"/>
+              <a:t>באוגמנטציות</a:t>
+            </a:r>
+            <a:r>
+              <a:rPr lang="he-IL" dirty="0"/>
+              <a:t> וגם הגדלת </a:t>
+            </a:r>
+            <a:r>
+              <a:rPr lang="he-IL" dirty="0" err="1"/>
+              <a:t>הדאטא</a:t>
+            </a:r>
+            <a:r>
+              <a:rPr lang="he-IL" dirty="0"/>
+              <a:t> סט לא השפיעו במידה רבה על דיוק המסווג. ההערכה שלנו היא שהגדלת מספר </a:t>
+            </a:r>
+            <a:r>
+              <a:rPr lang="he-IL" dirty="0" err="1"/>
+              <a:t>הטרנספורמתיות</a:t>
+            </a:r>
+            <a:r>
+              <a:rPr lang="he-IL"/>
+              <a:t> תשפר </a:t>
+            </a:r>
+            <a:r>
+              <a:rPr lang="he-IL" dirty="0"/>
+              <a:t>את דיוק המסווג.</a:t>
             </a:r>
           </a:p>
           <a:p>
@@ -5175,7 +5205,7 @@
       </p:sp>
       <p:sp>
         <p:nvSpPr>
-          <p:cNvPr id="4" name="מלבן 3">
+          <p:cNvPr id="4" name="כותרת 3">
             <a:extLst>
               <a:ext uri="{FF2B5EF4-FFF2-40B4-BE49-F238E27FC236}">
                 <a16:creationId xmlns:a16="http://schemas.microsoft.com/office/drawing/2014/main" id="{E4480DF1-DEB6-4974-9F65-F865DEE4067A}"/>
@@ -5444,7 +5474,7 @@
       </p:sp>
       <p:sp>
         <p:nvSpPr>
-          <p:cNvPr id="4" name="מלבן 3">
+          <p:cNvPr id="4" name="כותרת 3">
             <a:extLst>
               <a:ext uri="{FF2B5EF4-FFF2-40B4-BE49-F238E27FC236}">
                 <a16:creationId xmlns:a16="http://schemas.microsoft.com/office/drawing/2014/main" id="{E4480DF1-DEB6-4974-9F65-F865DEE4067A}"/>
@@ -5721,7 +5751,7 @@
       </p:sp>
       <p:sp>
         <p:nvSpPr>
-          <p:cNvPr id="4" name="מלבן 3">
+          <p:cNvPr id="4" name="כותרת 3">
             <a:extLst>
               <a:ext uri="{FF2B5EF4-FFF2-40B4-BE49-F238E27FC236}">
                 <a16:creationId xmlns:a16="http://schemas.microsoft.com/office/drawing/2014/main" id="{14EB748D-230B-41C9-920F-8FB878A8B6FD}"/>
@@ -5867,7 +5897,7 @@
       </p:sp>
       <p:sp>
         <p:nvSpPr>
-          <p:cNvPr id="4" name="מלבן 3">
+          <p:cNvPr id="4" name="כותרת 3">
             <a:extLst>
               <a:ext uri="{FF2B5EF4-FFF2-40B4-BE49-F238E27FC236}">
                 <a16:creationId xmlns:a16="http://schemas.microsoft.com/office/drawing/2014/main" id="{E4480DF1-DEB6-4974-9F65-F865DEE4067A}"/>

--- a/Presentation.pptx
+++ b/Presentation.pptx
@@ -4,6 +4,9 @@
   <p:sldMasterIdLst>
     <p:sldMasterId id="2147483738" r:id="rId1"/>
   </p:sldMasterIdLst>
+  <p:notesMasterIdLst>
+    <p:notesMasterId r:id="rId21"/>
+  </p:notesMasterIdLst>
   <p:sldIdLst>
     <p:sldId id="256" r:id="rId2"/>
     <p:sldId id="257" r:id="rId3"/>
@@ -128,6 +131,439 @@
     </p:ext>
   </p:extLst>
 </p:presentation>
+</file>
+
+<file path=ppt/notesMasters/notesMaster1.xml><?xml version="1.0" encoding="utf-8"?>
+<p:notesMaster xmlns:a="http://schemas.openxmlformats.org/drawingml/2006/main" xmlns:r="http://schemas.openxmlformats.org/officeDocument/2006/relationships" xmlns:p="http://schemas.openxmlformats.org/presentationml/2006/main">
+  <p:cSld>
+    <p:bg>
+      <p:bgRef idx="1001">
+        <a:schemeClr val="bg1"/>
+      </p:bgRef>
+    </p:bg>
+    <p:spTree>
+      <p:nvGrpSpPr>
+        <p:cNvPr id="1" name=""/>
+        <p:cNvGrpSpPr/>
+        <p:nvPr/>
+      </p:nvGrpSpPr>
+      <p:grpSpPr>
+        <a:xfrm>
+          <a:off x="0" y="0"/>
+          <a:ext cx="0" cy="0"/>
+          <a:chOff x="0" y="0"/>
+          <a:chExt cx="0" cy="0"/>
+        </a:xfrm>
+      </p:grpSpPr>
+      <p:sp>
+        <p:nvSpPr>
+          <p:cNvPr id="2" name="מציין מיקום של כותרת עליונה 1"/>
+          <p:cNvSpPr>
+            <a:spLocks noGrp="1"/>
+          </p:cNvSpPr>
+          <p:nvPr>
+            <p:ph type="hdr" sz="quarter"/>
+          </p:nvPr>
+        </p:nvSpPr>
+        <p:spPr>
+          <a:xfrm>
+            <a:off x="3886200" y="0"/>
+            <a:ext cx="2971800" cy="458788"/>
+          </a:xfrm>
+          <a:prstGeom prst="rect">
+            <a:avLst/>
+          </a:prstGeom>
+        </p:spPr>
+        <p:txBody>
+          <a:bodyPr vert="horz" lIns="91440" tIns="45720" rIns="91440" bIns="45720" rtlCol="1"/>
+          <a:lstStyle>
+            <a:lvl1pPr algn="r">
+              <a:defRPr sz="1200"/>
+            </a:lvl1pPr>
+          </a:lstStyle>
+          <a:p>
+            <a:endParaRPr lang="he-IL"/>
+          </a:p>
+        </p:txBody>
+      </p:sp>
+      <p:sp>
+        <p:nvSpPr>
+          <p:cNvPr id="3" name="מציין מיקום של תאריך 2"/>
+          <p:cNvSpPr>
+            <a:spLocks noGrp="1"/>
+          </p:cNvSpPr>
+          <p:nvPr>
+            <p:ph type="dt" idx="1"/>
+          </p:nvPr>
+        </p:nvSpPr>
+        <p:spPr>
+          <a:xfrm>
+            <a:off x="1588" y="0"/>
+            <a:ext cx="2971800" cy="458788"/>
+          </a:xfrm>
+          <a:prstGeom prst="rect">
+            <a:avLst/>
+          </a:prstGeom>
+        </p:spPr>
+        <p:txBody>
+          <a:bodyPr vert="horz" lIns="91440" tIns="45720" rIns="91440" bIns="45720" rtlCol="1"/>
+          <a:lstStyle>
+            <a:lvl1pPr algn="l">
+              <a:defRPr sz="1200"/>
+            </a:lvl1pPr>
+          </a:lstStyle>
+          <a:p>
+            <a:fld id="{351200C2-E55A-4908-8070-D976D08DAF66}" type="datetimeFigureOut">
+              <a:rPr lang="he-IL" smtClean="0"/>
+              <a:t>י"א/ניסן/תש"ף</a:t>
+            </a:fld>
+            <a:endParaRPr lang="he-IL"/>
+          </a:p>
+        </p:txBody>
+      </p:sp>
+      <p:sp>
+        <p:nvSpPr>
+          <p:cNvPr id="4" name="מציין מיקום של תמונת שקופית 3"/>
+          <p:cNvSpPr>
+            <a:spLocks noGrp="1" noRot="1" noChangeAspect="1"/>
+          </p:cNvSpPr>
+          <p:nvPr>
+            <p:ph type="sldImg" idx="2"/>
+          </p:nvPr>
+        </p:nvSpPr>
+        <p:spPr>
+          <a:xfrm>
+            <a:off x="685800" y="1143000"/>
+            <a:ext cx="5486400" cy="3086100"/>
+          </a:xfrm>
+          <a:prstGeom prst="rect">
+            <a:avLst/>
+          </a:prstGeom>
+          <a:noFill/>
+          <a:ln w="12700">
+            <a:solidFill>
+              <a:prstClr val="black"/>
+            </a:solidFill>
+          </a:ln>
+        </p:spPr>
+        <p:txBody>
+          <a:bodyPr vert="horz" lIns="91440" tIns="45720" rIns="91440" bIns="45720" rtlCol="1" anchor="ctr"/>
+          <a:lstStyle/>
+          <a:p>
+            <a:endParaRPr lang="he-IL"/>
+          </a:p>
+        </p:txBody>
+      </p:sp>
+      <p:sp>
+        <p:nvSpPr>
+          <p:cNvPr id="5" name="מציין מיקום של הערות 4"/>
+          <p:cNvSpPr>
+            <a:spLocks noGrp="1"/>
+          </p:cNvSpPr>
+          <p:nvPr>
+            <p:ph type="body" sz="quarter" idx="3"/>
+          </p:nvPr>
+        </p:nvSpPr>
+        <p:spPr>
+          <a:xfrm>
+            <a:off x="685800" y="4400550"/>
+            <a:ext cx="5486400" cy="3600450"/>
+          </a:xfrm>
+          <a:prstGeom prst="rect">
+            <a:avLst/>
+          </a:prstGeom>
+        </p:spPr>
+        <p:txBody>
+          <a:bodyPr vert="horz" lIns="91440" tIns="45720" rIns="91440" bIns="45720" rtlCol="1"/>
+          <a:lstStyle/>
+          <a:p>
+            <a:pPr lvl="0"/>
+            <a:r>
+              <a:rPr lang="he-IL"/>
+              <a:t>לחץ כדי לערוך סגנונות טקסט של תבנית בסיס</a:t>
+            </a:r>
+          </a:p>
+          <a:p>
+            <a:pPr lvl="1"/>
+            <a:r>
+              <a:rPr lang="he-IL"/>
+              <a:t>רמה שנייה</a:t>
+            </a:r>
+          </a:p>
+          <a:p>
+            <a:pPr lvl="2"/>
+            <a:r>
+              <a:rPr lang="he-IL"/>
+              <a:t>רמה שלישית</a:t>
+            </a:r>
+          </a:p>
+          <a:p>
+            <a:pPr lvl="3"/>
+            <a:r>
+              <a:rPr lang="he-IL"/>
+              <a:t>רמה רביעית</a:t>
+            </a:r>
+          </a:p>
+          <a:p>
+            <a:pPr lvl="4"/>
+            <a:r>
+              <a:rPr lang="he-IL"/>
+              <a:t>רמה חמישית</a:t>
+            </a:r>
+          </a:p>
+        </p:txBody>
+      </p:sp>
+      <p:sp>
+        <p:nvSpPr>
+          <p:cNvPr id="6" name="מציין מיקום של כותרת תחתונה 5"/>
+          <p:cNvSpPr>
+            <a:spLocks noGrp="1"/>
+          </p:cNvSpPr>
+          <p:nvPr>
+            <p:ph type="ftr" sz="quarter" idx="4"/>
+          </p:nvPr>
+        </p:nvSpPr>
+        <p:spPr>
+          <a:xfrm>
+            <a:off x="3886200" y="8685213"/>
+            <a:ext cx="2971800" cy="458787"/>
+          </a:xfrm>
+          <a:prstGeom prst="rect">
+            <a:avLst/>
+          </a:prstGeom>
+        </p:spPr>
+        <p:txBody>
+          <a:bodyPr vert="horz" lIns="91440" tIns="45720" rIns="91440" bIns="45720" rtlCol="1" anchor="b"/>
+          <a:lstStyle>
+            <a:lvl1pPr algn="r">
+              <a:defRPr sz="1200"/>
+            </a:lvl1pPr>
+          </a:lstStyle>
+          <a:p>
+            <a:endParaRPr lang="he-IL"/>
+          </a:p>
+        </p:txBody>
+      </p:sp>
+      <p:sp>
+        <p:nvSpPr>
+          <p:cNvPr id="7" name="מציין מיקום של מספר שקופית 6"/>
+          <p:cNvSpPr>
+            <a:spLocks noGrp="1"/>
+          </p:cNvSpPr>
+          <p:nvPr>
+            <p:ph type="sldNum" sz="quarter" idx="5"/>
+          </p:nvPr>
+        </p:nvSpPr>
+        <p:spPr>
+          <a:xfrm>
+            <a:off x="1588" y="8685213"/>
+            <a:ext cx="2971800" cy="458787"/>
+          </a:xfrm>
+          <a:prstGeom prst="rect">
+            <a:avLst/>
+          </a:prstGeom>
+        </p:spPr>
+        <p:txBody>
+          <a:bodyPr vert="horz" lIns="91440" tIns="45720" rIns="91440" bIns="45720" rtlCol="1" anchor="b"/>
+          <a:lstStyle>
+            <a:lvl1pPr algn="l">
+              <a:defRPr sz="1200"/>
+            </a:lvl1pPr>
+          </a:lstStyle>
+          <a:p>
+            <a:fld id="{3A828F44-ACE5-4BA7-BEE7-6F3697AF5E0A}" type="slidenum">
+              <a:rPr lang="he-IL" smtClean="0"/>
+              <a:t>‹#›</a:t>
+            </a:fld>
+            <a:endParaRPr lang="he-IL"/>
+          </a:p>
+        </p:txBody>
+      </p:sp>
+    </p:spTree>
+    <p:extLst>
+      <p:ext uri="{BB962C8B-B14F-4D97-AF65-F5344CB8AC3E}">
+        <p14:creationId xmlns:p14="http://schemas.microsoft.com/office/powerpoint/2010/main" val="4059134419"/>
+      </p:ext>
+    </p:extLst>
+  </p:cSld>
+  <p:clrMap bg1="lt1" tx1="dk1" bg2="lt2" tx2="dk2" accent1="accent1" accent2="accent2" accent3="accent3" accent4="accent4" accent5="accent5" accent6="accent6" hlink="hlink" folHlink="folHlink"/>
+  <p:notesStyle>
+    <a:lvl1pPr marL="0" algn="r" defTabSz="914400" rtl="1" eaLnBrk="1" latinLnBrk="0" hangingPunct="1">
+      <a:defRPr sz="1200" kern="1200">
+        <a:solidFill>
+          <a:schemeClr val="tx1"/>
+        </a:solidFill>
+        <a:latin typeface="+mn-lt"/>
+        <a:ea typeface="+mn-ea"/>
+        <a:cs typeface="+mn-cs"/>
+      </a:defRPr>
+    </a:lvl1pPr>
+    <a:lvl2pPr marL="457200" algn="r" defTabSz="914400" rtl="1" eaLnBrk="1" latinLnBrk="0" hangingPunct="1">
+      <a:defRPr sz="1200" kern="1200">
+        <a:solidFill>
+          <a:schemeClr val="tx1"/>
+        </a:solidFill>
+        <a:latin typeface="+mn-lt"/>
+        <a:ea typeface="+mn-ea"/>
+        <a:cs typeface="+mn-cs"/>
+      </a:defRPr>
+    </a:lvl2pPr>
+    <a:lvl3pPr marL="914400" algn="r" defTabSz="914400" rtl="1" eaLnBrk="1" latinLnBrk="0" hangingPunct="1">
+      <a:defRPr sz="1200" kern="1200">
+        <a:solidFill>
+          <a:schemeClr val="tx1"/>
+        </a:solidFill>
+        <a:latin typeface="+mn-lt"/>
+        <a:ea typeface="+mn-ea"/>
+        <a:cs typeface="+mn-cs"/>
+      </a:defRPr>
+    </a:lvl3pPr>
+    <a:lvl4pPr marL="1371600" algn="r" defTabSz="914400" rtl="1" eaLnBrk="1" latinLnBrk="0" hangingPunct="1">
+      <a:defRPr sz="1200" kern="1200">
+        <a:solidFill>
+          <a:schemeClr val="tx1"/>
+        </a:solidFill>
+        <a:latin typeface="+mn-lt"/>
+        <a:ea typeface="+mn-ea"/>
+        <a:cs typeface="+mn-cs"/>
+      </a:defRPr>
+    </a:lvl4pPr>
+    <a:lvl5pPr marL="1828800" algn="r" defTabSz="914400" rtl="1" eaLnBrk="1" latinLnBrk="0" hangingPunct="1">
+      <a:defRPr sz="1200" kern="1200">
+        <a:solidFill>
+          <a:schemeClr val="tx1"/>
+        </a:solidFill>
+        <a:latin typeface="+mn-lt"/>
+        <a:ea typeface="+mn-ea"/>
+        <a:cs typeface="+mn-cs"/>
+      </a:defRPr>
+    </a:lvl5pPr>
+    <a:lvl6pPr marL="2286000" algn="r" defTabSz="914400" rtl="1" eaLnBrk="1" latinLnBrk="0" hangingPunct="1">
+      <a:defRPr sz="1200" kern="1200">
+        <a:solidFill>
+          <a:schemeClr val="tx1"/>
+        </a:solidFill>
+        <a:latin typeface="+mn-lt"/>
+        <a:ea typeface="+mn-ea"/>
+        <a:cs typeface="+mn-cs"/>
+      </a:defRPr>
+    </a:lvl6pPr>
+    <a:lvl7pPr marL="2743200" algn="r" defTabSz="914400" rtl="1" eaLnBrk="1" latinLnBrk="0" hangingPunct="1">
+      <a:defRPr sz="1200" kern="1200">
+        <a:solidFill>
+          <a:schemeClr val="tx1"/>
+        </a:solidFill>
+        <a:latin typeface="+mn-lt"/>
+        <a:ea typeface="+mn-ea"/>
+        <a:cs typeface="+mn-cs"/>
+      </a:defRPr>
+    </a:lvl7pPr>
+    <a:lvl8pPr marL="3200400" algn="r" defTabSz="914400" rtl="1" eaLnBrk="1" latinLnBrk="0" hangingPunct="1">
+      <a:defRPr sz="1200" kern="1200">
+        <a:solidFill>
+          <a:schemeClr val="tx1"/>
+        </a:solidFill>
+        <a:latin typeface="+mn-lt"/>
+        <a:ea typeface="+mn-ea"/>
+        <a:cs typeface="+mn-cs"/>
+      </a:defRPr>
+    </a:lvl8pPr>
+    <a:lvl9pPr marL="3657600" algn="r" defTabSz="914400" rtl="1" eaLnBrk="1" latinLnBrk="0" hangingPunct="1">
+      <a:defRPr sz="1200" kern="1200">
+        <a:solidFill>
+          <a:schemeClr val="tx1"/>
+        </a:solidFill>
+        <a:latin typeface="+mn-lt"/>
+        <a:ea typeface="+mn-ea"/>
+        <a:cs typeface="+mn-cs"/>
+      </a:defRPr>
+    </a:lvl9pPr>
+  </p:notesStyle>
+</p:notesMaster>
+</file>
+
+<file path=ppt/notesSlides/notesSlide1.xml><?xml version="1.0" encoding="utf-8"?>
+<p:notes xmlns:a="http://schemas.openxmlformats.org/drawingml/2006/main" xmlns:r="http://schemas.openxmlformats.org/officeDocument/2006/relationships" xmlns:p="http://schemas.openxmlformats.org/presentationml/2006/main">
+  <p:cSld>
+    <p:spTree>
+      <p:nvGrpSpPr>
+        <p:cNvPr id="1" name=""/>
+        <p:cNvGrpSpPr/>
+        <p:nvPr/>
+      </p:nvGrpSpPr>
+      <p:grpSpPr>
+        <a:xfrm>
+          <a:off x="0" y="0"/>
+          <a:ext cx="0" cy="0"/>
+          <a:chOff x="0" y="0"/>
+          <a:chExt cx="0" cy="0"/>
+        </a:xfrm>
+      </p:grpSpPr>
+      <p:sp>
+        <p:nvSpPr>
+          <p:cNvPr id="2" name="מציין מיקום של תמונת שקופית 1"/>
+          <p:cNvSpPr>
+            <a:spLocks noGrp="1" noRot="1" noChangeAspect="1"/>
+          </p:cNvSpPr>
+          <p:nvPr>
+            <p:ph type="sldImg"/>
+          </p:nvPr>
+        </p:nvSpPr>
+        <p:spPr/>
+      </p:sp>
+      <p:sp>
+        <p:nvSpPr>
+          <p:cNvPr id="3" name="מציין מיקום של הערות 2"/>
+          <p:cNvSpPr>
+            <a:spLocks noGrp="1"/>
+          </p:cNvSpPr>
+          <p:nvPr>
+            <p:ph type="body" idx="1"/>
+          </p:nvPr>
+        </p:nvSpPr>
+        <p:spPr/>
+        <p:txBody>
+          <a:bodyPr/>
+          <a:lstStyle/>
+          <a:p>
+            <a:endParaRPr lang="he-IL" dirty="0"/>
+          </a:p>
+        </p:txBody>
+      </p:sp>
+      <p:sp>
+        <p:nvSpPr>
+          <p:cNvPr id="4" name="מציין מיקום של מספר שקופית 3"/>
+          <p:cNvSpPr>
+            <a:spLocks noGrp="1"/>
+          </p:cNvSpPr>
+          <p:nvPr>
+            <p:ph type="sldNum" sz="quarter" idx="5"/>
+          </p:nvPr>
+        </p:nvSpPr>
+        <p:spPr/>
+        <p:txBody>
+          <a:bodyPr/>
+          <a:lstStyle/>
+          <a:p>
+            <a:fld id="{3A828F44-ACE5-4BA7-BEE7-6F3697AF5E0A}" type="slidenum">
+              <a:rPr lang="he-IL" smtClean="0"/>
+              <a:t>2</a:t>
+            </a:fld>
+            <a:endParaRPr lang="he-IL"/>
+          </a:p>
+        </p:txBody>
+      </p:sp>
+    </p:spTree>
+    <p:extLst>
+      <p:ext uri="{BB962C8B-B14F-4D97-AF65-F5344CB8AC3E}">
+        <p14:creationId xmlns:p14="http://schemas.microsoft.com/office/powerpoint/2010/main" val="3304783155"/>
+      </p:ext>
+    </p:extLst>
+  </p:cSld>
+  <p:clrMapOvr>
+    <a:masterClrMapping/>
+  </p:clrMapOvr>
+</p:notes>
 </file>
 
 <file path=ppt/slideLayouts/slideLayout1.xml><?xml version="1.0" encoding="utf-8"?>
@@ -5090,12 +5526,8 @@
               <a:t>הטרנספורמתיות</a:t>
             </a:r>
             <a:r>
-              <a:rPr lang="he-IL"/>
-              <a:t> תשפר </a:t>
-            </a:r>
-            <a:r>
-              <a:rPr lang="he-IL" dirty="0"/>
-              <a:t>את דיוק המסווג.</a:t>
+              <a:rPr lang="he-IL" dirty="0"/>
+              <a:t> תשפר את דיוק המסווג.</a:t>
             </a:r>
           </a:p>
           <a:p>
@@ -6236,7 +6668,7 @@
           <p:nvPr/>
         </p:nvPicPr>
         <p:blipFill>
-          <a:blip r:embed="rId2"/>
+          <a:blip r:embed="rId3"/>
           <a:stretch>
             <a:fillRect/>
           </a:stretch>
@@ -6276,7 +6708,7 @@
         </p:spPr>
         <p:txBody>
           <a:bodyPr>
-            <a:normAutofit/>
+            <a:normAutofit fontScale="92500" lnSpcReduction="10000"/>
           </a:bodyPr>
           <a:lstStyle/>
           <a:p>
@@ -6294,7 +6726,13 @@
           <a:p>
             <a:r>
               <a:rPr lang="he-IL" sz="2400" dirty="0"/>
-              <a:t>נושא הפרויקט : חילוץ מידע ממקורות התלמוד הבבלי, </a:t>
+              <a:t>נושא הפרויקט : חילוץ מידע על התלמוד הבבלי </a:t>
+            </a:r>
+          </a:p>
+          <a:p>
+            <a:r>
+              <a:rPr lang="he-IL" sz="2400" dirty="0"/>
+              <a:t>ממקורות שונים, </a:t>
             </a:r>
           </a:p>
           <a:p>
@@ -7071,6 +7509,121 @@
                       </p:childTnLst>
                     </p:cTn>
                   </p:par>
+                  <p:par>
+                    <p:cTn id="45" fill="hold">
+                      <p:stCondLst>
+                        <p:cond delay="indefinite"/>
+                      </p:stCondLst>
+                      <p:childTnLst>
+                        <p:par>
+                          <p:cTn id="46" fill="hold">
+                            <p:stCondLst>
+                              <p:cond delay="0"/>
+                            </p:stCondLst>
+                            <p:childTnLst>
+                              <p:par>
+                                <p:cTn id="47" presetID="42" presetClass="entr" presetSubtype="0" fill="hold" nodeType="clickEffect">
+                                  <p:stCondLst>
+                                    <p:cond delay="0"/>
+                                  </p:stCondLst>
+                                  <p:childTnLst>
+                                    <p:set>
+                                      <p:cBhvr>
+                                        <p:cTn id="48" dur="1" fill="hold">
+                                          <p:stCondLst>
+                                            <p:cond delay="0"/>
+                                          </p:stCondLst>
+                                        </p:cTn>
+                                        <p:tgtEl>
+                                          <p:spTgt spid="3">
+                                            <p:txEl>
+                                              <p:pRg st="6" end="6"/>
+                                            </p:txEl>
+                                          </p:spTgt>
+                                        </p:tgtEl>
+                                        <p:attrNameLst>
+                                          <p:attrName>style.visibility</p:attrName>
+                                        </p:attrNameLst>
+                                      </p:cBhvr>
+                                      <p:to>
+                                        <p:strVal val="visible"/>
+                                      </p:to>
+                                    </p:set>
+                                    <p:animEffect transition="in" filter="fade">
+                                      <p:cBhvr>
+                                        <p:cTn id="49" dur="1000"/>
+                                        <p:tgtEl>
+                                          <p:spTgt spid="3">
+                                            <p:txEl>
+                                              <p:pRg st="6" end="6"/>
+                                            </p:txEl>
+                                          </p:spTgt>
+                                        </p:tgtEl>
+                                      </p:cBhvr>
+                                    </p:animEffect>
+                                    <p:anim calcmode="lin" valueType="num">
+                                      <p:cBhvr>
+                                        <p:cTn id="50" dur="1000" fill="hold"/>
+                                        <p:tgtEl>
+                                          <p:spTgt spid="3">
+                                            <p:txEl>
+                                              <p:pRg st="6" end="6"/>
+                                            </p:txEl>
+                                          </p:spTgt>
+                                        </p:tgtEl>
+                                        <p:attrNameLst>
+                                          <p:attrName>ppt_x</p:attrName>
+                                        </p:attrNameLst>
+                                      </p:cBhvr>
+                                      <p:tavLst>
+                                        <p:tav tm="0">
+                                          <p:val>
+                                            <p:strVal val="#ppt_x"/>
+                                          </p:val>
+                                        </p:tav>
+                                        <p:tav tm="100000">
+                                          <p:val>
+                                            <p:strVal val="#ppt_x"/>
+                                          </p:val>
+                                        </p:tav>
+                                      </p:tavLst>
+                                    </p:anim>
+                                    <p:anim calcmode="lin" valueType="num">
+                                      <p:cBhvr>
+                                        <p:cTn id="51" dur="1000" fill="hold"/>
+                                        <p:tgtEl>
+                                          <p:spTgt spid="3">
+                                            <p:txEl>
+                                              <p:pRg st="6" end="6"/>
+                                            </p:txEl>
+                                          </p:spTgt>
+                                        </p:tgtEl>
+                                        <p:attrNameLst>
+                                          <p:attrName>ppt_y</p:attrName>
+                                        </p:attrNameLst>
+                                      </p:cBhvr>
+                                      <p:tavLst>
+                                        <p:tav tm="0">
+                                          <p:val>
+                                            <p:strVal val="#ppt_y+.1"/>
+                                          </p:val>
+                                        </p:tav>
+                                        <p:tav tm="100000">
+                                          <p:val>
+                                            <p:strVal val="#ppt_y"/>
+                                          </p:val>
+                                        </p:tav>
+                                      </p:tavLst>
+                                    </p:anim>
+                                  </p:childTnLst>
+                                </p:cTn>
+                              </p:par>
+                            </p:childTnLst>
+                          </p:cTn>
+                        </p:par>
+                      </p:childTnLst>
+                    </p:cTn>
+                  </p:par>
                 </p:childTnLst>
               </p:cTn>
               <p:prevCondLst>
@@ -8744,4 +9297,299 @@
     </a:ext>
   </a:extLst>
 </a:theme>
+</file>
+
+<file path=ppt/theme/theme2.xml><?xml version="1.0" encoding="utf-8"?>
+<a:theme xmlns:a="http://schemas.openxmlformats.org/drawingml/2006/main" name="ערכת נושא Office">
+  <a:themeElements>
+    <a:clrScheme name="Office">
+      <a:dk1>
+        <a:sysClr val="windowText" lastClr="000000"/>
+      </a:dk1>
+      <a:lt1>
+        <a:sysClr val="window" lastClr="FFFFFF"/>
+      </a:lt1>
+      <a:dk2>
+        <a:srgbClr val="44546A"/>
+      </a:dk2>
+      <a:lt2>
+        <a:srgbClr val="E7E6E6"/>
+      </a:lt2>
+      <a:accent1>
+        <a:srgbClr val="4472C4"/>
+      </a:accent1>
+      <a:accent2>
+        <a:srgbClr val="ED7D31"/>
+      </a:accent2>
+      <a:accent3>
+        <a:srgbClr val="A5A5A5"/>
+      </a:accent3>
+      <a:accent4>
+        <a:srgbClr val="FFC000"/>
+      </a:accent4>
+      <a:accent5>
+        <a:srgbClr val="5B9BD5"/>
+      </a:accent5>
+      <a:accent6>
+        <a:srgbClr val="70AD47"/>
+      </a:accent6>
+      <a:hlink>
+        <a:srgbClr val="0563C1"/>
+      </a:hlink>
+      <a:folHlink>
+        <a:srgbClr val="954F72"/>
+      </a:folHlink>
+    </a:clrScheme>
+    <a:fontScheme name="Office">
+      <a:majorFont>
+        <a:latin typeface="Calibri Light" panose="020F0302020204030204"/>
+        <a:ea typeface=""/>
+        <a:cs typeface=""/>
+        <a:font script="Jpan" typeface="游ゴシック Light"/>
+        <a:font script="Hang" typeface="맑은 고딕"/>
+        <a:font script="Hans" typeface="等线 Light"/>
+        <a:font script="Hant" typeface="新細明體"/>
+        <a:font script="Arab" typeface="Times New Roman"/>
+        <a:font script="Hebr" typeface="Times New Roman"/>
+        <a:font script="Thai" typeface="Angsana New"/>
+        <a:font script="Ethi" typeface="Nyala"/>
+        <a:font script="Beng" typeface="Vrinda"/>
+        <a:font script="Gujr" typeface="Shruti"/>
+        <a:font script="Khmr" typeface="MoolBoran"/>
+        <a:font script="Knda" typeface="Tunga"/>
+        <a:font script="Guru" typeface="Raavi"/>
+        <a:font script="Cans" typeface="Euphemia"/>
+        <a:font script="Cher" typeface="Plantagenet Cherokee"/>
+        <a:font script="Yiii" typeface="Microsoft Yi Baiti"/>
+        <a:font script="Tibt" typeface="Microsoft Himalaya"/>
+        <a:font script="Thaa" typeface="MV Boli"/>
+        <a:font script="Deva" typeface="Mangal"/>
+        <a:font script="Telu" typeface="Gautami"/>
+        <a:font script="Taml" typeface="Latha"/>
+        <a:font script="Syrc" typeface="Estrangelo Edessa"/>
+        <a:font script="Orya" typeface="Kalinga"/>
+        <a:font script="Mlym" typeface="Kartika"/>
+        <a:font script="Laoo" typeface="DokChampa"/>
+        <a:font script="Sinh" typeface="Iskoola Pota"/>
+        <a:font script="Mong" typeface="Mongolian Baiti"/>
+        <a:font script="Viet" typeface="Times New Roman"/>
+        <a:font script="Uigh" typeface="Microsoft Uighur"/>
+        <a:font script="Geor" typeface="Sylfaen"/>
+        <a:font script="Armn" typeface="Arial"/>
+        <a:font script="Bugi" typeface="Leelawadee UI"/>
+        <a:font script="Bopo" typeface="Microsoft JhengHei"/>
+        <a:font script="Java" typeface="Javanese Text"/>
+        <a:font script="Lisu" typeface="Segoe UI"/>
+        <a:font script="Mymr" typeface="Myanmar Text"/>
+        <a:font script="Nkoo" typeface="Ebrima"/>
+        <a:font script="Olck" typeface="Nirmala UI"/>
+        <a:font script="Osma" typeface="Ebrima"/>
+        <a:font script="Phag" typeface="Phagspa"/>
+        <a:font script="Syrn" typeface="Estrangelo Edessa"/>
+        <a:font script="Syrj" typeface="Estrangelo Edessa"/>
+        <a:font script="Syre" typeface="Estrangelo Edessa"/>
+        <a:font script="Sora" typeface="Nirmala UI"/>
+        <a:font script="Tale" typeface="Microsoft Tai Le"/>
+        <a:font script="Talu" typeface="Microsoft New Tai Lue"/>
+        <a:font script="Tfng" typeface="Ebrima"/>
+      </a:majorFont>
+      <a:minorFont>
+        <a:latin typeface="Calibri" panose="020F0502020204030204"/>
+        <a:ea typeface=""/>
+        <a:cs typeface=""/>
+        <a:font script="Jpan" typeface="游ゴシック"/>
+        <a:font script="Hang" typeface="맑은 고딕"/>
+        <a:font script="Hans" typeface="等线"/>
+        <a:font script="Hant" typeface="新細明體"/>
+        <a:font script="Arab" typeface="Arial"/>
+        <a:font script="Hebr" typeface="Arial"/>
+        <a:font script="Thai" typeface="Cordia New"/>
+        <a:font script="Ethi" typeface="Nyala"/>
+        <a:font script="Beng" typeface="Vrinda"/>
+        <a:font script="Gujr" typeface="Shruti"/>
+        <a:font script="Khmr" typeface="DaunPenh"/>
+        <a:font script="Knda" typeface="Tunga"/>
+        <a:font script="Guru" typeface="Raavi"/>
+        <a:font script="Cans" typeface="Euphemia"/>
+        <a:font script="Cher" typeface="Plantagenet Cherokee"/>
+        <a:font script="Yiii" typeface="Microsoft Yi Baiti"/>
+        <a:font script="Tibt" typeface="Microsoft Himalaya"/>
+        <a:font script="Thaa" typeface="MV Boli"/>
+        <a:font script="Deva" typeface="Mangal"/>
+        <a:font script="Telu" typeface="Gautami"/>
+        <a:font script="Taml" typeface="Latha"/>
+        <a:font script="Syrc" typeface="Estrangelo Edessa"/>
+        <a:font script="Orya" typeface="Kalinga"/>
+        <a:font script="Mlym" typeface="Kartika"/>
+        <a:font script="Laoo" typeface="DokChampa"/>
+        <a:font script="Sinh" typeface="Iskoola Pota"/>
+        <a:font script="Mong" typeface="Mongolian Baiti"/>
+        <a:font script="Viet" typeface="Arial"/>
+        <a:font script="Uigh" typeface="Microsoft Uighur"/>
+        <a:font script="Geor" typeface="Sylfaen"/>
+        <a:font script="Armn" typeface="Arial"/>
+        <a:font script="Bugi" typeface="Leelawadee UI"/>
+        <a:font script="Bopo" typeface="Microsoft JhengHei"/>
+        <a:font script="Java" typeface="Javanese Text"/>
+        <a:font script="Lisu" typeface="Segoe UI"/>
+        <a:font script="Mymr" typeface="Myanmar Text"/>
+        <a:font script="Nkoo" typeface="Ebrima"/>
+        <a:font script="Olck" typeface="Nirmala UI"/>
+        <a:font script="Osma" typeface="Ebrima"/>
+        <a:font script="Phag" typeface="Phagspa"/>
+        <a:font script="Syrn" typeface="Estrangelo Edessa"/>
+        <a:font script="Syrj" typeface="Estrangelo Edessa"/>
+        <a:font script="Syre" typeface="Estrangelo Edessa"/>
+        <a:font script="Sora" typeface="Nirmala UI"/>
+        <a:font script="Tale" typeface="Microsoft Tai Le"/>
+        <a:font script="Talu" typeface="Microsoft New Tai Lue"/>
+        <a:font script="Tfng" typeface="Ebrima"/>
+      </a:minorFont>
+    </a:fontScheme>
+    <a:fmtScheme name="Office">
+      <a:fillStyleLst>
+        <a:solidFill>
+          <a:schemeClr val="phClr"/>
+        </a:solidFill>
+        <a:gradFill rotWithShape="1">
+          <a:gsLst>
+            <a:gs pos="0">
+              <a:schemeClr val="phClr">
+                <a:lumMod val="110000"/>
+                <a:satMod val="105000"/>
+                <a:tint val="67000"/>
+              </a:schemeClr>
+            </a:gs>
+            <a:gs pos="50000">
+              <a:schemeClr val="phClr">
+                <a:lumMod val="105000"/>
+                <a:satMod val="103000"/>
+                <a:tint val="73000"/>
+              </a:schemeClr>
+            </a:gs>
+            <a:gs pos="100000">
+              <a:schemeClr val="phClr">
+                <a:lumMod val="105000"/>
+                <a:satMod val="109000"/>
+                <a:tint val="81000"/>
+              </a:schemeClr>
+            </a:gs>
+          </a:gsLst>
+          <a:lin ang="5400000" scaled="0"/>
+        </a:gradFill>
+        <a:gradFill rotWithShape="1">
+          <a:gsLst>
+            <a:gs pos="0">
+              <a:schemeClr val="phClr">
+                <a:satMod val="103000"/>
+                <a:lumMod val="102000"/>
+                <a:tint val="94000"/>
+              </a:schemeClr>
+            </a:gs>
+            <a:gs pos="50000">
+              <a:schemeClr val="phClr">
+                <a:satMod val="110000"/>
+                <a:lumMod val="100000"/>
+                <a:shade val="100000"/>
+              </a:schemeClr>
+            </a:gs>
+            <a:gs pos="100000">
+              <a:schemeClr val="phClr">
+                <a:lumMod val="99000"/>
+                <a:satMod val="120000"/>
+                <a:shade val="78000"/>
+              </a:schemeClr>
+            </a:gs>
+          </a:gsLst>
+          <a:lin ang="5400000" scaled="0"/>
+        </a:gradFill>
+      </a:fillStyleLst>
+      <a:lnStyleLst>
+        <a:ln w="6350" cap="flat" cmpd="sng" algn="ctr">
+          <a:solidFill>
+            <a:schemeClr val="phClr"/>
+          </a:solidFill>
+          <a:prstDash val="solid"/>
+          <a:miter lim="800000"/>
+        </a:ln>
+        <a:ln w="12700" cap="flat" cmpd="sng" algn="ctr">
+          <a:solidFill>
+            <a:schemeClr val="phClr"/>
+          </a:solidFill>
+          <a:prstDash val="solid"/>
+          <a:miter lim="800000"/>
+        </a:ln>
+        <a:ln w="19050" cap="flat" cmpd="sng" algn="ctr">
+          <a:solidFill>
+            <a:schemeClr val="phClr"/>
+          </a:solidFill>
+          <a:prstDash val="solid"/>
+          <a:miter lim="800000"/>
+        </a:ln>
+      </a:lnStyleLst>
+      <a:effectStyleLst>
+        <a:effectStyle>
+          <a:effectLst/>
+        </a:effectStyle>
+        <a:effectStyle>
+          <a:effectLst/>
+        </a:effectStyle>
+        <a:effectStyle>
+          <a:effectLst>
+            <a:outerShdw blurRad="57150" dist="19050" dir="5400000" algn="ctr" rotWithShape="0">
+              <a:srgbClr val="000000">
+                <a:alpha val="63000"/>
+              </a:srgbClr>
+            </a:outerShdw>
+          </a:effectLst>
+        </a:effectStyle>
+      </a:effectStyleLst>
+      <a:bgFillStyleLst>
+        <a:solidFill>
+          <a:schemeClr val="phClr"/>
+        </a:solidFill>
+        <a:solidFill>
+          <a:schemeClr val="phClr">
+            <a:tint val="95000"/>
+            <a:satMod val="170000"/>
+          </a:schemeClr>
+        </a:solidFill>
+        <a:gradFill rotWithShape="1">
+          <a:gsLst>
+            <a:gs pos="0">
+              <a:schemeClr val="phClr">
+                <a:tint val="93000"/>
+                <a:satMod val="150000"/>
+                <a:shade val="98000"/>
+                <a:lumMod val="102000"/>
+              </a:schemeClr>
+            </a:gs>
+            <a:gs pos="50000">
+              <a:schemeClr val="phClr">
+                <a:tint val="98000"/>
+                <a:satMod val="130000"/>
+                <a:shade val="90000"/>
+                <a:lumMod val="103000"/>
+              </a:schemeClr>
+            </a:gs>
+            <a:gs pos="100000">
+              <a:schemeClr val="phClr">
+                <a:shade val="63000"/>
+                <a:satMod val="120000"/>
+              </a:schemeClr>
+            </a:gs>
+          </a:gsLst>
+          <a:lin ang="5400000" scaled="0"/>
+        </a:gradFill>
+      </a:bgFillStyleLst>
+    </a:fmtScheme>
+  </a:themeElements>
+  <a:objectDefaults/>
+  <a:extraClrSchemeLst/>
+  <a:extLst>
+    <a:ext uri="{05A4C25C-085E-4340-85A3-A5531E510DB2}">
+      <thm15:themeFamily xmlns:thm15="http://schemas.microsoft.com/office/thememl/2012/main" name="Office Theme" id="{62F939B6-93AF-4DB8-9C6B-D6C7DFDC589F}" vid="{4A3C46E8-61CC-4603-A589-7422A47A8E4A}"/>
+    </a:ext>
+  </a:extLst>
+</a:theme>
 </file>
--- a/Presentation.pptx
+++ b/Presentation.pptx
@@ -5818,7 +5818,9 @@
         </p:nvSpPr>
         <p:spPr/>
         <p:txBody>
-          <a:bodyPr/>
+          <a:bodyPr>
+            <a:normAutofit lnSpcReduction="10000"/>
+          </a:bodyPr>
           <a:lstStyle/>
           <a:p>
             <a:pPr marL="0" indent="0">
@@ -5858,7 +5860,7 @@
             </a:br>
             <a:r>
               <a:rPr lang="he-IL" dirty="0"/>
-              <a:t>פונקציות אלו הן בעצם זיהוי תבניות בטקסט אשר ניתן להסיק מהן מידע, בוודאות טובה ככל הניתן- במקרה שלנו, המטרה הייתה למצוא תבניות אשר מזהות רפרנס לתלמוד הבבלי, או שוללות אותו- ולתת המלצה לתיוג שלו (</a:t>
+              <a:t>פונקציות אלו הן בעצם זיהוי תבניות בטקסט אשר ניתן להסיק מהן מידע, בוודאות טובה ככל הניתן. במקרה שלנו, המטרה הייתה למצוא תבניות אשר מזהות רפרנס לתלמוד הבבלי, או שוללות אותו, ולתת המלצה לתיוג שלו (</a:t>
             </a:r>
             <a:r>
               <a:rPr lang="en-US" dirty="0"/>
@@ -5866,7 +5868,16 @@
             </a:r>
             <a:r>
               <a:rPr lang="he-IL" dirty="0"/>
-              <a:t>). מציאת תבניות אלו כללה הסקת תבניות ראשוניות בעזרת מידע מקצועי מתחום התלמוד, ושיפור תבניות אלו באמצעות מדדי </a:t>
+              <a:t>). </a:t>
+            </a:r>
+          </a:p>
+          <a:p>
+            <a:pPr marL="0" indent="0">
+              <a:buNone/>
+            </a:pPr>
+            <a:r>
+              <a:rPr lang="he-IL" dirty="0"/>
+              <a:t>מציאת תבניות אלו כללה הסקת תבניות ראשוניות בעזרת מידע מקצועי מתחום התלמוד, ושיפור תבניות אלו באמצעות מדדי </a:t>
             </a:r>
             <a:r>
               <a:rPr lang="en-US" dirty="0"/>
@@ -5882,7 +5893,7 @@
             </a:r>
             <a:r>
               <a:rPr lang="he-IL" dirty="0"/>
-              <a:t> הנשענו על ה</a:t>
+              <a:t> הנשענות על ה</a:t>
             </a:r>
             <a:r>
               <a:rPr lang="en-US" dirty="0"/>
@@ -6779,7 +6790,15 @@
             </a:r>
             <a:r>
               <a:rPr lang="en-US" sz="2400" dirty="0"/>
-              <a:t>pandas ,snorkel</a:t>
+              <a:t>pandas ,snorkel, </a:t>
+            </a:r>
+            <a:r>
+              <a:rPr lang="en-US" sz="2400" dirty="0" err="1"/>
+              <a:t>scikit</a:t>
+            </a:r>
+            <a:r>
+              <a:rPr lang="en-US" sz="2400" dirty="0"/>
+              <a:t>-learn</a:t>
             </a:r>
             <a:r>
               <a:rPr lang="he-IL" sz="2400" dirty="0"/>
@@ -7691,30 +7710,6 @@
           <a:p>
             <a:r>
               <a:rPr lang="he-IL" sz="2400" b="1" u="sng" dirty="0"/>
-              <a:t>מהו רפרנס לתלמוד הבבלי</a:t>
-            </a:r>
-            <a:r>
-              <a:rPr lang="he-IL" sz="2400" dirty="0"/>
-              <a:t>:</a:t>
-            </a:r>
-            <a:br>
-              <a:rPr lang="en-US" sz="2200" dirty="0"/>
-            </a:br>
-            <a:r>
-              <a:rPr lang="he-IL" sz="2200" dirty="0"/>
-              <a:t>אזכור בטקסט לדף מסויים במסכת בגמרא. לדוגמא - </a:t>
-            </a:r>
-            <a:br>
-              <a:rPr lang="en-US" sz="2200" dirty="0"/>
-            </a:br>
-            <a:r>
-              <a:rPr lang="he-IL" i="1" dirty="0"/>
-              <a:t>"כמו שכתוב במסכת ברכות בפרק המוציא (קג .)"</a:t>
-            </a:r>
-          </a:p>
-          <a:p>
-            <a:r>
-              <a:rPr lang="he-IL" sz="2400" b="1" u="sng" dirty="0"/>
               <a:t>המשימה:</a:t>
             </a:r>
             <a:br>
@@ -7724,7 +7719,33 @@
               <a:rPr lang="he-IL" dirty="0"/>
               <a:t>מקבלים קלט [טקסט המכיל רפרנסים לתלמוד הבבלי], וכפלט נחלץ רפרנסים אלו בצורה מדוייקת ככל הניתן. בנוסף הטקסט המתוייג ייכנס כקלט למסווג לאימון המכונה. </a:t>
             </a:r>
+            <a:endParaRPr lang="en-US" dirty="0"/>
+          </a:p>
+          <a:p>
+            <a:pPr marL="0" indent="0">
+              <a:buNone/>
+            </a:pPr>
             <a:endParaRPr lang="he-IL" sz="2400" b="1" u="sng" dirty="0"/>
+          </a:p>
+          <a:p>
+            <a:r>
+              <a:rPr lang="he-IL" sz="2400" b="1" u="sng" dirty="0"/>
+              <a:t>מהו רפרנס לתלמוד הבבלי:</a:t>
+            </a:r>
+            <a:br>
+              <a:rPr lang="en-US" sz="1800" dirty="0"/>
+            </a:br>
+            <a:r>
+              <a:rPr lang="he-IL" dirty="0"/>
+              <a:t>אזכור בטקסט לדף מסויים במסכת בגמרא. לדוגמא - </a:t>
+            </a:r>
+            <a:br>
+              <a:rPr lang="en-US" dirty="0"/>
+            </a:br>
+            <a:r>
+              <a:rPr lang="he-IL" dirty="0"/>
+              <a:t>"כמו שכתוב במסכת ברכות בפרק המוציא (קג .)"</a:t>
+            </a:r>
           </a:p>
           <a:p>
             <a:endParaRPr lang="he-IL" sz="1700" dirty="0"/>

--- a/Presentation.pptx
+++ b/Presentation.pptx
@@ -6577,7 +6577,7 @@
           <a:p>
             <a:r>
               <a:rPr lang="he-IL" dirty="0"/>
-              <a:t>נרצה להודות למנחה שלנו ד"ר אורן משאלי, על העזרה, התמיכה והעידוד לאורך כל הסמסטר.</a:t>
+              <a:t>נרצה להודות למנחה שלנו ד"ר אורן משלי, על העזרה, התמיכה והעידוד לאורך כל הסמסטר.</a:t>
             </a:r>
           </a:p>
           <a:p>

--- a/Presentation.pptx
+++ b/Presentation.pptx
@@ -5,28 +5,34 @@
     <p:sldMasterId id="2147483738" r:id="rId1"/>
   </p:sldMasterIdLst>
   <p:notesMasterIdLst>
-    <p:notesMasterId r:id="rId21"/>
+    <p:notesMasterId r:id="rId27"/>
   </p:notesMasterIdLst>
   <p:sldIdLst>
     <p:sldId id="256" r:id="rId2"/>
     <p:sldId id="257" r:id="rId3"/>
-    <p:sldId id="282" r:id="rId4"/>
-    <p:sldId id="258" r:id="rId5"/>
-    <p:sldId id="281" r:id="rId6"/>
-    <p:sldId id="280" r:id="rId7"/>
-    <p:sldId id="283" r:id="rId8"/>
-    <p:sldId id="284" r:id="rId9"/>
-    <p:sldId id="271" r:id="rId10"/>
-    <p:sldId id="260" r:id="rId11"/>
-    <p:sldId id="273" r:id="rId12"/>
-    <p:sldId id="261" r:id="rId13"/>
-    <p:sldId id="264" r:id="rId14"/>
-    <p:sldId id="286" r:id="rId15"/>
-    <p:sldId id="285" r:id="rId16"/>
-    <p:sldId id="278" r:id="rId17"/>
-    <p:sldId id="265" r:id="rId18"/>
-    <p:sldId id="276" r:id="rId19"/>
-    <p:sldId id="267" r:id="rId20"/>
+    <p:sldId id="287" r:id="rId4"/>
+    <p:sldId id="289" r:id="rId5"/>
+    <p:sldId id="291" r:id="rId6"/>
+    <p:sldId id="290" r:id="rId7"/>
+    <p:sldId id="282" r:id="rId8"/>
+    <p:sldId id="293" r:id="rId9"/>
+    <p:sldId id="258" r:id="rId10"/>
+    <p:sldId id="281" r:id="rId11"/>
+    <p:sldId id="280" r:id="rId12"/>
+    <p:sldId id="283" r:id="rId13"/>
+    <p:sldId id="292" r:id="rId14"/>
+    <p:sldId id="284" r:id="rId15"/>
+    <p:sldId id="271" r:id="rId16"/>
+    <p:sldId id="260" r:id="rId17"/>
+    <p:sldId id="273" r:id="rId18"/>
+    <p:sldId id="261" r:id="rId19"/>
+    <p:sldId id="264" r:id="rId20"/>
+    <p:sldId id="286" r:id="rId21"/>
+    <p:sldId id="285" r:id="rId22"/>
+    <p:sldId id="278" r:id="rId23"/>
+    <p:sldId id="265" r:id="rId24"/>
+    <p:sldId id="276" r:id="rId25"/>
+    <p:sldId id="267" r:id="rId26"/>
   </p:sldIdLst>
   <p:sldSz cx="12192000" cy="6858000"/>
   <p:notesSz cx="6858000" cy="9144000"/>
@@ -215,7 +221,7 @@
           <a:p>
             <a:fld id="{351200C2-E55A-4908-8070-D976D08DAF66}" type="datetimeFigureOut">
               <a:rPr lang="he-IL" smtClean="0"/>
-              <a:t>י"א/ניסן/תש"ף</a:t>
+              <a:t>י"ז/ניסן/תש"ף</a:t>
             </a:fld>
             <a:endParaRPr lang="he-IL"/>
           </a:p>
@@ -705,7 +711,7 @@
           <a:p>
             <a:fld id="{48A87A34-81AB-432B-8DAE-1953F412C126}" type="datetimeFigureOut">
               <a:rPr lang="en-US" smtClean="0"/>
-              <a:t>4/5/2020</a:t>
+              <a:t>4/11/2020</a:t>
             </a:fld>
             <a:endParaRPr lang="en-US" dirty="0"/>
           </a:p>
@@ -916,7 +922,7 @@
           <a:p>
             <a:fld id="{48A87A34-81AB-432B-8DAE-1953F412C126}" type="datetimeFigureOut">
               <a:rPr lang="en-US" smtClean="0"/>
-              <a:t>4/5/2020</a:t>
+              <a:t>4/11/2020</a:t>
             </a:fld>
             <a:endParaRPr lang="en-US" dirty="0"/>
           </a:p>
@@ -1131,7 +1137,7 @@
           <a:p>
             <a:fld id="{48A87A34-81AB-432B-8DAE-1953F412C126}" type="datetimeFigureOut">
               <a:rPr lang="en-US" smtClean="0"/>
-              <a:t>4/5/2020</a:t>
+              <a:t>4/11/2020</a:t>
             </a:fld>
             <a:endParaRPr lang="en-US" dirty="0"/>
           </a:p>
@@ -1332,7 +1338,7 @@
           <a:p>
             <a:fld id="{48A87A34-81AB-432B-8DAE-1953F412C126}" type="datetimeFigureOut">
               <a:rPr lang="en-US" smtClean="0"/>
-              <a:t>4/5/2020</a:t>
+              <a:t>4/11/2020</a:t>
             </a:fld>
             <a:endParaRPr lang="en-US" dirty="0"/>
           </a:p>
@@ -1611,7 +1617,7 @@
           <a:p>
             <a:fld id="{48A87A34-81AB-432B-8DAE-1953F412C126}" type="datetimeFigureOut">
               <a:rPr lang="en-US" smtClean="0"/>
-              <a:t>4/5/2020</a:t>
+              <a:t>4/11/2020</a:t>
             </a:fld>
             <a:endParaRPr lang="en-US" dirty="0"/>
           </a:p>
@@ -1879,7 +1885,7 @@
           <a:p>
             <a:fld id="{48A87A34-81AB-432B-8DAE-1953F412C126}" type="datetimeFigureOut">
               <a:rPr lang="en-US" smtClean="0"/>
-              <a:t>4/5/2020</a:t>
+              <a:t>4/11/2020</a:t>
             </a:fld>
             <a:endParaRPr lang="en-US" dirty="0"/>
           </a:p>
@@ -2295,7 +2301,7 @@
           <a:p>
             <a:fld id="{48A87A34-81AB-432B-8DAE-1953F412C126}" type="datetimeFigureOut">
               <a:rPr lang="en-US" smtClean="0"/>
-              <a:t>4/5/2020</a:t>
+              <a:t>4/11/2020</a:t>
             </a:fld>
             <a:endParaRPr lang="en-US" dirty="0"/>
           </a:p>
@@ -2444,7 +2450,7 @@
           <a:p>
             <a:fld id="{48A87A34-81AB-432B-8DAE-1953F412C126}" type="datetimeFigureOut">
               <a:rPr lang="en-US" smtClean="0"/>
-              <a:t>4/5/2020</a:t>
+              <a:t>4/11/2020</a:t>
             </a:fld>
             <a:endParaRPr lang="en-US" dirty="0"/>
           </a:p>
@@ -2570,7 +2576,7 @@
           <a:p>
             <a:fld id="{48A87A34-81AB-432B-8DAE-1953F412C126}" type="datetimeFigureOut">
               <a:rPr lang="en-US" smtClean="0"/>
-              <a:t>4/5/2020</a:t>
+              <a:t>4/11/2020</a:t>
             </a:fld>
             <a:endParaRPr lang="en-US" dirty="0"/>
           </a:p>
@@ -2821,7 +2827,7 @@
           <a:p>
             <a:fld id="{48A87A34-81AB-432B-8DAE-1953F412C126}" type="datetimeFigureOut">
               <a:rPr lang="en-US" smtClean="0"/>
-              <a:t>4/5/2020</a:t>
+              <a:t>4/11/2020</a:t>
             </a:fld>
             <a:endParaRPr lang="en-US" dirty="0"/>
           </a:p>
@@ -3267,7 +3273,7 @@
             <a:fld id="{48A87A34-81AB-432B-8DAE-1953F412C126}" type="datetimeFigureOut">
               <a:rPr lang="en-US" smtClean="0"/>
               <a:pPr/>
-              <a:t>4/5/2020</a:t>
+              <a:t>4/11/2020</a:t>
             </a:fld>
             <a:endParaRPr lang="en-US" dirty="0"/>
           </a:p>
@@ -3595,7 +3601,7 @@
             <a:fld id="{48A87A34-81AB-432B-8DAE-1953F412C126}" type="datetimeFigureOut">
               <a:rPr lang="en-US" smtClean="0"/>
               <a:pPr/>
-              <a:t>4/5/2020</a:t>
+              <a:t>4/11/2020</a:t>
             </a:fld>
             <a:endParaRPr lang="en-US" dirty="0"/>
           </a:p>
@@ -4481,7 +4487,7 @@
           <p:cNvPr id="3" name="מציין מיקום תוכן 2">
             <a:extLst>
               <a:ext uri="{FF2B5EF4-FFF2-40B4-BE49-F238E27FC236}">
-                <a16:creationId xmlns:a16="http://schemas.microsoft.com/office/drawing/2014/main" id="{31457355-CA27-4916-A14A-F37867D89C51}"/>
+                <a16:creationId xmlns:a16="http://schemas.microsoft.com/office/drawing/2014/main" id="{DC51A44F-F228-42B2-B8A8-7A00DBD9A7BE}"/>
               </a:ext>
             </a:extLst>
           </p:cNvPr>
@@ -4495,104 +4501,77 @@
         <p:spPr/>
         <p:txBody>
           <a:bodyPr>
-            <a:noAutofit/>
+            <a:normAutofit/>
           </a:bodyPr>
           <a:lstStyle/>
           <a:p>
             <a:r>
-              <a:rPr lang="he-IL" dirty="0"/>
-              <a:t>לאחר מכן פיצלנו את המידע בצורה הבאה: </a:t>
-            </a:r>
-          </a:p>
-          <a:p>
-            <a:pPr marL="0" indent="0">
-              <a:buNone/>
-            </a:pPr>
-            <a:r>
-              <a:rPr lang="he-IL" dirty="0"/>
-              <a:t>1. </a:t>
-            </a:r>
-            <a:r>
-              <a:rPr lang="en-US" dirty="0" err="1"/>
-              <a:t>train_set</a:t>
-            </a:r>
-            <a:r>
-              <a:rPr lang="he-IL" dirty="0"/>
-              <a:t> – הטקסט אותו תייגנו לפי פונקציות תיוג והוא גם יכנס כקלט למסווג.</a:t>
-            </a:r>
-          </a:p>
-          <a:p>
-            <a:pPr marL="0" indent="0">
-              <a:buNone/>
-            </a:pPr>
-            <a:r>
-              <a:rPr lang="he-IL" dirty="0"/>
-              <a:t>2.</a:t>
-            </a:r>
-            <a:r>
-              <a:rPr lang="en-US" dirty="0" err="1"/>
-              <a:t>test_set</a:t>
-            </a:r>
-            <a:r>
-              <a:rPr lang="he-IL" dirty="0"/>
-              <a:t> – טקסט לבדיקה של המסווג.</a:t>
-            </a:r>
-          </a:p>
-          <a:p>
-            <a:pPr marL="0" indent="0">
-              <a:buNone/>
-            </a:pPr>
-            <a:r>
-              <a:rPr lang="he-IL" dirty="0"/>
-              <a:t>השתמשנו במודל ה</a:t>
-            </a:r>
-            <a:r>
-              <a:rPr lang="en-US" dirty="0"/>
-              <a:t> </a:t>
-            </a:r>
-            <a:r>
-              <a:rPr lang="en-US" b="1" dirty="0"/>
-              <a:t>Majority Label</a:t>
-            </a:r>
-            <a:r>
-              <a:rPr lang="he-IL" b="1" dirty="0"/>
-              <a:t> </a:t>
-            </a:r>
-            <a:r>
-              <a:rPr lang="he-IL" dirty="0"/>
-              <a:t>של ספריית </a:t>
-            </a:r>
-            <a:r>
-              <a:rPr lang="en-US" dirty="0"/>
-              <a:t>Snorkel</a:t>
-            </a:r>
-            <a:r>
-              <a:rPr lang="he-IL" dirty="0"/>
-              <a:t>, לפיו תיוג נקבע בשיטת הרוב קובע בהתאם לתוצאות פונקציות התיוג. </a:t>
-            </a:r>
-          </a:p>
-          <a:p>
-            <a:r>
-              <a:rPr lang="he-IL" dirty="0"/>
-              <a:t>נציין שבמודל זה יש חסרון שהוא הטיית הרוב. בתחילת התהליך הגדרנו מספר רב של פונקציות תיוג, וראינו כי הן מגדילות את מספר ה </a:t>
-            </a:r>
-            <a:r>
-              <a:rPr lang="en-US" dirty="0"/>
-              <a:t> false positives</a:t>
-            </a:r>
-            <a:r>
-              <a:rPr lang="he-IL" dirty="0"/>
-              <a:t>, ולכן צמצמנו את מספר פונקציות התיוג ליעילות ביותר.</a:t>
-            </a:r>
-          </a:p>
-          <a:p>
-            <a:endParaRPr lang="he-IL" dirty="0"/>
-          </a:p>
-          <a:p>
-            <a:pPr marL="0" indent="0">
-              <a:buNone/>
-            </a:pPr>
-            <a:endParaRPr lang="he-IL" dirty="0"/>
+              <a:rPr lang="he-IL" sz="2200" dirty="0"/>
+              <a:t>תחילה חילצנו את ה </a:t>
+            </a:r>
+            <a:r>
+              <a:rPr lang="en-US" sz="2200" dirty="0"/>
+              <a:t>data set</a:t>
+            </a:r>
+            <a:r>
+              <a:rPr lang="he-IL" sz="2200" dirty="0"/>
+              <a:t> מקבצי </a:t>
+            </a:r>
+            <a:r>
+              <a:rPr lang="en-US" sz="2200" dirty="0"/>
+              <a:t>csv</a:t>
+            </a:r>
+            <a:r>
+              <a:rPr lang="he-IL" sz="2200" dirty="0"/>
+              <a:t> והעברנו את המידע לטבלה מסוג </a:t>
+            </a:r>
+            <a:r>
+              <a:rPr lang="en-US" sz="2200" dirty="0"/>
+              <a:t>data frame</a:t>
+            </a:r>
+            <a:r>
+              <a:rPr lang="he-IL" sz="2200" dirty="0"/>
+              <a:t> של ספריית </a:t>
+            </a:r>
+            <a:r>
+              <a:rPr lang="en-US" sz="2200" dirty="0"/>
+              <a:t>pandas</a:t>
+            </a:r>
+            <a:r>
+              <a:rPr lang="he-IL" sz="2200" dirty="0"/>
+              <a:t>.</a:t>
+            </a:r>
+          </a:p>
+          <a:p>
+            <a:r>
+              <a:rPr lang="he-IL" sz="2200" dirty="0"/>
+              <a:t>חילצנו מידע עזר (ליצירת פונקציות התיוג והטרנספורמציה) הכולל שמות פרקים בתלמוד הבבלי, מקבצי </a:t>
+            </a:r>
+            <a:r>
+              <a:rPr lang="en-US" sz="2200" dirty="0"/>
+              <a:t>json</a:t>
+            </a:r>
+            <a:r>
+              <a:rPr lang="he-IL" sz="2200" dirty="0"/>
+              <a:t> למבני נתונים בקובץ </a:t>
+            </a:r>
+            <a:r>
+              <a:rPr lang="en-US" sz="2200" dirty="0"/>
+              <a:t>utility.py</a:t>
+            </a:r>
+            <a:r>
+              <a:rPr lang="he-IL" sz="2200" dirty="0"/>
+              <a:t>.</a:t>
+            </a:r>
+          </a:p>
+          <a:p>
+            <a:r>
+              <a:rPr lang="he-IL" sz="2200" dirty="0"/>
+              <a:t>ביצענו פרסור ראשוני למידע - הסרנו תווים לא חוקיים והפרדנו פסקאות למשפטים בודדים.</a:t>
+            </a:r>
+          </a:p>
+          <a:p>
+            <a:endParaRPr lang="he-IL" sz="1700" dirty="0"/>
           </a:p>
         </p:txBody>
       </p:sp>
@@ -4601,7 +4580,7 @@
           <p:cNvPr id="4" name="מלבן 3">
             <a:extLst>
               <a:ext uri="{FF2B5EF4-FFF2-40B4-BE49-F238E27FC236}">
-                <a16:creationId xmlns:a16="http://schemas.microsoft.com/office/drawing/2014/main" id="{AEEFD6D8-DC08-49DF-B920-73D8E4DFC040}"/>
+                <a16:creationId xmlns:a16="http://schemas.microsoft.com/office/drawing/2014/main" id="{2266B5C1-DE8C-409D-920B-16EE607C8A8E}"/>
               </a:ext>
             </a:extLst>
           </p:cNvPr>
@@ -4610,7 +4589,376 @@
         </p:nvSpPr>
         <p:spPr>
           <a:xfrm>
-            <a:off x="4305407" y="633710"/>
+            <a:off x="2469175" y="633710"/>
+            <a:ext cx="7568097" cy="923330"/>
+          </a:xfrm>
+          <a:prstGeom prst="rect">
+            <a:avLst/>
+          </a:prstGeom>
+          <a:noFill/>
+        </p:spPr>
+        <p:txBody>
+          <a:bodyPr wrap="none" lIns="91440" tIns="45720" rIns="91440" bIns="45720">
+            <a:spAutoFit/>
+          </a:bodyPr>
+          <a:lstStyle/>
+          <a:p>
+            <a:pPr algn="ctr" defTabSz="914400" rtl="1">
+              <a:lnSpc>
+                <a:spcPct val="90000"/>
+              </a:lnSpc>
+              <a:spcBef>
+                <a:spcPct val="0"/>
+              </a:spcBef>
+            </a:pPr>
+            <a:r>
+              <a:rPr lang="he-IL" sz="6000" b="1" dirty="0">
+                <a:ln w="9525">
+                  <a:solidFill>
+                    <a:schemeClr val="bg1"/>
+                  </a:solidFill>
+                  <a:prstDash val="solid"/>
+                </a:ln>
+                <a:solidFill>
+                  <a:schemeClr val="accent2">
+                    <a:lumMod val="75000"/>
+                  </a:schemeClr>
+                </a:solidFill>
+                <a:effectLst>
+                  <a:outerShdw blurRad="12700" dist="38100" dir="2700000" algn="tl" rotWithShape="0">
+                    <a:schemeClr val="accent5">
+                      <a:lumMod val="60000"/>
+                      <a:lumOff val="40000"/>
+                    </a:schemeClr>
+                  </a:outerShdw>
+                </a:effectLst>
+                <a:latin typeface="+mj-lt"/>
+                <a:ea typeface="+mj-ea"/>
+                <a:cs typeface="+mj-cs"/>
+              </a:rPr>
+              <a:t>1 עיבוד ראשוני של המידע</a:t>
+            </a:r>
+          </a:p>
+        </p:txBody>
+      </p:sp>
+    </p:spTree>
+    <p:extLst>
+      <p:ext uri="{BB962C8B-B14F-4D97-AF65-F5344CB8AC3E}">
+        <p14:creationId xmlns:p14="http://schemas.microsoft.com/office/powerpoint/2010/main" val="2879557940"/>
+      </p:ext>
+    </p:extLst>
+  </p:cSld>
+  <p:clrMapOvr>
+    <a:masterClrMapping/>
+  </p:clrMapOvr>
+</p:sld>
+</file>
+
+<file path=ppt/slides/slide11.xml><?xml version="1.0" encoding="utf-8"?>
+<p:sld xmlns:a="http://schemas.openxmlformats.org/drawingml/2006/main" xmlns:r="http://schemas.openxmlformats.org/officeDocument/2006/relationships" xmlns:p="http://schemas.openxmlformats.org/presentationml/2006/main">
+  <p:cSld>
+    <p:spTree>
+      <p:nvGrpSpPr>
+        <p:cNvPr id="1" name=""/>
+        <p:cNvGrpSpPr/>
+        <p:nvPr/>
+      </p:nvGrpSpPr>
+      <p:grpSpPr>
+        <a:xfrm>
+          <a:off x="0" y="0"/>
+          <a:ext cx="0" cy="0"/>
+          <a:chOff x="0" y="0"/>
+          <a:chExt cx="0" cy="0"/>
+        </a:xfrm>
+      </p:grpSpPr>
+      <p:sp>
+        <p:nvSpPr>
+          <p:cNvPr id="3" name="מציין מיקום תוכן 2">
+            <a:extLst>
+              <a:ext uri="{FF2B5EF4-FFF2-40B4-BE49-F238E27FC236}">
+                <a16:creationId xmlns:a16="http://schemas.microsoft.com/office/drawing/2014/main" id="{DC51A44F-F228-42B2-B8A8-7A00DBD9A7BE}"/>
+              </a:ext>
+            </a:extLst>
+          </p:cNvPr>
+          <p:cNvSpPr>
+            <a:spLocks noGrp="1"/>
+          </p:cNvSpPr>
+          <p:nvPr>
+            <p:ph idx="1"/>
+          </p:nvPr>
+        </p:nvSpPr>
+        <p:spPr/>
+        <p:txBody>
+          <a:bodyPr>
+            <a:normAutofit fontScale="85000" lnSpcReduction="20000"/>
+          </a:bodyPr>
+          <a:lstStyle/>
+          <a:p>
+            <a:r>
+              <a:rPr lang="he-IL" sz="2400" dirty="0"/>
+              <a:t>בשלב הבא פרקנו </a:t>
+            </a:r>
+            <a:r>
+              <a:rPr lang="he-IL" sz="2400" u="sng" dirty="0"/>
+              <a:t>כל משפט</a:t>
+            </a:r>
+            <a:r>
+              <a:rPr lang="he-IL" sz="2400" dirty="0"/>
+              <a:t> לרצפים של </a:t>
+            </a:r>
+            <a:r>
+              <a:rPr lang="en-US" sz="2400" dirty="0"/>
+              <a:t>n</a:t>
+            </a:r>
+            <a:r>
+              <a:rPr lang="he-IL" sz="2400" dirty="0"/>
+              <a:t> מילים בודדות(</a:t>
+            </a:r>
+            <a:r>
+              <a:rPr lang="en-US" sz="2400" dirty="0" err="1"/>
+              <a:t>ngram</a:t>
+            </a:r>
+            <a:r>
+              <a:rPr lang="he-IL" sz="2400" dirty="0"/>
+              <a:t>ים) כך שיתקבל כל רצף מסודר אפשרי.</a:t>
+            </a:r>
+          </a:p>
+          <a:p>
+            <a:r>
+              <a:rPr lang="he-IL" sz="2400" dirty="0"/>
+              <a:t>דוגמה ל</a:t>
+            </a:r>
+            <a:r>
+              <a:rPr lang="en-US" sz="2400" dirty="0"/>
+              <a:t>5_gram</a:t>
+            </a:r>
+            <a:r>
+              <a:rPr lang="he-IL" sz="2400" dirty="0"/>
+              <a:t>: </a:t>
+            </a:r>
+          </a:p>
+          <a:p>
+            <a:endParaRPr lang="he-IL" sz="2400" dirty="0"/>
+          </a:p>
+          <a:p>
+            <a:pPr marL="0" indent="0">
+              <a:buNone/>
+            </a:pPr>
+            <a:r>
+              <a:rPr lang="he-IL" sz="2400" dirty="0"/>
+              <a:t> </a:t>
+            </a:r>
+          </a:p>
+          <a:p>
+            <a:pPr marL="0" indent="0">
+              <a:buNone/>
+            </a:pPr>
+            <a:endParaRPr lang="he-IL" sz="2400" dirty="0"/>
+          </a:p>
+          <a:p>
+            <a:r>
+              <a:rPr lang="he-IL" sz="2400" dirty="0"/>
+              <a:t>בפרויקט שלנו השתמשנו ב</a:t>
+            </a:r>
+            <a:r>
+              <a:rPr lang="en-US" sz="2400" dirty="0"/>
+              <a:t>3-7gram</a:t>
+            </a:r>
+            <a:r>
+              <a:rPr lang="he-IL" sz="2400" dirty="0"/>
+              <a:t>. </a:t>
+            </a:r>
+          </a:p>
+          <a:p>
+            <a:r>
+              <a:rPr lang="he-IL" sz="2400" dirty="0"/>
+              <a:t>לאחר ניסוי וטעיה הבנו שזה הגודל האידיאלי לצרכינו.</a:t>
+            </a:r>
+          </a:p>
+        </p:txBody>
+      </p:sp>
+      <p:sp>
+        <p:nvSpPr>
+          <p:cNvPr id="4" name="מלבן 3">
+            <a:extLst>
+              <a:ext uri="{FF2B5EF4-FFF2-40B4-BE49-F238E27FC236}">
+                <a16:creationId xmlns:a16="http://schemas.microsoft.com/office/drawing/2014/main" id="{2266B5C1-DE8C-409D-920B-16EE607C8A8E}"/>
+              </a:ext>
+            </a:extLst>
+          </p:cNvPr>
+          <p:cNvSpPr/>
+          <p:nvPr/>
+        </p:nvSpPr>
+        <p:spPr>
+          <a:xfrm>
+            <a:off x="2469175" y="633710"/>
+            <a:ext cx="7568097" cy="923330"/>
+          </a:xfrm>
+          <a:prstGeom prst="rect">
+            <a:avLst/>
+          </a:prstGeom>
+          <a:noFill/>
+        </p:spPr>
+        <p:txBody>
+          <a:bodyPr wrap="none" lIns="91440" tIns="45720" rIns="91440" bIns="45720">
+            <a:spAutoFit/>
+          </a:bodyPr>
+          <a:lstStyle/>
+          <a:p>
+            <a:pPr algn="ctr" defTabSz="914400" rtl="1">
+              <a:lnSpc>
+                <a:spcPct val="90000"/>
+              </a:lnSpc>
+              <a:spcBef>
+                <a:spcPct val="0"/>
+              </a:spcBef>
+            </a:pPr>
+            <a:r>
+              <a:rPr lang="he-IL" sz="6000" b="1" dirty="0">
+                <a:ln w="9525">
+                  <a:solidFill>
+                    <a:schemeClr val="bg1"/>
+                  </a:solidFill>
+                  <a:prstDash val="solid"/>
+                </a:ln>
+                <a:solidFill>
+                  <a:schemeClr val="accent2">
+                    <a:lumMod val="75000"/>
+                  </a:schemeClr>
+                </a:solidFill>
+                <a:effectLst>
+                  <a:outerShdw blurRad="12700" dist="38100" dir="2700000" algn="tl" rotWithShape="0">
+                    <a:schemeClr val="accent5">
+                      <a:lumMod val="60000"/>
+                      <a:lumOff val="40000"/>
+                    </a:schemeClr>
+                  </a:outerShdw>
+                </a:effectLst>
+                <a:latin typeface="+mj-lt"/>
+                <a:ea typeface="+mj-ea"/>
+                <a:cs typeface="+mj-cs"/>
+              </a:rPr>
+              <a:t>1 עיבוד ראשוני של המידע</a:t>
+            </a:r>
+          </a:p>
+        </p:txBody>
+      </p:sp>
+      <p:pic>
+        <p:nvPicPr>
+          <p:cNvPr id="5" name="תמונה 4">
+            <a:extLst>
+              <a:ext uri="{FF2B5EF4-FFF2-40B4-BE49-F238E27FC236}">
+                <a16:creationId xmlns:a16="http://schemas.microsoft.com/office/drawing/2014/main" id="{4D9D4E46-C68C-4900-8E53-684AD6DBC46D}"/>
+              </a:ext>
+            </a:extLst>
+          </p:cNvPr>
+          <p:cNvPicPr>
+            <a:picLocks noChangeAspect="1"/>
+          </p:cNvPicPr>
+          <p:nvPr/>
+        </p:nvPicPr>
+        <p:blipFill>
+          <a:blip r:embed="rId2"/>
+          <a:stretch>
+            <a:fillRect/>
+          </a:stretch>
+        </p:blipFill>
+        <p:spPr>
+          <a:xfrm>
+            <a:off x="1855304" y="2835966"/>
+            <a:ext cx="6788875" cy="1641640"/>
+          </a:xfrm>
+          <a:prstGeom prst="rect">
+            <a:avLst/>
+          </a:prstGeom>
+        </p:spPr>
+      </p:pic>
+    </p:spTree>
+    <p:extLst>
+      <p:ext uri="{BB962C8B-B14F-4D97-AF65-F5344CB8AC3E}">
+        <p14:creationId xmlns:p14="http://schemas.microsoft.com/office/powerpoint/2010/main" val="4288330715"/>
+      </p:ext>
+    </p:extLst>
+  </p:cSld>
+  <p:clrMapOvr>
+    <a:masterClrMapping/>
+  </p:clrMapOvr>
+</p:sld>
+</file>
+
+<file path=ppt/slides/slide12.xml><?xml version="1.0" encoding="utf-8"?>
+<p:sld xmlns:a="http://schemas.openxmlformats.org/drawingml/2006/main" xmlns:r="http://schemas.openxmlformats.org/officeDocument/2006/relationships" xmlns:p="http://schemas.openxmlformats.org/presentationml/2006/main">
+  <p:cSld>
+    <p:spTree>
+      <p:nvGrpSpPr>
+        <p:cNvPr id="1" name=""/>
+        <p:cNvGrpSpPr/>
+        <p:nvPr/>
+      </p:nvGrpSpPr>
+      <p:grpSpPr>
+        <a:xfrm>
+          <a:off x="0" y="0"/>
+          <a:ext cx="0" cy="0"/>
+          <a:chOff x="0" y="0"/>
+          <a:chExt cx="0" cy="0"/>
+        </a:xfrm>
+      </p:grpSpPr>
+      <p:sp>
+        <p:nvSpPr>
+          <p:cNvPr id="3" name="מציין מיקום תוכן 2">
+            <a:extLst>
+              <a:ext uri="{FF2B5EF4-FFF2-40B4-BE49-F238E27FC236}">
+                <a16:creationId xmlns:a16="http://schemas.microsoft.com/office/drawing/2014/main" id="{26BEA534-C28B-40E8-B9FE-1D8741BEF4BA}"/>
+              </a:ext>
+            </a:extLst>
+          </p:cNvPr>
+          <p:cNvSpPr>
+            <a:spLocks noGrp="1"/>
+          </p:cNvSpPr>
+          <p:nvPr>
+            <p:ph idx="1"/>
+          </p:nvPr>
+        </p:nvSpPr>
+        <p:spPr>
+          <a:xfrm>
+            <a:off x="1451579" y="2015732"/>
+            <a:ext cx="9603275" cy="3728120"/>
+          </a:xfrm>
+        </p:spPr>
+        <p:txBody>
+          <a:bodyPr>
+            <a:normAutofit/>
+          </a:bodyPr>
+          <a:lstStyle/>
+          <a:p>
+            <a:r>
+              <a:rPr lang="he-IL" dirty="0"/>
+              <a:t>ביצענו סקירה ידנית בעזרת אורן אחרי חיפוש הרפרנסים מהתלמוד הבבלי בטקסטים, כדי לזהות דפוסים של תבניות. </a:t>
+            </a:r>
+          </a:p>
+          <a:p>
+            <a:r>
+              <a:rPr lang="he-IL" dirty="0"/>
+              <a:t>עיקר הפרויקט היה הגדרת פונקציות תיוג בהתאם לתבניות שהגדרנו, לאחר בחינה מעמיקה של הטקסט והבנה של מה יוגדר כרפרנס מהתלמוד הבבלי. </a:t>
+            </a:r>
+          </a:p>
+        </p:txBody>
+      </p:sp>
+      <p:sp>
+        <p:nvSpPr>
+          <p:cNvPr id="7" name="מלבן 6">
+            <a:extLst>
+              <a:ext uri="{FF2B5EF4-FFF2-40B4-BE49-F238E27FC236}">
+                <a16:creationId xmlns:a16="http://schemas.microsoft.com/office/drawing/2014/main" id="{F94C525C-C2E8-401D-AA50-BA355E83EC6D}"/>
+              </a:ext>
+            </a:extLst>
+          </p:cNvPr>
+          <p:cNvSpPr/>
+          <p:nvPr/>
+        </p:nvSpPr>
+        <p:spPr>
+          <a:xfrm>
+            <a:off x="4148190" y="452735"/>
             <a:ext cx="3895618" cy="923330"/>
           </a:xfrm>
           <a:prstGeom prst="rect">
@@ -4665,6 +5013,790 @@
     </p:spTree>
     <p:extLst>
       <p:ext uri="{BB962C8B-B14F-4D97-AF65-F5344CB8AC3E}">
+        <p14:creationId xmlns:p14="http://schemas.microsoft.com/office/powerpoint/2010/main" val="3910895866"/>
+      </p:ext>
+    </p:extLst>
+  </p:cSld>
+  <p:clrMapOvr>
+    <a:masterClrMapping/>
+  </p:clrMapOvr>
+</p:sld>
+</file>
+
+<file path=ppt/slides/slide13.xml><?xml version="1.0" encoding="utf-8"?>
+<p:sld xmlns:a="http://schemas.openxmlformats.org/drawingml/2006/main" xmlns:r="http://schemas.openxmlformats.org/officeDocument/2006/relationships" xmlns:p="http://schemas.openxmlformats.org/presentationml/2006/main">
+  <p:cSld>
+    <p:spTree>
+      <p:nvGrpSpPr>
+        <p:cNvPr id="1" name=""/>
+        <p:cNvGrpSpPr/>
+        <p:nvPr/>
+      </p:nvGrpSpPr>
+      <p:grpSpPr>
+        <a:xfrm>
+          <a:off x="0" y="0"/>
+          <a:ext cx="0" cy="0"/>
+          <a:chOff x="0" y="0"/>
+          <a:chExt cx="0" cy="0"/>
+        </a:xfrm>
+      </p:grpSpPr>
+      <p:sp>
+        <p:nvSpPr>
+          <p:cNvPr id="3" name="Content Placeholder 2">
+            <a:extLst>
+              <a:ext uri="{FF2B5EF4-FFF2-40B4-BE49-F238E27FC236}">
+                <a16:creationId xmlns:a16="http://schemas.microsoft.com/office/drawing/2014/main" id="{7339E3AD-2997-4378-87A1-EF241FC56CF3}"/>
+              </a:ext>
+            </a:extLst>
+          </p:cNvPr>
+          <p:cNvSpPr>
+            <a:spLocks noGrp="1"/>
+          </p:cNvSpPr>
+          <p:nvPr>
+            <p:ph idx="1"/>
+          </p:nvPr>
+        </p:nvSpPr>
+        <p:spPr/>
+        <p:txBody>
+          <a:bodyPr/>
+          <a:lstStyle/>
+          <a:p>
+            <a:r>
+              <a:rPr lang="he-IL" dirty="0"/>
+              <a:t>נציין שהחשיפה לצורות המרובות של הרפרנסים חיזקו את ההבנה שלמידת מכונה היא דרך מיטבית להתמודד עם המשימה, ולא שימוש בלעדי בביטויים רגולריים, כפי ששקלנו לעשות תחילה. </a:t>
+            </a:r>
+          </a:p>
+          <a:p>
+            <a:r>
+              <a:rPr lang="he-IL" b="1" dirty="0"/>
+              <a:t>מסקנה שהסקנו במהלך ההרצות</a:t>
+            </a:r>
+            <a:r>
+              <a:rPr lang="he-IL" dirty="0"/>
+              <a:t>: התגלו 2 פונקציות עם אחוז כיסוי אפסי, ולכן הסרנו אותן כדי שלא יגדילו את זמן הריצה.</a:t>
+            </a:r>
+          </a:p>
+          <a:p>
+            <a:endParaRPr lang="en-US" dirty="0"/>
+          </a:p>
+        </p:txBody>
+      </p:sp>
+      <p:sp>
+        <p:nvSpPr>
+          <p:cNvPr id="4" name="מלבן 6">
+            <a:extLst>
+              <a:ext uri="{FF2B5EF4-FFF2-40B4-BE49-F238E27FC236}">
+                <a16:creationId xmlns:a16="http://schemas.microsoft.com/office/drawing/2014/main" id="{794CE5CB-97D6-4133-9F5F-46CC3478212D}"/>
+              </a:ext>
+            </a:extLst>
+          </p:cNvPr>
+          <p:cNvSpPr>
+            <a:spLocks noGrp="1"/>
+          </p:cNvSpPr>
+          <p:nvPr>
+            <p:ph type="title"/>
+          </p:nvPr>
+        </p:nvSpPr>
+        <p:spPr>
+          <a:xfrm>
+            <a:off x="1450975" y="804863"/>
+            <a:ext cx="9604375" cy="1049337"/>
+          </a:xfrm>
+          <a:prstGeom prst="rect">
+            <a:avLst/>
+          </a:prstGeom>
+          <a:noFill/>
+        </p:spPr>
+        <p:txBody>
+          <a:bodyPr wrap="none" lIns="91440" tIns="45720" rIns="91440" bIns="45720">
+            <a:spAutoFit/>
+          </a:bodyPr>
+          <a:lstStyle/>
+          <a:p>
+            <a:pPr algn="ctr" defTabSz="914400" rtl="1">
+              <a:lnSpc>
+                <a:spcPct val="90000"/>
+              </a:lnSpc>
+              <a:spcBef>
+                <a:spcPct val="0"/>
+              </a:spcBef>
+            </a:pPr>
+            <a:r>
+              <a:rPr lang="he-IL" sz="6000" b="1" dirty="0">
+                <a:ln w="9525">
+                  <a:solidFill>
+                    <a:schemeClr val="bg1"/>
+                  </a:solidFill>
+                  <a:prstDash val="solid"/>
+                </a:ln>
+                <a:solidFill>
+                  <a:schemeClr val="accent2">
+                    <a:lumMod val="75000"/>
+                  </a:schemeClr>
+                </a:solidFill>
+                <a:effectLst>
+                  <a:outerShdw blurRad="12700" dist="38100" dir="2700000" algn="tl" rotWithShape="0">
+                    <a:schemeClr val="accent5">
+                      <a:lumMod val="60000"/>
+                      <a:lumOff val="40000"/>
+                    </a:schemeClr>
+                  </a:outerShdw>
+                </a:effectLst>
+                <a:latin typeface="+mj-lt"/>
+                <a:ea typeface="+mj-ea"/>
+                <a:cs typeface="+mj-cs"/>
+              </a:rPr>
+              <a:t>2 תיוג המידע</a:t>
+            </a:r>
+          </a:p>
+        </p:txBody>
+      </p:sp>
+    </p:spTree>
+    <p:extLst>
+      <p:ext uri="{BB962C8B-B14F-4D97-AF65-F5344CB8AC3E}">
+        <p14:creationId xmlns:p14="http://schemas.microsoft.com/office/powerpoint/2010/main" val="2044549052"/>
+      </p:ext>
+    </p:extLst>
+  </p:cSld>
+  <p:clrMapOvr>
+    <a:masterClrMapping/>
+  </p:clrMapOvr>
+</p:sld>
+</file>
+
+<file path=ppt/slides/slide14.xml><?xml version="1.0" encoding="utf-8"?>
+<p:sld xmlns:a="http://schemas.openxmlformats.org/drawingml/2006/main" xmlns:r="http://schemas.openxmlformats.org/officeDocument/2006/relationships" xmlns:p="http://schemas.openxmlformats.org/presentationml/2006/main">
+  <p:cSld>
+    <p:spTree>
+      <p:nvGrpSpPr>
+        <p:cNvPr id="1" name=""/>
+        <p:cNvGrpSpPr/>
+        <p:nvPr/>
+      </p:nvGrpSpPr>
+      <p:grpSpPr>
+        <a:xfrm>
+          <a:off x="0" y="0"/>
+          <a:ext cx="0" cy="0"/>
+          <a:chOff x="0" y="0"/>
+          <a:chExt cx="0" cy="0"/>
+        </a:xfrm>
+      </p:grpSpPr>
+      <p:sp>
+        <p:nvSpPr>
+          <p:cNvPr id="3" name="מציין מיקום תוכן 2">
+            <a:extLst>
+              <a:ext uri="{FF2B5EF4-FFF2-40B4-BE49-F238E27FC236}">
+                <a16:creationId xmlns:a16="http://schemas.microsoft.com/office/drawing/2014/main" id="{26BEA534-C28B-40E8-B9FE-1D8741BEF4BA}"/>
+              </a:ext>
+            </a:extLst>
+          </p:cNvPr>
+          <p:cNvSpPr>
+            <a:spLocks noGrp="1"/>
+          </p:cNvSpPr>
+          <p:nvPr>
+            <p:ph idx="1"/>
+          </p:nvPr>
+        </p:nvSpPr>
+        <p:spPr>
+          <a:xfrm>
+            <a:off x="1451579" y="2015732"/>
+            <a:ext cx="9603275" cy="3728120"/>
+          </a:xfrm>
+        </p:spPr>
+        <p:txBody>
+          <a:bodyPr>
+            <a:normAutofit/>
+          </a:bodyPr>
+          <a:lstStyle/>
+          <a:p>
+            <a:r>
+              <a:rPr lang="he-IL" dirty="0"/>
+              <a:t>דוגמא לפונקצית תיוג שכתבנו:</a:t>
+            </a:r>
+            <a:br>
+              <a:rPr lang="en-US" dirty="0"/>
+            </a:br>
+            <a:br>
+              <a:rPr lang="en-US" dirty="0"/>
+            </a:br>
+            <a:r>
+              <a:rPr lang="he-IL" dirty="0"/>
+              <a:t>הפונקציה מתייגת כרפרנס</a:t>
+            </a:r>
+            <a:br>
+              <a:rPr lang="en-US" dirty="0"/>
+            </a:br>
+            <a:r>
+              <a:rPr lang="he-IL" dirty="0"/>
+              <a:t>את כל המשפטים בהם יש </a:t>
+            </a:r>
+            <a:br>
+              <a:rPr lang="en-US" dirty="0"/>
+            </a:br>
+            <a:r>
+              <a:rPr lang="he-IL" dirty="0"/>
+              <a:t>"דף" בתוך "()" , עם אפשרות</a:t>
+            </a:r>
+            <a:br>
+              <a:rPr lang="en-US" dirty="0"/>
+            </a:br>
+            <a:r>
+              <a:rPr lang="he-IL" dirty="0"/>
+              <a:t>ל ":" בסוף המשפט  </a:t>
+            </a:r>
+            <a:br>
+              <a:rPr lang="en-US" dirty="0"/>
+            </a:br>
+            <a:br>
+              <a:rPr lang="en-US" dirty="0"/>
+            </a:br>
+            <a:endParaRPr lang="he-IL" dirty="0"/>
+          </a:p>
+        </p:txBody>
+      </p:sp>
+      <p:sp>
+        <p:nvSpPr>
+          <p:cNvPr id="7" name="מלבן 6">
+            <a:extLst>
+              <a:ext uri="{FF2B5EF4-FFF2-40B4-BE49-F238E27FC236}">
+                <a16:creationId xmlns:a16="http://schemas.microsoft.com/office/drawing/2014/main" id="{F94C525C-C2E8-401D-AA50-BA355E83EC6D}"/>
+              </a:ext>
+            </a:extLst>
+          </p:cNvPr>
+          <p:cNvSpPr/>
+          <p:nvPr/>
+        </p:nvSpPr>
+        <p:spPr>
+          <a:xfrm>
+            <a:off x="4231242" y="606316"/>
+            <a:ext cx="3895618" cy="923330"/>
+          </a:xfrm>
+          <a:prstGeom prst="rect">
+            <a:avLst/>
+          </a:prstGeom>
+          <a:noFill/>
+        </p:spPr>
+        <p:txBody>
+          <a:bodyPr wrap="none" lIns="91440" tIns="45720" rIns="91440" bIns="45720">
+            <a:spAutoFit/>
+          </a:bodyPr>
+          <a:lstStyle/>
+          <a:p>
+            <a:pPr algn="ctr" defTabSz="914400" rtl="1">
+              <a:lnSpc>
+                <a:spcPct val="90000"/>
+              </a:lnSpc>
+              <a:spcBef>
+                <a:spcPct val="0"/>
+              </a:spcBef>
+            </a:pPr>
+            <a:r>
+              <a:rPr lang="he-IL" sz="6000" b="1" dirty="0">
+                <a:ln w="9525">
+                  <a:solidFill>
+                    <a:schemeClr val="bg1"/>
+                  </a:solidFill>
+                  <a:prstDash val="solid"/>
+                </a:ln>
+                <a:solidFill>
+                  <a:schemeClr val="accent2">
+                    <a:lumMod val="75000"/>
+                  </a:schemeClr>
+                </a:solidFill>
+                <a:effectLst>
+                  <a:outerShdw blurRad="12700" dist="38100" dir="2700000" algn="tl" rotWithShape="0">
+                    <a:schemeClr val="accent5">
+                      <a:lumMod val="60000"/>
+                      <a:lumOff val="40000"/>
+                    </a:schemeClr>
+                  </a:outerShdw>
+                </a:effectLst>
+                <a:latin typeface="+mj-lt"/>
+                <a:ea typeface="+mj-ea"/>
+                <a:cs typeface="+mj-cs"/>
+              </a:rPr>
+              <a:t>2 תיוג המידע</a:t>
+            </a:r>
+          </a:p>
+        </p:txBody>
+      </p:sp>
+      <p:pic>
+        <p:nvPicPr>
+          <p:cNvPr id="4" name="תמונה 3">
+            <a:extLst>
+              <a:ext uri="{FF2B5EF4-FFF2-40B4-BE49-F238E27FC236}">
+                <a16:creationId xmlns:a16="http://schemas.microsoft.com/office/drawing/2014/main" id="{55FF930A-3D60-452E-92AC-C85B52FB43FA}"/>
+              </a:ext>
+            </a:extLst>
+          </p:cNvPr>
+          <p:cNvPicPr>
+            <a:picLocks noChangeAspect="1"/>
+          </p:cNvPicPr>
+          <p:nvPr/>
+        </p:nvPicPr>
+        <p:blipFill>
+          <a:blip r:embed="rId2"/>
+          <a:stretch>
+            <a:fillRect/>
+          </a:stretch>
+        </p:blipFill>
+        <p:spPr>
+          <a:xfrm>
+            <a:off x="677081" y="2595565"/>
+            <a:ext cx="7185219" cy="2568453"/>
+          </a:xfrm>
+          <a:prstGeom prst="rect">
+            <a:avLst/>
+          </a:prstGeom>
+        </p:spPr>
+      </p:pic>
+    </p:spTree>
+    <p:extLst>
+      <p:ext uri="{BB962C8B-B14F-4D97-AF65-F5344CB8AC3E}">
+        <p14:creationId xmlns:p14="http://schemas.microsoft.com/office/powerpoint/2010/main" val="2080631073"/>
+      </p:ext>
+    </p:extLst>
+  </p:cSld>
+  <p:clrMapOvr>
+    <a:masterClrMapping/>
+  </p:clrMapOvr>
+</p:sld>
+</file>
+
+<file path=ppt/slides/slide15.xml><?xml version="1.0" encoding="utf-8"?>
+<p:sld xmlns:a="http://schemas.openxmlformats.org/drawingml/2006/main" xmlns:r="http://schemas.openxmlformats.org/officeDocument/2006/relationships" xmlns:p="http://schemas.openxmlformats.org/presentationml/2006/main">
+  <p:cSld>
+    <p:spTree>
+      <p:nvGrpSpPr>
+        <p:cNvPr id="1" name=""/>
+        <p:cNvGrpSpPr/>
+        <p:nvPr/>
+      </p:nvGrpSpPr>
+      <p:grpSpPr>
+        <a:xfrm>
+          <a:off x="0" y="0"/>
+          <a:ext cx="0" cy="0"/>
+          <a:chOff x="0" y="0"/>
+          <a:chExt cx="0" cy="0"/>
+        </a:xfrm>
+      </p:grpSpPr>
+      <p:pic>
+        <p:nvPicPr>
+          <p:cNvPr id="6" name="תמונה 5">
+            <a:extLst>
+              <a:ext uri="{FF2B5EF4-FFF2-40B4-BE49-F238E27FC236}">
+                <a16:creationId xmlns:a16="http://schemas.microsoft.com/office/drawing/2014/main" id="{AB039032-32D5-4EF7-AD03-9B46AAEB6F98}"/>
+              </a:ext>
+            </a:extLst>
+          </p:cNvPr>
+          <p:cNvPicPr>
+            <a:picLocks noChangeAspect="1"/>
+          </p:cNvPicPr>
+          <p:nvPr/>
+        </p:nvPicPr>
+        <p:blipFill>
+          <a:blip r:embed="rId2"/>
+          <a:stretch>
+            <a:fillRect/>
+          </a:stretch>
+        </p:blipFill>
+        <p:spPr>
+          <a:xfrm>
+            <a:off x="384313" y="1973265"/>
+            <a:ext cx="5406888" cy="3130223"/>
+          </a:xfrm>
+          <a:prstGeom prst="rect">
+            <a:avLst/>
+          </a:prstGeom>
+        </p:spPr>
+      </p:pic>
+      <p:sp>
+        <p:nvSpPr>
+          <p:cNvPr id="3" name="מציין מיקום תוכן 2">
+            <a:extLst>
+              <a:ext uri="{FF2B5EF4-FFF2-40B4-BE49-F238E27FC236}">
+                <a16:creationId xmlns:a16="http://schemas.microsoft.com/office/drawing/2014/main" id="{26BEA534-C28B-40E8-B9FE-1D8741BEF4BA}"/>
+              </a:ext>
+            </a:extLst>
+          </p:cNvPr>
+          <p:cNvSpPr>
+            <a:spLocks noGrp="1"/>
+          </p:cNvSpPr>
+          <p:nvPr>
+            <p:ph idx="1"/>
+          </p:nvPr>
+        </p:nvSpPr>
+        <p:spPr>
+          <a:xfrm>
+            <a:off x="1451579" y="2015732"/>
+            <a:ext cx="9603275" cy="3728120"/>
+          </a:xfrm>
+        </p:spPr>
+        <p:txBody>
+          <a:bodyPr>
+            <a:noAutofit/>
+          </a:bodyPr>
+          <a:lstStyle/>
+          <a:p>
+            <a:r>
+              <a:rPr lang="he-IL" dirty="0"/>
+              <a:t>בשביל לדעת את </a:t>
+            </a:r>
+            <a:r>
+              <a:rPr lang="he-IL" b="1" u="sng" dirty="0"/>
+              <a:t>יעילות</a:t>
+            </a:r>
+            <a:r>
+              <a:rPr lang="he-IL" dirty="0"/>
+              <a:t> פונקציות התיוג בדקנו את</a:t>
+            </a:r>
+            <a:br>
+              <a:rPr lang="en-US" dirty="0"/>
+            </a:br>
+            <a:r>
+              <a:rPr lang="he-IL" b="1" u="sng" dirty="0"/>
+              <a:t>הכיסוי</a:t>
+            </a:r>
+            <a:r>
+              <a:rPr lang="he-IL" dirty="0"/>
+              <a:t>, כלומר בכמה תיוגים כל פונקציה משתתפת.</a:t>
+            </a:r>
+          </a:p>
+          <a:p>
+            <a:r>
+              <a:rPr lang="he-IL" dirty="0"/>
+              <a:t>להלן הכיסוי של הפונקציות שלנו על טקסט המקור: </a:t>
+            </a:r>
+          </a:p>
+          <a:p>
+            <a:pPr marL="0" indent="0">
+              <a:buNone/>
+            </a:pPr>
+            <a:r>
+              <a:rPr lang="he-IL" dirty="0"/>
+              <a:t> </a:t>
+            </a:r>
+          </a:p>
+          <a:p>
+            <a:r>
+              <a:rPr lang="he-IL" dirty="0"/>
+              <a:t>ניתן לראות שפונקציית התיוג</a:t>
+            </a:r>
+            <a:r>
+              <a:rPr lang="en-US" dirty="0"/>
+              <a:t> </a:t>
+            </a:r>
+            <a:r>
+              <a:rPr lang="he-IL" dirty="0"/>
+              <a:t> </a:t>
+            </a:r>
+            <a:r>
+              <a:rPr lang="en-US" dirty="0" err="1"/>
+              <a:t>perek_and_sham</a:t>
+            </a:r>
+            <a:r>
+              <a:rPr lang="he-IL" dirty="0"/>
+              <a:t> </a:t>
+            </a:r>
+            <a:br>
+              <a:rPr lang="en-US" dirty="0"/>
+            </a:br>
+            <a:r>
+              <a:rPr lang="he-IL" dirty="0"/>
+              <a:t>כלל אינה מועילה ולכן הוסרה.</a:t>
+            </a:r>
+            <a:br>
+              <a:rPr lang="en-US" dirty="0"/>
+            </a:br>
+            <a:endParaRPr lang="he-IL" dirty="0"/>
+          </a:p>
+        </p:txBody>
+      </p:sp>
+      <p:sp>
+        <p:nvSpPr>
+          <p:cNvPr id="7" name="מלבן 6">
+            <a:extLst>
+              <a:ext uri="{FF2B5EF4-FFF2-40B4-BE49-F238E27FC236}">
+                <a16:creationId xmlns:a16="http://schemas.microsoft.com/office/drawing/2014/main" id="{F94C525C-C2E8-401D-AA50-BA355E83EC6D}"/>
+              </a:ext>
+            </a:extLst>
+          </p:cNvPr>
+          <p:cNvSpPr/>
+          <p:nvPr/>
+        </p:nvSpPr>
+        <p:spPr>
+          <a:xfrm>
+            <a:off x="4305409" y="633710"/>
+            <a:ext cx="3895618" cy="923330"/>
+          </a:xfrm>
+          <a:prstGeom prst="rect">
+            <a:avLst/>
+          </a:prstGeom>
+          <a:noFill/>
+        </p:spPr>
+        <p:txBody>
+          <a:bodyPr wrap="none" lIns="91440" tIns="45720" rIns="91440" bIns="45720">
+            <a:spAutoFit/>
+          </a:bodyPr>
+          <a:lstStyle/>
+          <a:p>
+            <a:pPr algn="ctr" defTabSz="914400" rtl="1">
+              <a:lnSpc>
+                <a:spcPct val="90000"/>
+              </a:lnSpc>
+              <a:spcBef>
+                <a:spcPct val="0"/>
+              </a:spcBef>
+            </a:pPr>
+            <a:r>
+              <a:rPr lang="he-IL" sz="6000" b="1" dirty="0">
+                <a:ln w="9525">
+                  <a:solidFill>
+                    <a:schemeClr val="bg1"/>
+                  </a:solidFill>
+                  <a:prstDash val="solid"/>
+                </a:ln>
+                <a:solidFill>
+                  <a:schemeClr val="accent2">
+                    <a:lumMod val="75000"/>
+                  </a:schemeClr>
+                </a:solidFill>
+                <a:effectLst>
+                  <a:outerShdw blurRad="12700" dist="38100" dir="2700000" algn="tl" rotWithShape="0">
+                    <a:schemeClr val="accent5">
+                      <a:lumMod val="60000"/>
+                      <a:lumOff val="40000"/>
+                    </a:schemeClr>
+                  </a:outerShdw>
+                </a:effectLst>
+                <a:latin typeface="+mj-lt"/>
+                <a:ea typeface="+mj-ea"/>
+                <a:cs typeface="+mj-cs"/>
+              </a:rPr>
+              <a:t>2 תיוג המידע</a:t>
+            </a:r>
+          </a:p>
+        </p:txBody>
+      </p:sp>
+    </p:spTree>
+    <p:extLst>
+      <p:ext uri="{BB962C8B-B14F-4D97-AF65-F5344CB8AC3E}">
+        <p14:creationId xmlns:p14="http://schemas.microsoft.com/office/powerpoint/2010/main" val="2168496972"/>
+      </p:ext>
+    </p:extLst>
+  </p:cSld>
+  <p:clrMapOvr>
+    <a:masterClrMapping/>
+  </p:clrMapOvr>
+</p:sld>
+</file>
+
+<file path=ppt/slides/slide16.xml><?xml version="1.0" encoding="utf-8"?>
+<p:sld xmlns:a="http://schemas.openxmlformats.org/drawingml/2006/main" xmlns:r="http://schemas.openxmlformats.org/officeDocument/2006/relationships" xmlns:p="http://schemas.openxmlformats.org/presentationml/2006/main">
+  <p:cSld>
+    <p:spTree>
+      <p:nvGrpSpPr>
+        <p:cNvPr id="1" name=""/>
+        <p:cNvGrpSpPr/>
+        <p:nvPr/>
+      </p:nvGrpSpPr>
+      <p:grpSpPr>
+        <a:xfrm>
+          <a:off x="0" y="0"/>
+          <a:ext cx="0" cy="0"/>
+          <a:chOff x="0" y="0"/>
+          <a:chExt cx="0" cy="0"/>
+        </a:xfrm>
+      </p:grpSpPr>
+      <p:sp>
+        <p:nvSpPr>
+          <p:cNvPr id="3" name="מציין מיקום תוכן 2">
+            <a:extLst>
+              <a:ext uri="{FF2B5EF4-FFF2-40B4-BE49-F238E27FC236}">
+                <a16:creationId xmlns:a16="http://schemas.microsoft.com/office/drawing/2014/main" id="{31457355-CA27-4916-A14A-F37867D89C51}"/>
+              </a:ext>
+            </a:extLst>
+          </p:cNvPr>
+          <p:cNvSpPr>
+            <a:spLocks noGrp="1"/>
+          </p:cNvSpPr>
+          <p:nvPr>
+            <p:ph idx="1"/>
+          </p:nvPr>
+        </p:nvSpPr>
+        <p:spPr/>
+        <p:txBody>
+          <a:bodyPr>
+            <a:noAutofit/>
+          </a:bodyPr>
+          <a:lstStyle/>
+          <a:p>
+            <a:r>
+              <a:rPr lang="he-IL" dirty="0"/>
+              <a:t>לאחר מכן פיצלנו את המידע בצורה הבאה: </a:t>
+            </a:r>
+          </a:p>
+          <a:p>
+            <a:pPr marL="0" indent="0">
+              <a:buNone/>
+            </a:pPr>
+            <a:r>
+              <a:rPr lang="he-IL" dirty="0"/>
+              <a:t>1. </a:t>
+            </a:r>
+            <a:r>
+              <a:rPr lang="en-US" dirty="0" err="1"/>
+              <a:t>train_set</a:t>
+            </a:r>
+            <a:r>
+              <a:rPr lang="he-IL" dirty="0"/>
+              <a:t> – הטקסט אותו תייגנו לפי פונקציות תיוג והוא גם יכנס כקלט למסווג.</a:t>
+            </a:r>
+          </a:p>
+          <a:p>
+            <a:pPr marL="0" indent="0">
+              <a:buNone/>
+            </a:pPr>
+            <a:r>
+              <a:rPr lang="he-IL" dirty="0"/>
+              <a:t>2.</a:t>
+            </a:r>
+            <a:r>
+              <a:rPr lang="en-US" dirty="0" err="1"/>
+              <a:t>test_set</a:t>
+            </a:r>
+            <a:r>
+              <a:rPr lang="he-IL" dirty="0"/>
+              <a:t> – טקסט לבדיקה של המסווג.</a:t>
+            </a:r>
+          </a:p>
+          <a:p>
+            <a:pPr marL="0" indent="0">
+              <a:buNone/>
+            </a:pPr>
+            <a:r>
+              <a:rPr lang="he-IL" dirty="0"/>
+              <a:t>השתמשנו במודל ה</a:t>
+            </a:r>
+            <a:r>
+              <a:rPr lang="en-US" dirty="0"/>
+              <a:t> </a:t>
+            </a:r>
+            <a:r>
+              <a:rPr lang="en-US" b="1" dirty="0"/>
+              <a:t>Majority Label</a:t>
+            </a:r>
+            <a:r>
+              <a:rPr lang="he-IL" b="1" dirty="0"/>
+              <a:t> </a:t>
+            </a:r>
+            <a:r>
+              <a:rPr lang="he-IL" dirty="0"/>
+              <a:t>של ספריית </a:t>
+            </a:r>
+            <a:r>
+              <a:rPr lang="en-US" dirty="0"/>
+              <a:t>Snorkel</a:t>
+            </a:r>
+            <a:r>
+              <a:rPr lang="he-IL" dirty="0"/>
+              <a:t>, לפיו תיוג נקבע בשיטת הרוב קובע בהתאם לתוצאות פונקציות התיוג. </a:t>
+            </a:r>
+          </a:p>
+          <a:p>
+            <a:r>
+              <a:rPr lang="he-IL" dirty="0"/>
+              <a:t>נציין שבמודל זה יש חסרון שהוא הטיית הרוב. בתחילת התהליך הגדרנו מספר רב של פונקציות תיוג, וראינו כי הן מגדילות את מספר ה </a:t>
+            </a:r>
+            <a:r>
+              <a:rPr lang="en-US" dirty="0"/>
+              <a:t> false positives</a:t>
+            </a:r>
+            <a:r>
+              <a:rPr lang="he-IL" dirty="0"/>
+              <a:t>, ולכן צמצמנו את מספר פונקציות התיוג ליעילות ביותר.</a:t>
+            </a:r>
+          </a:p>
+          <a:p>
+            <a:endParaRPr lang="he-IL" dirty="0"/>
+          </a:p>
+          <a:p>
+            <a:pPr marL="0" indent="0">
+              <a:buNone/>
+            </a:pPr>
+            <a:endParaRPr lang="he-IL" dirty="0"/>
+          </a:p>
+        </p:txBody>
+      </p:sp>
+      <p:sp>
+        <p:nvSpPr>
+          <p:cNvPr id="4" name="מלבן 3">
+            <a:extLst>
+              <a:ext uri="{FF2B5EF4-FFF2-40B4-BE49-F238E27FC236}">
+                <a16:creationId xmlns:a16="http://schemas.microsoft.com/office/drawing/2014/main" id="{AEEFD6D8-DC08-49DF-B920-73D8E4DFC040}"/>
+              </a:ext>
+            </a:extLst>
+          </p:cNvPr>
+          <p:cNvSpPr/>
+          <p:nvPr/>
+        </p:nvSpPr>
+        <p:spPr>
+          <a:xfrm>
+            <a:off x="4305407" y="633710"/>
+            <a:ext cx="3895618" cy="923330"/>
+          </a:xfrm>
+          <a:prstGeom prst="rect">
+            <a:avLst/>
+          </a:prstGeom>
+          <a:noFill/>
+        </p:spPr>
+        <p:txBody>
+          <a:bodyPr wrap="none" lIns="91440" tIns="45720" rIns="91440" bIns="45720">
+            <a:spAutoFit/>
+          </a:bodyPr>
+          <a:lstStyle/>
+          <a:p>
+            <a:pPr algn="ctr" defTabSz="914400" rtl="1">
+              <a:lnSpc>
+                <a:spcPct val="90000"/>
+              </a:lnSpc>
+              <a:spcBef>
+                <a:spcPct val="0"/>
+              </a:spcBef>
+            </a:pPr>
+            <a:r>
+              <a:rPr lang="he-IL" sz="6000" b="1" dirty="0">
+                <a:ln w="9525">
+                  <a:solidFill>
+                    <a:schemeClr val="bg1"/>
+                  </a:solidFill>
+                  <a:prstDash val="solid"/>
+                </a:ln>
+                <a:solidFill>
+                  <a:schemeClr val="accent2">
+                    <a:lumMod val="75000"/>
+                  </a:schemeClr>
+                </a:solidFill>
+                <a:effectLst>
+                  <a:outerShdw blurRad="12700" dist="38100" dir="2700000" algn="tl" rotWithShape="0">
+                    <a:schemeClr val="accent5">
+                      <a:lumMod val="60000"/>
+                      <a:lumOff val="40000"/>
+                    </a:schemeClr>
+                  </a:outerShdw>
+                </a:effectLst>
+                <a:latin typeface="+mj-lt"/>
+                <a:ea typeface="+mj-ea"/>
+                <a:cs typeface="+mj-cs"/>
+              </a:rPr>
+              <a:t>2 תיוג המידע</a:t>
+            </a:r>
+          </a:p>
+        </p:txBody>
+      </p:sp>
+    </p:spTree>
+    <p:extLst>
+      <p:ext uri="{BB962C8B-B14F-4D97-AF65-F5344CB8AC3E}">
         <p14:creationId xmlns:p14="http://schemas.microsoft.com/office/powerpoint/2010/main" val="3914671446"/>
       </p:ext>
     </p:extLst>
@@ -4675,7 +5807,7 @@
 </p:sld>
 </file>
 
-<file path=ppt/slides/slide11.xml><?xml version="1.0" encoding="utf-8"?>
+<file path=ppt/slides/slide17.xml><?xml version="1.0" encoding="utf-8"?>
 <p:sld xmlns:a="http://schemas.openxmlformats.org/drawingml/2006/main" xmlns:r="http://schemas.openxmlformats.org/officeDocument/2006/relationships" xmlns:p="http://schemas.openxmlformats.org/presentationml/2006/main">
   <p:cSld>
     <p:spTree>
@@ -4910,7 +6042,7 @@
 </p:sld>
 </file>
 
-<file path=ppt/slides/slide12.xml><?xml version="1.0" encoding="utf-8"?>
+<file path=ppt/slides/slide18.xml><?xml version="1.0" encoding="utf-8"?>
 <p:sld xmlns:a="http://schemas.openxmlformats.org/drawingml/2006/main" xmlns:r="http://schemas.openxmlformats.org/officeDocument/2006/relationships" xmlns:p="http://schemas.openxmlformats.org/presentationml/2006/main">
   <p:cSld>
     <p:spTree>
@@ -5159,7 +6291,7 @@
 </p:sld>
 </file>
 
-<file path=ppt/slides/slide13.xml><?xml version="1.0" encoding="utf-8"?>
+<file path=ppt/slides/slide19.xml><?xml version="1.0" encoding="utf-8"?>
 <p:sld xmlns:a="http://schemas.openxmlformats.org/drawingml/2006/main" xmlns:r="http://schemas.openxmlformats.org/officeDocument/2006/relationships" xmlns:p="http://schemas.openxmlformats.org/presentationml/2006/main">
   <p:cSld>
     <p:spTree>
@@ -5357,1287 +6489,6 @@
     <p:extLst>
       <p:ext uri="{BB962C8B-B14F-4D97-AF65-F5344CB8AC3E}">
         <p14:creationId xmlns:p14="http://schemas.microsoft.com/office/powerpoint/2010/main" val="218693578"/>
-      </p:ext>
-    </p:extLst>
-  </p:cSld>
-  <p:clrMapOvr>
-    <a:masterClrMapping/>
-  </p:clrMapOvr>
-</p:sld>
-</file>
-
-<file path=ppt/slides/slide14.xml><?xml version="1.0" encoding="utf-8"?>
-<p:sld xmlns:a="http://schemas.openxmlformats.org/drawingml/2006/main" xmlns:r="http://schemas.openxmlformats.org/officeDocument/2006/relationships" xmlns:p="http://schemas.openxmlformats.org/presentationml/2006/main">
-  <p:cSld>
-    <p:spTree>
-      <p:nvGrpSpPr>
-        <p:cNvPr id="1" name=""/>
-        <p:cNvGrpSpPr/>
-        <p:nvPr/>
-      </p:nvGrpSpPr>
-      <p:grpSpPr>
-        <a:xfrm>
-          <a:off x="0" y="0"/>
-          <a:ext cx="0" cy="0"/>
-          <a:chOff x="0" y="0"/>
-          <a:chExt cx="0" cy="0"/>
-        </a:xfrm>
-      </p:grpSpPr>
-      <p:sp>
-        <p:nvSpPr>
-          <p:cNvPr id="2" name="כותרת 1">
-            <a:extLst>
-              <a:ext uri="{FF2B5EF4-FFF2-40B4-BE49-F238E27FC236}">
-                <a16:creationId xmlns:a16="http://schemas.microsoft.com/office/drawing/2014/main" id="{6F81E24C-F723-4021-8D52-328AB3006466}"/>
-              </a:ext>
-            </a:extLst>
-          </p:cNvPr>
-          <p:cNvSpPr>
-            <a:spLocks noGrp="1"/>
-          </p:cNvSpPr>
-          <p:nvPr>
-            <p:ph type="title"/>
-          </p:nvPr>
-        </p:nvSpPr>
-        <p:spPr/>
-        <p:txBody>
-          <a:bodyPr/>
-          <a:lstStyle/>
-          <a:p>
-            <a:pPr algn="ctr"/>
-            <a:r>
-              <a:rPr lang="he-IL" sz="6000" b="1" cap="none" dirty="0">
-                <a:ln w="9525">
-                  <a:solidFill>
-                    <a:schemeClr val="bg1"/>
-                  </a:solidFill>
-                  <a:prstDash val="solid"/>
-                </a:ln>
-                <a:solidFill>
-                  <a:schemeClr val="accent2">
-                    <a:lumMod val="75000"/>
-                  </a:schemeClr>
-                </a:solidFill>
-                <a:effectLst>
-                  <a:outerShdw blurRad="12700" dist="38100" dir="2700000" algn="tl" rotWithShape="0">
-                    <a:schemeClr val="accent5">
-                      <a:lumMod val="60000"/>
-                      <a:lumOff val="40000"/>
-                    </a:schemeClr>
-                  </a:outerShdw>
-                </a:effectLst>
-              </a:rPr>
-              <a:t> 4 אימון מכונה</a:t>
-            </a:r>
-          </a:p>
-        </p:txBody>
-      </p:sp>
-      <p:sp>
-        <p:nvSpPr>
-          <p:cNvPr id="3" name="מציין מיקום תוכן 2">
-            <a:extLst>
-              <a:ext uri="{FF2B5EF4-FFF2-40B4-BE49-F238E27FC236}">
-                <a16:creationId xmlns:a16="http://schemas.microsoft.com/office/drawing/2014/main" id="{10BCE516-F770-4E65-A901-472D568AF8AD}"/>
-              </a:ext>
-            </a:extLst>
-          </p:cNvPr>
-          <p:cNvSpPr>
-            <a:spLocks noGrp="1"/>
-          </p:cNvSpPr>
-          <p:nvPr>
-            <p:ph idx="1"/>
-          </p:nvPr>
-        </p:nvSpPr>
-        <p:spPr/>
-        <p:txBody>
-          <a:bodyPr>
-            <a:normAutofit/>
-          </a:bodyPr>
-          <a:lstStyle/>
-          <a:p>
-            <a:pPr marL="0" indent="0">
-              <a:buNone/>
-            </a:pPr>
-            <a:r>
-              <a:rPr lang="he-IL" b="1" u="sng" dirty="0"/>
-              <a:t>אימון המסווג - תוצאות</a:t>
-            </a:r>
-            <a:br>
-              <a:rPr lang="en-US" u="sng" dirty="0"/>
-            </a:br>
-            <a:r>
-              <a:rPr lang="he-IL" dirty="0"/>
-              <a:t>בדקנו איזה מסווג נתן את הדיוק הטוב ביותר, בשינוי הפרמטרים הבאים:</a:t>
-            </a:r>
-            <a:br>
-              <a:rPr lang="en-US" dirty="0"/>
-            </a:br>
-            <a:r>
-              <a:rPr lang="he-IL" dirty="0"/>
-              <a:t>-שימוש ב</a:t>
-            </a:r>
-            <a:r>
-              <a:rPr lang="en-US" dirty="0"/>
-              <a:t>Augmentation</a:t>
-            </a:r>
-            <a:r>
-              <a:rPr lang="he-IL" dirty="0"/>
-              <a:t> על הדאטה סט הנועד לאימון</a:t>
-            </a:r>
-            <a:br>
-              <a:rPr lang="en-US" dirty="0"/>
-            </a:br>
-            <a:r>
-              <a:rPr lang="he-IL" dirty="0"/>
-              <a:t>-גודל הדאטה סט הנועד לאימון</a:t>
-            </a:r>
-            <a:br>
-              <a:rPr lang="en-US" dirty="0"/>
-            </a:br>
-            <a:endParaRPr lang="he-IL" dirty="0"/>
-          </a:p>
-          <a:p>
-            <a:r>
-              <a:rPr lang="he-IL" u="sng" dirty="0"/>
-              <a:t>הגענו למסקנה</a:t>
-            </a:r>
-            <a:r>
-              <a:rPr lang="he-IL" dirty="0"/>
-              <a:t> כי גם שימוש </a:t>
-            </a:r>
-            <a:r>
-              <a:rPr lang="he-IL" dirty="0" err="1"/>
-              <a:t>באוגמנטציות</a:t>
-            </a:r>
-            <a:r>
-              <a:rPr lang="he-IL" dirty="0"/>
-              <a:t> וגם הגדלת </a:t>
-            </a:r>
-            <a:r>
-              <a:rPr lang="he-IL" dirty="0" err="1"/>
-              <a:t>הדאטא</a:t>
-            </a:r>
-            <a:r>
-              <a:rPr lang="he-IL" dirty="0"/>
-              <a:t> סט לא השפיעו במידה רבה על דיוק המסווג. ההערכה שלנו היא שהגדלת מספר </a:t>
-            </a:r>
-            <a:r>
-              <a:rPr lang="he-IL" dirty="0" err="1"/>
-              <a:t>הטרנספורמתיות</a:t>
-            </a:r>
-            <a:r>
-              <a:rPr lang="he-IL" dirty="0"/>
-              <a:t> תשפר את דיוק המסווג.</a:t>
-            </a:r>
-          </a:p>
-          <a:p>
-            <a:r>
-              <a:rPr lang="he-IL" dirty="0"/>
-              <a:t>יש מקום להמשיך ולבדוק אילו פרמטרים ביצירת המידע ייתנו את התוצאות הטובות ביותר.</a:t>
-            </a:r>
-          </a:p>
-          <a:p>
-            <a:endParaRPr lang="he-IL" dirty="0"/>
-          </a:p>
-        </p:txBody>
-      </p:sp>
-    </p:spTree>
-    <p:extLst>
-      <p:ext uri="{BB962C8B-B14F-4D97-AF65-F5344CB8AC3E}">
-        <p14:creationId xmlns:p14="http://schemas.microsoft.com/office/powerpoint/2010/main" val="3408961633"/>
-      </p:ext>
-    </p:extLst>
-  </p:cSld>
-  <p:clrMapOvr>
-    <a:masterClrMapping/>
-  </p:clrMapOvr>
-</p:sld>
-</file>
-
-<file path=ppt/slides/slide15.xml><?xml version="1.0" encoding="utf-8"?>
-<p:sld xmlns:a="http://schemas.openxmlformats.org/drawingml/2006/main" xmlns:r="http://schemas.openxmlformats.org/officeDocument/2006/relationships" xmlns:p="http://schemas.openxmlformats.org/presentationml/2006/main">
-  <p:cSld>
-    <p:spTree>
-      <p:nvGrpSpPr>
-        <p:cNvPr id="1" name=""/>
-        <p:cNvGrpSpPr/>
-        <p:nvPr/>
-      </p:nvGrpSpPr>
-      <p:grpSpPr>
-        <a:xfrm>
-          <a:off x="0" y="0"/>
-          <a:ext cx="0" cy="0"/>
-          <a:chOff x="0" y="0"/>
-          <a:chExt cx="0" cy="0"/>
-        </a:xfrm>
-      </p:grpSpPr>
-      <p:sp>
-        <p:nvSpPr>
-          <p:cNvPr id="3" name="מציין מיקום תוכן 2">
-            <a:extLst>
-              <a:ext uri="{FF2B5EF4-FFF2-40B4-BE49-F238E27FC236}">
-                <a16:creationId xmlns:a16="http://schemas.microsoft.com/office/drawing/2014/main" id="{78C567FF-CBA9-4276-9F16-D275B35D0D53}"/>
-              </a:ext>
-            </a:extLst>
-          </p:cNvPr>
-          <p:cNvSpPr>
-            <a:spLocks noGrp="1"/>
-          </p:cNvSpPr>
-          <p:nvPr>
-            <p:ph idx="1"/>
-          </p:nvPr>
-        </p:nvSpPr>
-        <p:spPr/>
-        <p:txBody>
-          <a:bodyPr/>
-          <a:lstStyle/>
-          <a:p>
-            <a:pPr marL="0" indent="0">
-              <a:buNone/>
-            </a:pPr>
-            <a:r>
-              <a:rPr lang="he-IL" b="1" u="sng" dirty="0"/>
-              <a:t>יצירת המסווג:</a:t>
-            </a:r>
-            <a:endParaRPr lang="he-IL" u="sng" dirty="0"/>
-          </a:p>
-          <a:p>
-            <a:pPr marL="0" indent="0">
-              <a:buNone/>
-            </a:pPr>
-            <a:r>
-              <a:rPr lang="he-IL" dirty="0"/>
-              <a:t>ביצירת המסווג היו הרבה שיקולים, כגון איך לווקטר את הטקסט בצורה אופטימלית, איזה מודל הכי נכון לבחור לבעיה שלנו, וכיצד להשתמש ב</a:t>
-            </a:r>
-            <a:r>
-              <a:rPr lang="en-US" dirty="0"/>
-              <a:t>API</a:t>
-            </a:r>
-            <a:r>
-              <a:rPr lang="he-IL" dirty="0"/>
-              <a:t> של המודל בצורה נכונה.</a:t>
-            </a:r>
-            <a:br>
-              <a:rPr lang="en-US" dirty="0"/>
-            </a:br>
-            <a:r>
-              <a:rPr lang="he-IL" dirty="0"/>
-              <a:t>גם כאן העברית עשתה לנו חיים קשים, כשספריות מסויימות של וויקטור טקסט לא פעלו כמו שצריך על הטקסטים שלנו.</a:t>
-            </a:r>
-            <a:br>
-              <a:rPr lang="en-US" dirty="0"/>
-            </a:br>
-            <a:r>
-              <a:rPr lang="he-IL" dirty="0"/>
-              <a:t>עם ידע מעמיק יותר בלמידת מכונה ותמיכה נרחבת יותר בעברית, ניתן יהיה לשפר את המסווג ולהתאים אותו יותר לצרכינו. </a:t>
-            </a:r>
-            <a:endParaRPr lang="he-IL" u="sng" dirty="0"/>
-          </a:p>
-        </p:txBody>
-      </p:sp>
-      <p:sp>
-        <p:nvSpPr>
-          <p:cNvPr id="4" name="כותרת 3">
-            <a:extLst>
-              <a:ext uri="{FF2B5EF4-FFF2-40B4-BE49-F238E27FC236}">
-                <a16:creationId xmlns:a16="http://schemas.microsoft.com/office/drawing/2014/main" id="{E4480DF1-DEB6-4974-9F65-F865DEE4067A}"/>
-              </a:ext>
-            </a:extLst>
-          </p:cNvPr>
-          <p:cNvSpPr>
-            <a:spLocks noGrp="1"/>
-          </p:cNvSpPr>
-          <p:nvPr>
-            <p:ph type="title"/>
-          </p:nvPr>
-        </p:nvSpPr>
-        <p:spPr>
-          <a:xfrm>
-            <a:off x="1450975" y="804863"/>
-            <a:ext cx="9604375" cy="1049337"/>
-          </a:xfrm>
-          <a:prstGeom prst="rect">
-            <a:avLst/>
-          </a:prstGeom>
-          <a:noFill/>
-        </p:spPr>
-        <p:txBody>
-          <a:bodyPr wrap="none" lIns="91440" tIns="45720" rIns="91440" bIns="45720">
-            <a:spAutoFit/>
-          </a:bodyPr>
-          <a:lstStyle/>
-          <a:p>
-            <a:pPr algn="ctr"/>
-            <a:r>
-              <a:rPr lang="he-IL" sz="6000" b="1" cap="none" spc="0" dirty="0">
-                <a:ln w="9525">
-                  <a:solidFill>
-                    <a:schemeClr val="bg1"/>
-                  </a:solidFill>
-                  <a:prstDash val="solid"/>
-                </a:ln>
-                <a:solidFill>
-                  <a:schemeClr val="accent5"/>
-                </a:solidFill>
-                <a:effectLst>
-                  <a:outerShdw blurRad="12700" dist="38100" dir="2700000" algn="tl" rotWithShape="0">
-                    <a:schemeClr val="accent5">
-                      <a:lumMod val="60000"/>
-                      <a:lumOff val="40000"/>
-                    </a:schemeClr>
-                  </a:outerShdw>
-                </a:effectLst>
-              </a:rPr>
-              <a:t>אתגרים</a:t>
-            </a:r>
-          </a:p>
-        </p:txBody>
-      </p:sp>
-      <p:sp>
-        <p:nvSpPr>
-          <p:cNvPr id="5" name="מלבן 3">
-            <a:extLst>
-              <a:ext uri="{FF2B5EF4-FFF2-40B4-BE49-F238E27FC236}">
-                <a16:creationId xmlns:a16="http://schemas.microsoft.com/office/drawing/2014/main" id="{598F9A7F-2A99-4CA2-8CFC-DCFA45DD240D}"/>
-              </a:ext>
-            </a:extLst>
-          </p:cNvPr>
-          <p:cNvSpPr txBox="1">
-            <a:spLocks/>
-          </p:cNvSpPr>
-          <p:nvPr/>
-        </p:nvSpPr>
-        <p:spPr>
-          <a:xfrm>
-            <a:off x="5122887" y="804863"/>
-            <a:ext cx="2260555" cy="923330"/>
-          </a:xfrm>
-          <a:prstGeom prst="rect">
-            <a:avLst/>
-          </a:prstGeom>
-          <a:noFill/>
-        </p:spPr>
-        <p:txBody>
-          <a:bodyPr vert="horz" wrap="none" lIns="91440" tIns="45720" rIns="91440" bIns="45720" rtlCol="0" anchor="t">
-            <a:spAutoFit/>
-          </a:bodyPr>
-          <a:lstStyle>
-            <a:lvl1pPr algn="l" defTabSz="914400" rtl="1" eaLnBrk="1" latinLnBrk="0" hangingPunct="1">
-              <a:lnSpc>
-                <a:spcPct val="90000"/>
-              </a:lnSpc>
-              <a:spcBef>
-                <a:spcPct val="0"/>
-              </a:spcBef>
-              <a:buNone/>
-              <a:defRPr sz="3200" b="0" i="0" kern="1200" cap="all">
-                <a:solidFill>
-                  <a:schemeClr val="tx1"/>
-                </a:solidFill>
-                <a:effectLst/>
-                <a:latin typeface="+mj-lt"/>
-                <a:ea typeface="+mj-ea"/>
-                <a:cs typeface="+mj-cs"/>
-              </a:defRPr>
-            </a:lvl1pPr>
-          </a:lstStyle>
-          <a:p>
-            <a:pPr algn="ctr"/>
-            <a:r>
-              <a:rPr lang="he-IL" sz="6000" b="1" cap="none" dirty="0">
-                <a:ln w="9525">
-                  <a:solidFill>
-                    <a:schemeClr val="bg1"/>
-                  </a:solidFill>
-                  <a:prstDash val="solid"/>
-                </a:ln>
-                <a:solidFill>
-                  <a:schemeClr val="accent2">
-                    <a:lumMod val="75000"/>
-                  </a:schemeClr>
-                </a:solidFill>
-                <a:effectLst>
-                  <a:outerShdw blurRad="12700" dist="38100" dir="2700000" algn="tl" rotWithShape="0">
-                    <a:schemeClr val="accent5">
-                      <a:lumMod val="60000"/>
-                      <a:lumOff val="40000"/>
-                    </a:schemeClr>
-                  </a:outerShdw>
-                </a:effectLst>
-              </a:rPr>
-              <a:t>אתגרים</a:t>
-            </a:r>
-          </a:p>
-        </p:txBody>
-      </p:sp>
-    </p:spTree>
-    <p:extLst>
-      <p:ext uri="{BB962C8B-B14F-4D97-AF65-F5344CB8AC3E}">
-        <p14:creationId xmlns:p14="http://schemas.microsoft.com/office/powerpoint/2010/main" val="830446346"/>
-      </p:ext>
-    </p:extLst>
-  </p:cSld>
-  <p:clrMapOvr>
-    <a:masterClrMapping/>
-  </p:clrMapOvr>
-</p:sld>
-</file>
-
-<file path=ppt/slides/slide16.xml><?xml version="1.0" encoding="utf-8"?>
-<p:sld xmlns:a="http://schemas.openxmlformats.org/drawingml/2006/main" xmlns:r="http://schemas.openxmlformats.org/officeDocument/2006/relationships" xmlns:p="http://schemas.openxmlformats.org/presentationml/2006/main">
-  <p:cSld>
-    <p:spTree>
-      <p:nvGrpSpPr>
-        <p:cNvPr id="1" name=""/>
-        <p:cNvGrpSpPr/>
-        <p:nvPr/>
-      </p:nvGrpSpPr>
-      <p:grpSpPr>
-        <a:xfrm>
-          <a:off x="0" y="0"/>
-          <a:ext cx="0" cy="0"/>
-          <a:chOff x="0" y="0"/>
-          <a:chExt cx="0" cy="0"/>
-        </a:xfrm>
-      </p:grpSpPr>
-      <p:sp>
-        <p:nvSpPr>
-          <p:cNvPr id="3" name="מציין מיקום תוכן 2">
-            <a:extLst>
-              <a:ext uri="{FF2B5EF4-FFF2-40B4-BE49-F238E27FC236}">
-                <a16:creationId xmlns:a16="http://schemas.microsoft.com/office/drawing/2014/main" id="{78C567FF-CBA9-4276-9F16-D275B35D0D53}"/>
-              </a:ext>
-            </a:extLst>
-          </p:cNvPr>
-          <p:cNvSpPr>
-            <a:spLocks noGrp="1"/>
-          </p:cNvSpPr>
-          <p:nvPr>
-            <p:ph idx="1"/>
-          </p:nvPr>
-        </p:nvSpPr>
-        <p:spPr/>
-        <p:txBody>
-          <a:bodyPr>
-            <a:normAutofit lnSpcReduction="10000"/>
-          </a:bodyPr>
-          <a:lstStyle/>
-          <a:p>
-            <a:pPr marL="0" indent="0">
-              <a:buNone/>
-            </a:pPr>
-            <a:r>
-              <a:rPr lang="he-IL" b="1" u="sng" dirty="0"/>
-              <a:t>מציאת תבניות לתיוג:</a:t>
-            </a:r>
-          </a:p>
-          <a:p>
-            <a:pPr marL="0" indent="0">
-              <a:buNone/>
-            </a:pPr>
-            <a:r>
-              <a:rPr lang="he-IL" dirty="0"/>
-              <a:t>כחלק מתהליך התיוג, </a:t>
-            </a:r>
-            <a:r>
-              <a:rPr lang="en-US" dirty="0"/>
-              <a:t>snorkel</a:t>
-            </a:r>
-            <a:r>
-              <a:rPr lang="he-IL" dirty="0"/>
-              <a:t> דורשת פונקציות תיוג (</a:t>
-            </a:r>
-            <a:r>
-              <a:rPr lang="en-US" dirty="0"/>
-              <a:t>Labeling Functions</a:t>
-            </a:r>
-            <a:r>
-              <a:rPr lang="he-IL" dirty="0"/>
-              <a:t>) אשר יופעלו באמצעות מודל מסויים על המידע.</a:t>
-            </a:r>
-            <a:br>
-              <a:rPr lang="en-US" dirty="0"/>
-            </a:br>
-            <a:r>
-              <a:rPr lang="he-IL" dirty="0"/>
-              <a:t>פונקציות אלו הן בעצם זיהוי תבניות בטקסט אשר ניתן להסיק מהן מידע, בוודאות טובה ככל הניתן. במקרה שלנו, המטרה הייתה למצוא תבניות אשר מזהות רפרנס לתלמוד הבבלי, או שוללות אותו, ולתת המלצה לתיוג שלו (</a:t>
-            </a:r>
-            <a:r>
-              <a:rPr lang="en-US" dirty="0"/>
-              <a:t>REFRENCE, NO-REFRENCE, ABSTAIN</a:t>
-            </a:r>
-            <a:r>
-              <a:rPr lang="he-IL" dirty="0"/>
-              <a:t>). </a:t>
-            </a:r>
-          </a:p>
-          <a:p>
-            <a:pPr marL="0" indent="0">
-              <a:buNone/>
-            </a:pPr>
-            <a:r>
-              <a:rPr lang="he-IL" dirty="0"/>
-              <a:t>מציאת תבניות אלו כללה הסקת תבניות ראשוניות בעזרת מידע מקצועי מתחום התלמוד, ושיפור תבניות אלו באמצעות מדדי </a:t>
-            </a:r>
-            <a:r>
-              <a:rPr lang="en-US" dirty="0"/>
-              <a:t>coverage</a:t>
-            </a:r>
-            <a:r>
-              <a:rPr lang="he-IL" dirty="0"/>
-              <a:t> ו</a:t>
-            </a:r>
-            <a:r>
-              <a:rPr lang="en-US" dirty="0"/>
-              <a:t>precision</a:t>
-            </a:r>
-            <a:r>
-              <a:rPr lang="he-IL" dirty="0"/>
-              <a:t> הנשענות על ה</a:t>
-            </a:r>
-            <a:r>
-              <a:rPr lang="en-US" dirty="0"/>
-              <a:t>dev-set</a:t>
-            </a:r>
-            <a:r>
-              <a:rPr lang="he-IL" dirty="0"/>
-              <a:t> המתויג שלנו וסופקו באמצעות </a:t>
-            </a:r>
-            <a:r>
-              <a:rPr lang="en-US" dirty="0"/>
-              <a:t>snorkel</a:t>
-            </a:r>
-            <a:r>
-              <a:rPr lang="he-IL" dirty="0"/>
-              <a:t>.</a:t>
-            </a:r>
-            <a:endParaRPr lang="he-IL" u="sng" dirty="0"/>
-          </a:p>
-        </p:txBody>
-      </p:sp>
-      <p:sp>
-        <p:nvSpPr>
-          <p:cNvPr id="4" name="כותרת 3">
-            <a:extLst>
-              <a:ext uri="{FF2B5EF4-FFF2-40B4-BE49-F238E27FC236}">
-                <a16:creationId xmlns:a16="http://schemas.microsoft.com/office/drawing/2014/main" id="{E4480DF1-DEB6-4974-9F65-F865DEE4067A}"/>
-              </a:ext>
-            </a:extLst>
-          </p:cNvPr>
-          <p:cNvSpPr>
-            <a:spLocks noGrp="1"/>
-          </p:cNvSpPr>
-          <p:nvPr>
-            <p:ph type="title"/>
-          </p:nvPr>
-        </p:nvSpPr>
-        <p:spPr>
-          <a:xfrm>
-            <a:off x="1450975" y="804863"/>
-            <a:ext cx="9604375" cy="1049337"/>
-          </a:xfrm>
-          <a:prstGeom prst="rect">
-            <a:avLst/>
-          </a:prstGeom>
-          <a:noFill/>
-        </p:spPr>
-        <p:txBody>
-          <a:bodyPr wrap="none" lIns="91440" tIns="45720" rIns="91440" bIns="45720">
-            <a:spAutoFit/>
-          </a:bodyPr>
-          <a:lstStyle/>
-          <a:p>
-            <a:pPr algn="ctr"/>
-            <a:r>
-              <a:rPr lang="he-IL" sz="6000" b="1" cap="none" spc="0" dirty="0">
-                <a:ln w="9525">
-                  <a:solidFill>
-                    <a:schemeClr val="bg1"/>
-                  </a:solidFill>
-                  <a:prstDash val="solid"/>
-                </a:ln>
-                <a:solidFill>
-                  <a:schemeClr val="accent5"/>
-                </a:solidFill>
-                <a:effectLst>
-                  <a:outerShdw blurRad="12700" dist="38100" dir="2700000" algn="tl" rotWithShape="0">
-                    <a:schemeClr val="accent5">
-                      <a:lumMod val="60000"/>
-                      <a:lumOff val="40000"/>
-                    </a:schemeClr>
-                  </a:outerShdw>
-                </a:effectLst>
-              </a:rPr>
-              <a:t>אתגרים</a:t>
-            </a:r>
-          </a:p>
-        </p:txBody>
-      </p:sp>
-      <p:sp>
-        <p:nvSpPr>
-          <p:cNvPr id="5" name="מלבן 3">
-            <a:extLst>
-              <a:ext uri="{FF2B5EF4-FFF2-40B4-BE49-F238E27FC236}">
-                <a16:creationId xmlns:a16="http://schemas.microsoft.com/office/drawing/2014/main" id="{1BE2121B-82C2-406F-B7C1-857A9FC1A168}"/>
-              </a:ext>
-            </a:extLst>
-          </p:cNvPr>
-          <p:cNvSpPr txBox="1">
-            <a:spLocks/>
-          </p:cNvSpPr>
-          <p:nvPr/>
-        </p:nvSpPr>
-        <p:spPr>
-          <a:xfrm>
-            <a:off x="5122887" y="804863"/>
-            <a:ext cx="2260555" cy="923330"/>
-          </a:xfrm>
-          <a:prstGeom prst="rect">
-            <a:avLst/>
-          </a:prstGeom>
-          <a:noFill/>
-        </p:spPr>
-        <p:txBody>
-          <a:bodyPr vert="horz" wrap="none" lIns="91440" tIns="45720" rIns="91440" bIns="45720" rtlCol="0" anchor="t">
-            <a:spAutoFit/>
-          </a:bodyPr>
-          <a:lstStyle>
-            <a:lvl1pPr algn="l" defTabSz="914400" rtl="1" eaLnBrk="1" latinLnBrk="0" hangingPunct="1">
-              <a:lnSpc>
-                <a:spcPct val="90000"/>
-              </a:lnSpc>
-              <a:spcBef>
-                <a:spcPct val="0"/>
-              </a:spcBef>
-              <a:buNone/>
-              <a:defRPr sz="3200" b="0" i="0" kern="1200" cap="all">
-                <a:solidFill>
-                  <a:schemeClr val="tx1"/>
-                </a:solidFill>
-                <a:effectLst/>
-                <a:latin typeface="+mj-lt"/>
-                <a:ea typeface="+mj-ea"/>
-                <a:cs typeface="+mj-cs"/>
-              </a:defRPr>
-            </a:lvl1pPr>
-          </a:lstStyle>
-          <a:p>
-            <a:pPr algn="ctr"/>
-            <a:r>
-              <a:rPr lang="he-IL" sz="6000" b="1" cap="none" dirty="0">
-                <a:ln w="9525">
-                  <a:solidFill>
-                    <a:schemeClr val="bg1"/>
-                  </a:solidFill>
-                  <a:prstDash val="solid"/>
-                </a:ln>
-                <a:solidFill>
-                  <a:schemeClr val="accent2">
-                    <a:lumMod val="75000"/>
-                  </a:schemeClr>
-                </a:solidFill>
-                <a:effectLst>
-                  <a:outerShdw blurRad="12700" dist="38100" dir="2700000" algn="tl" rotWithShape="0">
-                    <a:schemeClr val="accent5">
-                      <a:lumMod val="60000"/>
-                      <a:lumOff val="40000"/>
-                    </a:schemeClr>
-                  </a:outerShdw>
-                </a:effectLst>
-              </a:rPr>
-              <a:t>אתגרים</a:t>
-            </a:r>
-          </a:p>
-        </p:txBody>
-      </p:sp>
-    </p:spTree>
-    <p:extLst>
-      <p:ext uri="{BB962C8B-B14F-4D97-AF65-F5344CB8AC3E}">
-        <p14:creationId xmlns:p14="http://schemas.microsoft.com/office/powerpoint/2010/main" val="76160026"/>
-      </p:ext>
-    </p:extLst>
-  </p:cSld>
-  <p:clrMapOvr>
-    <a:masterClrMapping/>
-  </p:clrMapOvr>
-</p:sld>
-</file>
-
-<file path=ppt/slides/slide17.xml><?xml version="1.0" encoding="utf-8"?>
-<p:sld xmlns:a="http://schemas.openxmlformats.org/drawingml/2006/main" xmlns:r="http://schemas.openxmlformats.org/officeDocument/2006/relationships" xmlns:p="http://schemas.openxmlformats.org/presentationml/2006/main">
-  <p:cSld>
-    <p:spTree>
-      <p:nvGrpSpPr>
-        <p:cNvPr id="1" name=""/>
-        <p:cNvGrpSpPr/>
-        <p:nvPr/>
-      </p:nvGrpSpPr>
-      <p:grpSpPr>
-        <a:xfrm>
-          <a:off x="0" y="0"/>
-          <a:ext cx="0" cy="0"/>
-          <a:chOff x="0" y="0"/>
-          <a:chExt cx="0" cy="0"/>
-        </a:xfrm>
-      </p:grpSpPr>
-      <p:sp>
-        <p:nvSpPr>
-          <p:cNvPr id="3" name="מציין מיקום תוכן 2">
-            <a:extLst>
-              <a:ext uri="{FF2B5EF4-FFF2-40B4-BE49-F238E27FC236}">
-                <a16:creationId xmlns:a16="http://schemas.microsoft.com/office/drawing/2014/main" id="{78C567FF-CBA9-4276-9F16-D275B35D0D53}"/>
-              </a:ext>
-            </a:extLst>
-          </p:cNvPr>
-          <p:cNvSpPr>
-            <a:spLocks noGrp="1"/>
-          </p:cNvSpPr>
-          <p:nvPr>
-            <p:ph idx="1"/>
-          </p:nvPr>
-        </p:nvSpPr>
-        <p:spPr/>
-        <p:txBody>
-          <a:bodyPr/>
-          <a:lstStyle/>
-          <a:p>
-            <a:pPr marL="0" indent="0">
-              <a:buNone/>
-            </a:pPr>
-            <a:r>
-              <a:rPr lang="he-IL" b="1" u="sng" dirty="0"/>
-              <a:t>מציאת תבניות לתיוג:</a:t>
-            </a:r>
-          </a:p>
-          <a:p>
-            <a:pPr marL="0" indent="0">
-              <a:buNone/>
-            </a:pPr>
-            <a:r>
-              <a:rPr lang="he-IL" dirty="0"/>
-              <a:t>בנוסף, כאשר ניגשנו למלאכת תיוג המידע, שאפנו למצוא כמה שיותר רפרנסים מן התלמוד ויצרנו פונקציות תיוג רבות, אולם ראינו שככל שעלה ה</a:t>
-            </a:r>
-            <a:r>
-              <a:rPr lang="en-US" dirty="0"/>
-              <a:t>recall</a:t>
-            </a:r>
-            <a:r>
-              <a:rPr lang="he-IL" dirty="0"/>
-              <a:t> כך ה</a:t>
-            </a:r>
-            <a:r>
-              <a:rPr lang="en-US" dirty="0"/>
-              <a:t>precision</a:t>
-            </a:r>
-            <a:r>
-              <a:rPr lang="he-IL" dirty="0"/>
-              <a:t> פחת. בנוסף, לפונקציות מסוימות היה אחוז גבוה של </a:t>
-            </a:r>
-            <a:r>
-              <a:rPr lang="en-US" dirty="0"/>
-              <a:t>false positives</a:t>
-            </a:r>
-            <a:r>
-              <a:rPr lang="he-IL" dirty="0"/>
-              <a:t>, כך שהזיקו יותר משתרמו לזיהוי </a:t>
-            </a:r>
-            <a:r>
-              <a:rPr lang="he-IL" dirty="0" err="1"/>
-              <a:t>רפרנסים</a:t>
-            </a:r>
-            <a:r>
-              <a:rPr lang="he-IL" dirty="0"/>
-              <a:t>. לכן הסרנו אותן, ובכך בחרנו ב</a:t>
-            </a:r>
-            <a:r>
-              <a:rPr lang="en-US" dirty="0"/>
-              <a:t>precision</a:t>
-            </a:r>
-            <a:r>
-              <a:rPr lang="he-IL" dirty="0"/>
-              <a:t> גבוה במחיר של</a:t>
-            </a:r>
-            <a:r>
-              <a:rPr lang="en-US" dirty="0"/>
-              <a:t> </a:t>
-            </a:r>
-            <a:r>
-              <a:rPr lang="he-IL" dirty="0"/>
-              <a:t> </a:t>
-            </a:r>
-            <a:r>
-              <a:rPr lang="en-US" dirty="0"/>
-              <a:t>recall</a:t>
-            </a:r>
-            <a:r>
-              <a:rPr lang="he-IL" dirty="0"/>
-              <a:t> נמוך</a:t>
-            </a:r>
-            <a:r>
-              <a:rPr lang="en-US" dirty="0"/>
-              <a:t> </a:t>
-            </a:r>
-            <a:r>
-              <a:rPr lang="he-IL" dirty="0"/>
-              <a:t>של רפרנסים. את ה</a:t>
-            </a:r>
-            <a:r>
-              <a:rPr lang="en-US" dirty="0"/>
-              <a:t>recall</a:t>
-            </a:r>
-            <a:r>
-              <a:rPr lang="he-IL" dirty="0"/>
-              <a:t> הגברנו לאחר מכן באמצעות הטמעת מידע (שימוש בפונקציות הטרנספורמציה).</a:t>
-            </a:r>
-          </a:p>
-        </p:txBody>
-      </p:sp>
-      <p:sp>
-        <p:nvSpPr>
-          <p:cNvPr id="4" name="כותרת 3">
-            <a:extLst>
-              <a:ext uri="{FF2B5EF4-FFF2-40B4-BE49-F238E27FC236}">
-                <a16:creationId xmlns:a16="http://schemas.microsoft.com/office/drawing/2014/main" id="{14EB748D-230B-41C9-920F-8FB878A8B6FD}"/>
-              </a:ext>
-            </a:extLst>
-          </p:cNvPr>
-          <p:cNvSpPr>
-            <a:spLocks noGrp="1"/>
-          </p:cNvSpPr>
-          <p:nvPr>
-            <p:ph type="title"/>
-          </p:nvPr>
-        </p:nvSpPr>
-        <p:spPr>
-          <a:xfrm>
-            <a:off x="5122887" y="804863"/>
-            <a:ext cx="2260555" cy="923330"/>
-          </a:xfrm>
-          <a:prstGeom prst="rect">
-            <a:avLst/>
-          </a:prstGeom>
-          <a:noFill/>
-        </p:spPr>
-        <p:txBody>
-          <a:bodyPr wrap="none" lIns="91440" tIns="45720" rIns="91440" bIns="45720">
-            <a:spAutoFit/>
-          </a:bodyPr>
-          <a:lstStyle/>
-          <a:p>
-            <a:pPr algn="ctr"/>
-            <a:r>
-              <a:rPr lang="he-IL" sz="6000" b="1" cap="none" spc="0" dirty="0">
-                <a:ln w="9525">
-                  <a:solidFill>
-                    <a:schemeClr val="bg1"/>
-                  </a:solidFill>
-                  <a:prstDash val="solid"/>
-                </a:ln>
-                <a:solidFill>
-                  <a:schemeClr val="accent2">
-                    <a:lumMod val="75000"/>
-                  </a:schemeClr>
-                </a:solidFill>
-                <a:effectLst>
-                  <a:outerShdw blurRad="12700" dist="38100" dir="2700000" algn="tl" rotWithShape="0">
-                    <a:schemeClr val="accent5">
-                      <a:lumMod val="60000"/>
-                      <a:lumOff val="40000"/>
-                    </a:schemeClr>
-                  </a:outerShdw>
-                </a:effectLst>
-              </a:rPr>
-              <a:t>אתגרים</a:t>
-            </a:r>
-          </a:p>
-        </p:txBody>
-      </p:sp>
-    </p:spTree>
-    <p:extLst>
-      <p:ext uri="{BB962C8B-B14F-4D97-AF65-F5344CB8AC3E}">
-        <p14:creationId xmlns:p14="http://schemas.microsoft.com/office/powerpoint/2010/main" val="2848379480"/>
-      </p:ext>
-    </p:extLst>
-  </p:cSld>
-  <p:clrMapOvr>
-    <a:masterClrMapping/>
-  </p:clrMapOvr>
-</p:sld>
-</file>
-
-<file path=ppt/slides/slide18.xml><?xml version="1.0" encoding="utf-8"?>
-<p:sld xmlns:a="http://schemas.openxmlformats.org/drawingml/2006/main" xmlns:r="http://schemas.openxmlformats.org/officeDocument/2006/relationships" xmlns:p="http://schemas.openxmlformats.org/presentationml/2006/main">
-  <p:cSld>
-    <p:spTree>
-      <p:nvGrpSpPr>
-        <p:cNvPr id="1" name=""/>
-        <p:cNvGrpSpPr/>
-        <p:nvPr/>
-      </p:nvGrpSpPr>
-      <p:grpSpPr>
-        <a:xfrm>
-          <a:off x="0" y="0"/>
-          <a:ext cx="0" cy="0"/>
-          <a:chOff x="0" y="0"/>
-          <a:chExt cx="0" cy="0"/>
-        </a:xfrm>
-      </p:grpSpPr>
-      <p:sp>
-        <p:nvSpPr>
-          <p:cNvPr id="3" name="מציין מיקום תוכן 2">
-            <a:extLst>
-              <a:ext uri="{FF2B5EF4-FFF2-40B4-BE49-F238E27FC236}">
-                <a16:creationId xmlns:a16="http://schemas.microsoft.com/office/drawing/2014/main" id="{78C567FF-CBA9-4276-9F16-D275B35D0D53}"/>
-              </a:ext>
-            </a:extLst>
-          </p:cNvPr>
-          <p:cNvSpPr>
-            <a:spLocks noGrp="1"/>
-          </p:cNvSpPr>
-          <p:nvPr>
-            <p:ph idx="1"/>
-          </p:nvPr>
-        </p:nvSpPr>
-        <p:spPr/>
-        <p:txBody>
-          <a:bodyPr/>
-          <a:lstStyle/>
-          <a:p>
-            <a:pPr marL="0" indent="0">
-              <a:buNone/>
-            </a:pPr>
-            <a:r>
-              <a:rPr lang="he-IL" b="1" u="sng" dirty="0"/>
-              <a:t>השפה העברית:</a:t>
-            </a:r>
-            <a:endParaRPr lang="he-IL" u="sng" dirty="0"/>
-          </a:p>
-          <a:p>
-            <a:pPr marL="0" indent="0">
-              <a:buNone/>
-            </a:pPr>
-            <a:r>
-              <a:rPr lang="he-IL" dirty="0"/>
-              <a:t>נתקלנו במספר קשיים עקב השימוש בשפה העברית בפרויקט זה.</a:t>
-            </a:r>
-            <a:br>
-              <a:rPr lang="en-US" dirty="0"/>
-            </a:br>
-            <a:r>
-              <a:rPr lang="he-IL" dirty="0"/>
-              <a:t>ראשית, כמעט ואין ספריות בפייתון העוזרות לניתוח טקסט בעברית, ועקב כך נאלצנו לכתוב פונקציה משלנו לזיהוי סוף ותחילת משפטים בעברית (לצורך פרסור ראשוני של המידע).</a:t>
-            </a:r>
-            <a:br>
-              <a:rPr lang="en-US" dirty="0"/>
-            </a:br>
-            <a:r>
-              <a:rPr lang="he-IL" dirty="0"/>
-              <a:t>שנית, בחלק מפונקציות התיוג השתמשנו בביטויים רגולרים למציאת תבניות מסויימות בטקסט העברי, ולכן ביטויים אלו היו בשפה העברית, דבר אשר פייתון לא תומכת בו בצורה חלקה.</a:t>
-            </a:r>
-            <a:endParaRPr lang="he-IL" u="sng" dirty="0"/>
-          </a:p>
-        </p:txBody>
-      </p:sp>
-      <p:sp>
-        <p:nvSpPr>
-          <p:cNvPr id="4" name="כותרת 3">
-            <a:extLst>
-              <a:ext uri="{FF2B5EF4-FFF2-40B4-BE49-F238E27FC236}">
-                <a16:creationId xmlns:a16="http://schemas.microsoft.com/office/drawing/2014/main" id="{E4480DF1-DEB6-4974-9F65-F865DEE4067A}"/>
-              </a:ext>
-            </a:extLst>
-          </p:cNvPr>
-          <p:cNvSpPr>
-            <a:spLocks noGrp="1"/>
-          </p:cNvSpPr>
-          <p:nvPr>
-            <p:ph type="title"/>
-          </p:nvPr>
-        </p:nvSpPr>
-        <p:spPr>
-          <a:xfrm>
-            <a:off x="1450975" y="804863"/>
-            <a:ext cx="9604375" cy="1049337"/>
-          </a:xfrm>
-          <a:prstGeom prst="rect">
-            <a:avLst/>
-          </a:prstGeom>
-          <a:noFill/>
-        </p:spPr>
-        <p:txBody>
-          <a:bodyPr wrap="none" lIns="91440" tIns="45720" rIns="91440" bIns="45720">
-            <a:spAutoFit/>
-          </a:bodyPr>
-          <a:lstStyle/>
-          <a:p>
-            <a:pPr algn="ctr"/>
-            <a:r>
-              <a:rPr lang="he-IL" sz="6000" b="1" cap="none" spc="0" dirty="0">
-                <a:ln w="9525">
-                  <a:solidFill>
-                    <a:schemeClr val="bg1"/>
-                  </a:solidFill>
-                  <a:prstDash val="solid"/>
-                </a:ln>
-                <a:solidFill>
-                  <a:schemeClr val="accent5"/>
-                </a:solidFill>
-                <a:effectLst>
-                  <a:outerShdw blurRad="12700" dist="38100" dir="2700000" algn="tl" rotWithShape="0">
-                    <a:schemeClr val="accent5">
-                      <a:lumMod val="60000"/>
-                      <a:lumOff val="40000"/>
-                    </a:schemeClr>
-                  </a:outerShdw>
-                </a:effectLst>
-              </a:rPr>
-              <a:t>אתגרים</a:t>
-            </a:r>
-          </a:p>
-        </p:txBody>
-      </p:sp>
-      <p:sp>
-        <p:nvSpPr>
-          <p:cNvPr id="5" name="מלבן 3">
-            <a:extLst>
-              <a:ext uri="{FF2B5EF4-FFF2-40B4-BE49-F238E27FC236}">
-                <a16:creationId xmlns:a16="http://schemas.microsoft.com/office/drawing/2014/main" id="{598F9A7F-2A99-4CA2-8CFC-DCFA45DD240D}"/>
-              </a:ext>
-            </a:extLst>
-          </p:cNvPr>
-          <p:cNvSpPr txBox="1">
-            <a:spLocks/>
-          </p:cNvSpPr>
-          <p:nvPr/>
-        </p:nvSpPr>
-        <p:spPr>
-          <a:xfrm>
-            <a:off x="5122887" y="804863"/>
-            <a:ext cx="2260555" cy="923330"/>
-          </a:xfrm>
-          <a:prstGeom prst="rect">
-            <a:avLst/>
-          </a:prstGeom>
-          <a:noFill/>
-        </p:spPr>
-        <p:txBody>
-          <a:bodyPr vert="horz" wrap="none" lIns="91440" tIns="45720" rIns="91440" bIns="45720" rtlCol="0" anchor="t">
-            <a:spAutoFit/>
-          </a:bodyPr>
-          <a:lstStyle>
-            <a:lvl1pPr algn="l" defTabSz="914400" rtl="1" eaLnBrk="1" latinLnBrk="0" hangingPunct="1">
-              <a:lnSpc>
-                <a:spcPct val="90000"/>
-              </a:lnSpc>
-              <a:spcBef>
-                <a:spcPct val="0"/>
-              </a:spcBef>
-              <a:buNone/>
-              <a:defRPr sz="3200" b="0" i="0" kern="1200" cap="all">
-                <a:solidFill>
-                  <a:schemeClr val="tx1"/>
-                </a:solidFill>
-                <a:effectLst/>
-                <a:latin typeface="+mj-lt"/>
-                <a:ea typeface="+mj-ea"/>
-                <a:cs typeface="+mj-cs"/>
-              </a:defRPr>
-            </a:lvl1pPr>
-          </a:lstStyle>
-          <a:p>
-            <a:pPr algn="ctr"/>
-            <a:r>
-              <a:rPr lang="he-IL" sz="6000" b="1" cap="none" dirty="0">
-                <a:ln w="9525">
-                  <a:solidFill>
-                    <a:schemeClr val="bg1"/>
-                  </a:solidFill>
-                  <a:prstDash val="solid"/>
-                </a:ln>
-                <a:solidFill>
-                  <a:schemeClr val="accent2">
-                    <a:lumMod val="75000"/>
-                  </a:schemeClr>
-                </a:solidFill>
-                <a:effectLst>
-                  <a:outerShdw blurRad="12700" dist="38100" dir="2700000" algn="tl" rotWithShape="0">
-                    <a:schemeClr val="accent5">
-                      <a:lumMod val="60000"/>
-                      <a:lumOff val="40000"/>
-                    </a:schemeClr>
-                  </a:outerShdw>
-                </a:effectLst>
-              </a:rPr>
-              <a:t>אתגרים</a:t>
-            </a:r>
-          </a:p>
-        </p:txBody>
-      </p:sp>
-    </p:spTree>
-    <p:extLst>
-      <p:ext uri="{BB962C8B-B14F-4D97-AF65-F5344CB8AC3E}">
-        <p14:creationId xmlns:p14="http://schemas.microsoft.com/office/powerpoint/2010/main" val="2023241020"/>
-      </p:ext>
-    </p:extLst>
-  </p:cSld>
-  <p:clrMapOvr>
-    <a:masterClrMapping/>
-  </p:clrMapOvr>
-</p:sld>
-</file>
-
-<file path=ppt/slides/slide19.xml><?xml version="1.0" encoding="utf-8"?>
-<p:sld xmlns:a="http://schemas.openxmlformats.org/drawingml/2006/main" xmlns:r="http://schemas.openxmlformats.org/officeDocument/2006/relationships" xmlns:p="http://schemas.openxmlformats.org/presentationml/2006/main">
-  <p:cSld>
-    <p:spTree>
-      <p:nvGrpSpPr>
-        <p:cNvPr id="1" name=""/>
-        <p:cNvGrpSpPr/>
-        <p:nvPr/>
-      </p:nvGrpSpPr>
-      <p:grpSpPr>
-        <a:xfrm>
-          <a:off x="0" y="0"/>
-          <a:ext cx="0" cy="0"/>
-          <a:chOff x="0" y="0"/>
-          <a:chExt cx="0" cy="0"/>
-        </a:xfrm>
-      </p:grpSpPr>
-      <p:sp>
-        <p:nvSpPr>
-          <p:cNvPr id="2" name="כותרת 1">
-            <a:extLst>
-              <a:ext uri="{FF2B5EF4-FFF2-40B4-BE49-F238E27FC236}">
-                <a16:creationId xmlns:a16="http://schemas.microsoft.com/office/drawing/2014/main" id="{BDC5D4EC-EC0D-4B25-83EF-D0DC6FDF5FE5}"/>
-              </a:ext>
-            </a:extLst>
-          </p:cNvPr>
-          <p:cNvSpPr>
-            <a:spLocks noGrp="1"/>
-          </p:cNvSpPr>
-          <p:nvPr>
-            <p:ph type="title"/>
-          </p:nvPr>
-        </p:nvSpPr>
-        <p:spPr/>
-        <p:txBody>
-          <a:bodyPr/>
-          <a:lstStyle/>
-          <a:p>
-            <a:pPr algn="ctr"/>
-            <a:r>
-              <a:rPr lang="he-IL" sz="6000" b="1" cap="none" dirty="0">
-                <a:ln w="9525">
-                  <a:solidFill>
-                    <a:schemeClr val="bg1"/>
-                  </a:solidFill>
-                  <a:prstDash val="solid"/>
-                </a:ln>
-                <a:solidFill>
-                  <a:schemeClr val="accent2">
-                    <a:lumMod val="75000"/>
-                  </a:schemeClr>
-                </a:solidFill>
-                <a:effectLst>
-                  <a:outerShdw blurRad="12700" dist="38100" dir="2700000" algn="tl" rotWithShape="0">
-                    <a:schemeClr val="accent5">
-                      <a:lumMod val="60000"/>
-                      <a:lumOff val="40000"/>
-                    </a:schemeClr>
-                  </a:outerShdw>
-                </a:effectLst>
-              </a:rPr>
-              <a:t>תודות וביבליוגרפיה</a:t>
-            </a:r>
-          </a:p>
-        </p:txBody>
-      </p:sp>
-      <p:sp>
-        <p:nvSpPr>
-          <p:cNvPr id="3" name="מציין מיקום תוכן 2">
-            <a:extLst>
-              <a:ext uri="{FF2B5EF4-FFF2-40B4-BE49-F238E27FC236}">
-                <a16:creationId xmlns:a16="http://schemas.microsoft.com/office/drawing/2014/main" id="{2B8E6DDE-0464-404D-AFEC-B2273790D726}"/>
-              </a:ext>
-            </a:extLst>
-          </p:cNvPr>
-          <p:cNvSpPr>
-            <a:spLocks noGrp="1"/>
-          </p:cNvSpPr>
-          <p:nvPr>
-            <p:ph idx="1"/>
-          </p:nvPr>
-        </p:nvSpPr>
-        <p:spPr/>
-        <p:txBody>
-          <a:bodyPr>
-            <a:normAutofit/>
-          </a:bodyPr>
-          <a:lstStyle/>
-          <a:p>
-            <a:r>
-              <a:rPr lang="he-IL" dirty="0"/>
-              <a:t>נרצה להודות למנחה שלנו ד"ר אורן משלי, על העזרה, התמיכה והעידוד לאורך כל הסמסטר.</a:t>
-            </a:r>
-          </a:p>
-          <a:p>
-            <a:r>
-              <a:rPr lang="he-IL" dirty="0"/>
-              <a:t>מקורות:</a:t>
-            </a:r>
-          </a:p>
-          <a:p>
-            <a:pPr algn="l" rtl="0"/>
-            <a:r>
-              <a:rPr lang="en-US" dirty="0">
-                <a:hlinkClick r:id="rId2"/>
-              </a:rPr>
-              <a:t>https://en.wikipedia.org/wiki/Weak_supervision</a:t>
-            </a:r>
-            <a:endParaRPr lang="en-US" dirty="0"/>
-          </a:p>
-          <a:p>
-            <a:pPr algn="l" rtl="0"/>
-            <a:r>
-              <a:rPr lang="en-US" dirty="0">
-                <a:hlinkClick r:id="rId3"/>
-              </a:rPr>
-              <a:t>https://www.snorkel.org/</a:t>
-            </a:r>
-            <a:endParaRPr lang="en-US" dirty="0"/>
-          </a:p>
-          <a:p>
-            <a:pPr algn="l" rtl="0"/>
-            <a:r>
-              <a:rPr lang="en-US" dirty="0">
-                <a:hlinkClick r:id="rId4"/>
-              </a:rPr>
-              <a:t>https://scikit-learn.org/</a:t>
-            </a:r>
-            <a:endParaRPr lang="en-US" dirty="0"/>
-          </a:p>
-          <a:p>
-            <a:pPr algn="l" rtl="0"/>
-            <a:r>
-              <a:rPr lang="en-US" dirty="0">
-                <a:hlinkClick r:id="rId5"/>
-              </a:rPr>
-              <a:t>https://jakevdp.github.io/PythonDataScienceHandbook/</a:t>
-            </a:r>
-            <a:endParaRPr lang="en-US" dirty="0"/>
-          </a:p>
-          <a:p>
-            <a:pPr marL="0" indent="0" algn="l" rtl="0">
-              <a:buNone/>
-            </a:pPr>
-            <a:endParaRPr lang="he-IL" dirty="0"/>
-          </a:p>
-        </p:txBody>
-      </p:sp>
-    </p:spTree>
-    <p:extLst>
-      <p:ext uri="{BB962C8B-B14F-4D97-AF65-F5344CB8AC3E}">
-        <p14:creationId xmlns:p14="http://schemas.microsoft.com/office/powerpoint/2010/main" val="4119600476"/>
       </p:ext>
     </p:extLst>
   </p:cSld>
@@ -6719,7 +6570,7 @@
         </p:spPr>
         <p:txBody>
           <a:bodyPr>
-            <a:normAutofit fontScale="92500" lnSpcReduction="10000"/>
+            <a:normAutofit/>
           </a:bodyPr>
           <a:lstStyle/>
           <a:p>
@@ -6737,13 +6588,15 @@
           <a:p>
             <a:r>
               <a:rPr lang="he-IL" sz="2400" dirty="0"/>
-              <a:t>נושא הפרויקט : חילוץ מידע על התלמוד הבבלי </a:t>
-            </a:r>
-          </a:p>
-          <a:p>
+              <a:t>נושא הפרויקט : יצירת </a:t>
+            </a:r>
+            <a:r>
+              <a:rPr lang="en-US" sz="2400" dirty="0"/>
+              <a:t>data set</a:t>
+            </a:r>
             <a:r>
               <a:rPr lang="he-IL" sz="2400" dirty="0"/>
-              <a:t>ממקורות שונים, </a:t>
+              <a:t> שיכיל תיוגים </a:t>
             </a:r>
           </a:p>
           <a:p>
@@ -6752,7 +6605,7 @@
             </a:pPr>
             <a:r>
               <a:rPr lang="he-IL" sz="2400" dirty="0"/>
-              <a:t>   ותיוגו בשימוש בלמידת מכונה </a:t>
+              <a:t>   מהתלמוד הבבלי בשימוש בלמידת מכונה </a:t>
             </a:r>
           </a:p>
           <a:p>
@@ -7528,121 +7381,6 @@
                       </p:childTnLst>
                     </p:cTn>
                   </p:par>
-                  <p:par>
-                    <p:cTn id="45" fill="hold">
-                      <p:stCondLst>
-                        <p:cond delay="indefinite"/>
-                      </p:stCondLst>
-                      <p:childTnLst>
-                        <p:par>
-                          <p:cTn id="46" fill="hold">
-                            <p:stCondLst>
-                              <p:cond delay="0"/>
-                            </p:stCondLst>
-                            <p:childTnLst>
-                              <p:par>
-                                <p:cTn id="47" presetID="42" presetClass="entr" presetSubtype="0" fill="hold" nodeType="clickEffect">
-                                  <p:stCondLst>
-                                    <p:cond delay="0"/>
-                                  </p:stCondLst>
-                                  <p:childTnLst>
-                                    <p:set>
-                                      <p:cBhvr>
-                                        <p:cTn id="48" dur="1" fill="hold">
-                                          <p:stCondLst>
-                                            <p:cond delay="0"/>
-                                          </p:stCondLst>
-                                        </p:cTn>
-                                        <p:tgtEl>
-                                          <p:spTgt spid="3">
-                                            <p:txEl>
-                                              <p:pRg st="6" end="6"/>
-                                            </p:txEl>
-                                          </p:spTgt>
-                                        </p:tgtEl>
-                                        <p:attrNameLst>
-                                          <p:attrName>style.visibility</p:attrName>
-                                        </p:attrNameLst>
-                                      </p:cBhvr>
-                                      <p:to>
-                                        <p:strVal val="visible"/>
-                                      </p:to>
-                                    </p:set>
-                                    <p:animEffect transition="in" filter="fade">
-                                      <p:cBhvr>
-                                        <p:cTn id="49" dur="1000"/>
-                                        <p:tgtEl>
-                                          <p:spTgt spid="3">
-                                            <p:txEl>
-                                              <p:pRg st="6" end="6"/>
-                                            </p:txEl>
-                                          </p:spTgt>
-                                        </p:tgtEl>
-                                      </p:cBhvr>
-                                    </p:animEffect>
-                                    <p:anim calcmode="lin" valueType="num">
-                                      <p:cBhvr>
-                                        <p:cTn id="50" dur="1000" fill="hold"/>
-                                        <p:tgtEl>
-                                          <p:spTgt spid="3">
-                                            <p:txEl>
-                                              <p:pRg st="6" end="6"/>
-                                            </p:txEl>
-                                          </p:spTgt>
-                                        </p:tgtEl>
-                                        <p:attrNameLst>
-                                          <p:attrName>ppt_x</p:attrName>
-                                        </p:attrNameLst>
-                                      </p:cBhvr>
-                                      <p:tavLst>
-                                        <p:tav tm="0">
-                                          <p:val>
-                                            <p:strVal val="#ppt_x"/>
-                                          </p:val>
-                                        </p:tav>
-                                        <p:tav tm="100000">
-                                          <p:val>
-                                            <p:strVal val="#ppt_x"/>
-                                          </p:val>
-                                        </p:tav>
-                                      </p:tavLst>
-                                    </p:anim>
-                                    <p:anim calcmode="lin" valueType="num">
-                                      <p:cBhvr>
-                                        <p:cTn id="51" dur="1000" fill="hold"/>
-                                        <p:tgtEl>
-                                          <p:spTgt spid="3">
-                                            <p:txEl>
-                                              <p:pRg st="6" end="6"/>
-                                            </p:txEl>
-                                          </p:spTgt>
-                                        </p:tgtEl>
-                                        <p:attrNameLst>
-                                          <p:attrName>ppt_y</p:attrName>
-                                        </p:attrNameLst>
-                                      </p:cBhvr>
-                                      <p:tavLst>
-                                        <p:tav tm="0">
-                                          <p:val>
-                                            <p:strVal val="#ppt_y+.1"/>
-                                          </p:val>
-                                        </p:tav>
-                                        <p:tav tm="100000">
-                                          <p:val>
-                                            <p:strVal val="#ppt_y"/>
-                                          </p:val>
-                                        </p:tav>
-                                      </p:tavLst>
-                                    </p:anim>
-                                  </p:childTnLst>
-                                </p:cTn>
-                              </p:par>
-                            </p:childTnLst>
-                          </p:cTn>
-                        </p:par>
-                      </p:childTnLst>
-                    </p:cTn>
-                  </p:par>
                 </p:childTnLst>
               </p:cTn>
               <p:prevCondLst>
@@ -7668,6 +7406,1287 @@
 </p:sld>
 </file>
 
+<file path=ppt/slides/slide20.xml><?xml version="1.0" encoding="utf-8"?>
+<p:sld xmlns:a="http://schemas.openxmlformats.org/drawingml/2006/main" xmlns:r="http://schemas.openxmlformats.org/officeDocument/2006/relationships" xmlns:p="http://schemas.openxmlformats.org/presentationml/2006/main">
+  <p:cSld>
+    <p:spTree>
+      <p:nvGrpSpPr>
+        <p:cNvPr id="1" name=""/>
+        <p:cNvGrpSpPr/>
+        <p:nvPr/>
+      </p:nvGrpSpPr>
+      <p:grpSpPr>
+        <a:xfrm>
+          <a:off x="0" y="0"/>
+          <a:ext cx="0" cy="0"/>
+          <a:chOff x="0" y="0"/>
+          <a:chExt cx="0" cy="0"/>
+        </a:xfrm>
+      </p:grpSpPr>
+      <p:sp>
+        <p:nvSpPr>
+          <p:cNvPr id="2" name="כותרת 1">
+            <a:extLst>
+              <a:ext uri="{FF2B5EF4-FFF2-40B4-BE49-F238E27FC236}">
+                <a16:creationId xmlns:a16="http://schemas.microsoft.com/office/drawing/2014/main" id="{6F81E24C-F723-4021-8D52-328AB3006466}"/>
+              </a:ext>
+            </a:extLst>
+          </p:cNvPr>
+          <p:cNvSpPr>
+            <a:spLocks noGrp="1"/>
+          </p:cNvSpPr>
+          <p:nvPr>
+            <p:ph type="title"/>
+          </p:nvPr>
+        </p:nvSpPr>
+        <p:spPr/>
+        <p:txBody>
+          <a:bodyPr/>
+          <a:lstStyle/>
+          <a:p>
+            <a:pPr algn="ctr"/>
+            <a:r>
+              <a:rPr lang="he-IL" sz="6000" b="1" cap="none" dirty="0">
+                <a:ln w="9525">
+                  <a:solidFill>
+                    <a:schemeClr val="bg1"/>
+                  </a:solidFill>
+                  <a:prstDash val="solid"/>
+                </a:ln>
+                <a:solidFill>
+                  <a:schemeClr val="accent2">
+                    <a:lumMod val="75000"/>
+                  </a:schemeClr>
+                </a:solidFill>
+                <a:effectLst>
+                  <a:outerShdw blurRad="12700" dist="38100" dir="2700000" algn="tl" rotWithShape="0">
+                    <a:schemeClr val="accent5">
+                      <a:lumMod val="60000"/>
+                      <a:lumOff val="40000"/>
+                    </a:schemeClr>
+                  </a:outerShdw>
+                </a:effectLst>
+              </a:rPr>
+              <a:t> 4 אימון מכונה</a:t>
+            </a:r>
+          </a:p>
+        </p:txBody>
+      </p:sp>
+      <p:sp>
+        <p:nvSpPr>
+          <p:cNvPr id="3" name="מציין מיקום תוכן 2">
+            <a:extLst>
+              <a:ext uri="{FF2B5EF4-FFF2-40B4-BE49-F238E27FC236}">
+                <a16:creationId xmlns:a16="http://schemas.microsoft.com/office/drawing/2014/main" id="{10BCE516-F770-4E65-A901-472D568AF8AD}"/>
+              </a:ext>
+            </a:extLst>
+          </p:cNvPr>
+          <p:cNvSpPr>
+            <a:spLocks noGrp="1"/>
+          </p:cNvSpPr>
+          <p:nvPr>
+            <p:ph idx="1"/>
+          </p:nvPr>
+        </p:nvSpPr>
+        <p:spPr/>
+        <p:txBody>
+          <a:bodyPr>
+            <a:normAutofit/>
+          </a:bodyPr>
+          <a:lstStyle/>
+          <a:p>
+            <a:pPr marL="0" indent="0">
+              <a:buNone/>
+            </a:pPr>
+            <a:r>
+              <a:rPr lang="he-IL" b="1" u="sng" dirty="0"/>
+              <a:t>אימון המסווג - תוצאות</a:t>
+            </a:r>
+            <a:br>
+              <a:rPr lang="en-US" u="sng" dirty="0"/>
+            </a:br>
+            <a:r>
+              <a:rPr lang="he-IL" dirty="0"/>
+              <a:t>בדקנו איזה מסווג נתן את הדיוק הטוב ביותר, בשינוי הפרמטרים הבאים:</a:t>
+            </a:r>
+            <a:br>
+              <a:rPr lang="en-US" dirty="0"/>
+            </a:br>
+            <a:r>
+              <a:rPr lang="he-IL" dirty="0"/>
+              <a:t>-שימוש ב</a:t>
+            </a:r>
+            <a:r>
+              <a:rPr lang="en-US" dirty="0"/>
+              <a:t>Augmentation</a:t>
+            </a:r>
+            <a:r>
+              <a:rPr lang="he-IL" dirty="0"/>
+              <a:t> על הדאטה סט הנועד לאימון</a:t>
+            </a:r>
+            <a:br>
+              <a:rPr lang="en-US" dirty="0"/>
+            </a:br>
+            <a:r>
+              <a:rPr lang="he-IL" dirty="0"/>
+              <a:t>-גודל הדאטה סט הנועד לאימון</a:t>
+            </a:r>
+            <a:br>
+              <a:rPr lang="en-US" dirty="0"/>
+            </a:br>
+            <a:endParaRPr lang="he-IL" dirty="0"/>
+          </a:p>
+          <a:p>
+            <a:r>
+              <a:rPr lang="he-IL" u="sng" dirty="0"/>
+              <a:t>הגענו למסקנה</a:t>
+            </a:r>
+            <a:r>
+              <a:rPr lang="he-IL" dirty="0"/>
+              <a:t> כי גם שימוש </a:t>
+            </a:r>
+            <a:r>
+              <a:rPr lang="he-IL" dirty="0" err="1"/>
+              <a:t>באוגמנטציות</a:t>
+            </a:r>
+            <a:r>
+              <a:rPr lang="he-IL" dirty="0"/>
+              <a:t> וגם הגדלת </a:t>
+            </a:r>
+            <a:r>
+              <a:rPr lang="he-IL" dirty="0" err="1"/>
+              <a:t>הדאטא</a:t>
+            </a:r>
+            <a:r>
+              <a:rPr lang="he-IL" dirty="0"/>
+              <a:t> סט לא השפיעו במידה רבה על דיוק המסווג. ההערכה שלנו היא שהגדלת מספר </a:t>
+            </a:r>
+            <a:r>
+              <a:rPr lang="he-IL" dirty="0" err="1"/>
+              <a:t>הטרנספורמתיות</a:t>
+            </a:r>
+            <a:r>
+              <a:rPr lang="he-IL" dirty="0"/>
+              <a:t> תשפר את דיוק המסווג.</a:t>
+            </a:r>
+          </a:p>
+          <a:p>
+            <a:r>
+              <a:rPr lang="he-IL" dirty="0"/>
+              <a:t>יש מקום להמשיך ולבדוק אילו פרמטרים ביצירת המידע ייתנו את התוצאות הטובות ביותר.</a:t>
+            </a:r>
+          </a:p>
+          <a:p>
+            <a:endParaRPr lang="he-IL" dirty="0"/>
+          </a:p>
+        </p:txBody>
+      </p:sp>
+    </p:spTree>
+    <p:extLst>
+      <p:ext uri="{BB962C8B-B14F-4D97-AF65-F5344CB8AC3E}">
+        <p14:creationId xmlns:p14="http://schemas.microsoft.com/office/powerpoint/2010/main" val="3408961633"/>
+      </p:ext>
+    </p:extLst>
+  </p:cSld>
+  <p:clrMapOvr>
+    <a:masterClrMapping/>
+  </p:clrMapOvr>
+</p:sld>
+</file>
+
+<file path=ppt/slides/slide21.xml><?xml version="1.0" encoding="utf-8"?>
+<p:sld xmlns:a="http://schemas.openxmlformats.org/drawingml/2006/main" xmlns:r="http://schemas.openxmlformats.org/officeDocument/2006/relationships" xmlns:p="http://schemas.openxmlformats.org/presentationml/2006/main">
+  <p:cSld>
+    <p:spTree>
+      <p:nvGrpSpPr>
+        <p:cNvPr id="1" name=""/>
+        <p:cNvGrpSpPr/>
+        <p:nvPr/>
+      </p:nvGrpSpPr>
+      <p:grpSpPr>
+        <a:xfrm>
+          <a:off x="0" y="0"/>
+          <a:ext cx="0" cy="0"/>
+          <a:chOff x="0" y="0"/>
+          <a:chExt cx="0" cy="0"/>
+        </a:xfrm>
+      </p:grpSpPr>
+      <p:sp>
+        <p:nvSpPr>
+          <p:cNvPr id="3" name="מציין מיקום תוכן 2">
+            <a:extLst>
+              <a:ext uri="{FF2B5EF4-FFF2-40B4-BE49-F238E27FC236}">
+                <a16:creationId xmlns:a16="http://schemas.microsoft.com/office/drawing/2014/main" id="{78C567FF-CBA9-4276-9F16-D275B35D0D53}"/>
+              </a:ext>
+            </a:extLst>
+          </p:cNvPr>
+          <p:cNvSpPr>
+            <a:spLocks noGrp="1"/>
+          </p:cNvSpPr>
+          <p:nvPr>
+            <p:ph idx="1"/>
+          </p:nvPr>
+        </p:nvSpPr>
+        <p:spPr/>
+        <p:txBody>
+          <a:bodyPr/>
+          <a:lstStyle/>
+          <a:p>
+            <a:pPr marL="0" indent="0">
+              <a:buNone/>
+            </a:pPr>
+            <a:r>
+              <a:rPr lang="he-IL" b="1" u="sng" dirty="0"/>
+              <a:t>יצירת המסווג:</a:t>
+            </a:r>
+            <a:endParaRPr lang="he-IL" u="sng" dirty="0"/>
+          </a:p>
+          <a:p>
+            <a:pPr marL="0" indent="0">
+              <a:buNone/>
+            </a:pPr>
+            <a:r>
+              <a:rPr lang="he-IL" dirty="0"/>
+              <a:t>ביצירת המסווג היו הרבה שיקולים, כגון איך לווקטר את הטקסט בצורה אופטימלית, איזה מודל הכי נכון לבחור לבעיה שלנו, וכיצד להשתמש ב</a:t>
+            </a:r>
+            <a:r>
+              <a:rPr lang="en-US" dirty="0"/>
+              <a:t>API</a:t>
+            </a:r>
+            <a:r>
+              <a:rPr lang="he-IL" dirty="0"/>
+              <a:t> של המודל בצורה נכונה.</a:t>
+            </a:r>
+            <a:br>
+              <a:rPr lang="en-US" dirty="0"/>
+            </a:br>
+            <a:r>
+              <a:rPr lang="he-IL" dirty="0"/>
+              <a:t>גם כאן העברית עשתה לנו חיים קשים, כשספריות מסויימות של וויקטור טקסט לא פעלו כמו שצריך על הטקסטים שלנו.</a:t>
+            </a:r>
+            <a:br>
+              <a:rPr lang="en-US" dirty="0"/>
+            </a:br>
+            <a:r>
+              <a:rPr lang="he-IL" dirty="0"/>
+              <a:t>עם ידע מעמיק יותר בלמידת מכונה ותמיכה נרחבת יותר בעברית, ניתן יהיה לשפר את המסווג ולהתאים אותו יותר לצרכינו. </a:t>
+            </a:r>
+            <a:endParaRPr lang="he-IL" u="sng" dirty="0"/>
+          </a:p>
+        </p:txBody>
+      </p:sp>
+      <p:sp>
+        <p:nvSpPr>
+          <p:cNvPr id="4" name="כותרת 3">
+            <a:extLst>
+              <a:ext uri="{FF2B5EF4-FFF2-40B4-BE49-F238E27FC236}">
+                <a16:creationId xmlns:a16="http://schemas.microsoft.com/office/drawing/2014/main" id="{E4480DF1-DEB6-4974-9F65-F865DEE4067A}"/>
+              </a:ext>
+            </a:extLst>
+          </p:cNvPr>
+          <p:cNvSpPr>
+            <a:spLocks noGrp="1"/>
+          </p:cNvSpPr>
+          <p:nvPr>
+            <p:ph type="title"/>
+          </p:nvPr>
+        </p:nvSpPr>
+        <p:spPr>
+          <a:xfrm>
+            <a:off x="1450975" y="804863"/>
+            <a:ext cx="9604375" cy="1049337"/>
+          </a:xfrm>
+          <a:prstGeom prst="rect">
+            <a:avLst/>
+          </a:prstGeom>
+          <a:noFill/>
+        </p:spPr>
+        <p:txBody>
+          <a:bodyPr wrap="none" lIns="91440" tIns="45720" rIns="91440" bIns="45720">
+            <a:spAutoFit/>
+          </a:bodyPr>
+          <a:lstStyle/>
+          <a:p>
+            <a:pPr algn="ctr"/>
+            <a:r>
+              <a:rPr lang="he-IL" sz="6000" b="1" cap="none" spc="0" dirty="0">
+                <a:ln w="9525">
+                  <a:solidFill>
+                    <a:schemeClr val="bg1"/>
+                  </a:solidFill>
+                  <a:prstDash val="solid"/>
+                </a:ln>
+                <a:solidFill>
+                  <a:schemeClr val="accent5"/>
+                </a:solidFill>
+                <a:effectLst>
+                  <a:outerShdw blurRad="12700" dist="38100" dir="2700000" algn="tl" rotWithShape="0">
+                    <a:schemeClr val="accent5">
+                      <a:lumMod val="60000"/>
+                      <a:lumOff val="40000"/>
+                    </a:schemeClr>
+                  </a:outerShdw>
+                </a:effectLst>
+              </a:rPr>
+              <a:t>אתגרים</a:t>
+            </a:r>
+          </a:p>
+        </p:txBody>
+      </p:sp>
+      <p:sp>
+        <p:nvSpPr>
+          <p:cNvPr id="5" name="מלבן 3">
+            <a:extLst>
+              <a:ext uri="{FF2B5EF4-FFF2-40B4-BE49-F238E27FC236}">
+                <a16:creationId xmlns:a16="http://schemas.microsoft.com/office/drawing/2014/main" id="{598F9A7F-2A99-4CA2-8CFC-DCFA45DD240D}"/>
+              </a:ext>
+            </a:extLst>
+          </p:cNvPr>
+          <p:cNvSpPr txBox="1">
+            <a:spLocks/>
+          </p:cNvSpPr>
+          <p:nvPr/>
+        </p:nvSpPr>
+        <p:spPr>
+          <a:xfrm>
+            <a:off x="5122887" y="804863"/>
+            <a:ext cx="2260555" cy="923330"/>
+          </a:xfrm>
+          <a:prstGeom prst="rect">
+            <a:avLst/>
+          </a:prstGeom>
+          <a:noFill/>
+        </p:spPr>
+        <p:txBody>
+          <a:bodyPr vert="horz" wrap="none" lIns="91440" tIns="45720" rIns="91440" bIns="45720" rtlCol="0" anchor="t">
+            <a:spAutoFit/>
+          </a:bodyPr>
+          <a:lstStyle>
+            <a:lvl1pPr algn="l" defTabSz="914400" rtl="1" eaLnBrk="1" latinLnBrk="0" hangingPunct="1">
+              <a:lnSpc>
+                <a:spcPct val="90000"/>
+              </a:lnSpc>
+              <a:spcBef>
+                <a:spcPct val="0"/>
+              </a:spcBef>
+              <a:buNone/>
+              <a:defRPr sz="3200" b="0" i="0" kern="1200" cap="all">
+                <a:solidFill>
+                  <a:schemeClr val="tx1"/>
+                </a:solidFill>
+                <a:effectLst/>
+                <a:latin typeface="+mj-lt"/>
+                <a:ea typeface="+mj-ea"/>
+                <a:cs typeface="+mj-cs"/>
+              </a:defRPr>
+            </a:lvl1pPr>
+          </a:lstStyle>
+          <a:p>
+            <a:pPr algn="ctr"/>
+            <a:r>
+              <a:rPr lang="he-IL" sz="6000" b="1" cap="none" dirty="0">
+                <a:ln w="9525">
+                  <a:solidFill>
+                    <a:schemeClr val="bg1"/>
+                  </a:solidFill>
+                  <a:prstDash val="solid"/>
+                </a:ln>
+                <a:solidFill>
+                  <a:schemeClr val="accent2">
+                    <a:lumMod val="75000"/>
+                  </a:schemeClr>
+                </a:solidFill>
+                <a:effectLst>
+                  <a:outerShdw blurRad="12700" dist="38100" dir="2700000" algn="tl" rotWithShape="0">
+                    <a:schemeClr val="accent5">
+                      <a:lumMod val="60000"/>
+                      <a:lumOff val="40000"/>
+                    </a:schemeClr>
+                  </a:outerShdw>
+                </a:effectLst>
+              </a:rPr>
+              <a:t>אתגרים</a:t>
+            </a:r>
+          </a:p>
+        </p:txBody>
+      </p:sp>
+    </p:spTree>
+    <p:extLst>
+      <p:ext uri="{BB962C8B-B14F-4D97-AF65-F5344CB8AC3E}">
+        <p14:creationId xmlns:p14="http://schemas.microsoft.com/office/powerpoint/2010/main" val="830446346"/>
+      </p:ext>
+    </p:extLst>
+  </p:cSld>
+  <p:clrMapOvr>
+    <a:masterClrMapping/>
+  </p:clrMapOvr>
+</p:sld>
+</file>
+
+<file path=ppt/slides/slide22.xml><?xml version="1.0" encoding="utf-8"?>
+<p:sld xmlns:a="http://schemas.openxmlformats.org/drawingml/2006/main" xmlns:r="http://schemas.openxmlformats.org/officeDocument/2006/relationships" xmlns:p="http://schemas.openxmlformats.org/presentationml/2006/main">
+  <p:cSld>
+    <p:spTree>
+      <p:nvGrpSpPr>
+        <p:cNvPr id="1" name=""/>
+        <p:cNvGrpSpPr/>
+        <p:nvPr/>
+      </p:nvGrpSpPr>
+      <p:grpSpPr>
+        <a:xfrm>
+          <a:off x="0" y="0"/>
+          <a:ext cx="0" cy="0"/>
+          <a:chOff x="0" y="0"/>
+          <a:chExt cx="0" cy="0"/>
+        </a:xfrm>
+      </p:grpSpPr>
+      <p:sp>
+        <p:nvSpPr>
+          <p:cNvPr id="3" name="מציין מיקום תוכן 2">
+            <a:extLst>
+              <a:ext uri="{FF2B5EF4-FFF2-40B4-BE49-F238E27FC236}">
+                <a16:creationId xmlns:a16="http://schemas.microsoft.com/office/drawing/2014/main" id="{78C567FF-CBA9-4276-9F16-D275B35D0D53}"/>
+              </a:ext>
+            </a:extLst>
+          </p:cNvPr>
+          <p:cNvSpPr>
+            <a:spLocks noGrp="1"/>
+          </p:cNvSpPr>
+          <p:nvPr>
+            <p:ph idx="1"/>
+          </p:nvPr>
+        </p:nvSpPr>
+        <p:spPr/>
+        <p:txBody>
+          <a:bodyPr>
+            <a:normAutofit lnSpcReduction="10000"/>
+          </a:bodyPr>
+          <a:lstStyle/>
+          <a:p>
+            <a:pPr marL="0" indent="0">
+              <a:buNone/>
+            </a:pPr>
+            <a:r>
+              <a:rPr lang="he-IL" b="1" u="sng" dirty="0"/>
+              <a:t>מציאת תבניות לתיוג:</a:t>
+            </a:r>
+          </a:p>
+          <a:p>
+            <a:pPr marL="0" indent="0">
+              <a:buNone/>
+            </a:pPr>
+            <a:r>
+              <a:rPr lang="he-IL" dirty="0"/>
+              <a:t>כחלק מתהליך התיוג, </a:t>
+            </a:r>
+            <a:r>
+              <a:rPr lang="en-US" dirty="0"/>
+              <a:t>snorkel</a:t>
+            </a:r>
+            <a:r>
+              <a:rPr lang="he-IL" dirty="0"/>
+              <a:t> דורשת פונקציות תיוג (</a:t>
+            </a:r>
+            <a:r>
+              <a:rPr lang="en-US" dirty="0"/>
+              <a:t>Labeling Functions</a:t>
+            </a:r>
+            <a:r>
+              <a:rPr lang="he-IL" dirty="0"/>
+              <a:t>) אשר יופעלו באמצעות מודל מסויים על המידע.</a:t>
+            </a:r>
+            <a:br>
+              <a:rPr lang="en-US" dirty="0"/>
+            </a:br>
+            <a:r>
+              <a:rPr lang="he-IL" dirty="0"/>
+              <a:t>פונקציות אלו הן בעצם זיהוי תבניות בטקסט אשר ניתן להסיק מהן מידע, בוודאות טובה ככל הניתן. במקרה שלנו, המטרה הייתה למצוא תבניות אשר מזהות רפרנס לתלמוד הבבלי, או שוללות אותו, ולתת המלצה לתיוג שלו (</a:t>
+            </a:r>
+            <a:r>
+              <a:rPr lang="en-US" dirty="0"/>
+              <a:t>REFRENCE, NO-REFRENCE, ABSTAIN</a:t>
+            </a:r>
+            <a:r>
+              <a:rPr lang="he-IL" dirty="0"/>
+              <a:t>). </a:t>
+            </a:r>
+          </a:p>
+          <a:p>
+            <a:pPr marL="0" indent="0">
+              <a:buNone/>
+            </a:pPr>
+            <a:r>
+              <a:rPr lang="he-IL" dirty="0"/>
+              <a:t>מציאת תבניות אלו כללה הסקת תבניות ראשוניות בעזרת מידע מקצועי מתחום התלמוד, ושיפור תבניות אלו באמצעות מדדי </a:t>
+            </a:r>
+            <a:r>
+              <a:rPr lang="en-US" dirty="0"/>
+              <a:t>coverage</a:t>
+            </a:r>
+            <a:r>
+              <a:rPr lang="he-IL" dirty="0"/>
+              <a:t> ו</a:t>
+            </a:r>
+            <a:r>
+              <a:rPr lang="en-US" dirty="0"/>
+              <a:t>precision</a:t>
+            </a:r>
+            <a:r>
+              <a:rPr lang="he-IL" dirty="0"/>
+              <a:t> הנשענות על ה</a:t>
+            </a:r>
+            <a:r>
+              <a:rPr lang="en-US" dirty="0"/>
+              <a:t>dev-set</a:t>
+            </a:r>
+            <a:r>
+              <a:rPr lang="he-IL" dirty="0"/>
+              <a:t> המתויג שלנו וסופקו באמצעות </a:t>
+            </a:r>
+            <a:r>
+              <a:rPr lang="en-US" dirty="0"/>
+              <a:t>snorkel</a:t>
+            </a:r>
+            <a:r>
+              <a:rPr lang="he-IL" dirty="0"/>
+              <a:t>.</a:t>
+            </a:r>
+            <a:endParaRPr lang="he-IL" u="sng" dirty="0"/>
+          </a:p>
+        </p:txBody>
+      </p:sp>
+      <p:sp>
+        <p:nvSpPr>
+          <p:cNvPr id="4" name="כותרת 3">
+            <a:extLst>
+              <a:ext uri="{FF2B5EF4-FFF2-40B4-BE49-F238E27FC236}">
+                <a16:creationId xmlns:a16="http://schemas.microsoft.com/office/drawing/2014/main" id="{E4480DF1-DEB6-4974-9F65-F865DEE4067A}"/>
+              </a:ext>
+            </a:extLst>
+          </p:cNvPr>
+          <p:cNvSpPr>
+            <a:spLocks noGrp="1"/>
+          </p:cNvSpPr>
+          <p:nvPr>
+            <p:ph type="title"/>
+          </p:nvPr>
+        </p:nvSpPr>
+        <p:spPr>
+          <a:xfrm>
+            <a:off x="1450975" y="804863"/>
+            <a:ext cx="9604375" cy="1049337"/>
+          </a:xfrm>
+          <a:prstGeom prst="rect">
+            <a:avLst/>
+          </a:prstGeom>
+          <a:noFill/>
+        </p:spPr>
+        <p:txBody>
+          <a:bodyPr wrap="none" lIns="91440" tIns="45720" rIns="91440" bIns="45720">
+            <a:spAutoFit/>
+          </a:bodyPr>
+          <a:lstStyle/>
+          <a:p>
+            <a:pPr algn="ctr"/>
+            <a:r>
+              <a:rPr lang="he-IL" sz="6000" b="1" cap="none" spc="0" dirty="0">
+                <a:ln w="9525">
+                  <a:solidFill>
+                    <a:schemeClr val="bg1"/>
+                  </a:solidFill>
+                  <a:prstDash val="solid"/>
+                </a:ln>
+                <a:solidFill>
+                  <a:schemeClr val="accent5"/>
+                </a:solidFill>
+                <a:effectLst>
+                  <a:outerShdw blurRad="12700" dist="38100" dir="2700000" algn="tl" rotWithShape="0">
+                    <a:schemeClr val="accent5">
+                      <a:lumMod val="60000"/>
+                      <a:lumOff val="40000"/>
+                    </a:schemeClr>
+                  </a:outerShdw>
+                </a:effectLst>
+              </a:rPr>
+              <a:t>אתגרים</a:t>
+            </a:r>
+          </a:p>
+        </p:txBody>
+      </p:sp>
+      <p:sp>
+        <p:nvSpPr>
+          <p:cNvPr id="5" name="מלבן 3">
+            <a:extLst>
+              <a:ext uri="{FF2B5EF4-FFF2-40B4-BE49-F238E27FC236}">
+                <a16:creationId xmlns:a16="http://schemas.microsoft.com/office/drawing/2014/main" id="{1BE2121B-82C2-406F-B7C1-857A9FC1A168}"/>
+              </a:ext>
+            </a:extLst>
+          </p:cNvPr>
+          <p:cNvSpPr txBox="1">
+            <a:spLocks/>
+          </p:cNvSpPr>
+          <p:nvPr/>
+        </p:nvSpPr>
+        <p:spPr>
+          <a:xfrm>
+            <a:off x="5122887" y="804863"/>
+            <a:ext cx="2260555" cy="923330"/>
+          </a:xfrm>
+          <a:prstGeom prst="rect">
+            <a:avLst/>
+          </a:prstGeom>
+          <a:noFill/>
+        </p:spPr>
+        <p:txBody>
+          <a:bodyPr vert="horz" wrap="none" lIns="91440" tIns="45720" rIns="91440" bIns="45720" rtlCol="0" anchor="t">
+            <a:spAutoFit/>
+          </a:bodyPr>
+          <a:lstStyle>
+            <a:lvl1pPr algn="l" defTabSz="914400" rtl="1" eaLnBrk="1" latinLnBrk="0" hangingPunct="1">
+              <a:lnSpc>
+                <a:spcPct val="90000"/>
+              </a:lnSpc>
+              <a:spcBef>
+                <a:spcPct val="0"/>
+              </a:spcBef>
+              <a:buNone/>
+              <a:defRPr sz="3200" b="0" i="0" kern="1200" cap="all">
+                <a:solidFill>
+                  <a:schemeClr val="tx1"/>
+                </a:solidFill>
+                <a:effectLst/>
+                <a:latin typeface="+mj-lt"/>
+                <a:ea typeface="+mj-ea"/>
+                <a:cs typeface="+mj-cs"/>
+              </a:defRPr>
+            </a:lvl1pPr>
+          </a:lstStyle>
+          <a:p>
+            <a:pPr algn="ctr"/>
+            <a:r>
+              <a:rPr lang="he-IL" sz="6000" b="1" cap="none" dirty="0">
+                <a:ln w="9525">
+                  <a:solidFill>
+                    <a:schemeClr val="bg1"/>
+                  </a:solidFill>
+                  <a:prstDash val="solid"/>
+                </a:ln>
+                <a:solidFill>
+                  <a:schemeClr val="accent2">
+                    <a:lumMod val="75000"/>
+                  </a:schemeClr>
+                </a:solidFill>
+                <a:effectLst>
+                  <a:outerShdw blurRad="12700" dist="38100" dir="2700000" algn="tl" rotWithShape="0">
+                    <a:schemeClr val="accent5">
+                      <a:lumMod val="60000"/>
+                      <a:lumOff val="40000"/>
+                    </a:schemeClr>
+                  </a:outerShdw>
+                </a:effectLst>
+              </a:rPr>
+              <a:t>אתגרים</a:t>
+            </a:r>
+          </a:p>
+        </p:txBody>
+      </p:sp>
+    </p:spTree>
+    <p:extLst>
+      <p:ext uri="{BB962C8B-B14F-4D97-AF65-F5344CB8AC3E}">
+        <p14:creationId xmlns:p14="http://schemas.microsoft.com/office/powerpoint/2010/main" val="76160026"/>
+      </p:ext>
+    </p:extLst>
+  </p:cSld>
+  <p:clrMapOvr>
+    <a:masterClrMapping/>
+  </p:clrMapOvr>
+</p:sld>
+</file>
+
+<file path=ppt/slides/slide23.xml><?xml version="1.0" encoding="utf-8"?>
+<p:sld xmlns:a="http://schemas.openxmlformats.org/drawingml/2006/main" xmlns:r="http://schemas.openxmlformats.org/officeDocument/2006/relationships" xmlns:p="http://schemas.openxmlformats.org/presentationml/2006/main">
+  <p:cSld>
+    <p:spTree>
+      <p:nvGrpSpPr>
+        <p:cNvPr id="1" name=""/>
+        <p:cNvGrpSpPr/>
+        <p:nvPr/>
+      </p:nvGrpSpPr>
+      <p:grpSpPr>
+        <a:xfrm>
+          <a:off x="0" y="0"/>
+          <a:ext cx="0" cy="0"/>
+          <a:chOff x="0" y="0"/>
+          <a:chExt cx="0" cy="0"/>
+        </a:xfrm>
+      </p:grpSpPr>
+      <p:sp>
+        <p:nvSpPr>
+          <p:cNvPr id="3" name="מציין מיקום תוכן 2">
+            <a:extLst>
+              <a:ext uri="{FF2B5EF4-FFF2-40B4-BE49-F238E27FC236}">
+                <a16:creationId xmlns:a16="http://schemas.microsoft.com/office/drawing/2014/main" id="{78C567FF-CBA9-4276-9F16-D275B35D0D53}"/>
+              </a:ext>
+            </a:extLst>
+          </p:cNvPr>
+          <p:cNvSpPr>
+            <a:spLocks noGrp="1"/>
+          </p:cNvSpPr>
+          <p:nvPr>
+            <p:ph idx="1"/>
+          </p:nvPr>
+        </p:nvSpPr>
+        <p:spPr/>
+        <p:txBody>
+          <a:bodyPr/>
+          <a:lstStyle/>
+          <a:p>
+            <a:pPr marL="0" indent="0">
+              <a:buNone/>
+            </a:pPr>
+            <a:r>
+              <a:rPr lang="he-IL" b="1" u="sng" dirty="0"/>
+              <a:t>מציאת תבניות לתיוג:</a:t>
+            </a:r>
+          </a:p>
+          <a:p>
+            <a:pPr marL="0" indent="0">
+              <a:buNone/>
+            </a:pPr>
+            <a:r>
+              <a:rPr lang="he-IL" dirty="0"/>
+              <a:t>בנוסף, כאשר ניגשנו למלאכת תיוג המידע, שאפנו למצוא כמה שיותר רפרנסים מן התלמוד ויצרנו פונקציות תיוג רבות, אולם ראינו שככל שעלה ה</a:t>
+            </a:r>
+            <a:r>
+              <a:rPr lang="en-US" dirty="0"/>
+              <a:t>recall</a:t>
+            </a:r>
+            <a:r>
+              <a:rPr lang="he-IL" dirty="0"/>
+              <a:t> כך ה</a:t>
+            </a:r>
+            <a:r>
+              <a:rPr lang="en-US" dirty="0"/>
+              <a:t>precision</a:t>
+            </a:r>
+            <a:r>
+              <a:rPr lang="he-IL" dirty="0"/>
+              <a:t> פחת. בנוסף, לפונקציות מסוימות היה אחוז גבוה של </a:t>
+            </a:r>
+            <a:r>
+              <a:rPr lang="en-US" dirty="0"/>
+              <a:t>false positives</a:t>
+            </a:r>
+            <a:r>
+              <a:rPr lang="he-IL" dirty="0"/>
+              <a:t>, כך שהזיקו יותר משתרמו לזיהוי </a:t>
+            </a:r>
+            <a:r>
+              <a:rPr lang="he-IL" dirty="0" err="1"/>
+              <a:t>רפרנסים</a:t>
+            </a:r>
+            <a:r>
+              <a:rPr lang="he-IL" dirty="0"/>
+              <a:t>. לכן הסרנו אותן, ובכך בחרנו ב</a:t>
+            </a:r>
+            <a:r>
+              <a:rPr lang="en-US" dirty="0"/>
+              <a:t>precision</a:t>
+            </a:r>
+            <a:r>
+              <a:rPr lang="he-IL" dirty="0"/>
+              <a:t> גבוה במחיר של</a:t>
+            </a:r>
+            <a:r>
+              <a:rPr lang="en-US" dirty="0"/>
+              <a:t> </a:t>
+            </a:r>
+            <a:r>
+              <a:rPr lang="he-IL" dirty="0"/>
+              <a:t> </a:t>
+            </a:r>
+            <a:r>
+              <a:rPr lang="en-US" dirty="0"/>
+              <a:t>recall</a:t>
+            </a:r>
+            <a:r>
+              <a:rPr lang="he-IL" dirty="0"/>
+              <a:t> נמוך</a:t>
+            </a:r>
+            <a:r>
+              <a:rPr lang="en-US" dirty="0"/>
+              <a:t> </a:t>
+            </a:r>
+            <a:r>
+              <a:rPr lang="he-IL" dirty="0"/>
+              <a:t>של רפרנסים. את ה</a:t>
+            </a:r>
+            <a:r>
+              <a:rPr lang="en-US" dirty="0"/>
+              <a:t>recall</a:t>
+            </a:r>
+            <a:r>
+              <a:rPr lang="he-IL" dirty="0"/>
+              <a:t> הגברנו לאחר מכן באמצעות הטמעת מידע (שימוש בפונקציות הטרנספורמציה).</a:t>
+            </a:r>
+          </a:p>
+        </p:txBody>
+      </p:sp>
+      <p:sp>
+        <p:nvSpPr>
+          <p:cNvPr id="4" name="כותרת 3">
+            <a:extLst>
+              <a:ext uri="{FF2B5EF4-FFF2-40B4-BE49-F238E27FC236}">
+                <a16:creationId xmlns:a16="http://schemas.microsoft.com/office/drawing/2014/main" id="{14EB748D-230B-41C9-920F-8FB878A8B6FD}"/>
+              </a:ext>
+            </a:extLst>
+          </p:cNvPr>
+          <p:cNvSpPr>
+            <a:spLocks noGrp="1"/>
+          </p:cNvSpPr>
+          <p:nvPr>
+            <p:ph type="title"/>
+          </p:nvPr>
+        </p:nvSpPr>
+        <p:spPr>
+          <a:xfrm>
+            <a:off x="5122887" y="804863"/>
+            <a:ext cx="2260555" cy="923330"/>
+          </a:xfrm>
+          <a:prstGeom prst="rect">
+            <a:avLst/>
+          </a:prstGeom>
+          <a:noFill/>
+        </p:spPr>
+        <p:txBody>
+          <a:bodyPr wrap="none" lIns="91440" tIns="45720" rIns="91440" bIns="45720">
+            <a:spAutoFit/>
+          </a:bodyPr>
+          <a:lstStyle/>
+          <a:p>
+            <a:pPr algn="ctr"/>
+            <a:r>
+              <a:rPr lang="he-IL" sz="6000" b="1" cap="none" spc="0" dirty="0">
+                <a:ln w="9525">
+                  <a:solidFill>
+                    <a:schemeClr val="bg1"/>
+                  </a:solidFill>
+                  <a:prstDash val="solid"/>
+                </a:ln>
+                <a:solidFill>
+                  <a:schemeClr val="accent2">
+                    <a:lumMod val="75000"/>
+                  </a:schemeClr>
+                </a:solidFill>
+                <a:effectLst>
+                  <a:outerShdw blurRad="12700" dist="38100" dir="2700000" algn="tl" rotWithShape="0">
+                    <a:schemeClr val="accent5">
+                      <a:lumMod val="60000"/>
+                      <a:lumOff val="40000"/>
+                    </a:schemeClr>
+                  </a:outerShdw>
+                </a:effectLst>
+              </a:rPr>
+              <a:t>אתגרים</a:t>
+            </a:r>
+          </a:p>
+        </p:txBody>
+      </p:sp>
+    </p:spTree>
+    <p:extLst>
+      <p:ext uri="{BB962C8B-B14F-4D97-AF65-F5344CB8AC3E}">
+        <p14:creationId xmlns:p14="http://schemas.microsoft.com/office/powerpoint/2010/main" val="2848379480"/>
+      </p:ext>
+    </p:extLst>
+  </p:cSld>
+  <p:clrMapOvr>
+    <a:masterClrMapping/>
+  </p:clrMapOvr>
+</p:sld>
+</file>
+
+<file path=ppt/slides/slide24.xml><?xml version="1.0" encoding="utf-8"?>
+<p:sld xmlns:a="http://schemas.openxmlformats.org/drawingml/2006/main" xmlns:r="http://schemas.openxmlformats.org/officeDocument/2006/relationships" xmlns:p="http://schemas.openxmlformats.org/presentationml/2006/main">
+  <p:cSld>
+    <p:spTree>
+      <p:nvGrpSpPr>
+        <p:cNvPr id="1" name=""/>
+        <p:cNvGrpSpPr/>
+        <p:nvPr/>
+      </p:nvGrpSpPr>
+      <p:grpSpPr>
+        <a:xfrm>
+          <a:off x="0" y="0"/>
+          <a:ext cx="0" cy="0"/>
+          <a:chOff x="0" y="0"/>
+          <a:chExt cx="0" cy="0"/>
+        </a:xfrm>
+      </p:grpSpPr>
+      <p:sp>
+        <p:nvSpPr>
+          <p:cNvPr id="3" name="מציין מיקום תוכן 2">
+            <a:extLst>
+              <a:ext uri="{FF2B5EF4-FFF2-40B4-BE49-F238E27FC236}">
+                <a16:creationId xmlns:a16="http://schemas.microsoft.com/office/drawing/2014/main" id="{78C567FF-CBA9-4276-9F16-D275B35D0D53}"/>
+              </a:ext>
+            </a:extLst>
+          </p:cNvPr>
+          <p:cNvSpPr>
+            <a:spLocks noGrp="1"/>
+          </p:cNvSpPr>
+          <p:nvPr>
+            <p:ph idx="1"/>
+          </p:nvPr>
+        </p:nvSpPr>
+        <p:spPr/>
+        <p:txBody>
+          <a:bodyPr/>
+          <a:lstStyle/>
+          <a:p>
+            <a:pPr marL="0" indent="0">
+              <a:buNone/>
+            </a:pPr>
+            <a:r>
+              <a:rPr lang="he-IL" b="1" u="sng" dirty="0"/>
+              <a:t>השפה העברית:</a:t>
+            </a:r>
+            <a:endParaRPr lang="he-IL" u="sng" dirty="0"/>
+          </a:p>
+          <a:p>
+            <a:pPr marL="0" indent="0">
+              <a:buNone/>
+            </a:pPr>
+            <a:r>
+              <a:rPr lang="he-IL" dirty="0"/>
+              <a:t>נתקלנו במספר קשיים עקב השימוש בשפה העברית בפרויקט זה.</a:t>
+            </a:r>
+            <a:br>
+              <a:rPr lang="en-US" dirty="0"/>
+            </a:br>
+            <a:r>
+              <a:rPr lang="he-IL" dirty="0"/>
+              <a:t>ראשית, כמעט ואין ספריות בפייתון העוזרות לניתוח טקסט בעברית, ועקב כך נאלצנו לכתוב פונקציה משלנו לזיהוי סוף ותחילת משפטים בעברית (לצורך פרסור ראשוני של המידע).</a:t>
+            </a:r>
+            <a:br>
+              <a:rPr lang="en-US" dirty="0"/>
+            </a:br>
+            <a:r>
+              <a:rPr lang="he-IL" dirty="0"/>
+              <a:t>שנית, בחלק מפונקציות התיוג השתמשנו בביטויים רגולרים למציאת תבניות מסויימות בטקסט העברי, ולכן ביטויים אלו היו בשפה העברית, דבר אשר פייתון לא תומכת בו בצורה חלקה.</a:t>
+            </a:r>
+            <a:endParaRPr lang="he-IL" u="sng" dirty="0"/>
+          </a:p>
+        </p:txBody>
+      </p:sp>
+      <p:sp>
+        <p:nvSpPr>
+          <p:cNvPr id="4" name="כותרת 3">
+            <a:extLst>
+              <a:ext uri="{FF2B5EF4-FFF2-40B4-BE49-F238E27FC236}">
+                <a16:creationId xmlns:a16="http://schemas.microsoft.com/office/drawing/2014/main" id="{E4480DF1-DEB6-4974-9F65-F865DEE4067A}"/>
+              </a:ext>
+            </a:extLst>
+          </p:cNvPr>
+          <p:cNvSpPr>
+            <a:spLocks noGrp="1"/>
+          </p:cNvSpPr>
+          <p:nvPr>
+            <p:ph type="title"/>
+          </p:nvPr>
+        </p:nvSpPr>
+        <p:spPr>
+          <a:xfrm>
+            <a:off x="1450975" y="804863"/>
+            <a:ext cx="9604375" cy="1049337"/>
+          </a:xfrm>
+          <a:prstGeom prst="rect">
+            <a:avLst/>
+          </a:prstGeom>
+          <a:noFill/>
+        </p:spPr>
+        <p:txBody>
+          <a:bodyPr wrap="none" lIns="91440" tIns="45720" rIns="91440" bIns="45720">
+            <a:spAutoFit/>
+          </a:bodyPr>
+          <a:lstStyle/>
+          <a:p>
+            <a:pPr algn="ctr"/>
+            <a:r>
+              <a:rPr lang="he-IL" sz="6000" b="1" cap="none" spc="0" dirty="0">
+                <a:ln w="9525">
+                  <a:solidFill>
+                    <a:schemeClr val="bg1"/>
+                  </a:solidFill>
+                  <a:prstDash val="solid"/>
+                </a:ln>
+                <a:solidFill>
+                  <a:schemeClr val="accent5"/>
+                </a:solidFill>
+                <a:effectLst>
+                  <a:outerShdw blurRad="12700" dist="38100" dir="2700000" algn="tl" rotWithShape="0">
+                    <a:schemeClr val="accent5">
+                      <a:lumMod val="60000"/>
+                      <a:lumOff val="40000"/>
+                    </a:schemeClr>
+                  </a:outerShdw>
+                </a:effectLst>
+              </a:rPr>
+              <a:t>אתגרים</a:t>
+            </a:r>
+          </a:p>
+        </p:txBody>
+      </p:sp>
+      <p:sp>
+        <p:nvSpPr>
+          <p:cNvPr id="5" name="מלבן 3">
+            <a:extLst>
+              <a:ext uri="{FF2B5EF4-FFF2-40B4-BE49-F238E27FC236}">
+                <a16:creationId xmlns:a16="http://schemas.microsoft.com/office/drawing/2014/main" id="{598F9A7F-2A99-4CA2-8CFC-DCFA45DD240D}"/>
+              </a:ext>
+            </a:extLst>
+          </p:cNvPr>
+          <p:cNvSpPr txBox="1">
+            <a:spLocks/>
+          </p:cNvSpPr>
+          <p:nvPr/>
+        </p:nvSpPr>
+        <p:spPr>
+          <a:xfrm>
+            <a:off x="5122887" y="804863"/>
+            <a:ext cx="2260555" cy="923330"/>
+          </a:xfrm>
+          <a:prstGeom prst="rect">
+            <a:avLst/>
+          </a:prstGeom>
+          <a:noFill/>
+        </p:spPr>
+        <p:txBody>
+          <a:bodyPr vert="horz" wrap="none" lIns="91440" tIns="45720" rIns="91440" bIns="45720" rtlCol="0" anchor="t">
+            <a:spAutoFit/>
+          </a:bodyPr>
+          <a:lstStyle>
+            <a:lvl1pPr algn="l" defTabSz="914400" rtl="1" eaLnBrk="1" latinLnBrk="0" hangingPunct="1">
+              <a:lnSpc>
+                <a:spcPct val="90000"/>
+              </a:lnSpc>
+              <a:spcBef>
+                <a:spcPct val="0"/>
+              </a:spcBef>
+              <a:buNone/>
+              <a:defRPr sz="3200" b="0" i="0" kern="1200" cap="all">
+                <a:solidFill>
+                  <a:schemeClr val="tx1"/>
+                </a:solidFill>
+                <a:effectLst/>
+                <a:latin typeface="+mj-lt"/>
+                <a:ea typeface="+mj-ea"/>
+                <a:cs typeface="+mj-cs"/>
+              </a:defRPr>
+            </a:lvl1pPr>
+          </a:lstStyle>
+          <a:p>
+            <a:pPr algn="ctr"/>
+            <a:r>
+              <a:rPr lang="he-IL" sz="6000" b="1" cap="none" dirty="0">
+                <a:ln w="9525">
+                  <a:solidFill>
+                    <a:schemeClr val="bg1"/>
+                  </a:solidFill>
+                  <a:prstDash val="solid"/>
+                </a:ln>
+                <a:solidFill>
+                  <a:schemeClr val="accent2">
+                    <a:lumMod val="75000"/>
+                  </a:schemeClr>
+                </a:solidFill>
+                <a:effectLst>
+                  <a:outerShdw blurRad="12700" dist="38100" dir="2700000" algn="tl" rotWithShape="0">
+                    <a:schemeClr val="accent5">
+                      <a:lumMod val="60000"/>
+                      <a:lumOff val="40000"/>
+                    </a:schemeClr>
+                  </a:outerShdw>
+                </a:effectLst>
+              </a:rPr>
+              <a:t>אתגרים</a:t>
+            </a:r>
+          </a:p>
+        </p:txBody>
+      </p:sp>
+    </p:spTree>
+    <p:extLst>
+      <p:ext uri="{BB962C8B-B14F-4D97-AF65-F5344CB8AC3E}">
+        <p14:creationId xmlns:p14="http://schemas.microsoft.com/office/powerpoint/2010/main" val="2023241020"/>
+      </p:ext>
+    </p:extLst>
+  </p:cSld>
+  <p:clrMapOvr>
+    <a:masterClrMapping/>
+  </p:clrMapOvr>
+</p:sld>
+</file>
+
+<file path=ppt/slides/slide25.xml><?xml version="1.0" encoding="utf-8"?>
+<p:sld xmlns:a="http://schemas.openxmlformats.org/drawingml/2006/main" xmlns:r="http://schemas.openxmlformats.org/officeDocument/2006/relationships" xmlns:p="http://schemas.openxmlformats.org/presentationml/2006/main">
+  <p:cSld>
+    <p:spTree>
+      <p:nvGrpSpPr>
+        <p:cNvPr id="1" name=""/>
+        <p:cNvGrpSpPr/>
+        <p:nvPr/>
+      </p:nvGrpSpPr>
+      <p:grpSpPr>
+        <a:xfrm>
+          <a:off x="0" y="0"/>
+          <a:ext cx="0" cy="0"/>
+          <a:chOff x="0" y="0"/>
+          <a:chExt cx="0" cy="0"/>
+        </a:xfrm>
+      </p:grpSpPr>
+      <p:sp>
+        <p:nvSpPr>
+          <p:cNvPr id="2" name="כותרת 1">
+            <a:extLst>
+              <a:ext uri="{FF2B5EF4-FFF2-40B4-BE49-F238E27FC236}">
+                <a16:creationId xmlns:a16="http://schemas.microsoft.com/office/drawing/2014/main" id="{BDC5D4EC-EC0D-4B25-83EF-D0DC6FDF5FE5}"/>
+              </a:ext>
+            </a:extLst>
+          </p:cNvPr>
+          <p:cNvSpPr>
+            <a:spLocks noGrp="1"/>
+          </p:cNvSpPr>
+          <p:nvPr>
+            <p:ph type="title"/>
+          </p:nvPr>
+        </p:nvSpPr>
+        <p:spPr/>
+        <p:txBody>
+          <a:bodyPr/>
+          <a:lstStyle/>
+          <a:p>
+            <a:pPr algn="ctr"/>
+            <a:r>
+              <a:rPr lang="he-IL" sz="6000" b="1" cap="none" dirty="0">
+                <a:ln w="9525">
+                  <a:solidFill>
+                    <a:schemeClr val="bg1"/>
+                  </a:solidFill>
+                  <a:prstDash val="solid"/>
+                </a:ln>
+                <a:solidFill>
+                  <a:schemeClr val="accent2">
+                    <a:lumMod val="75000"/>
+                  </a:schemeClr>
+                </a:solidFill>
+                <a:effectLst>
+                  <a:outerShdw blurRad="12700" dist="38100" dir="2700000" algn="tl" rotWithShape="0">
+                    <a:schemeClr val="accent5">
+                      <a:lumMod val="60000"/>
+                      <a:lumOff val="40000"/>
+                    </a:schemeClr>
+                  </a:outerShdw>
+                </a:effectLst>
+              </a:rPr>
+              <a:t>תודות וביבליוגרפיה</a:t>
+            </a:r>
+          </a:p>
+        </p:txBody>
+      </p:sp>
+      <p:sp>
+        <p:nvSpPr>
+          <p:cNvPr id="3" name="מציין מיקום תוכן 2">
+            <a:extLst>
+              <a:ext uri="{FF2B5EF4-FFF2-40B4-BE49-F238E27FC236}">
+                <a16:creationId xmlns:a16="http://schemas.microsoft.com/office/drawing/2014/main" id="{2B8E6DDE-0464-404D-AFEC-B2273790D726}"/>
+              </a:ext>
+            </a:extLst>
+          </p:cNvPr>
+          <p:cNvSpPr>
+            <a:spLocks noGrp="1"/>
+          </p:cNvSpPr>
+          <p:nvPr>
+            <p:ph idx="1"/>
+          </p:nvPr>
+        </p:nvSpPr>
+        <p:spPr/>
+        <p:txBody>
+          <a:bodyPr>
+            <a:normAutofit/>
+          </a:bodyPr>
+          <a:lstStyle/>
+          <a:p>
+            <a:r>
+              <a:rPr lang="he-IL" dirty="0"/>
+              <a:t>נרצה להודות למנחה שלנו ד"ר אורן משלי, על העזרה, התמיכה והעידוד לאורך כל הסמסטר.</a:t>
+            </a:r>
+          </a:p>
+          <a:p>
+            <a:r>
+              <a:rPr lang="he-IL" dirty="0"/>
+              <a:t>מקורות:</a:t>
+            </a:r>
+          </a:p>
+          <a:p>
+            <a:pPr algn="l" rtl="0"/>
+            <a:r>
+              <a:rPr lang="en-US" dirty="0">
+                <a:hlinkClick r:id="rId2"/>
+              </a:rPr>
+              <a:t>https://en.wikipedia.org/wiki/Weak_supervision</a:t>
+            </a:r>
+            <a:endParaRPr lang="en-US" dirty="0"/>
+          </a:p>
+          <a:p>
+            <a:pPr algn="l" rtl="0"/>
+            <a:r>
+              <a:rPr lang="en-US" dirty="0">
+                <a:hlinkClick r:id="rId3"/>
+              </a:rPr>
+              <a:t>https://www.snorkel.org/</a:t>
+            </a:r>
+            <a:endParaRPr lang="en-US" dirty="0"/>
+          </a:p>
+          <a:p>
+            <a:pPr algn="l" rtl="0"/>
+            <a:r>
+              <a:rPr lang="en-US" dirty="0">
+                <a:hlinkClick r:id="rId4"/>
+              </a:rPr>
+              <a:t>https://scikit-learn.org/</a:t>
+            </a:r>
+            <a:endParaRPr lang="en-US" dirty="0"/>
+          </a:p>
+          <a:p>
+            <a:pPr algn="l" rtl="0"/>
+            <a:r>
+              <a:rPr lang="en-US" dirty="0">
+                <a:hlinkClick r:id="rId5"/>
+              </a:rPr>
+              <a:t>https://jakevdp.github.io/PythonDataScienceHandbook/</a:t>
+            </a:r>
+            <a:endParaRPr lang="en-US" dirty="0"/>
+          </a:p>
+          <a:p>
+            <a:pPr marL="0" indent="0" algn="l" rtl="0">
+              <a:buNone/>
+            </a:pPr>
+            <a:endParaRPr lang="he-IL" dirty="0"/>
+          </a:p>
+        </p:txBody>
+      </p:sp>
+    </p:spTree>
+    <p:extLst>
+      <p:ext uri="{BB962C8B-B14F-4D97-AF65-F5344CB8AC3E}">
+        <p14:creationId xmlns:p14="http://schemas.microsoft.com/office/powerpoint/2010/main" val="4119600476"/>
+      </p:ext>
+    </p:extLst>
+  </p:cSld>
+  <p:clrMapOvr>
+    <a:masterClrMapping/>
+  </p:clrMapOvr>
+</p:sld>
+</file>
+
 <file path=ppt/slides/slide3.xml><?xml version="1.0" encoding="utf-8"?>
 <p:sld xmlns:a="http://schemas.openxmlformats.org/drawingml/2006/main" xmlns:r="http://schemas.openxmlformats.org/officeDocument/2006/relationships" xmlns:p="http://schemas.openxmlformats.org/presentationml/2006/main">
   <p:cSld>
@@ -7687,6 +8706,657 @@
       </p:grpSpPr>
       <p:sp>
         <p:nvSpPr>
+          <p:cNvPr id="2" name="Title 1">
+            <a:extLst>
+              <a:ext uri="{FF2B5EF4-FFF2-40B4-BE49-F238E27FC236}">
+                <a16:creationId xmlns:a16="http://schemas.microsoft.com/office/drawing/2014/main" id="{02FA0AA8-5070-47E5-814E-9AF7F20AF99A}"/>
+              </a:ext>
+            </a:extLst>
+          </p:cNvPr>
+          <p:cNvSpPr>
+            <a:spLocks noGrp="1"/>
+          </p:cNvSpPr>
+          <p:nvPr>
+            <p:ph type="title"/>
+          </p:nvPr>
+        </p:nvSpPr>
+        <p:spPr/>
+        <p:txBody>
+          <a:bodyPr/>
+          <a:lstStyle/>
+          <a:p>
+            <a:pPr algn="ctr"/>
+            <a:r>
+              <a:rPr lang="he-IL" sz="6000" b="1" dirty="0">
+                <a:ln w="9525">
+                  <a:solidFill>
+                    <a:schemeClr val="bg1"/>
+                  </a:solidFill>
+                  <a:prstDash val="solid"/>
+                </a:ln>
+                <a:solidFill>
+                  <a:schemeClr val="accent2">
+                    <a:lumMod val="75000"/>
+                  </a:schemeClr>
+                </a:solidFill>
+                <a:effectLst>
+                  <a:outerShdw blurRad="12700" dist="38100" dir="2700000" algn="tl" rotWithShape="0">
+                    <a:schemeClr val="accent5">
+                      <a:lumMod val="60000"/>
+                      <a:lumOff val="40000"/>
+                    </a:schemeClr>
+                  </a:outerShdw>
+                </a:effectLst>
+              </a:rPr>
+              <a:t>רקע</a:t>
+            </a:r>
+            <a:endParaRPr lang="en-US" sz="6000" b="1" dirty="0">
+              <a:ln w="9525">
+                <a:solidFill>
+                  <a:schemeClr val="bg1"/>
+                </a:solidFill>
+                <a:prstDash val="solid"/>
+              </a:ln>
+              <a:solidFill>
+                <a:schemeClr val="accent2">
+                  <a:lumMod val="75000"/>
+                </a:schemeClr>
+              </a:solidFill>
+              <a:effectLst>
+                <a:outerShdw blurRad="12700" dist="38100" dir="2700000" algn="tl" rotWithShape="0">
+                  <a:schemeClr val="accent5">
+                    <a:lumMod val="60000"/>
+                    <a:lumOff val="40000"/>
+                  </a:schemeClr>
+                </a:outerShdw>
+              </a:effectLst>
+            </a:endParaRPr>
+          </a:p>
+        </p:txBody>
+      </p:sp>
+      <p:sp>
+        <p:nvSpPr>
+          <p:cNvPr id="3" name="Content Placeholder 2">
+            <a:extLst>
+              <a:ext uri="{FF2B5EF4-FFF2-40B4-BE49-F238E27FC236}">
+                <a16:creationId xmlns:a16="http://schemas.microsoft.com/office/drawing/2014/main" id="{3F6C133E-14B7-4BCA-9A4C-EFB146AAE9E7}"/>
+              </a:ext>
+            </a:extLst>
+          </p:cNvPr>
+          <p:cNvSpPr>
+            <a:spLocks noGrp="1"/>
+          </p:cNvSpPr>
+          <p:nvPr>
+            <p:ph idx="1"/>
+          </p:nvPr>
+        </p:nvSpPr>
+        <p:spPr/>
+        <p:txBody>
+          <a:bodyPr/>
+          <a:lstStyle/>
+          <a:p>
+            <a:r>
+              <a:rPr lang="he-IL" dirty="0"/>
+              <a:t>הפרוייקט הוא חלק מפרוייקט "ארון הספרים היהודי" – פרוייקט מתמשך בפקולטת מדעי המחשב בטכניון. </a:t>
+            </a:r>
+          </a:p>
+          <a:p>
+            <a:r>
+              <a:rPr lang="he-IL" dirty="0"/>
+              <a:t>מטרת פרוייקט זה לבדוק האם למידה חישובית יכולה להועיל במשימה של מציאת רפרנסים לתלמוד הבבלי.</a:t>
+            </a:r>
+          </a:p>
+          <a:p>
+            <a:r>
+              <a:rPr lang="he-IL" dirty="0"/>
+              <a:t>התלמוד הבבלי זה קובץ הלכות יהודי לסוגיות שונות, המשמש כפרשנות למשנה.</a:t>
+            </a:r>
+          </a:p>
+          <a:p>
+            <a:r>
+              <a:rPr lang="he-IL" dirty="0"/>
+              <a:t>עד היום, התלמוד הבבלי נחשב כמקור בעל ערך ומצוטט בטקסטים יהודים רבים.</a:t>
+            </a:r>
+            <a:endParaRPr lang="en-US" dirty="0"/>
+          </a:p>
+        </p:txBody>
+      </p:sp>
+    </p:spTree>
+    <p:extLst>
+      <p:ext uri="{BB962C8B-B14F-4D97-AF65-F5344CB8AC3E}">
+        <p14:creationId xmlns:p14="http://schemas.microsoft.com/office/powerpoint/2010/main" val="3544715991"/>
+      </p:ext>
+    </p:extLst>
+  </p:cSld>
+  <p:clrMapOvr>
+    <a:masterClrMapping/>
+  </p:clrMapOvr>
+</p:sld>
+</file>
+
+<file path=ppt/slides/slide4.xml><?xml version="1.0" encoding="utf-8"?>
+<p:sld xmlns:a="http://schemas.openxmlformats.org/drawingml/2006/main" xmlns:r="http://schemas.openxmlformats.org/officeDocument/2006/relationships" xmlns:p="http://schemas.openxmlformats.org/presentationml/2006/main">
+  <p:cSld>
+    <p:spTree>
+      <p:nvGrpSpPr>
+        <p:cNvPr id="1" name=""/>
+        <p:cNvGrpSpPr/>
+        <p:nvPr/>
+      </p:nvGrpSpPr>
+      <p:grpSpPr>
+        <a:xfrm>
+          <a:off x="0" y="0"/>
+          <a:ext cx="0" cy="0"/>
+          <a:chOff x="0" y="0"/>
+          <a:chExt cx="0" cy="0"/>
+        </a:xfrm>
+      </p:grpSpPr>
+      <p:sp>
+        <p:nvSpPr>
+          <p:cNvPr id="3" name="Content Placeholder 2">
+            <a:extLst>
+              <a:ext uri="{FF2B5EF4-FFF2-40B4-BE49-F238E27FC236}">
+                <a16:creationId xmlns:a16="http://schemas.microsoft.com/office/drawing/2014/main" id="{65D63F92-2C08-4EE9-B081-7BE2B300D6C9}"/>
+              </a:ext>
+            </a:extLst>
+          </p:cNvPr>
+          <p:cNvSpPr>
+            <a:spLocks noGrp="1"/>
+          </p:cNvSpPr>
+          <p:nvPr>
+            <p:ph idx="1"/>
+          </p:nvPr>
+        </p:nvSpPr>
+        <p:spPr/>
+        <p:txBody>
+          <a:bodyPr>
+            <a:normAutofit/>
+          </a:bodyPr>
+          <a:lstStyle/>
+          <a:p>
+            <a:r>
+              <a:rPr lang="he-IL" dirty="0"/>
+              <a:t>בעבר נעשה שימוש בביטויים רגולרים לזיהוי הרפרנסים, אולם למציאת הרפרנסים בעזרת ביטויים רגולרים יש מספר בעיות כמו:</a:t>
+            </a:r>
+          </a:p>
+          <a:p>
+            <a:pPr>
+              <a:buFontTx/>
+              <a:buChar char="-"/>
+            </a:pPr>
+            <a:r>
+              <a:rPr lang="he-IL" dirty="0"/>
+              <a:t>חוסר בפורמט אחיד של הרפרנסים.</a:t>
+            </a:r>
+          </a:p>
+          <a:p>
+            <a:pPr>
+              <a:buFontTx/>
+              <a:buChar char="-"/>
+            </a:pPr>
+            <a:r>
+              <a:rPr lang="he-IL" dirty="0"/>
+              <a:t>כתיבת הביטויים הרגולים תיהיה מורכבת, וייתכן שדבר זה יקח זמן רב.</a:t>
+            </a:r>
+          </a:p>
+          <a:p>
+            <a:pPr>
+              <a:buFontTx/>
+              <a:buChar char="-"/>
+            </a:pPr>
+            <a:r>
+              <a:rPr lang="he-IL" dirty="0"/>
+              <a:t>השילוב של הביטויים הרגולרים המורכבים עם השפה העברית יהיה לא ידידותי.</a:t>
+            </a:r>
+          </a:p>
+          <a:p>
+            <a:pPr>
+              <a:buFontTx/>
+              <a:buChar char="-"/>
+            </a:pPr>
+            <a:endParaRPr lang="he-IL" dirty="0"/>
+          </a:p>
+          <a:p>
+            <a:pPr>
+              <a:buFontTx/>
+              <a:buChar char="-"/>
+            </a:pPr>
+            <a:endParaRPr lang="he-IL" dirty="0"/>
+          </a:p>
+          <a:p>
+            <a:pPr>
+              <a:buFontTx/>
+              <a:buChar char="-"/>
+            </a:pPr>
+            <a:endParaRPr lang="en-US" dirty="0"/>
+          </a:p>
+        </p:txBody>
+      </p:sp>
+      <p:sp>
+        <p:nvSpPr>
+          <p:cNvPr id="4" name="Title 1">
+            <a:extLst>
+              <a:ext uri="{FF2B5EF4-FFF2-40B4-BE49-F238E27FC236}">
+                <a16:creationId xmlns:a16="http://schemas.microsoft.com/office/drawing/2014/main" id="{4D8E423C-F2B5-4089-88EB-249BFEF1979F}"/>
+              </a:ext>
+            </a:extLst>
+          </p:cNvPr>
+          <p:cNvSpPr>
+            <a:spLocks noGrp="1"/>
+          </p:cNvSpPr>
+          <p:nvPr>
+            <p:ph type="title"/>
+          </p:nvPr>
+        </p:nvSpPr>
+        <p:spPr>
+          <a:xfrm>
+            <a:off x="1450975" y="804863"/>
+            <a:ext cx="9604375" cy="1049337"/>
+          </a:xfrm>
+        </p:spPr>
+        <p:txBody>
+          <a:bodyPr/>
+          <a:lstStyle/>
+          <a:p>
+            <a:pPr algn="ctr"/>
+            <a:r>
+              <a:rPr lang="he-IL" sz="6000" b="1" dirty="0">
+                <a:ln w="9525">
+                  <a:solidFill>
+                    <a:schemeClr val="bg1"/>
+                  </a:solidFill>
+                  <a:prstDash val="solid"/>
+                </a:ln>
+                <a:solidFill>
+                  <a:schemeClr val="accent2">
+                    <a:lumMod val="75000"/>
+                  </a:schemeClr>
+                </a:solidFill>
+                <a:effectLst>
+                  <a:outerShdw blurRad="12700" dist="38100" dir="2700000" algn="tl" rotWithShape="0">
+                    <a:schemeClr val="accent5">
+                      <a:lumMod val="60000"/>
+                      <a:lumOff val="40000"/>
+                    </a:schemeClr>
+                  </a:outerShdw>
+                </a:effectLst>
+              </a:rPr>
+              <a:t>תחילת העבודה</a:t>
+            </a:r>
+            <a:endParaRPr lang="en-US" sz="6000" b="1" dirty="0">
+              <a:ln w="9525">
+                <a:solidFill>
+                  <a:schemeClr val="bg1"/>
+                </a:solidFill>
+                <a:prstDash val="solid"/>
+              </a:ln>
+              <a:solidFill>
+                <a:schemeClr val="accent2">
+                  <a:lumMod val="75000"/>
+                </a:schemeClr>
+              </a:solidFill>
+              <a:effectLst>
+                <a:outerShdw blurRad="12700" dist="38100" dir="2700000" algn="tl" rotWithShape="0">
+                  <a:schemeClr val="accent5">
+                    <a:lumMod val="60000"/>
+                    <a:lumOff val="40000"/>
+                  </a:schemeClr>
+                </a:outerShdw>
+              </a:effectLst>
+            </a:endParaRPr>
+          </a:p>
+        </p:txBody>
+      </p:sp>
+    </p:spTree>
+    <p:extLst>
+      <p:ext uri="{BB962C8B-B14F-4D97-AF65-F5344CB8AC3E}">
+        <p14:creationId xmlns:p14="http://schemas.microsoft.com/office/powerpoint/2010/main" val="3896210456"/>
+      </p:ext>
+    </p:extLst>
+  </p:cSld>
+  <p:clrMapOvr>
+    <a:masterClrMapping/>
+  </p:clrMapOvr>
+</p:sld>
+</file>
+
+<file path=ppt/slides/slide5.xml><?xml version="1.0" encoding="utf-8"?>
+<p:sld xmlns:a="http://schemas.openxmlformats.org/drawingml/2006/main" xmlns:r="http://schemas.openxmlformats.org/officeDocument/2006/relationships" xmlns:p="http://schemas.openxmlformats.org/presentationml/2006/main">
+  <p:cSld>
+    <p:spTree>
+      <p:nvGrpSpPr>
+        <p:cNvPr id="1" name=""/>
+        <p:cNvGrpSpPr/>
+        <p:nvPr/>
+      </p:nvGrpSpPr>
+      <p:grpSpPr>
+        <a:xfrm>
+          <a:off x="0" y="0"/>
+          <a:ext cx="0" cy="0"/>
+          <a:chOff x="0" y="0"/>
+          <a:chExt cx="0" cy="0"/>
+        </a:xfrm>
+      </p:grpSpPr>
+      <p:sp>
+        <p:nvSpPr>
+          <p:cNvPr id="3" name="Content Placeholder 2">
+            <a:extLst>
+              <a:ext uri="{FF2B5EF4-FFF2-40B4-BE49-F238E27FC236}">
+                <a16:creationId xmlns:a16="http://schemas.microsoft.com/office/drawing/2014/main" id="{DA1C1D0C-0918-4F05-A5F0-ED51B5F46004}"/>
+              </a:ext>
+            </a:extLst>
+          </p:cNvPr>
+          <p:cNvSpPr>
+            <a:spLocks noGrp="1"/>
+          </p:cNvSpPr>
+          <p:nvPr>
+            <p:ph idx="1"/>
+          </p:nvPr>
+        </p:nvSpPr>
+        <p:spPr>
+          <a:xfrm>
+            <a:off x="1595418" y="217755"/>
+            <a:ext cx="9603275" cy="1056242"/>
+          </a:xfrm>
+        </p:spPr>
+        <p:txBody>
+          <a:bodyPr/>
+          <a:lstStyle/>
+          <a:p>
+            <a:r>
+              <a:rPr lang="he-IL" dirty="0"/>
+              <a:t>דוגמה בטקסט ארוך לרפרנסים מהתלמוד הבבלי, ולכך שאין פורמט אחיד:</a:t>
+            </a:r>
+          </a:p>
+          <a:p>
+            <a:pPr marL="0" indent="0">
+              <a:buNone/>
+            </a:pPr>
+            <a:endParaRPr lang="en-US" dirty="0"/>
+          </a:p>
+        </p:txBody>
+      </p:sp>
+      <p:pic>
+        <p:nvPicPr>
+          <p:cNvPr id="6" name="Picture 5">
+            <a:extLst>
+              <a:ext uri="{FF2B5EF4-FFF2-40B4-BE49-F238E27FC236}">
+                <a16:creationId xmlns:a16="http://schemas.microsoft.com/office/drawing/2014/main" id="{BEF2E91F-2CCA-4A1A-8F34-BB1D59579F67}"/>
+              </a:ext>
+            </a:extLst>
+          </p:cNvPr>
+          <p:cNvPicPr>
+            <a:picLocks noChangeAspect="1"/>
+          </p:cNvPicPr>
+          <p:nvPr/>
+        </p:nvPicPr>
+        <p:blipFill>
+          <a:blip r:embed="rId2"/>
+          <a:stretch>
+            <a:fillRect/>
+          </a:stretch>
+        </p:blipFill>
+        <p:spPr>
+          <a:xfrm>
+            <a:off x="4058794" y="825368"/>
+            <a:ext cx="7010400" cy="4124325"/>
+          </a:xfrm>
+          <a:prstGeom prst="rect">
+            <a:avLst/>
+          </a:prstGeom>
+        </p:spPr>
+      </p:pic>
+    </p:spTree>
+    <p:extLst>
+      <p:ext uri="{BB962C8B-B14F-4D97-AF65-F5344CB8AC3E}">
+        <p14:creationId xmlns:p14="http://schemas.microsoft.com/office/powerpoint/2010/main" val="3603153655"/>
+      </p:ext>
+    </p:extLst>
+  </p:cSld>
+  <p:clrMapOvr>
+    <a:masterClrMapping/>
+  </p:clrMapOvr>
+</p:sld>
+</file>
+
+<file path=ppt/slides/slide6.xml><?xml version="1.0" encoding="utf-8"?>
+<p:sld xmlns:a="http://schemas.openxmlformats.org/drawingml/2006/main" xmlns:r="http://schemas.openxmlformats.org/officeDocument/2006/relationships" xmlns:p="http://schemas.openxmlformats.org/presentationml/2006/main">
+  <p:cSld>
+    <p:spTree>
+      <p:nvGrpSpPr>
+        <p:cNvPr id="1" name=""/>
+        <p:cNvGrpSpPr/>
+        <p:nvPr/>
+      </p:nvGrpSpPr>
+      <p:grpSpPr>
+        <a:xfrm>
+          <a:off x="0" y="0"/>
+          <a:ext cx="0" cy="0"/>
+          <a:chOff x="0" y="0"/>
+          <a:chExt cx="0" cy="0"/>
+        </a:xfrm>
+      </p:grpSpPr>
+      <p:sp>
+        <p:nvSpPr>
+          <p:cNvPr id="3" name="Content Placeholder 2">
+            <a:extLst>
+              <a:ext uri="{FF2B5EF4-FFF2-40B4-BE49-F238E27FC236}">
+                <a16:creationId xmlns:a16="http://schemas.microsoft.com/office/drawing/2014/main" id="{5142D9AB-AC09-4641-8E13-EB6843110D96}"/>
+              </a:ext>
+            </a:extLst>
+          </p:cNvPr>
+          <p:cNvSpPr>
+            <a:spLocks noGrp="1"/>
+          </p:cNvSpPr>
+          <p:nvPr>
+            <p:ph idx="1"/>
+          </p:nvPr>
+        </p:nvSpPr>
+        <p:spPr/>
+        <p:txBody>
+          <a:bodyPr/>
+          <a:lstStyle/>
+          <a:p>
+            <a:r>
+              <a:rPr lang="he-IL" dirty="0"/>
+              <a:t>לפיכך, פרוייקט זה בדק האם שילוב של </a:t>
+            </a:r>
+            <a:r>
+              <a:rPr lang="en-US" dirty="0"/>
+              <a:t>machine learning</a:t>
+            </a:r>
+            <a:r>
+              <a:rPr lang="he-IL" dirty="0"/>
+              <a:t> יכול לתרום בתהליך למציאת רפרנסים לתלמוד הבבלי בטקסטים גדולים.</a:t>
+            </a:r>
+          </a:p>
+          <a:p>
+            <a:r>
+              <a:rPr lang="he-IL" dirty="0"/>
+              <a:t>אחד האתגרים ב </a:t>
+            </a:r>
+            <a:r>
+              <a:rPr lang="en-US" dirty="0"/>
+              <a:t>machine learning</a:t>
+            </a:r>
+            <a:r>
+              <a:rPr lang="he-IL" dirty="0"/>
+              <a:t> הוא הדרישה ל </a:t>
+            </a:r>
+            <a:r>
+              <a:rPr lang="en-US" dirty="0"/>
+              <a:t>data set</a:t>
+            </a:r>
+            <a:r>
+              <a:rPr lang="he-IL" dirty="0"/>
+              <a:t> גדול – שישמש ללמידת המכונה.</a:t>
+            </a:r>
+          </a:p>
+          <a:p>
+            <a:r>
+              <a:rPr lang="he-IL" dirty="0"/>
+              <a:t>במקרה שלנו ה </a:t>
+            </a:r>
+            <a:r>
+              <a:rPr lang="en-US" dirty="0"/>
+              <a:t>data set</a:t>
+            </a:r>
+            <a:r>
+              <a:rPr lang="he-IL" dirty="0"/>
+              <a:t> יורכב מטקסט מהמקורות שיכיל ציטוטים מתוייגים לתלמוד הבבלי.</a:t>
+            </a:r>
+          </a:p>
+          <a:p>
+            <a:pPr marL="0" indent="0">
+              <a:buNone/>
+            </a:pPr>
+            <a:endParaRPr lang="he-IL" dirty="0"/>
+          </a:p>
+          <a:p>
+            <a:r>
+              <a:rPr lang="he-IL" dirty="0"/>
+              <a:t>ניגשנו למשימה שלנו בשילוב </a:t>
+            </a:r>
+            <a:r>
+              <a:rPr lang="en-US" dirty="0"/>
+              <a:t>weak supervision</a:t>
+            </a:r>
+            <a:r>
+              <a:rPr lang="he-IL" dirty="0"/>
+              <a:t> – ענף של </a:t>
+            </a:r>
+            <a:r>
+              <a:rPr lang="en-US" dirty="0"/>
+              <a:t>machine learning</a:t>
+            </a:r>
+            <a:r>
+              <a:rPr lang="he-IL" dirty="0"/>
+              <a:t> שבו </a:t>
+            </a:r>
+            <a:r>
+              <a:rPr lang="en-US" dirty="0"/>
+              <a:t>data set</a:t>
+            </a:r>
+            <a:r>
+              <a:rPr lang="he-IL" dirty="0"/>
+              <a:t> "רועש" יספק תיוגים לכמות גדולה של מידע.</a:t>
+            </a:r>
+          </a:p>
+          <a:p>
+            <a:endParaRPr lang="he-IL" dirty="0"/>
+          </a:p>
+          <a:p>
+            <a:endParaRPr lang="en-US" dirty="0"/>
+          </a:p>
+        </p:txBody>
+      </p:sp>
+      <p:sp>
+        <p:nvSpPr>
+          <p:cNvPr id="4" name="Title 1">
+            <a:extLst>
+              <a:ext uri="{FF2B5EF4-FFF2-40B4-BE49-F238E27FC236}">
+                <a16:creationId xmlns:a16="http://schemas.microsoft.com/office/drawing/2014/main" id="{B93D5755-218A-4088-AB99-B0656273A575}"/>
+              </a:ext>
+            </a:extLst>
+          </p:cNvPr>
+          <p:cNvSpPr>
+            <a:spLocks noGrp="1"/>
+          </p:cNvSpPr>
+          <p:nvPr>
+            <p:ph type="title"/>
+          </p:nvPr>
+        </p:nvSpPr>
+        <p:spPr>
+          <a:xfrm>
+            <a:off x="1450975" y="804863"/>
+            <a:ext cx="9604375" cy="1049337"/>
+          </a:xfrm>
+        </p:spPr>
+        <p:txBody>
+          <a:bodyPr/>
+          <a:lstStyle/>
+          <a:p>
+            <a:pPr algn="ctr"/>
+            <a:r>
+              <a:rPr lang="he-IL" sz="6000" b="1" dirty="0">
+                <a:ln w="9525">
+                  <a:solidFill>
+                    <a:schemeClr val="bg1"/>
+                  </a:solidFill>
+                  <a:prstDash val="solid"/>
+                </a:ln>
+                <a:solidFill>
+                  <a:schemeClr val="accent2">
+                    <a:lumMod val="75000"/>
+                  </a:schemeClr>
+                </a:solidFill>
+                <a:effectLst>
+                  <a:outerShdw blurRad="12700" dist="38100" dir="2700000" algn="tl" rotWithShape="0">
+                    <a:schemeClr val="accent5">
+                      <a:lumMod val="60000"/>
+                      <a:lumOff val="40000"/>
+                    </a:schemeClr>
+                  </a:outerShdw>
+                </a:effectLst>
+              </a:rPr>
+              <a:t>תחילת העבודה</a:t>
+            </a:r>
+            <a:endParaRPr lang="en-US" sz="6000" b="1" dirty="0">
+              <a:ln w="9525">
+                <a:solidFill>
+                  <a:schemeClr val="bg1"/>
+                </a:solidFill>
+                <a:prstDash val="solid"/>
+              </a:ln>
+              <a:solidFill>
+                <a:schemeClr val="accent2">
+                  <a:lumMod val="75000"/>
+                </a:schemeClr>
+              </a:solidFill>
+              <a:effectLst>
+                <a:outerShdw blurRad="12700" dist="38100" dir="2700000" algn="tl" rotWithShape="0">
+                  <a:schemeClr val="accent5">
+                    <a:lumMod val="60000"/>
+                    <a:lumOff val="40000"/>
+                  </a:schemeClr>
+                </a:outerShdw>
+              </a:effectLst>
+            </a:endParaRPr>
+          </a:p>
+        </p:txBody>
+      </p:sp>
+    </p:spTree>
+    <p:extLst>
+      <p:ext uri="{BB962C8B-B14F-4D97-AF65-F5344CB8AC3E}">
+        <p14:creationId xmlns:p14="http://schemas.microsoft.com/office/powerpoint/2010/main" val="2379313064"/>
+      </p:ext>
+    </p:extLst>
+  </p:cSld>
+  <p:clrMapOvr>
+    <a:masterClrMapping/>
+  </p:clrMapOvr>
+</p:sld>
+</file>
+
+<file path=ppt/slides/slide7.xml><?xml version="1.0" encoding="utf-8"?>
+<p:sld xmlns:a="http://schemas.openxmlformats.org/drawingml/2006/main" xmlns:r="http://schemas.openxmlformats.org/officeDocument/2006/relationships" xmlns:p="http://schemas.openxmlformats.org/presentationml/2006/main">
+  <p:cSld>
+    <p:spTree>
+      <p:nvGrpSpPr>
+        <p:cNvPr id="1" name=""/>
+        <p:cNvGrpSpPr/>
+        <p:nvPr/>
+      </p:nvGrpSpPr>
+      <p:grpSpPr>
+        <a:xfrm>
+          <a:off x="0" y="0"/>
+          <a:ext cx="0" cy="0"/>
+          <a:chOff x="0" y="0"/>
+          <a:chExt cx="0" cy="0"/>
+        </a:xfrm>
+      </p:grpSpPr>
+      <p:sp>
+        <p:nvSpPr>
           <p:cNvPr id="3" name="מציין מיקום תוכן 2">
             <a:extLst>
               <a:ext uri="{FF2B5EF4-FFF2-40B4-BE49-F238E27FC236}">
@@ -7709,45 +9379,38 @@
           <a:lstStyle/>
           <a:p>
             <a:r>
-              <a:rPr lang="he-IL" sz="2400" b="1" u="sng" dirty="0"/>
-              <a:t>המשימה:</a:t>
+              <a:rPr lang="he-IL" sz="2400" dirty="0"/>
+              <a:t>יצירת </a:t>
+            </a:r>
+            <a:r>
+              <a:rPr lang="en-US" sz="2400" dirty="0"/>
+              <a:t>data set</a:t>
+            </a:r>
+            <a:r>
+              <a:rPr lang="he-IL" sz="2400" dirty="0"/>
+              <a:t> שיכיל תיוגים מהתלמוד הבבלי בשימוש בלמידת מכונה בשיטת </a:t>
+            </a:r>
+            <a:r>
+              <a:rPr lang="en-US" sz="2400" dirty="0"/>
+              <a:t>weak supervision</a:t>
+            </a:r>
+            <a:r>
+              <a:rPr lang="he-IL" sz="2400" dirty="0"/>
+              <a:t>.</a:t>
             </a:r>
             <a:br>
-              <a:rPr lang="en-US" sz="2400" b="1" u="sng" dirty="0"/>
+              <a:rPr lang="en-US" sz="2400" dirty="0"/>
             </a:br>
             <a:r>
-              <a:rPr lang="he-IL" dirty="0"/>
+              <a:rPr lang="he-IL" sz="2400" dirty="0"/>
               <a:t>מקבלים קלט [טקסט המכיל רפרנסים לתלמוד הבבלי], וכפלט נחלץ רפרנסים אלו בצורה מדוייקת ככל הניתן. בנוסף הטקסט המתוייג ייכנס כקלט למסווג לאימון המכונה. </a:t>
             </a:r>
-            <a:endParaRPr lang="en-US" dirty="0"/>
+            <a:endParaRPr lang="en-US" sz="2400" dirty="0"/>
           </a:p>
           <a:p>
             <a:pPr marL="0" indent="0">
               <a:buNone/>
             </a:pPr>
-            <a:endParaRPr lang="he-IL" sz="2400" b="1" u="sng" dirty="0"/>
-          </a:p>
-          <a:p>
-            <a:r>
-              <a:rPr lang="he-IL" sz="2400" b="1" u="sng" dirty="0"/>
-              <a:t>מהו רפרנס לתלמוד הבבלי:</a:t>
-            </a:r>
-            <a:br>
-              <a:rPr lang="en-US" sz="1800" dirty="0"/>
-            </a:br>
-            <a:r>
-              <a:rPr lang="he-IL" dirty="0"/>
-              <a:t>אזכור בטקסט לדף מסויים במסכת בגמרא. לדוגמא - </a:t>
-            </a:r>
-            <a:br>
-              <a:rPr lang="en-US" dirty="0"/>
-            </a:br>
-            <a:r>
-              <a:rPr lang="he-IL" dirty="0"/>
-              <a:t>"כמו שכתוב במסכת ברכות בפרק המוציא (קג .)"</a:t>
-            </a:r>
-          </a:p>
-          <a:p>
             <a:endParaRPr lang="he-IL" sz="1700" dirty="0"/>
           </a:p>
         </p:txBody>
@@ -7831,7 +9494,157 @@
 </p:sld>
 </file>
 
-<file path=ppt/slides/slide4.xml><?xml version="1.0" encoding="utf-8"?>
+<file path=ppt/slides/slide8.xml><?xml version="1.0" encoding="utf-8"?>
+<p:sld xmlns:a="http://schemas.openxmlformats.org/drawingml/2006/main" xmlns:r="http://schemas.openxmlformats.org/officeDocument/2006/relationships" xmlns:p="http://schemas.openxmlformats.org/presentationml/2006/main">
+  <p:cSld>
+    <p:spTree>
+      <p:nvGrpSpPr>
+        <p:cNvPr id="1" name=""/>
+        <p:cNvGrpSpPr/>
+        <p:nvPr/>
+      </p:nvGrpSpPr>
+      <p:grpSpPr>
+        <a:xfrm>
+          <a:off x="0" y="0"/>
+          <a:ext cx="0" cy="0"/>
+          <a:chOff x="0" y="0"/>
+          <a:chExt cx="0" cy="0"/>
+        </a:xfrm>
+      </p:grpSpPr>
+      <p:sp>
+        <p:nvSpPr>
+          <p:cNvPr id="3" name="Content Placeholder 2">
+            <a:extLst>
+              <a:ext uri="{FF2B5EF4-FFF2-40B4-BE49-F238E27FC236}">
+                <a16:creationId xmlns:a16="http://schemas.microsoft.com/office/drawing/2014/main" id="{72097AD6-9920-46FB-801A-DA199A658BCA}"/>
+              </a:ext>
+            </a:extLst>
+          </p:cNvPr>
+          <p:cNvSpPr>
+            <a:spLocks noGrp="1"/>
+          </p:cNvSpPr>
+          <p:nvPr>
+            <p:ph idx="1"/>
+          </p:nvPr>
+        </p:nvSpPr>
+        <p:spPr/>
+        <p:txBody>
+          <a:bodyPr/>
+          <a:lstStyle/>
+          <a:p>
+            <a:pPr marL="0" indent="0">
+              <a:buNone/>
+            </a:pPr>
+            <a:r>
+              <a:rPr lang="he-IL" sz="2400" b="1" u="sng" dirty="0"/>
+              <a:t>מהו רפרנס לתלמוד הבבלי:</a:t>
+            </a:r>
+            <a:br>
+              <a:rPr lang="en-US" sz="1800" dirty="0"/>
+            </a:br>
+            <a:r>
+              <a:rPr lang="he-IL" dirty="0"/>
+              <a:t>אזכור בטקסט לדף מסויים במסכת בגמרא. לרוב, רפרנס מהתלמוד הבבלי יכיל שם מסכת ו/או שם פרק, דף וצד הדף. </a:t>
+            </a:r>
+          </a:p>
+          <a:p>
+            <a:r>
+              <a:rPr lang="he-IL" dirty="0"/>
+              <a:t> לדוגמא - </a:t>
+            </a:r>
+            <a:br>
+              <a:rPr lang="en-US" dirty="0"/>
+            </a:br>
+            <a:r>
+              <a:rPr lang="he-IL" dirty="0"/>
+              <a:t>"כמו שכתוב במסכת ברכות בפרק המוציא (קג .)"</a:t>
+            </a:r>
+          </a:p>
+          <a:p>
+            <a:endParaRPr lang="en-US" dirty="0"/>
+          </a:p>
+        </p:txBody>
+      </p:sp>
+      <p:sp>
+        <p:nvSpPr>
+          <p:cNvPr id="4" name="מלבן 3">
+            <a:extLst>
+              <a:ext uri="{FF2B5EF4-FFF2-40B4-BE49-F238E27FC236}">
+                <a16:creationId xmlns:a16="http://schemas.microsoft.com/office/drawing/2014/main" id="{6D2213E7-12CF-4C53-AA39-93566408B1BF}"/>
+              </a:ext>
+            </a:extLst>
+          </p:cNvPr>
+          <p:cNvSpPr/>
+          <p:nvPr/>
+        </p:nvSpPr>
+        <p:spPr>
+          <a:xfrm>
+            <a:off x="4283775" y="633710"/>
+            <a:ext cx="3938899" cy="923330"/>
+          </a:xfrm>
+          <a:prstGeom prst="rect">
+            <a:avLst/>
+          </a:prstGeom>
+          <a:noFill/>
+        </p:spPr>
+        <p:txBody>
+          <a:bodyPr wrap="none" lIns="91440" tIns="45720" rIns="91440" bIns="45720">
+            <a:spAutoFit/>
+          </a:bodyPr>
+          <a:lstStyle/>
+          <a:p>
+            <a:pPr algn="ctr" defTabSz="914400" rtl="1">
+              <a:lnSpc>
+                <a:spcPct val="90000"/>
+              </a:lnSpc>
+              <a:spcBef>
+                <a:spcPct val="0"/>
+              </a:spcBef>
+            </a:pPr>
+            <a:r>
+              <a:rPr lang="he-IL" sz="6000" b="1" dirty="0">
+                <a:ln w="9525">
+                  <a:solidFill>
+                    <a:schemeClr val="bg1"/>
+                  </a:solidFill>
+                  <a:prstDash val="solid"/>
+                </a:ln>
+                <a:solidFill>
+                  <a:schemeClr val="accent2">
+                    <a:lumMod val="75000"/>
+                  </a:schemeClr>
+                </a:solidFill>
+                <a:effectLst>
+                  <a:outerShdw blurRad="12700" dist="38100" dir="2700000" algn="tl" rotWithShape="0">
+                    <a:schemeClr val="accent5">
+                      <a:lumMod val="60000"/>
+                      <a:lumOff val="40000"/>
+                    </a:schemeClr>
+                  </a:outerShdw>
+                </a:effectLst>
+                <a:latin typeface="+mj-lt"/>
+                <a:ea typeface="+mj-ea"/>
+                <a:cs typeface="+mj-cs"/>
+              </a:rPr>
+              <a:t>הגדרת הבעיה</a:t>
+            </a:r>
+          </a:p>
+        </p:txBody>
+      </p:sp>
+    </p:spTree>
+    <p:extLst>
+      <p:ext uri="{BB962C8B-B14F-4D97-AF65-F5344CB8AC3E}">
+        <p14:creationId xmlns:p14="http://schemas.microsoft.com/office/powerpoint/2010/main" val="1966251641"/>
+      </p:ext>
+    </p:extLst>
+  </p:cSld>
+  <p:clrMapOvr>
+    <a:masterClrMapping/>
+  </p:clrMapOvr>
+</p:sld>
+</file>
+
+<file path=ppt/slides/slide9.xml><?xml version="1.0" encoding="utf-8"?>
 <p:sld xmlns:a="http://schemas.openxmlformats.org/drawingml/2006/main" xmlns:r="http://schemas.openxmlformats.org/officeDocument/2006/relationships" xmlns:p="http://schemas.openxmlformats.org/presentationml/2006/main">
   <p:cSld>
     <p:spTree>
@@ -8063,1001 +9876,6 @@
     <p:extLst>
       <p:ext uri="{BB962C8B-B14F-4D97-AF65-F5344CB8AC3E}">
         <p14:creationId xmlns:p14="http://schemas.microsoft.com/office/powerpoint/2010/main" val="2787282950"/>
-      </p:ext>
-    </p:extLst>
-  </p:cSld>
-  <p:clrMapOvr>
-    <a:masterClrMapping/>
-  </p:clrMapOvr>
-</p:sld>
-</file>
-
-<file path=ppt/slides/slide5.xml><?xml version="1.0" encoding="utf-8"?>
-<p:sld xmlns:a="http://schemas.openxmlformats.org/drawingml/2006/main" xmlns:r="http://schemas.openxmlformats.org/officeDocument/2006/relationships" xmlns:p="http://schemas.openxmlformats.org/presentationml/2006/main">
-  <p:cSld>
-    <p:spTree>
-      <p:nvGrpSpPr>
-        <p:cNvPr id="1" name=""/>
-        <p:cNvGrpSpPr/>
-        <p:nvPr/>
-      </p:nvGrpSpPr>
-      <p:grpSpPr>
-        <a:xfrm>
-          <a:off x="0" y="0"/>
-          <a:ext cx="0" cy="0"/>
-          <a:chOff x="0" y="0"/>
-          <a:chExt cx="0" cy="0"/>
-        </a:xfrm>
-      </p:grpSpPr>
-      <p:sp>
-        <p:nvSpPr>
-          <p:cNvPr id="3" name="מציין מיקום תוכן 2">
-            <a:extLst>
-              <a:ext uri="{FF2B5EF4-FFF2-40B4-BE49-F238E27FC236}">
-                <a16:creationId xmlns:a16="http://schemas.microsoft.com/office/drawing/2014/main" id="{DC51A44F-F228-42B2-B8A8-7A00DBD9A7BE}"/>
-              </a:ext>
-            </a:extLst>
-          </p:cNvPr>
-          <p:cNvSpPr>
-            <a:spLocks noGrp="1"/>
-          </p:cNvSpPr>
-          <p:nvPr>
-            <p:ph idx="1"/>
-          </p:nvPr>
-        </p:nvSpPr>
-        <p:spPr/>
-        <p:txBody>
-          <a:bodyPr>
-            <a:normAutofit/>
-          </a:bodyPr>
-          <a:lstStyle/>
-          <a:p>
-            <a:r>
-              <a:rPr lang="he-IL" sz="2200" dirty="0"/>
-              <a:t>תחילה חילצנו את ה </a:t>
-            </a:r>
-            <a:r>
-              <a:rPr lang="en-US" sz="2200" dirty="0"/>
-              <a:t>data set</a:t>
-            </a:r>
-            <a:r>
-              <a:rPr lang="he-IL" sz="2200" dirty="0"/>
-              <a:t> מקבצי </a:t>
-            </a:r>
-            <a:r>
-              <a:rPr lang="en-US" sz="2200" dirty="0"/>
-              <a:t>csv</a:t>
-            </a:r>
-            <a:r>
-              <a:rPr lang="he-IL" sz="2200" dirty="0"/>
-              <a:t> והעברנו את המידע לטבלה מסוג </a:t>
-            </a:r>
-            <a:r>
-              <a:rPr lang="en-US" sz="2200" dirty="0"/>
-              <a:t>data frame</a:t>
-            </a:r>
-            <a:r>
-              <a:rPr lang="he-IL" sz="2200" dirty="0"/>
-              <a:t> של ספריית </a:t>
-            </a:r>
-            <a:r>
-              <a:rPr lang="en-US" sz="2200" dirty="0"/>
-              <a:t>pandas</a:t>
-            </a:r>
-            <a:r>
-              <a:rPr lang="he-IL" sz="2200" dirty="0"/>
-              <a:t>.</a:t>
-            </a:r>
-          </a:p>
-          <a:p>
-            <a:r>
-              <a:rPr lang="he-IL" sz="2200" dirty="0"/>
-              <a:t>חילצנו מידע עזר (ליצירת פונקציות התיוג והטרנספורמציה) הכולל שמות פרקים בתלמוד הבבלי, מקבצי </a:t>
-            </a:r>
-            <a:r>
-              <a:rPr lang="en-US" sz="2200" dirty="0"/>
-              <a:t>json</a:t>
-            </a:r>
-            <a:r>
-              <a:rPr lang="he-IL" sz="2200" dirty="0"/>
-              <a:t> למבני נתונים בקובץ </a:t>
-            </a:r>
-            <a:r>
-              <a:rPr lang="en-US" sz="2200" dirty="0"/>
-              <a:t>utility.py</a:t>
-            </a:r>
-            <a:r>
-              <a:rPr lang="he-IL" sz="2200" dirty="0"/>
-              <a:t>.</a:t>
-            </a:r>
-          </a:p>
-          <a:p>
-            <a:r>
-              <a:rPr lang="he-IL" sz="2200" dirty="0"/>
-              <a:t>ביצענו פרסור ראשוני למידע - הסרנו תווים לא חוקיים והפרדנו פסקאות למשפטים בודדים.</a:t>
-            </a:r>
-          </a:p>
-          <a:p>
-            <a:endParaRPr lang="he-IL" sz="1700" dirty="0"/>
-          </a:p>
-        </p:txBody>
-      </p:sp>
-      <p:sp>
-        <p:nvSpPr>
-          <p:cNvPr id="4" name="מלבן 3">
-            <a:extLst>
-              <a:ext uri="{FF2B5EF4-FFF2-40B4-BE49-F238E27FC236}">
-                <a16:creationId xmlns:a16="http://schemas.microsoft.com/office/drawing/2014/main" id="{2266B5C1-DE8C-409D-920B-16EE607C8A8E}"/>
-              </a:ext>
-            </a:extLst>
-          </p:cNvPr>
-          <p:cNvSpPr/>
-          <p:nvPr/>
-        </p:nvSpPr>
-        <p:spPr>
-          <a:xfrm>
-            <a:off x="2469175" y="633710"/>
-            <a:ext cx="7568097" cy="923330"/>
-          </a:xfrm>
-          <a:prstGeom prst="rect">
-            <a:avLst/>
-          </a:prstGeom>
-          <a:noFill/>
-        </p:spPr>
-        <p:txBody>
-          <a:bodyPr wrap="none" lIns="91440" tIns="45720" rIns="91440" bIns="45720">
-            <a:spAutoFit/>
-          </a:bodyPr>
-          <a:lstStyle/>
-          <a:p>
-            <a:pPr algn="ctr" defTabSz="914400" rtl="1">
-              <a:lnSpc>
-                <a:spcPct val="90000"/>
-              </a:lnSpc>
-              <a:spcBef>
-                <a:spcPct val="0"/>
-              </a:spcBef>
-            </a:pPr>
-            <a:r>
-              <a:rPr lang="he-IL" sz="6000" b="1" dirty="0">
-                <a:ln w="9525">
-                  <a:solidFill>
-                    <a:schemeClr val="bg1"/>
-                  </a:solidFill>
-                  <a:prstDash val="solid"/>
-                </a:ln>
-                <a:solidFill>
-                  <a:schemeClr val="accent2">
-                    <a:lumMod val="75000"/>
-                  </a:schemeClr>
-                </a:solidFill>
-                <a:effectLst>
-                  <a:outerShdw blurRad="12700" dist="38100" dir="2700000" algn="tl" rotWithShape="0">
-                    <a:schemeClr val="accent5">
-                      <a:lumMod val="60000"/>
-                      <a:lumOff val="40000"/>
-                    </a:schemeClr>
-                  </a:outerShdw>
-                </a:effectLst>
-                <a:latin typeface="+mj-lt"/>
-                <a:ea typeface="+mj-ea"/>
-                <a:cs typeface="+mj-cs"/>
-              </a:rPr>
-              <a:t>1 עיבוד ראשוני של המידע</a:t>
-            </a:r>
-          </a:p>
-        </p:txBody>
-      </p:sp>
-    </p:spTree>
-    <p:extLst>
-      <p:ext uri="{BB962C8B-B14F-4D97-AF65-F5344CB8AC3E}">
-        <p14:creationId xmlns:p14="http://schemas.microsoft.com/office/powerpoint/2010/main" val="2879557940"/>
-      </p:ext>
-    </p:extLst>
-  </p:cSld>
-  <p:clrMapOvr>
-    <a:masterClrMapping/>
-  </p:clrMapOvr>
-</p:sld>
-</file>
-
-<file path=ppt/slides/slide6.xml><?xml version="1.0" encoding="utf-8"?>
-<p:sld xmlns:a="http://schemas.openxmlformats.org/drawingml/2006/main" xmlns:r="http://schemas.openxmlformats.org/officeDocument/2006/relationships" xmlns:p="http://schemas.openxmlformats.org/presentationml/2006/main">
-  <p:cSld>
-    <p:spTree>
-      <p:nvGrpSpPr>
-        <p:cNvPr id="1" name=""/>
-        <p:cNvGrpSpPr/>
-        <p:nvPr/>
-      </p:nvGrpSpPr>
-      <p:grpSpPr>
-        <a:xfrm>
-          <a:off x="0" y="0"/>
-          <a:ext cx="0" cy="0"/>
-          <a:chOff x="0" y="0"/>
-          <a:chExt cx="0" cy="0"/>
-        </a:xfrm>
-      </p:grpSpPr>
-      <p:sp>
-        <p:nvSpPr>
-          <p:cNvPr id="3" name="מציין מיקום תוכן 2">
-            <a:extLst>
-              <a:ext uri="{FF2B5EF4-FFF2-40B4-BE49-F238E27FC236}">
-                <a16:creationId xmlns:a16="http://schemas.microsoft.com/office/drawing/2014/main" id="{DC51A44F-F228-42B2-B8A8-7A00DBD9A7BE}"/>
-              </a:ext>
-            </a:extLst>
-          </p:cNvPr>
-          <p:cNvSpPr>
-            <a:spLocks noGrp="1"/>
-          </p:cNvSpPr>
-          <p:nvPr>
-            <p:ph idx="1"/>
-          </p:nvPr>
-        </p:nvSpPr>
-        <p:spPr/>
-        <p:txBody>
-          <a:bodyPr>
-            <a:normAutofit fontScale="85000" lnSpcReduction="20000"/>
-          </a:bodyPr>
-          <a:lstStyle/>
-          <a:p>
-            <a:r>
-              <a:rPr lang="he-IL" sz="2400" dirty="0"/>
-              <a:t>בשלב הבא פרקנו </a:t>
-            </a:r>
-            <a:r>
-              <a:rPr lang="he-IL" sz="2400" u="sng" dirty="0"/>
-              <a:t>כל משפט</a:t>
-            </a:r>
-            <a:r>
-              <a:rPr lang="he-IL" sz="2400" dirty="0"/>
-              <a:t> לרצפים של </a:t>
-            </a:r>
-            <a:r>
-              <a:rPr lang="en-US" sz="2400" dirty="0"/>
-              <a:t>n</a:t>
-            </a:r>
-            <a:r>
-              <a:rPr lang="he-IL" sz="2400" dirty="0"/>
-              <a:t> מילים בודדות(</a:t>
-            </a:r>
-            <a:r>
-              <a:rPr lang="en-US" sz="2400" dirty="0" err="1"/>
-              <a:t>ngram</a:t>
-            </a:r>
-            <a:r>
-              <a:rPr lang="he-IL" sz="2400" dirty="0"/>
-              <a:t>ים) כך שיתקבל כל רצף מסודר אפשרי.</a:t>
-            </a:r>
-          </a:p>
-          <a:p>
-            <a:r>
-              <a:rPr lang="he-IL" sz="2400" dirty="0"/>
-              <a:t>דוגמה ל</a:t>
-            </a:r>
-            <a:r>
-              <a:rPr lang="en-US" sz="2400" dirty="0"/>
-              <a:t>5_gram</a:t>
-            </a:r>
-            <a:r>
-              <a:rPr lang="he-IL" sz="2400" dirty="0"/>
-              <a:t>: </a:t>
-            </a:r>
-          </a:p>
-          <a:p>
-            <a:endParaRPr lang="he-IL" sz="2400" dirty="0"/>
-          </a:p>
-          <a:p>
-            <a:pPr marL="0" indent="0">
-              <a:buNone/>
-            </a:pPr>
-            <a:r>
-              <a:rPr lang="he-IL" sz="2400" dirty="0"/>
-              <a:t> </a:t>
-            </a:r>
-          </a:p>
-          <a:p>
-            <a:pPr marL="0" indent="0">
-              <a:buNone/>
-            </a:pPr>
-            <a:endParaRPr lang="he-IL" sz="2400" dirty="0"/>
-          </a:p>
-          <a:p>
-            <a:r>
-              <a:rPr lang="he-IL" sz="2400" dirty="0"/>
-              <a:t>בפרויקט שלנו השתמשנו ב</a:t>
-            </a:r>
-            <a:r>
-              <a:rPr lang="en-US" sz="2400" dirty="0"/>
-              <a:t>3-7gram</a:t>
-            </a:r>
-            <a:r>
-              <a:rPr lang="he-IL" sz="2400" dirty="0"/>
-              <a:t>. </a:t>
-            </a:r>
-          </a:p>
-          <a:p>
-            <a:r>
-              <a:rPr lang="he-IL" sz="2400" dirty="0"/>
-              <a:t>לאחר ניסוי וטעיה הבנו שזה הגודל האידיאלי לצרכינו.</a:t>
-            </a:r>
-          </a:p>
-        </p:txBody>
-      </p:sp>
-      <p:sp>
-        <p:nvSpPr>
-          <p:cNvPr id="4" name="מלבן 3">
-            <a:extLst>
-              <a:ext uri="{FF2B5EF4-FFF2-40B4-BE49-F238E27FC236}">
-                <a16:creationId xmlns:a16="http://schemas.microsoft.com/office/drawing/2014/main" id="{2266B5C1-DE8C-409D-920B-16EE607C8A8E}"/>
-              </a:ext>
-            </a:extLst>
-          </p:cNvPr>
-          <p:cNvSpPr/>
-          <p:nvPr/>
-        </p:nvSpPr>
-        <p:spPr>
-          <a:xfrm>
-            <a:off x="2469175" y="633710"/>
-            <a:ext cx="7568097" cy="923330"/>
-          </a:xfrm>
-          <a:prstGeom prst="rect">
-            <a:avLst/>
-          </a:prstGeom>
-          <a:noFill/>
-        </p:spPr>
-        <p:txBody>
-          <a:bodyPr wrap="none" lIns="91440" tIns="45720" rIns="91440" bIns="45720">
-            <a:spAutoFit/>
-          </a:bodyPr>
-          <a:lstStyle/>
-          <a:p>
-            <a:pPr algn="ctr" defTabSz="914400" rtl="1">
-              <a:lnSpc>
-                <a:spcPct val="90000"/>
-              </a:lnSpc>
-              <a:spcBef>
-                <a:spcPct val="0"/>
-              </a:spcBef>
-            </a:pPr>
-            <a:r>
-              <a:rPr lang="he-IL" sz="6000" b="1" dirty="0">
-                <a:ln w="9525">
-                  <a:solidFill>
-                    <a:schemeClr val="bg1"/>
-                  </a:solidFill>
-                  <a:prstDash val="solid"/>
-                </a:ln>
-                <a:solidFill>
-                  <a:schemeClr val="accent2">
-                    <a:lumMod val="75000"/>
-                  </a:schemeClr>
-                </a:solidFill>
-                <a:effectLst>
-                  <a:outerShdw blurRad="12700" dist="38100" dir="2700000" algn="tl" rotWithShape="0">
-                    <a:schemeClr val="accent5">
-                      <a:lumMod val="60000"/>
-                      <a:lumOff val="40000"/>
-                    </a:schemeClr>
-                  </a:outerShdw>
-                </a:effectLst>
-                <a:latin typeface="+mj-lt"/>
-                <a:ea typeface="+mj-ea"/>
-                <a:cs typeface="+mj-cs"/>
-              </a:rPr>
-              <a:t>1 עיבוד ראשוני של המידע</a:t>
-            </a:r>
-          </a:p>
-        </p:txBody>
-      </p:sp>
-      <p:pic>
-        <p:nvPicPr>
-          <p:cNvPr id="5" name="תמונה 4">
-            <a:extLst>
-              <a:ext uri="{FF2B5EF4-FFF2-40B4-BE49-F238E27FC236}">
-                <a16:creationId xmlns:a16="http://schemas.microsoft.com/office/drawing/2014/main" id="{4D9D4E46-C68C-4900-8E53-684AD6DBC46D}"/>
-              </a:ext>
-            </a:extLst>
-          </p:cNvPr>
-          <p:cNvPicPr>
-            <a:picLocks noChangeAspect="1"/>
-          </p:cNvPicPr>
-          <p:nvPr/>
-        </p:nvPicPr>
-        <p:blipFill>
-          <a:blip r:embed="rId2"/>
-          <a:stretch>
-            <a:fillRect/>
-          </a:stretch>
-        </p:blipFill>
-        <p:spPr>
-          <a:xfrm>
-            <a:off x="1855304" y="2835966"/>
-            <a:ext cx="6788875" cy="1641640"/>
-          </a:xfrm>
-          <a:prstGeom prst="rect">
-            <a:avLst/>
-          </a:prstGeom>
-        </p:spPr>
-      </p:pic>
-    </p:spTree>
-    <p:extLst>
-      <p:ext uri="{BB962C8B-B14F-4D97-AF65-F5344CB8AC3E}">
-        <p14:creationId xmlns:p14="http://schemas.microsoft.com/office/powerpoint/2010/main" val="4288330715"/>
-      </p:ext>
-    </p:extLst>
-  </p:cSld>
-  <p:clrMapOvr>
-    <a:masterClrMapping/>
-  </p:clrMapOvr>
-</p:sld>
-</file>
-
-<file path=ppt/slides/slide7.xml><?xml version="1.0" encoding="utf-8"?>
-<p:sld xmlns:a="http://schemas.openxmlformats.org/drawingml/2006/main" xmlns:r="http://schemas.openxmlformats.org/officeDocument/2006/relationships" xmlns:p="http://schemas.openxmlformats.org/presentationml/2006/main">
-  <p:cSld>
-    <p:spTree>
-      <p:nvGrpSpPr>
-        <p:cNvPr id="1" name=""/>
-        <p:cNvGrpSpPr/>
-        <p:nvPr/>
-      </p:nvGrpSpPr>
-      <p:grpSpPr>
-        <a:xfrm>
-          <a:off x="0" y="0"/>
-          <a:ext cx="0" cy="0"/>
-          <a:chOff x="0" y="0"/>
-          <a:chExt cx="0" cy="0"/>
-        </a:xfrm>
-      </p:grpSpPr>
-      <p:sp>
-        <p:nvSpPr>
-          <p:cNvPr id="3" name="מציין מיקום תוכן 2">
-            <a:extLst>
-              <a:ext uri="{FF2B5EF4-FFF2-40B4-BE49-F238E27FC236}">
-                <a16:creationId xmlns:a16="http://schemas.microsoft.com/office/drawing/2014/main" id="{26BEA534-C28B-40E8-B9FE-1D8741BEF4BA}"/>
-              </a:ext>
-            </a:extLst>
-          </p:cNvPr>
-          <p:cNvSpPr>
-            <a:spLocks noGrp="1"/>
-          </p:cNvSpPr>
-          <p:nvPr>
-            <p:ph idx="1"/>
-          </p:nvPr>
-        </p:nvSpPr>
-        <p:spPr>
-          <a:xfrm>
-            <a:off x="1451579" y="2015732"/>
-            <a:ext cx="9603275" cy="3728120"/>
-          </a:xfrm>
-        </p:spPr>
-        <p:txBody>
-          <a:bodyPr>
-            <a:normAutofit/>
-          </a:bodyPr>
-          <a:lstStyle/>
-          <a:p>
-            <a:r>
-              <a:rPr lang="he-IL" dirty="0"/>
-              <a:t>עיקר הפרויקט היה הגדרת פונקציות תיוג בהתאם לתבניות שהגדרנו, לאחר בחינה מעמיקה של הטקסט והבנה של מה יוגדר כרפרנס מהתלמוד הבבלי. </a:t>
-            </a:r>
-          </a:p>
-          <a:p>
-            <a:r>
-              <a:rPr lang="he-IL" dirty="0"/>
-              <a:t>נציין שהחשיפה לצורות המרובות של הרפרנסים חיזקו את ההבנה שלמידת מכונה היא דרך מיטבית להתמודד עם המשימה, ולא שימוש בלעדי בביטויים רגולריים, כפי ששקלנו לעשות תחילה. </a:t>
-            </a:r>
-          </a:p>
-          <a:p>
-            <a:r>
-              <a:rPr lang="he-IL" b="1" dirty="0"/>
-              <a:t>מסקנה שהסקנו במהלך ההרצות</a:t>
-            </a:r>
-            <a:r>
-              <a:rPr lang="he-IL" dirty="0"/>
-              <a:t>: התגלו 2 פונקציות עם אחוז כיסוי אפסי, ולכן הסרנו אותן כדי שלא יגדילו את זמן הריצה.</a:t>
-            </a:r>
-          </a:p>
-        </p:txBody>
-      </p:sp>
-      <p:sp>
-        <p:nvSpPr>
-          <p:cNvPr id="7" name="מלבן 6">
-            <a:extLst>
-              <a:ext uri="{FF2B5EF4-FFF2-40B4-BE49-F238E27FC236}">
-                <a16:creationId xmlns:a16="http://schemas.microsoft.com/office/drawing/2014/main" id="{F94C525C-C2E8-401D-AA50-BA355E83EC6D}"/>
-              </a:ext>
-            </a:extLst>
-          </p:cNvPr>
-          <p:cNvSpPr/>
-          <p:nvPr/>
-        </p:nvSpPr>
-        <p:spPr>
-          <a:xfrm>
-            <a:off x="4148190" y="452735"/>
-            <a:ext cx="3895618" cy="923330"/>
-          </a:xfrm>
-          <a:prstGeom prst="rect">
-            <a:avLst/>
-          </a:prstGeom>
-          <a:noFill/>
-        </p:spPr>
-        <p:txBody>
-          <a:bodyPr wrap="none" lIns="91440" tIns="45720" rIns="91440" bIns="45720">
-            <a:spAutoFit/>
-          </a:bodyPr>
-          <a:lstStyle/>
-          <a:p>
-            <a:pPr algn="ctr" defTabSz="914400" rtl="1">
-              <a:lnSpc>
-                <a:spcPct val="90000"/>
-              </a:lnSpc>
-              <a:spcBef>
-                <a:spcPct val="0"/>
-              </a:spcBef>
-            </a:pPr>
-            <a:r>
-              <a:rPr lang="he-IL" sz="6000" b="1" dirty="0">
-                <a:ln w="9525">
-                  <a:solidFill>
-                    <a:schemeClr val="bg1"/>
-                  </a:solidFill>
-                  <a:prstDash val="solid"/>
-                </a:ln>
-                <a:solidFill>
-                  <a:schemeClr val="accent2">
-                    <a:lumMod val="75000"/>
-                  </a:schemeClr>
-                </a:solidFill>
-                <a:effectLst>
-                  <a:outerShdw blurRad="12700" dist="38100" dir="2700000" algn="tl" rotWithShape="0">
-                    <a:schemeClr val="accent5">
-                      <a:lumMod val="60000"/>
-                      <a:lumOff val="40000"/>
-                    </a:schemeClr>
-                  </a:outerShdw>
-                </a:effectLst>
-                <a:latin typeface="+mj-lt"/>
-                <a:ea typeface="+mj-ea"/>
-                <a:cs typeface="+mj-cs"/>
-              </a:rPr>
-              <a:t>2 תיוג המידע</a:t>
-            </a:r>
-          </a:p>
-        </p:txBody>
-      </p:sp>
-    </p:spTree>
-    <p:extLst>
-      <p:ext uri="{BB962C8B-B14F-4D97-AF65-F5344CB8AC3E}">
-        <p14:creationId xmlns:p14="http://schemas.microsoft.com/office/powerpoint/2010/main" val="3910895866"/>
-      </p:ext>
-    </p:extLst>
-  </p:cSld>
-  <p:clrMapOvr>
-    <a:masterClrMapping/>
-  </p:clrMapOvr>
-</p:sld>
-</file>
-
-<file path=ppt/slides/slide8.xml><?xml version="1.0" encoding="utf-8"?>
-<p:sld xmlns:a="http://schemas.openxmlformats.org/drawingml/2006/main" xmlns:r="http://schemas.openxmlformats.org/officeDocument/2006/relationships" xmlns:p="http://schemas.openxmlformats.org/presentationml/2006/main">
-  <p:cSld>
-    <p:spTree>
-      <p:nvGrpSpPr>
-        <p:cNvPr id="1" name=""/>
-        <p:cNvGrpSpPr/>
-        <p:nvPr/>
-      </p:nvGrpSpPr>
-      <p:grpSpPr>
-        <a:xfrm>
-          <a:off x="0" y="0"/>
-          <a:ext cx="0" cy="0"/>
-          <a:chOff x="0" y="0"/>
-          <a:chExt cx="0" cy="0"/>
-        </a:xfrm>
-      </p:grpSpPr>
-      <p:sp>
-        <p:nvSpPr>
-          <p:cNvPr id="3" name="מציין מיקום תוכן 2">
-            <a:extLst>
-              <a:ext uri="{FF2B5EF4-FFF2-40B4-BE49-F238E27FC236}">
-                <a16:creationId xmlns:a16="http://schemas.microsoft.com/office/drawing/2014/main" id="{26BEA534-C28B-40E8-B9FE-1D8741BEF4BA}"/>
-              </a:ext>
-            </a:extLst>
-          </p:cNvPr>
-          <p:cNvSpPr>
-            <a:spLocks noGrp="1"/>
-          </p:cNvSpPr>
-          <p:nvPr>
-            <p:ph idx="1"/>
-          </p:nvPr>
-        </p:nvSpPr>
-        <p:spPr>
-          <a:xfrm>
-            <a:off x="1451579" y="2015732"/>
-            <a:ext cx="9603275" cy="3728120"/>
-          </a:xfrm>
-        </p:spPr>
-        <p:txBody>
-          <a:bodyPr>
-            <a:normAutofit/>
-          </a:bodyPr>
-          <a:lstStyle/>
-          <a:p>
-            <a:r>
-              <a:rPr lang="he-IL" dirty="0"/>
-              <a:t>דוגמא לפונקצית תיוג שכתבנו:</a:t>
-            </a:r>
-            <a:br>
-              <a:rPr lang="en-US" dirty="0"/>
-            </a:br>
-            <a:br>
-              <a:rPr lang="en-US" dirty="0"/>
-            </a:br>
-            <a:r>
-              <a:rPr lang="he-IL" dirty="0"/>
-              <a:t>הפונקציה מתייגת כרפרנס</a:t>
-            </a:r>
-            <a:br>
-              <a:rPr lang="en-US" dirty="0"/>
-            </a:br>
-            <a:r>
-              <a:rPr lang="he-IL" dirty="0"/>
-              <a:t>את כל המשפטים בהם יש </a:t>
-            </a:r>
-            <a:br>
-              <a:rPr lang="en-US" dirty="0"/>
-            </a:br>
-            <a:r>
-              <a:rPr lang="he-IL" dirty="0"/>
-              <a:t>"דף" בתוך "()" , עם אפשרות</a:t>
-            </a:r>
-            <a:br>
-              <a:rPr lang="en-US" dirty="0"/>
-            </a:br>
-            <a:r>
-              <a:rPr lang="he-IL" dirty="0"/>
-              <a:t>ל ":" בסוף המשפט  </a:t>
-            </a:r>
-            <a:br>
-              <a:rPr lang="en-US" dirty="0"/>
-            </a:br>
-            <a:br>
-              <a:rPr lang="en-US" dirty="0"/>
-            </a:br>
-            <a:endParaRPr lang="he-IL" dirty="0"/>
-          </a:p>
-        </p:txBody>
-      </p:sp>
-      <p:sp>
-        <p:nvSpPr>
-          <p:cNvPr id="7" name="מלבן 6">
-            <a:extLst>
-              <a:ext uri="{FF2B5EF4-FFF2-40B4-BE49-F238E27FC236}">
-                <a16:creationId xmlns:a16="http://schemas.microsoft.com/office/drawing/2014/main" id="{F94C525C-C2E8-401D-AA50-BA355E83EC6D}"/>
-              </a:ext>
-            </a:extLst>
-          </p:cNvPr>
-          <p:cNvSpPr/>
-          <p:nvPr/>
-        </p:nvSpPr>
-        <p:spPr>
-          <a:xfrm>
-            <a:off x="4231242" y="606316"/>
-            <a:ext cx="3895618" cy="923330"/>
-          </a:xfrm>
-          <a:prstGeom prst="rect">
-            <a:avLst/>
-          </a:prstGeom>
-          <a:noFill/>
-        </p:spPr>
-        <p:txBody>
-          <a:bodyPr wrap="none" lIns="91440" tIns="45720" rIns="91440" bIns="45720">
-            <a:spAutoFit/>
-          </a:bodyPr>
-          <a:lstStyle/>
-          <a:p>
-            <a:pPr algn="ctr" defTabSz="914400" rtl="1">
-              <a:lnSpc>
-                <a:spcPct val="90000"/>
-              </a:lnSpc>
-              <a:spcBef>
-                <a:spcPct val="0"/>
-              </a:spcBef>
-            </a:pPr>
-            <a:r>
-              <a:rPr lang="he-IL" sz="6000" b="1" dirty="0">
-                <a:ln w="9525">
-                  <a:solidFill>
-                    <a:schemeClr val="bg1"/>
-                  </a:solidFill>
-                  <a:prstDash val="solid"/>
-                </a:ln>
-                <a:solidFill>
-                  <a:schemeClr val="accent2">
-                    <a:lumMod val="75000"/>
-                  </a:schemeClr>
-                </a:solidFill>
-                <a:effectLst>
-                  <a:outerShdw blurRad="12700" dist="38100" dir="2700000" algn="tl" rotWithShape="0">
-                    <a:schemeClr val="accent5">
-                      <a:lumMod val="60000"/>
-                      <a:lumOff val="40000"/>
-                    </a:schemeClr>
-                  </a:outerShdw>
-                </a:effectLst>
-                <a:latin typeface="+mj-lt"/>
-                <a:ea typeface="+mj-ea"/>
-                <a:cs typeface="+mj-cs"/>
-              </a:rPr>
-              <a:t>2 תיוג המידע</a:t>
-            </a:r>
-          </a:p>
-        </p:txBody>
-      </p:sp>
-      <p:pic>
-        <p:nvPicPr>
-          <p:cNvPr id="4" name="תמונה 3">
-            <a:extLst>
-              <a:ext uri="{FF2B5EF4-FFF2-40B4-BE49-F238E27FC236}">
-                <a16:creationId xmlns:a16="http://schemas.microsoft.com/office/drawing/2014/main" id="{55FF930A-3D60-452E-92AC-C85B52FB43FA}"/>
-              </a:ext>
-            </a:extLst>
-          </p:cNvPr>
-          <p:cNvPicPr>
-            <a:picLocks noChangeAspect="1"/>
-          </p:cNvPicPr>
-          <p:nvPr/>
-        </p:nvPicPr>
-        <p:blipFill>
-          <a:blip r:embed="rId2"/>
-          <a:stretch>
-            <a:fillRect/>
-          </a:stretch>
-        </p:blipFill>
-        <p:spPr>
-          <a:xfrm>
-            <a:off x="677081" y="2595565"/>
-            <a:ext cx="7185219" cy="2568453"/>
-          </a:xfrm>
-          <a:prstGeom prst="rect">
-            <a:avLst/>
-          </a:prstGeom>
-        </p:spPr>
-      </p:pic>
-    </p:spTree>
-    <p:extLst>
-      <p:ext uri="{BB962C8B-B14F-4D97-AF65-F5344CB8AC3E}">
-        <p14:creationId xmlns:p14="http://schemas.microsoft.com/office/powerpoint/2010/main" val="2080631073"/>
-      </p:ext>
-    </p:extLst>
-  </p:cSld>
-  <p:clrMapOvr>
-    <a:masterClrMapping/>
-  </p:clrMapOvr>
-</p:sld>
-</file>
-
-<file path=ppt/slides/slide9.xml><?xml version="1.0" encoding="utf-8"?>
-<p:sld xmlns:a="http://schemas.openxmlformats.org/drawingml/2006/main" xmlns:r="http://schemas.openxmlformats.org/officeDocument/2006/relationships" xmlns:p="http://schemas.openxmlformats.org/presentationml/2006/main">
-  <p:cSld>
-    <p:spTree>
-      <p:nvGrpSpPr>
-        <p:cNvPr id="1" name=""/>
-        <p:cNvGrpSpPr/>
-        <p:nvPr/>
-      </p:nvGrpSpPr>
-      <p:grpSpPr>
-        <a:xfrm>
-          <a:off x="0" y="0"/>
-          <a:ext cx="0" cy="0"/>
-          <a:chOff x="0" y="0"/>
-          <a:chExt cx="0" cy="0"/>
-        </a:xfrm>
-      </p:grpSpPr>
-      <p:pic>
-        <p:nvPicPr>
-          <p:cNvPr id="6" name="תמונה 5">
-            <a:extLst>
-              <a:ext uri="{FF2B5EF4-FFF2-40B4-BE49-F238E27FC236}">
-                <a16:creationId xmlns:a16="http://schemas.microsoft.com/office/drawing/2014/main" id="{AB039032-32D5-4EF7-AD03-9B46AAEB6F98}"/>
-              </a:ext>
-            </a:extLst>
-          </p:cNvPr>
-          <p:cNvPicPr>
-            <a:picLocks noChangeAspect="1"/>
-          </p:cNvPicPr>
-          <p:nvPr/>
-        </p:nvPicPr>
-        <p:blipFill>
-          <a:blip r:embed="rId2"/>
-          <a:stretch>
-            <a:fillRect/>
-          </a:stretch>
-        </p:blipFill>
-        <p:spPr>
-          <a:xfrm>
-            <a:off x="384313" y="1973265"/>
-            <a:ext cx="5406888" cy="3130223"/>
-          </a:xfrm>
-          <a:prstGeom prst="rect">
-            <a:avLst/>
-          </a:prstGeom>
-        </p:spPr>
-      </p:pic>
-      <p:sp>
-        <p:nvSpPr>
-          <p:cNvPr id="3" name="מציין מיקום תוכן 2">
-            <a:extLst>
-              <a:ext uri="{FF2B5EF4-FFF2-40B4-BE49-F238E27FC236}">
-                <a16:creationId xmlns:a16="http://schemas.microsoft.com/office/drawing/2014/main" id="{26BEA534-C28B-40E8-B9FE-1D8741BEF4BA}"/>
-              </a:ext>
-            </a:extLst>
-          </p:cNvPr>
-          <p:cNvSpPr>
-            <a:spLocks noGrp="1"/>
-          </p:cNvSpPr>
-          <p:nvPr>
-            <p:ph idx="1"/>
-          </p:nvPr>
-        </p:nvSpPr>
-        <p:spPr>
-          <a:xfrm>
-            <a:off x="1451579" y="2015732"/>
-            <a:ext cx="9603275" cy="3728120"/>
-          </a:xfrm>
-        </p:spPr>
-        <p:txBody>
-          <a:bodyPr>
-            <a:noAutofit/>
-          </a:bodyPr>
-          <a:lstStyle/>
-          <a:p>
-            <a:r>
-              <a:rPr lang="he-IL" dirty="0"/>
-              <a:t>בשביל לדעת את </a:t>
-            </a:r>
-            <a:r>
-              <a:rPr lang="he-IL" b="1" u="sng" dirty="0"/>
-              <a:t>יעילות</a:t>
-            </a:r>
-            <a:r>
-              <a:rPr lang="he-IL" dirty="0"/>
-              <a:t> פונקציות התיוג בדקנו את</a:t>
-            </a:r>
-            <a:br>
-              <a:rPr lang="en-US" dirty="0"/>
-            </a:br>
-            <a:r>
-              <a:rPr lang="he-IL" b="1" u="sng" dirty="0"/>
-              <a:t>הכיסוי</a:t>
-            </a:r>
-            <a:r>
-              <a:rPr lang="he-IL" dirty="0"/>
-              <a:t>, כלומר בכמה תיוגים כל פונקציה משתתפת.</a:t>
-            </a:r>
-          </a:p>
-          <a:p>
-            <a:r>
-              <a:rPr lang="he-IL" dirty="0"/>
-              <a:t>להלן הכיסוי של הפונקציות שלנו על טקסט המקור: </a:t>
-            </a:r>
-          </a:p>
-          <a:p>
-            <a:pPr marL="0" indent="0">
-              <a:buNone/>
-            </a:pPr>
-            <a:r>
-              <a:rPr lang="he-IL" dirty="0"/>
-              <a:t> </a:t>
-            </a:r>
-          </a:p>
-          <a:p>
-            <a:r>
-              <a:rPr lang="he-IL" dirty="0"/>
-              <a:t>ניתן לראות שפונקציית התיוג</a:t>
-            </a:r>
-            <a:r>
-              <a:rPr lang="en-US" dirty="0"/>
-              <a:t> </a:t>
-            </a:r>
-            <a:r>
-              <a:rPr lang="he-IL" dirty="0"/>
-              <a:t> </a:t>
-            </a:r>
-            <a:r>
-              <a:rPr lang="en-US" dirty="0" err="1"/>
-              <a:t>perek_and_sham</a:t>
-            </a:r>
-            <a:r>
-              <a:rPr lang="he-IL" dirty="0"/>
-              <a:t> </a:t>
-            </a:r>
-            <a:br>
-              <a:rPr lang="en-US" dirty="0"/>
-            </a:br>
-            <a:r>
-              <a:rPr lang="he-IL" dirty="0"/>
-              <a:t>כלל אינה מועילה ולכן הוסרה.</a:t>
-            </a:r>
-            <a:br>
-              <a:rPr lang="en-US" dirty="0"/>
-            </a:br>
-            <a:endParaRPr lang="he-IL" dirty="0"/>
-          </a:p>
-        </p:txBody>
-      </p:sp>
-      <p:sp>
-        <p:nvSpPr>
-          <p:cNvPr id="7" name="מלבן 6">
-            <a:extLst>
-              <a:ext uri="{FF2B5EF4-FFF2-40B4-BE49-F238E27FC236}">
-                <a16:creationId xmlns:a16="http://schemas.microsoft.com/office/drawing/2014/main" id="{F94C525C-C2E8-401D-AA50-BA355E83EC6D}"/>
-              </a:ext>
-            </a:extLst>
-          </p:cNvPr>
-          <p:cNvSpPr/>
-          <p:nvPr/>
-        </p:nvSpPr>
-        <p:spPr>
-          <a:xfrm>
-            <a:off x="4305409" y="633710"/>
-            <a:ext cx="3895618" cy="923330"/>
-          </a:xfrm>
-          <a:prstGeom prst="rect">
-            <a:avLst/>
-          </a:prstGeom>
-          <a:noFill/>
-        </p:spPr>
-        <p:txBody>
-          <a:bodyPr wrap="none" lIns="91440" tIns="45720" rIns="91440" bIns="45720">
-            <a:spAutoFit/>
-          </a:bodyPr>
-          <a:lstStyle/>
-          <a:p>
-            <a:pPr algn="ctr" defTabSz="914400" rtl="1">
-              <a:lnSpc>
-                <a:spcPct val="90000"/>
-              </a:lnSpc>
-              <a:spcBef>
-                <a:spcPct val="0"/>
-              </a:spcBef>
-            </a:pPr>
-            <a:r>
-              <a:rPr lang="he-IL" sz="6000" b="1" dirty="0">
-                <a:ln w="9525">
-                  <a:solidFill>
-                    <a:schemeClr val="bg1"/>
-                  </a:solidFill>
-                  <a:prstDash val="solid"/>
-                </a:ln>
-                <a:solidFill>
-                  <a:schemeClr val="accent2">
-                    <a:lumMod val="75000"/>
-                  </a:schemeClr>
-                </a:solidFill>
-                <a:effectLst>
-                  <a:outerShdw blurRad="12700" dist="38100" dir="2700000" algn="tl" rotWithShape="0">
-                    <a:schemeClr val="accent5">
-                      <a:lumMod val="60000"/>
-                      <a:lumOff val="40000"/>
-                    </a:schemeClr>
-                  </a:outerShdw>
-                </a:effectLst>
-                <a:latin typeface="+mj-lt"/>
-                <a:ea typeface="+mj-ea"/>
-                <a:cs typeface="+mj-cs"/>
-              </a:rPr>
-              <a:t>2 תיוג המידע</a:t>
-            </a:r>
-          </a:p>
-        </p:txBody>
-      </p:sp>
-    </p:spTree>
-    <p:extLst>
-      <p:ext uri="{BB962C8B-B14F-4D97-AF65-F5344CB8AC3E}">
-        <p14:creationId xmlns:p14="http://schemas.microsoft.com/office/powerpoint/2010/main" val="2168496972"/>
       </p:ext>
     </p:extLst>
   </p:cSld>
